--- a/Predictive_Author_Presentation.pptx
+++ b/Predictive_Author_Presentation.pptx
@@ -9,6 +9,16 @@
     <p:sldId id="257" r:id="rId3"/>
     <p:sldId id="258" r:id="rId4"/>
     <p:sldId id="259" r:id="rId5"/>
+    <p:sldId id="260" r:id="rId6"/>
+    <p:sldId id="261" r:id="rId7"/>
+    <p:sldId id="262" r:id="rId8"/>
+    <p:sldId id="263" r:id="rId9"/>
+    <p:sldId id="265" r:id="rId10"/>
+    <p:sldId id="266" r:id="rId11"/>
+    <p:sldId id="264" r:id="rId12"/>
+    <p:sldId id="267" r:id="rId13"/>
+    <p:sldId id="268" r:id="rId14"/>
+    <p:sldId id="269" r:id="rId15"/>
   </p:sldIdLst>
   <p:sldSz cx="12192000" cy="6858000"/>
   <p:notesSz cx="6858000" cy="9144000"/>
@@ -107,7 +117,16 @@
       </a:defRPr>
     </a:lvl9pPr>
   </p:defaultTextStyle>
+  <p:extLst>
+    <p:ext uri="{EFAFB233-063F-42B5-8137-9DF3F51BA10A}">
+      <p15:sldGuideLst xmlns:p15="http://schemas.microsoft.com/office/powerpoint/2012/main"/>
+    </p:ext>
+  </p:extLst>
 </p:presentation>
+</file>
+
+<file path=ppt/revisionInfo.xml><?xml version="1.0" encoding="utf-8"?>
+<p1510:revInfo xmlns:a="http://schemas.openxmlformats.org/drawingml/2006/main" xmlns:r="http://schemas.openxmlformats.org/officeDocument/2006/relationships" xmlns:p1510="http://schemas.microsoft.com/office/powerpoint/2015/10/main"/>
 </file>
 
 <file path=ppt/slideLayouts/slideLayout1.xml><?xml version="1.0" encoding="utf-8"?>
@@ -257,7 +276,7 @@
           <a:p>
             <a:fld id="{005806F1-D16A-4C27-A1BB-B8B7CB5A8967}" type="datetimeFigureOut">
               <a:rPr lang="en-US" smtClean="0"/>
-              <a:t>11/29/2017</a:t>
+              <a:t>12/4/2017</a:t>
             </a:fld>
             <a:endParaRPr lang="en-US"/>
           </a:p>
@@ -455,7 +474,7 @@
           <a:p>
             <a:fld id="{005806F1-D16A-4C27-A1BB-B8B7CB5A8967}" type="datetimeFigureOut">
               <a:rPr lang="en-US" smtClean="0"/>
-              <a:t>11/29/2017</a:t>
+              <a:t>12/4/2017</a:t>
             </a:fld>
             <a:endParaRPr lang="en-US"/>
           </a:p>
@@ -663,7 +682,7 @@
           <a:p>
             <a:fld id="{005806F1-D16A-4C27-A1BB-B8B7CB5A8967}" type="datetimeFigureOut">
               <a:rPr lang="en-US" smtClean="0"/>
-              <a:t>11/29/2017</a:t>
+              <a:t>12/4/2017</a:t>
             </a:fld>
             <a:endParaRPr lang="en-US"/>
           </a:p>
@@ -861,7 +880,7 @@
           <a:p>
             <a:fld id="{005806F1-D16A-4C27-A1BB-B8B7CB5A8967}" type="datetimeFigureOut">
               <a:rPr lang="en-US" smtClean="0"/>
-              <a:t>11/29/2017</a:t>
+              <a:t>12/4/2017</a:t>
             </a:fld>
             <a:endParaRPr lang="en-US"/>
           </a:p>
@@ -1136,7 +1155,7 @@
           <a:p>
             <a:fld id="{005806F1-D16A-4C27-A1BB-B8B7CB5A8967}" type="datetimeFigureOut">
               <a:rPr lang="en-US" smtClean="0"/>
-              <a:t>11/29/2017</a:t>
+              <a:t>12/4/2017</a:t>
             </a:fld>
             <a:endParaRPr lang="en-US"/>
           </a:p>
@@ -1401,7 +1420,7 @@
           <a:p>
             <a:fld id="{005806F1-D16A-4C27-A1BB-B8B7CB5A8967}" type="datetimeFigureOut">
               <a:rPr lang="en-US" smtClean="0"/>
-              <a:t>11/29/2017</a:t>
+              <a:t>12/4/2017</a:t>
             </a:fld>
             <a:endParaRPr lang="en-US"/>
           </a:p>
@@ -1813,7 +1832,7 @@
           <a:p>
             <a:fld id="{005806F1-D16A-4C27-A1BB-B8B7CB5A8967}" type="datetimeFigureOut">
               <a:rPr lang="en-US" smtClean="0"/>
-              <a:t>11/29/2017</a:t>
+              <a:t>12/4/2017</a:t>
             </a:fld>
             <a:endParaRPr lang="en-US"/>
           </a:p>
@@ -1954,7 +1973,7 @@
           <a:p>
             <a:fld id="{005806F1-D16A-4C27-A1BB-B8B7CB5A8967}" type="datetimeFigureOut">
               <a:rPr lang="en-US" smtClean="0"/>
-              <a:t>11/29/2017</a:t>
+              <a:t>12/4/2017</a:t>
             </a:fld>
             <a:endParaRPr lang="en-US"/>
           </a:p>
@@ -2067,7 +2086,7 @@
           <a:p>
             <a:fld id="{005806F1-D16A-4C27-A1BB-B8B7CB5A8967}" type="datetimeFigureOut">
               <a:rPr lang="en-US" smtClean="0"/>
-              <a:t>11/29/2017</a:t>
+              <a:t>12/4/2017</a:t>
             </a:fld>
             <a:endParaRPr lang="en-US"/>
           </a:p>
@@ -2378,7 +2397,7 @@
           <a:p>
             <a:fld id="{005806F1-D16A-4C27-A1BB-B8B7CB5A8967}" type="datetimeFigureOut">
               <a:rPr lang="en-US" smtClean="0"/>
-              <a:t>11/29/2017</a:t>
+              <a:t>12/4/2017</a:t>
             </a:fld>
             <a:endParaRPr lang="en-US"/>
           </a:p>
@@ -2666,7 +2685,7 @@
           <a:p>
             <a:fld id="{005806F1-D16A-4C27-A1BB-B8B7CB5A8967}" type="datetimeFigureOut">
               <a:rPr lang="en-US" smtClean="0"/>
-              <a:t>11/29/2017</a:t>
+              <a:t>12/4/2017</a:t>
             </a:fld>
             <a:endParaRPr lang="en-US"/>
           </a:p>
@@ -2907,7 +2926,7 @@
           <a:p>
             <a:fld id="{005806F1-D16A-4C27-A1BB-B8B7CB5A8967}" type="datetimeFigureOut">
               <a:rPr lang="en-US" smtClean="0"/>
-              <a:t>11/29/2017</a:t>
+              <a:t>12/4/2017</a:t>
             </a:fld>
             <a:endParaRPr lang="en-US"/>
           </a:p>
@@ -3361,35 +3380,1087 @@
           </a:p>
         </p:txBody>
       </p:sp>
-      <p:sp>
-        <p:nvSpPr>
-          <p:cNvPr id="3" name="Subtitle 2">
-            <a:extLst>
-              <a:ext uri="{FF2B5EF4-FFF2-40B4-BE49-F238E27FC236}">
-                <a16:creationId xmlns:a16="http://schemas.microsoft.com/office/drawing/2014/main" id="{5EE3143E-9082-4087-80B9-C722C55877F1}"/>
-              </a:ext>
-            </a:extLst>
-          </p:cNvPr>
-          <p:cNvSpPr>
-            <a:spLocks noGrp="1"/>
-          </p:cNvSpPr>
-          <p:nvPr>
-            <p:ph type="subTitle" idx="1"/>
-          </p:nvPr>
-        </p:nvSpPr>
-        <p:spPr/>
-        <p:txBody>
-          <a:bodyPr/>
-          <a:lstStyle/>
-          <a:p>
-            <a:endParaRPr lang="en-US"/>
-          </a:p>
-        </p:txBody>
-      </p:sp>
+      <p:pic>
+        <p:nvPicPr>
+          <p:cNvPr id="5" name="Graphic 4" descr="Bats">
+            <a:extLst>
+              <a:ext uri="{FF2B5EF4-FFF2-40B4-BE49-F238E27FC236}">
+                <a16:creationId xmlns:a16="http://schemas.microsoft.com/office/drawing/2014/main" id="{AE7E083E-601C-4572-9E8A-9C1514BAF494}"/>
+              </a:ext>
+            </a:extLst>
+          </p:cNvPr>
+          <p:cNvPicPr>
+            <a:picLocks noChangeAspect="1"/>
+          </p:cNvPicPr>
+          <p:nvPr/>
+        </p:nvPicPr>
+        <p:blipFill>
+          <a:blip r:embed="rId2">
+            <a:extLst>
+              <a:ext uri="{28A0092B-C50C-407E-A947-70E740481C1C}">
+                <a14:useLocalDpi xmlns:a14="http://schemas.microsoft.com/office/drawing/2010/main" val="0"/>
+              </a:ext>
+              <a:ext uri="{96DAC541-7B7A-43D3-8B79-37D633B846F1}">
+                <asvg:svgBlip xmlns:asvg="http://schemas.microsoft.com/office/drawing/2016/SVG/main" r:embed="rId3"/>
+              </a:ext>
+            </a:extLst>
+          </a:blip>
+          <a:stretch>
+            <a:fillRect/>
+          </a:stretch>
+        </p:blipFill>
+        <p:spPr>
+          <a:xfrm>
+            <a:off x="7846827" y="2892056"/>
+            <a:ext cx="3753293" cy="3753293"/>
+          </a:xfrm>
+          <a:prstGeom prst="rect">
+            <a:avLst/>
+          </a:prstGeom>
+        </p:spPr>
+      </p:pic>
+      <p:pic>
+        <p:nvPicPr>
+          <p:cNvPr id="9" name="Picture 8">
+            <a:extLst>
+              <a:ext uri="{FF2B5EF4-FFF2-40B4-BE49-F238E27FC236}">
+                <a16:creationId xmlns:a16="http://schemas.microsoft.com/office/drawing/2014/main" id="{8C70DE9F-080D-4358-BB77-78CA810A1EED}"/>
+              </a:ext>
+            </a:extLst>
+          </p:cNvPr>
+          <p:cNvPicPr>
+            <a:picLocks noChangeAspect="1"/>
+          </p:cNvPicPr>
+          <p:nvPr/>
+        </p:nvPicPr>
+        <p:blipFill>
+          <a:blip r:embed="rId4">
+            <a:extLst>
+              <a:ext uri="{28A0092B-C50C-407E-A947-70E740481C1C}">
+                <a14:useLocalDpi xmlns:a14="http://schemas.microsoft.com/office/drawing/2010/main" val="0"/>
+              </a:ext>
+              <a:ext uri="{837473B0-CC2E-450A-ABE3-18F120FF3D39}">
+                <a1611:picAttrSrcUrl xmlns:a1611="http://schemas.microsoft.com/office/drawing/2016/11/main" r:id="rId5"/>
+              </a:ext>
+            </a:extLst>
+          </a:blip>
+          <a:stretch>
+            <a:fillRect/>
+          </a:stretch>
+        </p:blipFill>
+        <p:spPr>
+          <a:xfrm flipH="1">
+            <a:off x="955158" y="3275188"/>
+            <a:ext cx="3030281" cy="3056499"/>
+          </a:xfrm>
+          <a:prstGeom prst="rect">
+            <a:avLst/>
+          </a:prstGeom>
+        </p:spPr>
+      </p:pic>
     </p:spTree>
     <p:extLst>
       <p:ext uri="{BB962C8B-B14F-4D97-AF65-F5344CB8AC3E}">
         <p14:creationId xmlns:p14="http://schemas.microsoft.com/office/powerpoint/2010/main" val="1969273450"/>
+      </p:ext>
+    </p:extLst>
+  </p:cSld>
+  <p:clrMapOvr>
+    <a:masterClrMapping/>
+  </p:clrMapOvr>
+</p:sld>
+</file>
+
+<file path=ppt/slides/slide10.xml><?xml version="1.0" encoding="utf-8"?>
+<p:sld xmlns:a="http://schemas.openxmlformats.org/drawingml/2006/main" xmlns:r="http://schemas.openxmlformats.org/officeDocument/2006/relationships" xmlns:p="http://schemas.openxmlformats.org/presentationml/2006/main">
+  <p:cSld>
+    <p:spTree>
+      <p:nvGrpSpPr>
+        <p:cNvPr id="1" name=""/>
+        <p:cNvGrpSpPr/>
+        <p:nvPr/>
+      </p:nvGrpSpPr>
+      <p:grpSpPr>
+        <a:xfrm>
+          <a:off x="0" y="0"/>
+          <a:ext cx="0" cy="0"/>
+          <a:chOff x="0" y="0"/>
+          <a:chExt cx="0" cy="0"/>
+        </a:xfrm>
+      </p:grpSpPr>
+      <p:pic>
+        <p:nvPicPr>
+          <p:cNvPr id="5" name="Content Placeholder 4">
+            <a:extLst>
+              <a:ext uri="{FF2B5EF4-FFF2-40B4-BE49-F238E27FC236}">
+                <a16:creationId xmlns:a16="http://schemas.microsoft.com/office/drawing/2014/main" id="{2C577C6A-39A1-4709-A026-EE3F44815A25}"/>
+              </a:ext>
+            </a:extLst>
+          </p:cNvPr>
+          <p:cNvPicPr>
+            <a:picLocks noGrp="1" noChangeAspect="1"/>
+          </p:cNvPicPr>
+          <p:nvPr>
+            <p:ph idx="1"/>
+          </p:nvPr>
+        </p:nvPicPr>
+        <p:blipFill>
+          <a:blip r:embed="rId2">
+            <a:extLst>
+              <a:ext uri="{28A0092B-C50C-407E-A947-70E740481C1C}">
+                <a14:useLocalDpi xmlns:a14="http://schemas.microsoft.com/office/drawing/2010/main" val="0"/>
+              </a:ext>
+            </a:extLst>
+          </a:blip>
+          <a:stretch>
+            <a:fillRect/>
+          </a:stretch>
+        </p:blipFill>
+        <p:spPr>
+          <a:xfrm>
+            <a:off x="1222746" y="685800"/>
+            <a:ext cx="4114801" cy="2743200"/>
+          </a:xfrm>
+        </p:spPr>
+      </p:pic>
+      <p:pic>
+        <p:nvPicPr>
+          <p:cNvPr id="9" name="Picture 8">
+            <a:extLst>
+              <a:ext uri="{FF2B5EF4-FFF2-40B4-BE49-F238E27FC236}">
+                <a16:creationId xmlns:a16="http://schemas.microsoft.com/office/drawing/2014/main" id="{BF9D8F32-BAFF-4B28-B967-0A326884625A}"/>
+              </a:ext>
+            </a:extLst>
+          </p:cNvPr>
+          <p:cNvPicPr>
+            <a:picLocks noChangeAspect="1"/>
+          </p:cNvPicPr>
+          <p:nvPr/>
+        </p:nvPicPr>
+        <p:blipFill>
+          <a:blip r:embed="rId3">
+            <a:extLst>
+              <a:ext uri="{28A0092B-C50C-407E-A947-70E740481C1C}">
+                <a14:useLocalDpi xmlns:a14="http://schemas.microsoft.com/office/drawing/2010/main" val="0"/>
+              </a:ext>
+            </a:extLst>
+          </a:blip>
+          <a:stretch>
+            <a:fillRect/>
+          </a:stretch>
+        </p:blipFill>
+        <p:spPr>
+          <a:xfrm>
+            <a:off x="1222746" y="3566337"/>
+            <a:ext cx="4114801" cy="2743200"/>
+          </a:xfrm>
+          <a:prstGeom prst="rect">
+            <a:avLst/>
+          </a:prstGeom>
+        </p:spPr>
+      </p:pic>
+      <p:pic>
+        <p:nvPicPr>
+          <p:cNvPr id="4" name="Picture 3">
+            <a:extLst>
+              <a:ext uri="{FF2B5EF4-FFF2-40B4-BE49-F238E27FC236}">
+                <a16:creationId xmlns:a16="http://schemas.microsoft.com/office/drawing/2014/main" id="{69A95056-A413-4558-8D5A-3FDD6ABEC277}"/>
+              </a:ext>
+            </a:extLst>
+          </p:cNvPr>
+          <p:cNvPicPr>
+            <a:picLocks noChangeAspect="1"/>
+          </p:cNvPicPr>
+          <p:nvPr/>
+        </p:nvPicPr>
+        <p:blipFill>
+          <a:blip r:embed="rId4">
+            <a:extLst>
+              <a:ext uri="{28A0092B-C50C-407E-A947-70E740481C1C}">
+                <a14:useLocalDpi xmlns:a14="http://schemas.microsoft.com/office/drawing/2010/main" val="0"/>
+              </a:ext>
+            </a:extLst>
+          </a:blip>
+          <a:stretch>
+            <a:fillRect/>
+          </a:stretch>
+        </p:blipFill>
+        <p:spPr>
+          <a:xfrm>
+            <a:off x="6640031" y="685800"/>
+            <a:ext cx="4114801" cy="2743200"/>
+          </a:xfrm>
+          <a:prstGeom prst="rect">
+            <a:avLst/>
+          </a:prstGeom>
+        </p:spPr>
+      </p:pic>
+      <p:pic>
+        <p:nvPicPr>
+          <p:cNvPr id="8" name="Picture 7">
+            <a:extLst>
+              <a:ext uri="{FF2B5EF4-FFF2-40B4-BE49-F238E27FC236}">
+                <a16:creationId xmlns:a16="http://schemas.microsoft.com/office/drawing/2014/main" id="{D96B8AEE-CBB0-4544-ACDA-FC265EC0C595}"/>
+              </a:ext>
+            </a:extLst>
+          </p:cNvPr>
+          <p:cNvPicPr>
+            <a:picLocks noChangeAspect="1"/>
+          </p:cNvPicPr>
+          <p:nvPr/>
+        </p:nvPicPr>
+        <p:blipFill>
+          <a:blip r:embed="rId5">
+            <a:extLst>
+              <a:ext uri="{28A0092B-C50C-407E-A947-70E740481C1C}">
+                <a14:useLocalDpi xmlns:a14="http://schemas.microsoft.com/office/drawing/2010/main" val="0"/>
+              </a:ext>
+            </a:extLst>
+          </a:blip>
+          <a:stretch>
+            <a:fillRect/>
+          </a:stretch>
+        </p:blipFill>
+        <p:spPr>
+          <a:xfrm>
+            <a:off x="6640031" y="3603552"/>
+            <a:ext cx="4114800" cy="2743200"/>
+          </a:xfrm>
+          <a:prstGeom prst="rect">
+            <a:avLst/>
+          </a:prstGeom>
+        </p:spPr>
+      </p:pic>
+      <p:sp>
+        <p:nvSpPr>
+          <p:cNvPr id="10" name="TextBox 9">
+            <a:extLst>
+              <a:ext uri="{FF2B5EF4-FFF2-40B4-BE49-F238E27FC236}">
+                <a16:creationId xmlns:a16="http://schemas.microsoft.com/office/drawing/2014/main" id="{3D4D3B24-8FA5-45A7-97A4-AE90D658FFF4}"/>
+              </a:ext>
+            </a:extLst>
+          </p:cNvPr>
+          <p:cNvSpPr txBox="1"/>
+          <p:nvPr/>
+        </p:nvSpPr>
+        <p:spPr>
+          <a:xfrm>
+            <a:off x="2764466" y="228600"/>
+            <a:ext cx="2456121" cy="377456"/>
+          </a:xfrm>
+          <a:prstGeom prst="rect">
+            <a:avLst/>
+          </a:prstGeom>
+          <a:noFill/>
+        </p:spPr>
+        <p:txBody>
+          <a:bodyPr wrap="square" rtlCol="0">
+            <a:spAutoFit/>
+          </a:bodyPr>
+          <a:lstStyle/>
+          <a:p>
+            <a:r>
+              <a:rPr lang="en-US" dirty="0"/>
+              <a:t>Train Data</a:t>
+            </a:r>
+          </a:p>
+        </p:txBody>
+      </p:sp>
+      <p:sp>
+        <p:nvSpPr>
+          <p:cNvPr id="11" name="TextBox 10">
+            <a:extLst>
+              <a:ext uri="{FF2B5EF4-FFF2-40B4-BE49-F238E27FC236}">
+                <a16:creationId xmlns:a16="http://schemas.microsoft.com/office/drawing/2014/main" id="{6A8DC554-73B9-40C0-94DC-B0CB47D97A50}"/>
+              </a:ext>
+            </a:extLst>
+          </p:cNvPr>
+          <p:cNvSpPr txBox="1"/>
+          <p:nvPr/>
+        </p:nvSpPr>
+        <p:spPr>
+          <a:xfrm>
+            <a:off x="8060366" y="228600"/>
+            <a:ext cx="2456121" cy="377456"/>
+          </a:xfrm>
+          <a:prstGeom prst="rect">
+            <a:avLst/>
+          </a:prstGeom>
+          <a:noFill/>
+        </p:spPr>
+        <p:txBody>
+          <a:bodyPr wrap="square" rtlCol="0">
+            <a:spAutoFit/>
+          </a:bodyPr>
+          <a:lstStyle/>
+          <a:p>
+            <a:r>
+              <a:rPr lang="en-US" dirty="0"/>
+              <a:t>Test Data</a:t>
+            </a:r>
+          </a:p>
+        </p:txBody>
+      </p:sp>
+    </p:spTree>
+    <p:extLst>
+      <p:ext uri="{BB962C8B-B14F-4D97-AF65-F5344CB8AC3E}">
+        <p14:creationId xmlns:p14="http://schemas.microsoft.com/office/powerpoint/2010/main" val="2081719474"/>
+      </p:ext>
+    </p:extLst>
+  </p:cSld>
+  <p:clrMapOvr>
+    <a:masterClrMapping/>
+  </p:clrMapOvr>
+</p:sld>
+</file>
+
+<file path=ppt/slides/slide11.xml><?xml version="1.0" encoding="utf-8"?>
+<p:sld xmlns:a="http://schemas.openxmlformats.org/drawingml/2006/main" xmlns:r="http://schemas.openxmlformats.org/officeDocument/2006/relationships" xmlns:p="http://schemas.openxmlformats.org/presentationml/2006/main">
+  <p:cSld>
+    <p:spTree>
+      <p:nvGrpSpPr>
+        <p:cNvPr id="1" name=""/>
+        <p:cNvGrpSpPr/>
+        <p:nvPr/>
+      </p:nvGrpSpPr>
+      <p:grpSpPr>
+        <a:xfrm>
+          <a:off x="0" y="0"/>
+          <a:ext cx="0" cy="0"/>
+          <a:chOff x="0" y="0"/>
+          <a:chExt cx="0" cy="0"/>
+        </a:xfrm>
+      </p:grpSpPr>
+      <p:pic>
+        <p:nvPicPr>
+          <p:cNvPr id="6" name="Content Placeholder 5">
+            <a:extLst>
+              <a:ext uri="{FF2B5EF4-FFF2-40B4-BE49-F238E27FC236}">
+                <a16:creationId xmlns:a16="http://schemas.microsoft.com/office/drawing/2014/main" id="{0E8A59A5-D2BA-45F5-BFA1-824649B6CA2C}"/>
+              </a:ext>
+            </a:extLst>
+          </p:cNvPr>
+          <p:cNvPicPr>
+            <a:picLocks noGrp="1" noChangeAspect="1"/>
+          </p:cNvPicPr>
+          <p:nvPr>
+            <p:ph idx="1"/>
+          </p:nvPr>
+        </p:nvPicPr>
+        <p:blipFill>
+          <a:blip r:embed="rId2">
+            <a:extLst>
+              <a:ext uri="{28A0092B-C50C-407E-A947-70E740481C1C}">
+                <a14:useLocalDpi xmlns:a14="http://schemas.microsoft.com/office/drawing/2010/main" val="0"/>
+              </a:ext>
+            </a:extLst>
+          </a:blip>
+          <a:stretch>
+            <a:fillRect/>
+          </a:stretch>
+        </p:blipFill>
+        <p:spPr>
+          <a:xfrm>
+            <a:off x="5344632" y="3583173"/>
+            <a:ext cx="6400800" cy="3200400"/>
+          </a:xfrm>
+        </p:spPr>
+      </p:pic>
+      <p:pic>
+        <p:nvPicPr>
+          <p:cNvPr id="4" name="Picture 3">
+            <a:extLst>
+              <a:ext uri="{FF2B5EF4-FFF2-40B4-BE49-F238E27FC236}">
+                <a16:creationId xmlns:a16="http://schemas.microsoft.com/office/drawing/2014/main" id="{FB30AFD1-7095-4425-BB35-F56F43BB1E57}"/>
+              </a:ext>
+            </a:extLst>
+          </p:cNvPr>
+          <p:cNvPicPr>
+            <a:picLocks noChangeAspect="1"/>
+          </p:cNvPicPr>
+          <p:nvPr/>
+        </p:nvPicPr>
+        <p:blipFill>
+          <a:blip r:embed="rId3">
+            <a:extLst>
+              <a:ext uri="{28A0092B-C50C-407E-A947-70E740481C1C}">
+                <a14:useLocalDpi xmlns:a14="http://schemas.microsoft.com/office/drawing/2010/main" val="0"/>
+              </a:ext>
+            </a:extLst>
+          </a:blip>
+          <a:stretch>
+            <a:fillRect/>
+          </a:stretch>
+        </p:blipFill>
+        <p:spPr>
+          <a:xfrm>
+            <a:off x="404037" y="649528"/>
+            <a:ext cx="6400802" cy="3200400"/>
+          </a:xfrm>
+          <a:prstGeom prst="rect">
+            <a:avLst/>
+          </a:prstGeom>
+        </p:spPr>
+      </p:pic>
+      <p:sp>
+        <p:nvSpPr>
+          <p:cNvPr id="7" name="TextBox 6">
+            <a:extLst>
+              <a:ext uri="{FF2B5EF4-FFF2-40B4-BE49-F238E27FC236}">
+                <a16:creationId xmlns:a16="http://schemas.microsoft.com/office/drawing/2014/main" id="{1A39CF2D-08C3-408E-A46C-8AF4F49972D8}"/>
+              </a:ext>
+            </a:extLst>
+          </p:cNvPr>
+          <p:cNvSpPr txBox="1"/>
+          <p:nvPr/>
+        </p:nvSpPr>
+        <p:spPr>
+          <a:xfrm>
+            <a:off x="3381154" y="228600"/>
+            <a:ext cx="2456121" cy="377456"/>
+          </a:xfrm>
+          <a:prstGeom prst="rect">
+            <a:avLst/>
+          </a:prstGeom>
+          <a:noFill/>
+        </p:spPr>
+        <p:txBody>
+          <a:bodyPr wrap="square" rtlCol="0">
+            <a:spAutoFit/>
+          </a:bodyPr>
+          <a:lstStyle/>
+          <a:p>
+            <a:r>
+              <a:rPr lang="en-US" dirty="0"/>
+              <a:t>Train Data</a:t>
+            </a:r>
+          </a:p>
+        </p:txBody>
+      </p:sp>
+      <p:sp>
+        <p:nvSpPr>
+          <p:cNvPr id="8" name="TextBox 7">
+            <a:extLst>
+              <a:ext uri="{FF2B5EF4-FFF2-40B4-BE49-F238E27FC236}">
+                <a16:creationId xmlns:a16="http://schemas.microsoft.com/office/drawing/2014/main" id="{6BB7EEC2-2EFA-4999-A523-2199E54627ED}"/>
+              </a:ext>
+            </a:extLst>
+          </p:cNvPr>
+          <p:cNvSpPr txBox="1"/>
+          <p:nvPr/>
+        </p:nvSpPr>
+        <p:spPr>
+          <a:xfrm>
+            <a:off x="8219854" y="2897371"/>
+            <a:ext cx="2456121" cy="377456"/>
+          </a:xfrm>
+          <a:prstGeom prst="rect">
+            <a:avLst/>
+          </a:prstGeom>
+          <a:noFill/>
+        </p:spPr>
+        <p:txBody>
+          <a:bodyPr wrap="square" rtlCol="0">
+            <a:spAutoFit/>
+          </a:bodyPr>
+          <a:lstStyle/>
+          <a:p>
+            <a:r>
+              <a:rPr lang="en-US" dirty="0"/>
+              <a:t>Test Data</a:t>
+            </a:r>
+          </a:p>
+        </p:txBody>
+      </p:sp>
+    </p:spTree>
+    <p:extLst>
+      <p:ext uri="{BB962C8B-B14F-4D97-AF65-F5344CB8AC3E}">
+        <p14:creationId xmlns:p14="http://schemas.microsoft.com/office/powerpoint/2010/main" val="3424517469"/>
+      </p:ext>
+    </p:extLst>
+  </p:cSld>
+  <p:clrMapOvr>
+    <a:masterClrMapping/>
+  </p:clrMapOvr>
+</p:sld>
+</file>
+
+<file path=ppt/slides/slide12.xml><?xml version="1.0" encoding="utf-8"?>
+<p:sld xmlns:a="http://schemas.openxmlformats.org/drawingml/2006/main" xmlns:r="http://schemas.openxmlformats.org/officeDocument/2006/relationships" xmlns:p="http://schemas.openxmlformats.org/presentationml/2006/main">
+  <p:cSld>
+    <p:spTree>
+      <p:nvGrpSpPr>
+        <p:cNvPr id="1" name=""/>
+        <p:cNvGrpSpPr/>
+        <p:nvPr/>
+      </p:nvGrpSpPr>
+      <p:grpSpPr>
+        <a:xfrm>
+          <a:off x="0" y="0"/>
+          <a:ext cx="0" cy="0"/>
+          <a:chOff x="0" y="0"/>
+          <a:chExt cx="0" cy="0"/>
+        </a:xfrm>
+      </p:grpSpPr>
+      <p:pic>
+        <p:nvPicPr>
+          <p:cNvPr id="5" name="Content Placeholder 4">
+            <a:extLst>
+              <a:ext uri="{FF2B5EF4-FFF2-40B4-BE49-F238E27FC236}">
+                <a16:creationId xmlns:a16="http://schemas.microsoft.com/office/drawing/2014/main" id="{0887A0AC-EC22-485E-86AD-70C77DB3AA1C}"/>
+              </a:ext>
+            </a:extLst>
+          </p:cNvPr>
+          <p:cNvPicPr>
+            <a:picLocks noGrp="1" noChangeAspect="1"/>
+          </p:cNvPicPr>
+          <p:nvPr>
+            <p:ph idx="1"/>
+          </p:nvPr>
+        </p:nvPicPr>
+        <p:blipFill>
+          <a:blip r:embed="rId2">
+            <a:extLst>
+              <a:ext uri="{28A0092B-C50C-407E-A947-70E740481C1C}">
+                <a14:useLocalDpi xmlns:a14="http://schemas.microsoft.com/office/drawing/2010/main" val="0"/>
+              </a:ext>
+            </a:extLst>
+          </a:blip>
+          <a:stretch>
+            <a:fillRect/>
+          </a:stretch>
+        </p:blipFill>
+        <p:spPr>
+          <a:xfrm>
+            <a:off x="1148317" y="606056"/>
+            <a:ext cx="4114801" cy="2743200"/>
+          </a:xfrm>
+        </p:spPr>
+      </p:pic>
+      <p:pic>
+        <p:nvPicPr>
+          <p:cNvPr id="7" name="Picture 6">
+            <a:extLst>
+              <a:ext uri="{FF2B5EF4-FFF2-40B4-BE49-F238E27FC236}">
+                <a16:creationId xmlns:a16="http://schemas.microsoft.com/office/drawing/2014/main" id="{F430C3C2-324A-462D-B2B0-FC94392D3316}"/>
+              </a:ext>
+            </a:extLst>
+          </p:cNvPr>
+          <p:cNvPicPr>
+            <a:picLocks noChangeAspect="1"/>
+          </p:cNvPicPr>
+          <p:nvPr/>
+        </p:nvPicPr>
+        <p:blipFill>
+          <a:blip r:embed="rId3">
+            <a:extLst>
+              <a:ext uri="{28A0092B-C50C-407E-A947-70E740481C1C}">
+                <a14:useLocalDpi xmlns:a14="http://schemas.microsoft.com/office/drawing/2010/main" val="0"/>
+              </a:ext>
+            </a:extLst>
+          </a:blip>
+          <a:stretch>
+            <a:fillRect/>
+          </a:stretch>
+        </p:blipFill>
+        <p:spPr>
+          <a:xfrm>
+            <a:off x="1148317" y="3638031"/>
+            <a:ext cx="4114800" cy="2743200"/>
+          </a:xfrm>
+          <a:prstGeom prst="rect">
+            <a:avLst/>
+          </a:prstGeom>
+        </p:spPr>
+      </p:pic>
+      <p:pic>
+        <p:nvPicPr>
+          <p:cNvPr id="4" name="Picture 3">
+            <a:extLst>
+              <a:ext uri="{FF2B5EF4-FFF2-40B4-BE49-F238E27FC236}">
+                <a16:creationId xmlns:a16="http://schemas.microsoft.com/office/drawing/2014/main" id="{0BE02643-629E-48C4-8055-03B9D6835F31}"/>
+              </a:ext>
+            </a:extLst>
+          </p:cNvPr>
+          <p:cNvPicPr>
+            <a:picLocks noChangeAspect="1"/>
+          </p:cNvPicPr>
+          <p:nvPr/>
+        </p:nvPicPr>
+        <p:blipFill>
+          <a:blip r:embed="rId4">
+            <a:extLst>
+              <a:ext uri="{28A0092B-C50C-407E-A947-70E740481C1C}">
+                <a14:useLocalDpi xmlns:a14="http://schemas.microsoft.com/office/drawing/2010/main" val="0"/>
+              </a:ext>
+            </a:extLst>
+          </a:blip>
+          <a:stretch>
+            <a:fillRect/>
+          </a:stretch>
+        </p:blipFill>
+        <p:spPr>
+          <a:xfrm>
+            <a:off x="6454851" y="606056"/>
+            <a:ext cx="4114801" cy="2743200"/>
+          </a:xfrm>
+          <a:prstGeom prst="rect">
+            <a:avLst/>
+          </a:prstGeom>
+        </p:spPr>
+      </p:pic>
+      <p:pic>
+        <p:nvPicPr>
+          <p:cNvPr id="8" name="Picture 7">
+            <a:extLst>
+              <a:ext uri="{FF2B5EF4-FFF2-40B4-BE49-F238E27FC236}">
+                <a16:creationId xmlns:a16="http://schemas.microsoft.com/office/drawing/2014/main" id="{7BB6CAAB-362F-437E-8C8F-A51AB068D958}"/>
+              </a:ext>
+            </a:extLst>
+          </p:cNvPr>
+          <p:cNvPicPr>
+            <a:picLocks noChangeAspect="1"/>
+          </p:cNvPicPr>
+          <p:nvPr/>
+        </p:nvPicPr>
+        <p:blipFill>
+          <a:blip r:embed="rId5">
+            <a:extLst>
+              <a:ext uri="{28A0092B-C50C-407E-A947-70E740481C1C}">
+                <a14:useLocalDpi xmlns:a14="http://schemas.microsoft.com/office/drawing/2010/main" val="0"/>
+              </a:ext>
+            </a:extLst>
+          </a:blip>
+          <a:stretch>
+            <a:fillRect/>
+          </a:stretch>
+        </p:blipFill>
+        <p:spPr>
+          <a:xfrm>
+            <a:off x="6454851" y="3638031"/>
+            <a:ext cx="4114801" cy="2743200"/>
+          </a:xfrm>
+          <a:prstGeom prst="rect">
+            <a:avLst/>
+          </a:prstGeom>
+        </p:spPr>
+      </p:pic>
+      <p:sp>
+        <p:nvSpPr>
+          <p:cNvPr id="10" name="TextBox 9">
+            <a:extLst>
+              <a:ext uri="{FF2B5EF4-FFF2-40B4-BE49-F238E27FC236}">
+                <a16:creationId xmlns:a16="http://schemas.microsoft.com/office/drawing/2014/main" id="{83DB4363-816D-49C6-8145-A62E56DE986B}"/>
+              </a:ext>
+            </a:extLst>
+          </p:cNvPr>
+          <p:cNvSpPr txBox="1"/>
+          <p:nvPr/>
+        </p:nvSpPr>
+        <p:spPr>
+          <a:xfrm>
+            <a:off x="2764466" y="228600"/>
+            <a:ext cx="2456121" cy="377456"/>
+          </a:xfrm>
+          <a:prstGeom prst="rect">
+            <a:avLst/>
+          </a:prstGeom>
+          <a:noFill/>
+        </p:spPr>
+        <p:txBody>
+          <a:bodyPr wrap="square" rtlCol="0">
+            <a:spAutoFit/>
+          </a:bodyPr>
+          <a:lstStyle/>
+          <a:p>
+            <a:r>
+              <a:rPr lang="en-US" dirty="0"/>
+              <a:t>Train Data</a:t>
+            </a:r>
+          </a:p>
+        </p:txBody>
+      </p:sp>
+      <p:sp>
+        <p:nvSpPr>
+          <p:cNvPr id="11" name="TextBox 10">
+            <a:extLst>
+              <a:ext uri="{FF2B5EF4-FFF2-40B4-BE49-F238E27FC236}">
+                <a16:creationId xmlns:a16="http://schemas.microsoft.com/office/drawing/2014/main" id="{DC1336CA-8192-4824-B159-98687F0D735E}"/>
+              </a:ext>
+            </a:extLst>
+          </p:cNvPr>
+          <p:cNvSpPr txBox="1"/>
+          <p:nvPr/>
+        </p:nvSpPr>
+        <p:spPr>
+          <a:xfrm>
+            <a:off x="8060366" y="228600"/>
+            <a:ext cx="2456121" cy="377456"/>
+          </a:xfrm>
+          <a:prstGeom prst="rect">
+            <a:avLst/>
+          </a:prstGeom>
+          <a:noFill/>
+        </p:spPr>
+        <p:txBody>
+          <a:bodyPr wrap="square" rtlCol="0">
+            <a:spAutoFit/>
+          </a:bodyPr>
+          <a:lstStyle/>
+          <a:p>
+            <a:r>
+              <a:rPr lang="en-US" dirty="0"/>
+              <a:t>Test Data</a:t>
+            </a:r>
+          </a:p>
+        </p:txBody>
+      </p:sp>
+    </p:spTree>
+    <p:extLst>
+      <p:ext uri="{BB962C8B-B14F-4D97-AF65-F5344CB8AC3E}">
+        <p14:creationId xmlns:p14="http://schemas.microsoft.com/office/powerpoint/2010/main" val="789669418"/>
+      </p:ext>
+    </p:extLst>
+  </p:cSld>
+  <p:clrMapOvr>
+    <a:masterClrMapping/>
+  </p:clrMapOvr>
+</p:sld>
+</file>
+
+<file path=ppt/slides/slide13.xml><?xml version="1.0" encoding="utf-8"?>
+<p:sld xmlns:a="http://schemas.openxmlformats.org/drawingml/2006/main" xmlns:r="http://schemas.openxmlformats.org/officeDocument/2006/relationships" xmlns:p="http://schemas.openxmlformats.org/presentationml/2006/main">
+  <p:cSld>
+    <p:spTree>
+      <p:nvGrpSpPr>
+        <p:cNvPr id="1" name=""/>
+        <p:cNvGrpSpPr/>
+        <p:nvPr/>
+      </p:nvGrpSpPr>
+      <p:grpSpPr>
+        <a:xfrm>
+          <a:off x="0" y="0"/>
+          <a:ext cx="0" cy="0"/>
+          <a:chOff x="0" y="0"/>
+          <a:chExt cx="0" cy="0"/>
+        </a:xfrm>
+      </p:grpSpPr>
+      <p:pic>
+        <p:nvPicPr>
+          <p:cNvPr id="6" name="Content Placeholder 5">
+            <a:extLst>
+              <a:ext uri="{FF2B5EF4-FFF2-40B4-BE49-F238E27FC236}">
+                <a16:creationId xmlns:a16="http://schemas.microsoft.com/office/drawing/2014/main" id="{0F540402-BC21-470B-BFAE-EECDF564C379}"/>
+              </a:ext>
+            </a:extLst>
+          </p:cNvPr>
+          <p:cNvPicPr>
+            <a:picLocks noGrp="1" noChangeAspect="1"/>
+          </p:cNvPicPr>
+          <p:nvPr>
+            <p:ph idx="1"/>
+          </p:nvPr>
+        </p:nvPicPr>
+        <p:blipFill>
+          <a:blip r:embed="rId2">
+            <a:extLst>
+              <a:ext uri="{28A0092B-C50C-407E-A947-70E740481C1C}">
+                <a14:useLocalDpi xmlns:a14="http://schemas.microsoft.com/office/drawing/2010/main" val="0"/>
+              </a:ext>
+            </a:extLst>
+          </a:blip>
+          <a:stretch>
+            <a:fillRect/>
+          </a:stretch>
+        </p:blipFill>
+        <p:spPr>
+          <a:xfrm>
+            <a:off x="6212958" y="1811043"/>
+            <a:ext cx="5486411" cy="3657607"/>
+          </a:xfrm>
+        </p:spPr>
+      </p:pic>
+      <p:pic>
+        <p:nvPicPr>
+          <p:cNvPr id="4" name="Picture 3">
+            <a:extLst>
+              <a:ext uri="{FF2B5EF4-FFF2-40B4-BE49-F238E27FC236}">
+                <a16:creationId xmlns:a16="http://schemas.microsoft.com/office/drawing/2014/main" id="{68957571-BAC2-4B87-8C83-22A0D4729D06}"/>
+              </a:ext>
+            </a:extLst>
+          </p:cNvPr>
+          <p:cNvPicPr>
+            <a:picLocks noChangeAspect="1"/>
+          </p:cNvPicPr>
+          <p:nvPr/>
+        </p:nvPicPr>
+        <p:blipFill>
+          <a:blip r:embed="rId3">
+            <a:extLst>
+              <a:ext uri="{28A0092B-C50C-407E-A947-70E740481C1C}">
+                <a14:useLocalDpi xmlns:a14="http://schemas.microsoft.com/office/drawing/2010/main" val="0"/>
+              </a:ext>
+            </a:extLst>
+          </a:blip>
+          <a:stretch>
+            <a:fillRect/>
+          </a:stretch>
+        </p:blipFill>
+        <p:spPr>
+          <a:xfrm>
+            <a:off x="609589" y="1811044"/>
+            <a:ext cx="5486411" cy="3657607"/>
+          </a:xfrm>
+          <a:prstGeom prst="rect">
+            <a:avLst/>
+          </a:prstGeom>
+        </p:spPr>
+      </p:pic>
+      <p:sp>
+        <p:nvSpPr>
+          <p:cNvPr id="7" name="TextBox 6">
+            <a:extLst>
+              <a:ext uri="{FF2B5EF4-FFF2-40B4-BE49-F238E27FC236}">
+                <a16:creationId xmlns:a16="http://schemas.microsoft.com/office/drawing/2014/main" id="{713FA607-0BE8-45E4-8A8F-EADABB6DFF55}"/>
+              </a:ext>
+            </a:extLst>
+          </p:cNvPr>
+          <p:cNvSpPr txBox="1"/>
+          <p:nvPr/>
+        </p:nvSpPr>
+        <p:spPr>
+          <a:xfrm>
+            <a:off x="2764466" y="228600"/>
+            <a:ext cx="2456121" cy="377456"/>
+          </a:xfrm>
+          <a:prstGeom prst="rect">
+            <a:avLst/>
+          </a:prstGeom>
+          <a:noFill/>
+        </p:spPr>
+        <p:txBody>
+          <a:bodyPr wrap="square" rtlCol="0">
+            <a:spAutoFit/>
+          </a:bodyPr>
+          <a:lstStyle/>
+          <a:p>
+            <a:r>
+              <a:rPr lang="en-US" dirty="0"/>
+              <a:t>Train Data</a:t>
+            </a:r>
+          </a:p>
+        </p:txBody>
+      </p:sp>
+      <p:sp>
+        <p:nvSpPr>
+          <p:cNvPr id="8" name="TextBox 7">
+            <a:extLst>
+              <a:ext uri="{FF2B5EF4-FFF2-40B4-BE49-F238E27FC236}">
+                <a16:creationId xmlns:a16="http://schemas.microsoft.com/office/drawing/2014/main" id="{D91B13D6-8D39-4FEB-8D07-89E70DA5439E}"/>
+              </a:ext>
+            </a:extLst>
+          </p:cNvPr>
+          <p:cNvSpPr txBox="1"/>
+          <p:nvPr/>
+        </p:nvSpPr>
+        <p:spPr>
+          <a:xfrm>
+            <a:off x="8060366" y="228600"/>
+            <a:ext cx="2456121" cy="377456"/>
+          </a:xfrm>
+          <a:prstGeom prst="rect">
+            <a:avLst/>
+          </a:prstGeom>
+          <a:noFill/>
+        </p:spPr>
+        <p:txBody>
+          <a:bodyPr wrap="square" rtlCol="0">
+            <a:spAutoFit/>
+          </a:bodyPr>
+          <a:lstStyle/>
+          <a:p>
+            <a:r>
+              <a:rPr lang="en-US" dirty="0"/>
+              <a:t>Test Data</a:t>
+            </a:r>
+          </a:p>
+        </p:txBody>
+      </p:sp>
+    </p:spTree>
+    <p:extLst>
+      <p:ext uri="{BB962C8B-B14F-4D97-AF65-F5344CB8AC3E}">
+        <p14:creationId xmlns:p14="http://schemas.microsoft.com/office/powerpoint/2010/main" val="1562781106"/>
+      </p:ext>
+    </p:extLst>
+  </p:cSld>
+  <p:clrMapOvr>
+    <a:masterClrMapping/>
+  </p:clrMapOvr>
+</p:sld>
+</file>
+
+<file path=ppt/slides/slide14.xml><?xml version="1.0" encoding="utf-8"?>
+<p:sld xmlns:a="http://schemas.openxmlformats.org/drawingml/2006/main" xmlns:r="http://schemas.openxmlformats.org/officeDocument/2006/relationships" xmlns:p="http://schemas.openxmlformats.org/presentationml/2006/main">
+  <p:cSld>
+    <p:spTree>
+      <p:nvGrpSpPr>
+        <p:cNvPr id="1" name=""/>
+        <p:cNvGrpSpPr/>
+        <p:nvPr/>
+      </p:nvGrpSpPr>
+      <p:grpSpPr>
+        <a:xfrm>
+          <a:off x="0" y="0"/>
+          <a:ext cx="0" cy="0"/>
+          <a:chOff x="0" y="0"/>
+          <a:chExt cx="0" cy="0"/>
+        </a:xfrm>
+      </p:grpSpPr>
+      <p:pic>
+        <p:nvPicPr>
+          <p:cNvPr id="4" name="Content Placeholder 4">
+            <a:extLst>
+              <a:ext uri="{FF2B5EF4-FFF2-40B4-BE49-F238E27FC236}">
+                <a16:creationId xmlns:a16="http://schemas.microsoft.com/office/drawing/2014/main" id="{D9B29553-48DF-4631-AAB5-F34979F1F6DC}"/>
+              </a:ext>
+            </a:extLst>
+          </p:cNvPr>
+          <p:cNvPicPr>
+            <a:picLocks noChangeAspect="1"/>
+          </p:cNvPicPr>
+          <p:nvPr/>
+        </p:nvPicPr>
+        <p:blipFill>
+          <a:blip r:embed="rId2">
+            <a:extLst>
+              <a:ext uri="{28A0092B-C50C-407E-A947-70E740481C1C}">
+                <a14:useLocalDpi xmlns:a14="http://schemas.microsoft.com/office/drawing/2010/main" val="0"/>
+              </a:ext>
+            </a:extLst>
+          </a:blip>
+          <a:stretch>
+            <a:fillRect/>
+          </a:stretch>
+        </p:blipFill>
+        <p:spPr>
+          <a:xfrm>
+            <a:off x="410632" y="2103120"/>
+            <a:ext cx="5303519" cy="2651760"/>
+          </a:xfrm>
+          <a:prstGeom prst="rect">
+            <a:avLst/>
+          </a:prstGeom>
+        </p:spPr>
+      </p:pic>
+      <p:sp>
+        <p:nvSpPr>
+          <p:cNvPr id="7" name="TextBox 6">
+            <a:extLst>
+              <a:ext uri="{FF2B5EF4-FFF2-40B4-BE49-F238E27FC236}">
+                <a16:creationId xmlns:a16="http://schemas.microsoft.com/office/drawing/2014/main" id="{444207B3-32BD-499A-BC81-05A7493EA5C6}"/>
+              </a:ext>
+            </a:extLst>
+          </p:cNvPr>
+          <p:cNvSpPr txBox="1"/>
+          <p:nvPr/>
+        </p:nvSpPr>
+        <p:spPr>
+          <a:xfrm>
+            <a:off x="2764466" y="228600"/>
+            <a:ext cx="2456121" cy="377456"/>
+          </a:xfrm>
+          <a:prstGeom prst="rect">
+            <a:avLst/>
+          </a:prstGeom>
+          <a:noFill/>
+        </p:spPr>
+        <p:txBody>
+          <a:bodyPr wrap="square" rtlCol="0">
+            <a:spAutoFit/>
+          </a:bodyPr>
+          <a:lstStyle/>
+          <a:p>
+            <a:r>
+              <a:rPr lang="en-US" dirty="0"/>
+              <a:t>Train Data</a:t>
+            </a:r>
+          </a:p>
+        </p:txBody>
+      </p:sp>
+      <p:sp>
+        <p:nvSpPr>
+          <p:cNvPr id="8" name="TextBox 7">
+            <a:extLst>
+              <a:ext uri="{FF2B5EF4-FFF2-40B4-BE49-F238E27FC236}">
+                <a16:creationId xmlns:a16="http://schemas.microsoft.com/office/drawing/2014/main" id="{850E7046-2E67-4B08-AC5F-CFC5C79CE5D0}"/>
+              </a:ext>
+            </a:extLst>
+          </p:cNvPr>
+          <p:cNvSpPr txBox="1"/>
+          <p:nvPr/>
+        </p:nvSpPr>
+        <p:spPr>
+          <a:xfrm>
+            <a:off x="8033784" y="228600"/>
+            <a:ext cx="2456121" cy="377456"/>
+          </a:xfrm>
+          <a:prstGeom prst="rect">
+            <a:avLst/>
+          </a:prstGeom>
+          <a:noFill/>
+        </p:spPr>
+        <p:txBody>
+          <a:bodyPr wrap="square" rtlCol="0">
+            <a:spAutoFit/>
+          </a:bodyPr>
+          <a:lstStyle/>
+          <a:p>
+            <a:r>
+              <a:rPr lang="en-US" dirty="0"/>
+              <a:t>Test Data</a:t>
+            </a:r>
+          </a:p>
+        </p:txBody>
+      </p:sp>
+      <p:pic>
+        <p:nvPicPr>
+          <p:cNvPr id="6" name="Content Placeholder 5">
+            <a:extLst>
+              <a:ext uri="{FF2B5EF4-FFF2-40B4-BE49-F238E27FC236}">
+                <a16:creationId xmlns:a16="http://schemas.microsoft.com/office/drawing/2014/main" id="{683B4643-6F13-40C1-A951-5544C6245EE7}"/>
+              </a:ext>
+            </a:extLst>
+          </p:cNvPr>
+          <p:cNvPicPr>
+            <a:picLocks noGrp="1" noChangeAspect="1"/>
+          </p:cNvPicPr>
+          <p:nvPr>
+            <p:ph idx="1"/>
+          </p:nvPr>
+        </p:nvPicPr>
+        <p:blipFill>
+          <a:blip r:embed="rId3">
+            <a:extLst>
+              <a:ext uri="{28A0092B-C50C-407E-A947-70E740481C1C}">
+                <a14:useLocalDpi xmlns:a14="http://schemas.microsoft.com/office/drawing/2010/main" val="0"/>
+              </a:ext>
+            </a:extLst>
+          </a:blip>
+          <a:stretch>
+            <a:fillRect/>
+          </a:stretch>
+        </p:blipFill>
+        <p:spPr>
+          <a:xfrm>
+            <a:off x="6203249" y="2103120"/>
+            <a:ext cx="5303520" cy="2651760"/>
+          </a:xfrm>
+        </p:spPr>
+      </p:pic>
+    </p:spTree>
+    <p:extLst>
+      <p:ext uri="{BB962C8B-B14F-4D97-AF65-F5344CB8AC3E}">
+        <p14:creationId xmlns:p14="http://schemas.microsoft.com/office/powerpoint/2010/main" val="1545828639"/>
       </p:ext>
     </p:extLst>
   </p:cSld>
@@ -3502,6 +4573,84 @@
           </a:p>
         </p:txBody>
       </p:sp>
+      <p:pic>
+        <p:nvPicPr>
+          <p:cNvPr id="5" name="Graphic 4" descr="Users">
+            <a:extLst>
+              <a:ext uri="{FF2B5EF4-FFF2-40B4-BE49-F238E27FC236}">
+                <a16:creationId xmlns:a16="http://schemas.microsoft.com/office/drawing/2014/main" id="{EC44EFC7-688B-40F9-9B88-908633E57E79}"/>
+              </a:ext>
+            </a:extLst>
+          </p:cNvPr>
+          <p:cNvPicPr>
+            <a:picLocks noChangeAspect="1"/>
+          </p:cNvPicPr>
+          <p:nvPr/>
+        </p:nvPicPr>
+        <p:blipFill>
+          <a:blip r:embed="rId2">
+            <a:extLst>
+              <a:ext uri="{28A0092B-C50C-407E-A947-70E740481C1C}">
+                <a14:useLocalDpi xmlns:a14="http://schemas.microsoft.com/office/drawing/2010/main" val="0"/>
+              </a:ext>
+              <a:ext uri="{96DAC541-7B7A-43D3-8B79-37D633B846F1}">
+                <asvg:svgBlip xmlns:asvg="http://schemas.microsoft.com/office/drawing/2016/SVG/main" r:embed="rId3"/>
+              </a:ext>
+            </a:extLst>
+          </a:blip>
+          <a:stretch>
+            <a:fillRect/>
+          </a:stretch>
+        </p:blipFill>
+        <p:spPr>
+          <a:xfrm>
+            <a:off x="8530855" y="4118344"/>
+            <a:ext cx="2457893" cy="2457893"/>
+          </a:xfrm>
+          <a:prstGeom prst="rect">
+            <a:avLst/>
+          </a:prstGeom>
+        </p:spPr>
+      </p:pic>
+      <p:pic>
+        <p:nvPicPr>
+          <p:cNvPr id="7" name="Graphic 6" descr="User">
+            <a:extLst>
+              <a:ext uri="{FF2B5EF4-FFF2-40B4-BE49-F238E27FC236}">
+                <a16:creationId xmlns:a16="http://schemas.microsoft.com/office/drawing/2014/main" id="{851CE628-6164-4364-BC6D-319AAF684252}"/>
+              </a:ext>
+            </a:extLst>
+          </p:cNvPr>
+          <p:cNvPicPr>
+            <a:picLocks noChangeAspect="1"/>
+          </p:cNvPicPr>
+          <p:nvPr/>
+        </p:nvPicPr>
+        <p:blipFill>
+          <a:blip r:embed="rId4">
+            <a:extLst>
+              <a:ext uri="{28A0092B-C50C-407E-A947-70E740481C1C}">
+                <a14:useLocalDpi xmlns:a14="http://schemas.microsoft.com/office/drawing/2010/main" val="0"/>
+              </a:ext>
+              <a:ext uri="{96DAC541-7B7A-43D3-8B79-37D633B846F1}">
+                <asvg:svgBlip xmlns:asvg="http://schemas.microsoft.com/office/drawing/2016/SVG/main" r:embed="rId5"/>
+              </a:ext>
+            </a:extLst>
+          </a:blip>
+          <a:stretch>
+            <a:fillRect/>
+          </a:stretch>
+        </p:blipFill>
+        <p:spPr>
+          <a:xfrm>
+            <a:off x="9154502" y="4001294"/>
+            <a:ext cx="1210598" cy="1210598"/>
+          </a:xfrm>
+          <a:prstGeom prst="rect">
+            <a:avLst/>
+          </a:prstGeom>
+        </p:spPr>
+      </p:pic>
     </p:spTree>
     <p:extLst>
       <p:ext uri="{BB962C8B-B14F-4D97-AF65-F5344CB8AC3E}">
@@ -3699,6 +4848,801 @@
     <p:extLst>
       <p:ext uri="{BB962C8B-B14F-4D97-AF65-F5344CB8AC3E}">
         <p14:creationId xmlns:p14="http://schemas.microsoft.com/office/powerpoint/2010/main" val="1550111879"/>
+      </p:ext>
+    </p:extLst>
+  </p:cSld>
+  <p:clrMapOvr>
+    <a:masterClrMapping/>
+  </p:clrMapOvr>
+</p:sld>
+</file>
+
+<file path=ppt/slides/slide5.xml><?xml version="1.0" encoding="utf-8"?>
+<p:sld xmlns:a="http://schemas.openxmlformats.org/drawingml/2006/main" xmlns:r="http://schemas.openxmlformats.org/officeDocument/2006/relationships" xmlns:p="http://schemas.openxmlformats.org/presentationml/2006/main">
+  <p:cSld>
+    <p:spTree>
+      <p:nvGrpSpPr>
+        <p:cNvPr id="1" name=""/>
+        <p:cNvGrpSpPr/>
+        <p:nvPr/>
+      </p:nvGrpSpPr>
+      <p:grpSpPr>
+        <a:xfrm>
+          <a:off x="0" y="0"/>
+          <a:ext cx="0" cy="0"/>
+          <a:chOff x="0" y="0"/>
+          <a:chExt cx="0" cy="0"/>
+        </a:xfrm>
+      </p:grpSpPr>
+      <p:sp>
+        <p:nvSpPr>
+          <p:cNvPr id="2" name="Title 1">
+            <a:extLst>
+              <a:ext uri="{FF2B5EF4-FFF2-40B4-BE49-F238E27FC236}">
+                <a16:creationId xmlns:a16="http://schemas.microsoft.com/office/drawing/2014/main" id="{20A45D17-BB2C-4862-862E-60A7600AC98C}"/>
+              </a:ext>
+            </a:extLst>
+          </p:cNvPr>
+          <p:cNvSpPr>
+            <a:spLocks noGrp="1"/>
+          </p:cNvSpPr>
+          <p:nvPr>
+            <p:ph type="title"/>
+          </p:nvPr>
+        </p:nvSpPr>
+        <p:spPr/>
+        <p:txBody>
+          <a:bodyPr/>
+          <a:lstStyle/>
+          <a:p>
+            <a:r>
+              <a:rPr lang="en-US" dirty="0"/>
+              <a:t>Basic Sentence structure – length &amp; variety </a:t>
+            </a:r>
+          </a:p>
+        </p:txBody>
+      </p:sp>
+      <p:pic>
+        <p:nvPicPr>
+          <p:cNvPr id="5" name="Content Placeholder 4">
+            <a:extLst>
+              <a:ext uri="{FF2B5EF4-FFF2-40B4-BE49-F238E27FC236}">
+                <a16:creationId xmlns:a16="http://schemas.microsoft.com/office/drawing/2014/main" id="{E873A848-038C-4BC0-B325-00BF15E4A4DB}"/>
+              </a:ext>
+            </a:extLst>
+          </p:cNvPr>
+          <p:cNvPicPr>
+            <a:picLocks noGrp="1" noChangeAspect="1"/>
+          </p:cNvPicPr>
+          <p:nvPr>
+            <p:ph idx="1"/>
+          </p:nvPr>
+        </p:nvPicPr>
+        <p:blipFill>
+          <a:blip r:embed="rId2">
+            <a:extLst>
+              <a:ext uri="{28A0092B-C50C-407E-A947-70E740481C1C}">
+                <a14:useLocalDpi xmlns:a14="http://schemas.microsoft.com/office/drawing/2010/main" val="0"/>
+              </a:ext>
+            </a:extLst>
+          </a:blip>
+          <a:stretch>
+            <a:fillRect/>
+          </a:stretch>
+        </p:blipFill>
+        <p:spPr>
+          <a:xfrm>
+            <a:off x="1238693" y="2598978"/>
+            <a:ext cx="4400112" cy="2933408"/>
+          </a:xfrm>
+        </p:spPr>
+      </p:pic>
+      <p:pic>
+        <p:nvPicPr>
+          <p:cNvPr id="7" name="Picture 6">
+            <a:extLst>
+              <a:ext uri="{FF2B5EF4-FFF2-40B4-BE49-F238E27FC236}">
+                <a16:creationId xmlns:a16="http://schemas.microsoft.com/office/drawing/2014/main" id="{036BA160-2FD2-4C78-AAD9-4A6FC5FB0A08}"/>
+              </a:ext>
+            </a:extLst>
+          </p:cNvPr>
+          <p:cNvPicPr>
+            <a:picLocks noChangeAspect="1"/>
+          </p:cNvPicPr>
+          <p:nvPr/>
+        </p:nvPicPr>
+        <p:blipFill>
+          <a:blip r:embed="rId3">
+            <a:extLst>
+              <a:ext uri="{28A0092B-C50C-407E-A947-70E740481C1C}">
+                <a14:useLocalDpi xmlns:a14="http://schemas.microsoft.com/office/drawing/2010/main" val="0"/>
+              </a:ext>
+            </a:extLst>
+          </a:blip>
+          <a:stretch>
+            <a:fillRect/>
+          </a:stretch>
+        </p:blipFill>
+        <p:spPr>
+          <a:xfrm>
+            <a:off x="6096001" y="2752060"/>
+            <a:ext cx="4268978" cy="2845985"/>
+          </a:xfrm>
+          <a:prstGeom prst="rect">
+            <a:avLst/>
+          </a:prstGeom>
+        </p:spPr>
+      </p:pic>
+    </p:spTree>
+    <p:extLst>
+      <p:ext uri="{BB962C8B-B14F-4D97-AF65-F5344CB8AC3E}">
+        <p14:creationId xmlns:p14="http://schemas.microsoft.com/office/powerpoint/2010/main" val="2991486437"/>
+      </p:ext>
+    </p:extLst>
+  </p:cSld>
+  <p:clrMapOvr>
+    <a:masterClrMapping/>
+  </p:clrMapOvr>
+</p:sld>
+</file>
+
+<file path=ppt/slides/slide6.xml><?xml version="1.0" encoding="utf-8"?>
+<p:sld xmlns:a="http://schemas.openxmlformats.org/drawingml/2006/main" xmlns:r="http://schemas.openxmlformats.org/officeDocument/2006/relationships" xmlns:p="http://schemas.openxmlformats.org/presentationml/2006/main">
+  <p:cSld>
+    <p:spTree>
+      <p:nvGrpSpPr>
+        <p:cNvPr id="1" name=""/>
+        <p:cNvGrpSpPr/>
+        <p:nvPr/>
+      </p:nvGrpSpPr>
+      <p:grpSpPr>
+        <a:xfrm>
+          <a:off x="0" y="0"/>
+          <a:ext cx="0" cy="0"/>
+          <a:chOff x="0" y="0"/>
+          <a:chExt cx="0" cy="0"/>
+        </a:xfrm>
+      </p:grpSpPr>
+      <p:sp>
+        <p:nvSpPr>
+          <p:cNvPr id="2" name="Title 1">
+            <a:extLst>
+              <a:ext uri="{FF2B5EF4-FFF2-40B4-BE49-F238E27FC236}">
+                <a16:creationId xmlns:a16="http://schemas.microsoft.com/office/drawing/2014/main" id="{F9B23B76-C5AD-4C5E-A790-33C3A2AB8202}"/>
+              </a:ext>
+            </a:extLst>
+          </p:cNvPr>
+          <p:cNvSpPr>
+            <a:spLocks noGrp="1"/>
+          </p:cNvSpPr>
+          <p:nvPr>
+            <p:ph type="title"/>
+          </p:nvPr>
+        </p:nvSpPr>
+        <p:spPr/>
+        <p:txBody>
+          <a:bodyPr/>
+          <a:lstStyle/>
+          <a:p>
+            <a:r>
+              <a:rPr lang="en-US" dirty="0"/>
+              <a:t>Vocabulary &amp; Punctuation</a:t>
+            </a:r>
+          </a:p>
+        </p:txBody>
+      </p:sp>
+      <p:pic>
+        <p:nvPicPr>
+          <p:cNvPr id="5" name="Content Placeholder 4">
+            <a:extLst>
+              <a:ext uri="{FF2B5EF4-FFF2-40B4-BE49-F238E27FC236}">
+                <a16:creationId xmlns:a16="http://schemas.microsoft.com/office/drawing/2014/main" id="{2C577C6A-39A1-4709-A026-EE3F44815A25}"/>
+              </a:ext>
+            </a:extLst>
+          </p:cNvPr>
+          <p:cNvPicPr>
+            <a:picLocks noGrp="1" noChangeAspect="1"/>
+          </p:cNvPicPr>
+          <p:nvPr>
+            <p:ph idx="1"/>
+          </p:nvPr>
+        </p:nvPicPr>
+        <p:blipFill>
+          <a:blip r:embed="rId2">
+            <a:extLst>
+              <a:ext uri="{28A0092B-C50C-407E-A947-70E740481C1C}">
+                <a14:useLocalDpi xmlns:a14="http://schemas.microsoft.com/office/drawing/2010/main" val="0"/>
+              </a:ext>
+            </a:extLst>
+          </a:blip>
+          <a:stretch>
+            <a:fillRect/>
+          </a:stretch>
+        </p:blipFill>
+        <p:spPr>
+          <a:xfrm>
+            <a:off x="738964" y="1393160"/>
+            <a:ext cx="4125432" cy="2750288"/>
+          </a:xfrm>
+        </p:spPr>
+      </p:pic>
+      <p:pic>
+        <p:nvPicPr>
+          <p:cNvPr id="7" name="Picture 6">
+            <a:extLst>
+              <a:ext uri="{FF2B5EF4-FFF2-40B4-BE49-F238E27FC236}">
+                <a16:creationId xmlns:a16="http://schemas.microsoft.com/office/drawing/2014/main" id="{0617A0DB-68C7-44C5-9DD4-5C8759BD18AC}"/>
+              </a:ext>
+            </a:extLst>
+          </p:cNvPr>
+          <p:cNvPicPr>
+            <a:picLocks noChangeAspect="1"/>
+          </p:cNvPicPr>
+          <p:nvPr/>
+        </p:nvPicPr>
+        <p:blipFill>
+          <a:blip r:embed="rId3">
+            <a:extLst>
+              <a:ext uri="{28A0092B-C50C-407E-A947-70E740481C1C}">
+                <a14:useLocalDpi xmlns:a14="http://schemas.microsoft.com/office/drawing/2010/main" val="0"/>
+              </a:ext>
+            </a:extLst>
+          </a:blip>
+          <a:stretch>
+            <a:fillRect/>
+          </a:stretch>
+        </p:blipFill>
+        <p:spPr>
+          <a:xfrm>
+            <a:off x="5523614" y="1336156"/>
+            <a:ext cx="5497033" cy="2748516"/>
+          </a:xfrm>
+          <a:prstGeom prst="rect">
+            <a:avLst/>
+          </a:prstGeom>
+        </p:spPr>
+      </p:pic>
+      <p:pic>
+        <p:nvPicPr>
+          <p:cNvPr id="9" name="Picture 8">
+            <a:extLst>
+              <a:ext uri="{FF2B5EF4-FFF2-40B4-BE49-F238E27FC236}">
+                <a16:creationId xmlns:a16="http://schemas.microsoft.com/office/drawing/2014/main" id="{BF9D8F32-BAFF-4B28-B967-0A326884625A}"/>
+              </a:ext>
+            </a:extLst>
+          </p:cNvPr>
+          <p:cNvPicPr>
+            <a:picLocks noChangeAspect="1"/>
+          </p:cNvPicPr>
+          <p:nvPr/>
+        </p:nvPicPr>
+        <p:blipFill>
+          <a:blip r:embed="rId4">
+            <a:extLst>
+              <a:ext uri="{28A0092B-C50C-407E-A947-70E740481C1C}">
+                <a14:useLocalDpi xmlns:a14="http://schemas.microsoft.com/office/drawing/2010/main" val="0"/>
+              </a:ext>
+            </a:extLst>
+          </a:blip>
+          <a:stretch>
+            <a:fillRect/>
+          </a:stretch>
+        </p:blipFill>
+        <p:spPr>
+          <a:xfrm>
+            <a:off x="3242930" y="3917504"/>
+            <a:ext cx="4410745" cy="2940496"/>
+          </a:xfrm>
+          <a:prstGeom prst="rect">
+            <a:avLst/>
+          </a:prstGeom>
+        </p:spPr>
+      </p:pic>
+    </p:spTree>
+    <p:extLst>
+      <p:ext uri="{BB962C8B-B14F-4D97-AF65-F5344CB8AC3E}">
+        <p14:creationId xmlns:p14="http://schemas.microsoft.com/office/powerpoint/2010/main" val="2526381929"/>
+      </p:ext>
+    </p:extLst>
+  </p:cSld>
+  <p:clrMapOvr>
+    <a:masterClrMapping/>
+  </p:clrMapOvr>
+</p:sld>
+</file>
+
+<file path=ppt/slides/slide7.xml><?xml version="1.0" encoding="utf-8"?>
+<p:sld xmlns:a="http://schemas.openxmlformats.org/drawingml/2006/main" xmlns:r="http://schemas.openxmlformats.org/officeDocument/2006/relationships" xmlns:p="http://schemas.openxmlformats.org/presentationml/2006/main">
+  <p:cSld>
+    <p:spTree>
+      <p:nvGrpSpPr>
+        <p:cNvPr id="1" name=""/>
+        <p:cNvGrpSpPr/>
+        <p:nvPr/>
+      </p:nvGrpSpPr>
+      <p:grpSpPr>
+        <a:xfrm>
+          <a:off x="0" y="0"/>
+          <a:ext cx="0" cy="0"/>
+          <a:chOff x="0" y="0"/>
+          <a:chExt cx="0" cy="0"/>
+        </a:xfrm>
+      </p:grpSpPr>
+      <p:sp>
+        <p:nvSpPr>
+          <p:cNvPr id="2" name="Title 1">
+            <a:extLst>
+              <a:ext uri="{FF2B5EF4-FFF2-40B4-BE49-F238E27FC236}">
+                <a16:creationId xmlns:a16="http://schemas.microsoft.com/office/drawing/2014/main" id="{E22FEA56-694A-457C-BC58-7B4F83F5D0E6}"/>
+              </a:ext>
+            </a:extLst>
+          </p:cNvPr>
+          <p:cNvSpPr>
+            <a:spLocks noGrp="1"/>
+          </p:cNvSpPr>
+          <p:nvPr>
+            <p:ph type="title"/>
+          </p:nvPr>
+        </p:nvSpPr>
+        <p:spPr/>
+        <p:txBody>
+          <a:bodyPr/>
+          <a:lstStyle/>
+          <a:p>
+            <a:r>
+              <a:rPr lang="en-US" dirty="0"/>
+              <a:t>Point of View</a:t>
+            </a:r>
+          </a:p>
+        </p:txBody>
+      </p:sp>
+      <p:pic>
+        <p:nvPicPr>
+          <p:cNvPr id="5" name="Content Placeholder 4">
+            <a:extLst>
+              <a:ext uri="{FF2B5EF4-FFF2-40B4-BE49-F238E27FC236}">
+                <a16:creationId xmlns:a16="http://schemas.microsoft.com/office/drawing/2014/main" id="{0887A0AC-EC22-485E-86AD-70C77DB3AA1C}"/>
+              </a:ext>
+            </a:extLst>
+          </p:cNvPr>
+          <p:cNvPicPr>
+            <a:picLocks noGrp="1" noChangeAspect="1"/>
+          </p:cNvPicPr>
+          <p:nvPr>
+            <p:ph idx="1"/>
+          </p:nvPr>
+        </p:nvPicPr>
+        <p:blipFill>
+          <a:blip r:embed="rId2">
+            <a:extLst>
+              <a:ext uri="{28A0092B-C50C-407E-A947-70E740481C1C}">
+                <a14:useLocalDpi xmlns:a14="http://schemas.microsoft.com/office/drawing/2010/main" val="0"/>
+              </a:ext>
+            </a:extLst>
+          </a:blip>
+          <a:stretch>
+            <a:fillRect/>
+          </a:stretch>
+        </p:blipFill>
+        <p:spPr>
+          <a:xfrm>
+            <a:off x="606054" y="1218518"/>
+            <a:ext cx="4022656" cy="2681770"/>
+          </a:xfrm>
+        </p:spPr>
+      </p:pic>
+      <p:pic>
+        <p:nvPicPr>
+          <p:cNvPr id="7" name="Picture 6">
+            <a:extLst>
+              <a:ext uri="{FF2B5EF4-FFF2-40B4-BE49-F238E27FC236}">
+                <a16:creationId xmlns:a16="http://schemas.microsoft.com/office/drawing/2014/main" id="{F430C3C2-324A-462D-B2B0-FC94392D3316}"/>
+              </a:ext>
+            </a:extLst>
+          </p:cNvPr>
+          <p:cNvPicPr>
+            <a:picLocks noChangeAspect="1"/>
+          </p:cNvPicPr>
+          <p:nvPr/>
+        </p:nvPicPr>
+        <p:blipFill>
+          <a:blip r:embed="rId3">
+            <a:extLst>
+              <a:ext uri="{28A0092B-C50C-407E-A947-70E740481C1C}">
+                <a14:useLocalDpi xmlns:a14="http://schemas.microsoft.com/office/drawing/2010/main" val="0"/>
+              </a:ext>
+            </a:extLst>
+          </a:blip>
+          <a:stretch>
+            <a:fillRect/>
+          </a:stretch>
+        </p:blipFill>
+        <p:spPr>
+          <a:xfrm>
+            <a:off x="5802275" y="1100083"/>
+            <a:ext cx="4377960" cy="2918640"/>
+          </a:xfrm>
+          <a:prstGeom prst="rect">
+            <a:avLst/>
+          </a:prstGeom>
+        </p:spPr>
+      </p:pic>
+      <p:pic>
+        <p:nvPicPr>
+          <p:cNvPr id="9" name="Picture 8">
+            <a:extLst>
+              <a:ext uri="{FF2B5EF4-FFF2-40B4-BE49-F238E27FC236}">
+                <a16:creationId xmlns:a16="http://schemas.microsoft.com/office/drawing/2014/main" id="{9E1183A9-4B37-458E-A34E-983EAC0B960E}"/>
+              </a:ext>
+            </a:extLst>
+          </p:cNvPr>
+          <p:cNvPicPr>
+            <a:picLocks noChangeAspect="1"/>
+          </p:cNvPicPr>
+          <p:nvPr/>
+        </p:nvPicPr>
+        <p:blipFill>
+          <a:blip r:embed="rId4">
+            <a:extLst>
+              <a:ext uri="{28A0092B-C50C-407E-A947-70E740481C1C}">
+                <a14:useLocalDpi xmlns:a14="http://schemas.microsoft.com/office/drawing/2010/main" val="0"/>
+              </a:ext>
+            </a:extLst>
+          </a:blip>
+          <a:stretch>
+            <a:fillRect/>
+          </a:stretch>
+        </p:blipFill>
+        <p:spPr>
+          <a:xfrm>
+            <a:off x="3143027" y="3900288"/>
+            <a:ext cx="4144931" cy="2763287"/>
+          </a:xfrm>
+          <a:prstGeom prst="rect">
+            <a:avLst/>
+          </a:prstGeom>
+        </p:spPr>
+      </p:pic>
+    </p:spTree>
+    <p:extLst>
+      <p:ext uri="{BB962C8B-B14F-4D97-AF65-F5344CB8AC3E}">
+        <p14:creationId xmlns:p14="http://schemas.microsoft.com/office/powerpoint/2010/main" val="158386359"/>
+      </p:ext>
+    </p:extLst>
+  </p:cSld>
+  <p:clrMapOvr>
+    <a:masterClrMapping/>
+  </p:clrMapOvr>
+</p:sld>
+</file>
+
+<file path=ppt/slides/slide8.xml><?xml version="1.0" encoding="utf-8"?>
+<p:sld xmlns:a="http://schemas.openxmlformats.org/drawingml/2006/main" xmlns:r="http://schemas.openxmlformats.org/officeDocument/2006/relationships" xmlns:p="http://schemas.openxmlformats.org/presentationml/2006/main">
+  <p:cSld>
+    <p:spTree>
+      <p:nvGrpSpPr>
+        <p:cNvPr id="1" name=""/>
+        <p:cNvGrpSpPr/>
+        <p:nvPr/>
+      </p:nvGrpSpPr>
+      <p:grpSpPr>
+        <a:xfrm>
+          <a:off x="0" y="0"/>
+          <a:ext cx="0" cy="0"/>
+          <a:chOff x="0" y="0"/>
+          <a:chExt cx="0" cy="0"/>
+        </a:xfrm>
+      </p:grpSpPr>
+      <p:sp>
+        <p:nvSpPr>
+          <p:cNvPr id="2" name="Title 1">
+            <a:extLst>
+              <a:ext uri="{FF2B5EF4-FFF2-40B4-BE49-F238E27FC236}">
+                <a16:creationId xmlns:a16="http://schemas.microsoft.com/office/drawing/2014/main" id="{C429B7A1-3CEB-49F9-942D-C4EABF0B5A90}"/>
+              </a:ext>
+            </a:extLst>
+          </p:cNvPr>
+          <p:cNvSpPr>
+            <a:spLocks noGrp="1"/>
+          </p:cNvSpPr>
+          <p:nvPr>
+            <p:ph type="title"/>
+          </p:nvPr>
+        </p:nvSpPr>
+        <p:spPr/>
+        <p:txBody>
+          <a:bodyPr/>
+          <a:lstStyle/>
+          <a:p>
+            <a:r>
+              <a:rPr lang="en-US" dirty="0"/>
+              <a:t>Sentiment Scores</a:t>
+            </a:r>
+          </a:p>
+        </p:txBody>
+      </p:sp>
+      <p:pic>
+        <p:nvPicPr>
+          <p:cNvPr id="5" name="Content Placeholder 4">
+            <a:extLst>
+              <a:ext uri="{FF2B5EF4-FFF2-40B4-BE49-F238E27FC236}">
+                <a16:creationId xmlns:a16="http://schemas.microsoft.com/office/drawing/2014/main" id="{C764AFF2-E0D5-4B82-9FC4-F665DB4FC1A5}"/>
+              </a:ext>
+            </a:extLst>
+          </p:cNvPr>
+          <p:cNvPicPr>
+            <a:picLocks noGrp="1" noChangeAspect="1"/>
+          </p:cNvPicPr>
+          <p:nvPr>
+            <p:ph idx="1"/>
+          </p:nvPr>
+        </p:nvPicPr>
+        <p:blipFill>
+          <a:blip r:embed="rId2">
+            <a:extLst>
+              <a:ext uri="{28A0092B-C50C-407E-A947-70E740481C1C}">
+                <a14:useLocalDpi xmlns:a14="http://schemas.microsoft.com/office/drawing/2010/main" val="0"/>
+              </a:ext>
+            </a:extLst>
+          </a:blip>
+          <a:stretch>
+            <a:fillRect/>
+          </a:stretch>
+        </p:blipFill>
+        <p:spPr>
+          <a:xfrm>
+            <a:off x="1532011" y="1690688"/>
+            <a:ext cx="8702676" cy="4351338"/>
+          </a:xfrm>
+        </p:spPr>
+      </p:pic>
+    </p:spTree>
+    <p:extLst>
+      <p:ext uri="{BB962C8B-B14F-4D97-AF65-F5344CB8AC3E}">
+        <p14:creationId xmlns:p14="http://schemas.microsoft.com/office/powerpoint/2010/main" val="3177219656"/>
+      </p:ext>
+    </p:extLst>
+  </p:cSld>
+  <p:clrMapOvr>
+    <a:masterClrMapping/>
+  </p:clrMapOvr>
+</p:sld>
+</file>
+
+<file path=ppt/slides/slide9.xml><?xml version="1.0" encoding="utf-8"?>
+<p:sld xmlns:a="http://schemas.openxmlformats.org/drawingml/2006/main" xmlns:r="http://schemas.openxmlformats.org/officeDocument/2006/relationships" xmlns:p="http://schemas.openxmlformats.org/presentationml/2006/main">
+  <p:cSld>
+    <p:spTree>
+      <p:nvGrpSpPr>
+        <p:cNvPr id="1" name=""/>
+        <p:cNvGrpSpPr/>
+        <p:nvPr/>
+      </p:nvGrpSpPr>
+      <p:grpSpPr>
+        <a:xfrm>
+          <a:off x="0" y="0"/>
+          <a:ext cx="0" cy="0"/>
+          <a:chOff x="0" y="0"/>
+          <a:chExt cx="0" cy="0"/>
+        </a:xfrm>
+      </p:grpSpPr>
+      <p:pic>
+        <p:nvPicPr>
+          <p:cNvPr id="5" name="Content Placeholder 4">
+            <a:extLst>
+              <a:ext uri="{FF2B5EF4-FFF2-40B4-BE49-F238E27FC236}">
+                <a16:creationId xmlns:a16="http://schemas.microsoft.com/office/drawing/2014/main" id="{E873A848-038C-4BC0-B325-00BF15E4A4DB}"/>
+              </a:ext>
+            </a:extLst>
+          </p:cNvPr>
+          <p:cNvPicPr>
+            <a:picLocks noGrp="1" noChangeAspect="1"/>
+          </p:cNvPicPr>
+          <p:nvPr>
+            <p:ph idx="1"/>
+          </p:nvPr>
+        </p:nvPicPr>
+        <p:blipFill>
+          <a:blip r:embed="rId2">
+            <a:extLst>
+              <a:ext uri="{28A0092B-C50C-407E-A947-70E740481C1C}">
+                <a14:useLocalDpi xmlns:a14="http://schemas.microsoft.com/office/drawing/2010/main" val="0"/>
+              </a:ext>
+            </a:extLst>
+          </a:blip>
+          <a:stretch>
+            <a:fillRect/>
+          </a:stretch>
+        </p:blipFill>
+        <p:spPr>
+          <a:xfrm>
+            <a:off x="1105787" y="912702"/>
+            <a:ext cx="4114800" cy="2743200"/>
+          </a:xfrm>
+        </p:spPr>
+      </p:pic>
+      <p:pic>
+        <p:nvPicPr>
+          <p:cNvPr id="7" name="Picture 6">
+            <a:extLst>
+              <a:ext uri="{FF2B5EF4-FFF2-40B4-BE49-F238E27FC236}">
+                <a16:creationId xmlns:a16="http://schemas.microsoft.com/office/drawing/2014/main" id="{036BA160-2FD2-4C78-AAD9-4A6FC5FB0A08}"/>
+              </a:ext>
+            </a:extLst>
+          </p:cNvPr>
+          <p:cNvPicPr>
+            <a:picLocks noChangeAspect="1"/>
+          </p:cNvPicPr>
+          <p:nvPr/>
+        </p:nvPicPr>
+        <p:blipFill>
+          <a:blip r:embed="rId3">
+            <a:extLst>
+              <a:ext uri="{28A0092B-C50C-407E-A947-70E740481C1C}">
+                <a14:useLocalDpi xmlns:a14="http://schemas.microsoft.com/office/drawing/2010/main" val="0"/>
+              </a:ext>
+            </a:extLst>
+          </a:blip>
+          <a:stretch>
+            <a:fillRect/>
+          </a:stretch>
+        </p:blipFill>
+        <p:spPr>
+          <a:xfrm>
+            <a:off x="1105787" y="4012015"/>
+            <a:ext cx="4114800" cy="2743200"/>
+          </a:xfrm>
+          <a:prstGeom prst="rect">
+            <a:avLst/>
+          </a:prstGeom>
+        </p:spPr>
+      </p:pic>
+      <p:pic>
+        <p:nvPicPr>
+          <p:cNvPr id="4" name="Picture 3">
+            <a:extLst>
+              <a:ext uri="{FF2B5EF4-FFF2-40B4-BE49-F238E27FC236}">
+                <a16:creationId xmlns:a16="http://schemas.microsoft.com/office/drawing/2014/main" id="{385BB39A-5EAD-4D28-8A15-5A5A9FF32095}"/>
+              </a:ext>
+            </a:extLst>
+          </p:cNvPr>
+          <p:cNvPicPr>
+            <a:picLocks noChangeAspect="1"/>
+          </p:cNvPicPr>
+          <p:nvPr/>
+        </p:nvPicPr>
+        <p:blipFill>
+          <a:blip r:embed="rId4">
+            <a:extLst>
+              <a:ext uri="{28A0092B-C50C-407E-A947-70E740481C1C}">
+                <a14:useLocalDpi xmlns:a14="http://schemas.microsoft.com/office/drawing/2010/main" val="0"/>
+              </a:ext>
+            </a:extLst>
+          </a:blip>
+          <a:stretch>
+            <a:fillRect/>
+          </a:stretch>
+        </p:blipFill>
+        <p:spPr>
+          <a:xfrm>
+            <a:off x="6401687" y="912702"/>
+            <a:ext cx="4114800" cy="2743200"/>
+          </a:xfrm>
+          <a:prstGeom prst="rect">
+            <a:avLst/>
+          </a:prstGeom>
+        </p:spPr>
+      </p:pic>
+      <p:pic>
+        <p:nvPicPr>
+          <p:cNvPr id="8" name="Picture 7">
+            <a:extLst>
+              <a:ext uri="{FF2B5EF4-FFF2-40B4-BE49-F238E27FC236}">
+                <a16:creationId xmlns:a16="http://schemas.microsoft.com/office/drawing/2014/main" id="{8295F7DB-7571-45E5-9F7C-B2046180EC2B}"/>
+              </a:ext>
+            </a:extLst>
+          </p:cNvPr>
+          <p:cNvPicPr>
+            <a:picLocks noChangeAspect="1"/>
+          </p:cNvPicPr>
+          <p:nvPr/>
+        </p:nvPicPr>
+        <p:blipFill>
+          <a:blip r:embed="rId5">
+            <a:extLst>
+              <a:ext uri="{28A0092B-C50C-407E-A947-70E740481C1C}">
+                <a14:useLocalDpi xmlns:a14="http://schemas.microsoft.com/office/drawing/2010/main" val="0"/>
+              </a:ext>
+            </a:extLst>
+          </a:blip>
+          <a:stretch>
+            <a:fillRect/>
+          </a:stretch>
+        </p:blipFill>
+        <p:spPr>
+          <a:xfrm>
+            <a:off x="6401686" y="4012015"/>
+            <a:ext cx="4114801" cy="2743200"/>
+          </a:xfrm>
+          <a:prstGeom prst="rect">
+            <a:avLst/>
+          </a:prstGeom>
+        </p:spPr>
+      </p:pic>
+      <p:sp>
+        <p:nvSpPr>
+          <p:cNvPr id="11" name="TextBox 10">
+            <a:extLst>
+              <a:ext uri="{FF2B5EF4-FFF2-40B4-BE49-F238E27FC236}">
+                <a16:creationId xmlns:a16="http://schemas.microsoft.com/office/drawing/2014/main" id="{0B263770-180B-495D-8130-7995EA9B5870}"/>
+              </a:ext>
+            </a:extLst>
+          </p:cNvPr>
+          <p:cNvSpPr txBox="1"/>
+          <p:nvPr/>
+        </p:nvSpPr>
+        <p:spPr>
+          <a:xfrm>
+            <a:off x="2764466" y="228600"/>
+            <a:ext cx="2456121" cy="377456"/>
+          </a:xfrm>
+          <a:prstGeom prst="rect">
+            <a:avLst/>
+          </a:prstGeom>
+          <a:noFill/>
+        </p:spPr>
+        <p:txBody>
+          <a:bodyPr wrap="square" rtlCol="0">
+            <a:spAutoFit/>
+          </a:bodyPr>
+          <a:lstStyle/>
+          <a:p>
+            <a:r>
+              <a:rPr lang="en-US" dirty="0"/>
+              <a:t>Train Data</a:t>
+            </a:r>
+          </a:p>
+        </p:txBody>
+      </p:sp>
+      <p:sp>
+        <p:nvSpPr>
+          <p:cNvPr id="12" name="TextBox 11">
+            <a:extLst>
+              <a:ext uri="{FF2B5EF4-FFF2-40B4-BE49-F238E27FC236}">
+                <a16:creationId xmlns:a16="http://schemas.microsoft.com/office/drawing/2014/main" id="{EB2E74CB-1C42-4FF2-8CC4-B4767A21056B}"/>
+              </a:ext>
+            </a:extLst>
+          </p:cNvPr>
+          <p:cNvSpPr txBox="1"/>
+          <p:nvPr/>
+        </p:nvSpPr>
+        <p:spPr>
+          <a:xfrm>
+            <a:off x="8060366" y="228600"/>
+            <a:ext cx="2456121" cy="377456"/>
+          </a:xfrm>
+          <a:prstGeom prst="rect">
+            <a:avLst/>
+          </a:prstGeom>
+          <a:noFill/>
+        </p:spPr>
+        <p:txBody>
+          <a:bodyPr wrap="square" rtlCol="0">
+            <a:spAutoFit/>
+          </a:bodyPr>
+          <a:lstStyle/>
+          <a:p>
+            <a:r>
+              <a:rPr lang="en-US" dirty="0"/>
+              <a:t>Test Data</a:t>
+            </a:r>
+          </a:p>
+        </p:txBody>
+      </p:sp>
+    </p:spTree>
+    <p:extLst>
+      <p:ext uri="{BB962C8B-B14F-4D97-AF65-F5344CB8AC3E}">
+        <p14:creationId xmlns:p14="http://schemas.microsoft.com/office/powerpoint/2010/main" val="280028085"/>
       </p:ext>
     </p:extLst>
   </p:cSld>

--- a/Predictive_Author_Presentation.pptx
+++ b/Predictive_Author_Presentation.pptx
@@ -6,19 +6,21 @@
   </p:sldMasterIdLst>
   <p:sldIdLst>
     <p:sldId id="256" r:id="rId2"/>
-    <p:sldId id="257" r:id="rId3"/>
-    <p:sldId id="258" r:id="rId4"/>
-    <p:sldId id="259" r:id="rId5"/>
-    <p:sldId id="260" r:id="rId6"/>
-    <p:sldId id="261" r:id="rId7"/>
-    <p:sldId id="262" r:id="rId8"/>
-    <p:sldId id="263" r:id="rId9"/>
-    <p:sldId id="265" r:id="rId10"/>
-    <p:sldId id="266" r:id="rId11"/>
-    <p:sldId id="264" r:id="rId12"/>
-    <p:sldId id="267" r:id="rId13"/>
-    <p:sldId id="268" r:id="rId14"/>
-    <p:sldId id="269" r:id="rId15"/>
+    <p:sldId id="258" r:id="rId3"/>
+    <p:sldId id="270" r:id="rId4"/>
+    <p:sldId id="271" r:id="rId5"/>
+    <p:sldId id="272" r:id="rId6"/>
+    <p:sldId id="259" r:id="rId7"/>
+    <p:sldId id="260" r:id="rId8"/>
+    <p:sldId id="261" r:id="rId9"/>
+    <p:sldId id="262" r:id="rId10"/>
+    <p:sldId id="263" r:id="rId11"/>
+    <p:sldId id="265" r:id="rId12"/>
+    <p:sldId id="266" r:id="rId13"/>
+    <p:sldId id="264" r:id="rId14"/>
+    <p:sldId id="267" r:id="rId15"/>
+    <p:sldId id="268" r:id="rId16"/>
+    <p:sldId id="269" r:id="rId17"/>
   </p:sldIdLst>
   <p:sldSz cx="12192000" cy="6858000"/>
   <p:notesSz cx="6858000" cy="9144000"/>
@@ -3458,6 +3460,70 @@
           </a:prstGeom>
         </p:spPr>
       </p:pic>
+      <p:sp>
+        <p:nvSpPr>
+          <p:cNvPr id="3" name="Rectangle 2">
+            <a:extLst>
+              <a:ext uri="{FF2B5EF4-FFF2-40B4-BE49-F238E27FC236}">
+                <a16:creationId xmlns:a16="http://schemas.microsoft.com/office/drawing/2014/main" id="{946CEDEB-0BA8-4F70-8416-E180E7FCB9C8}"/>
+              </a:ext>
+            </a:extLst>
+          </p:cNvPr>
+          <p:cNvSpPr/>
+          <p:nvPr/>
+        </p:nvSpPr>
+        <p:spPr>
+          <a:xfrm>
+            <a:off x="4537444" y="5135472"/>
+            <a:ext cx="3521150" cy="1200329"/>
+          </a:xfrm>
+          <a:prstGeom prst="rect">
+            <a:avLst/>
+          </a:prstGeom>
+        </p:spPr>
+        <p:txBody>
+          <a:bodyPr wrap="square">
+            <a:spAutoFit/>
+          </a:bodyPr>
+          <a:lstStyle/>
+          <a:p>
+            <a:r>
+              <a:rPr lang="en-US" dirty="0"/>
+              <a:t>Kali Blevins (Team Lead)</a:t>
+            </a:r>
+          </a:p>
+          <a:p>
+            <a:r>
+              <a:rPr lang="en-US" dirty="0"/>
+              <a:t>Anais </a:t>
+            </a:r>
+            <a:r>
+              <a:rPr lang="en-US" dirty="0" err="1"/>
+              <a:t>Dotis</a:t>
+            </a:r>
+            <a:r>
+              <a:rPr lang="en-US" dirty="0"/>
+              <a:t>-Georgiou (Tester)</a:t>
+            </a:r>
+          </a:p>
+          <a:p>
+            <a:r>
+              <a:rPr lang="en-US" dirty="0"/>
+              <a:t>Danny Lu (Data Engineer)</a:t>
+            </a:r>
+          </a:p>
+          <a:p>
+            <a:r>
+              <a:rPr lang="en-US" dirty="0" err="1"/>
+              <a:t>Bharathy</a:t>
+            </a:r>
+            <a:r>
+              <a:rPr lang="en-US" dirty="0"/>
+              <a:t> Natarajan (Scrum Master)</a:t>
+            </a:r>
+          </a:p>
+        </p:txBody>
+      </p:sp>
     </p:spTree>
     <p:extLst>
       <p:ext uri="{BB962C8B-B14F-4D97-AF65-F5344CB8AC3E}">
@@ -3488,12 +3554,40 @@
           <a:chExt cx="0" cy="0"/>
         </a:xfrm>
       </p:grpSpPr>
+      <p:sp>
+        <p:nvSpPr>
+          <p:cNvPr id="2" name="Title 1">
+            <a:extLst>
+              <a:ext uri="{FF2B5EF4-FFF2-40B4-BE49-F238E27FC236}">
+                <a16:creationId xmlns:a16="http://schemas.microsoft.com/office/drawing/2014/main" id="{C429B7A1-3CEB-49F9-942D-C4EABF0B5A90}"/>
+              </a:ext>
+            </a:extLst>
+          </p:cNvPr>
+          <p:cNvSpPr>
+            <a:spLocks noGrp="1"/>
+          </p:cNvSpPr>
+          <p:nvPr>
+            <p:ph type="title"/>
+          </p:nvPr>
+        </p:nvSpPr>
+        <p:spPr/>
+        <p:txBody>
+          <a:bodyPr/>
+          <a:lstStyle/>
+          <a:p>
+            <a:r>
+              <a:rPr lang="en-US" dirty="0"/>
+              <a:t>Sentiment Scores</a:t>
+            </a:r>
+          </a:p>
+        </p:txBody>
+      </p:sp>
       <p:pic>
         <p:nvPicPr>
           <p:cNvPr id="5" name="Content Placeholder 4">
             <a:extLst>
               <a:ext uri="{FF2B5EF4-FFF2-40B4-BE49-F238E27FC236}">
-                <a16:creationId xmlns:a16="http://schemas.microsoft.com/office/drawing/2014/main" id="{2C577C6A-39A1-4709-A026-EE3F44815A25}"/>
+                <a16:creationId xmlns:a16="http://schemas.microsoft.com/office/drawing/2014/main" id="{C764AFF2-E0D5-4B82-9FC4-F665DB4FC1A5}"/>
               </a:ext>
             </a:extLst>
           </p:cNvPr>
@@ -3518,193 +3612,15 @@
         </p:blipFill>
         <p:spPr>
           <a:xfrm>
-            <a:off x="1222746" y="685800"/>
-            <a:ext cx="4114801" cy="2743200"/>
+            <a:off x="1532011" y="1690688"/>
+            <a:ext cx="8702676" cy="4351338"/>
           </a:xfrm>
         </p:spPr>
       </p:pic>
-      <p:pic>
-        <p:nvPicPr>
-          <p:cNvPr id="9" name="Picture 8">
-            <a:extLst>
-              <a:ext uri="{FF2B5EF4-FFF2-40B4-BE49-F238E27FC236}">
-                <a16:creationId xmlns:a16="http://schemas.microsoft.com/office/drawing/2014/main" id="{BF9D8F32-BAFF-4B28-B967-0A326884625A}"/>
-              </a:ext>
-            </a:extLst>
-          </p:cNvPr>
-          <p:cNvPicPr>
-            <a:picLocks noChangeAspect="1"/>
-          </p:cNvPicPr>
-          <p:nvPr/>
-        </p:nvPicPr>
-        <p:blipFill>
-          <a:blip r:embed="rId3">
-            <a:extLst>
-              <a:ext uri="{28A0092B-C50C-407E-A947-70E740481C1C}">
-                <a14:useLocalDpi xmlns:a14="http://schemas.microsoft.com/office/drawing/2010/main" val="0"/>
-              </a:ext>
-            </a:extLst>
-          </a:blip>
-          <a:stretch>
-            <a:fillRect/>
-          </a:stretch>
-        </p:blipFill>
-        <p:spPr>
-          <a:xfrm>
-            <a:off x="1222746" y="3566337"/>
-            <a:ext cx="4114801" cy="2743200"/>
-          </a:xfrm>
-          <a:prstGeom prst="rect">
-            <a:avLst/>
-          </a:prstGeom>
-        </p:spPr>
-      </p:pic>
-      <p:pic>
-        <p:nvPicPr>
-          <p:cNvPr id="4" name="Picture 3">
-            <a:extLst>
-              <a:ext uri="{FF2B5EF4-FFF2-40B4-BE49-F238E27FC236}">
-                <a16:creationId xmlns:a16="http://schemas.microsoft.com/office/drawing/2014/main" id="{69A95056-A413-4558-8D5A-3FDD6ABEC277}"/>
-              </a:ext>
-            </a:extLst>
-          </p:cNvPr>
-          <p:cNvPicPr>
-            <a:picLocks noChangeAspect="1"/>
-          </p:cNvPicPr>
-          <p:nvPr/>
-        </p:nvPicPr>
-        <p:blipFill>
-          <a:blip r:embed="rId4">
-            <a:extLst>
-              <a:ext uri="{28A0092B-C50C-407E-A947-70E740481C1C}">
-                <a14:useLocalDpi xmlns:a14="http://schemas.microsoft.com/office/drawing/2010/main" val="0"/>
-              </a:ext>
-            </a:extLst>
-          </a:blip>
-          <a:stretch>
-            <a:fillRect/>
-          </a:stretch>
-        </p:blipFill>
-        <p:spPr>
-          <a:xfrm>
-            <a:off x="6640031" y="685800"/>
-            <a:ext cx="4114801" cy="2743200"/>
-          </a:xfrm>
-          <a:prstGeom prst="rect">
-            <a:avLst/>
-          </a:prstGeom>
-        </p:spPr>
-      </p:pic>
-      <p:pic>
-        <p:nvPicPr>
-          <p:cNvPr id="8" name="Picture 7">
-            <a:extLst>
-              <a:ext uri="{FF2B5EF4-FFF2-40B4-BE49-F238E27FC236}">
-                <a16:creationId xmlns:a16="http://schemas.microsoft.com/office/drawing/2014/main" id="{D96B8AEE-CBB0-4544-ACDA-FC265EC0C595}"/>
-              </a:ext>
-            </a:extLst>
-          </p:cNvPr>
-          <p:cNvPicPr>
-            <a:picLocks noChangeAspect="1"/>
-          </p:cNvPicPr>
-          <p:nvPr/>
-        </p:nvPicPr>
-        <p:blipFill>
-          <a:blip r:embed="rId5">
-            <a:extLst>
-              <a:ext uri="{28A0092B-C50C-407E-A947-70E740481C1C}">
-                <a14:useLocalDpi xmlns:a14="http://schemas.microsoft.com/office/drawing/2010/main" val="0"/>
-              </a:ext>
-            </a:extLst>
-          </a:blip>
-          <a:stretch>
-            <a:fillRect/>
-          </a:stretch>
-        </p:blipFill>
-        <p:spPr>
-          <a:xfrm>
-            <a:off x="6640031" y="3603552"/>
-            <a:ext cx="4114800" cy="2743200"/>
-          </a:xfrm>
-          <a:prstGeom prst="rect">
-            <a:avLst/>
-          </a:prstGeom>
-        </p:spPr>
-      </p:pic>
-      <p:sp>
-        <p:nvSpPr>
-          <p:cNvPr id="10" name="TextBox 9">
-            <a:extLst>
-              <a:ext uri="{FF2B5EF4-FFF2-40B4-BE49-F238E27FC236}">
-                <a16:creationId xmlns:a16="http://schemas.microsoft.com/office/drawing/2014/main" id="{3D4D3B24-8FA5-45A7-97A4-AE90D658FFF4}"/>
-              </a:ext>
-            </a:extLst>
-          </p:cNvPr>
-          <p:cNvSpPr txBox="1"/>
-          <p:nvPr/>
-        </p:nvSpPr>
-        <p:spPr>
-          <a:xfrm>
-            <a:off x="2764466" y="228600"/>
-            <a:ext cx="2456121" cy="377456"/>
-          </a:xfrm>
-          <a:prstGeom prst="rect">
-            <a:avLst/>
-          </a:prstGeom>
-          <a:noFill/>
-        </p:spPr>
-        <p:txBody>
-          <a:bodyPr wrap="square" rtlCol="0">
-            <a:spAutoFit/>
-          </a:bodyPr>
-          <a:lstStyle/>
-          <a:p>
-            <a:r>
-              <a:rPr lang="en-US" dirty="0"/>
-              <a:t>Train Data</a:t>
-            </a:r>
-          </a:p>
-        </p:txBody>
-      </p:sp>
-      <p:sp>
-        <p:nvSpPr>
-          <p:cNvPr id="11" name="TextBox 10">
-            <a:extLst>
-              <a:ext uri="{FF2B5EF4-FFF2-40B4-BE49-F238E27FC236}">
-                <a16:creationId xmlns:a16="http://schemas.microsoft.com/office/drawing/2014/main" id="{6A8DC554-73B9-40C0-94DC-B0CB47D97A50}"/>
-              </a:ext>
-            </a:extLst>
-          </p:cNvPr>
-          <p:cNvSpPr txBox="1"/>
-          <p:nvPr/>
-        </p:nvSpPr>
-        <p:spPr>
-          <a:xfrm>
-            <a:off x="8060366" y="228600"/>
-            <a:ext cx="2456121" cy="377456"/>
-          </a:xfrm>
-          <a:prstGeom prst="rect">
-            <a:avLst/>
-          </a:prstGeom>
-          <a:noFill/>
-        </p:spPr>
-        <p:txBody>
-          <a:bodyPr wrap="square" rtlCol="0">
-            <a:spAutoFit/>
-          </a:bodyPr>
-          <a:lstStyle/>
-          <a:p>
-            <a:r>
-              <a:rPr lang="en-US" dirty="0"/>
-              <a:t>Test Data</a:t>
-            </a:r>
-          </a:p>
-        </p:txBody>
-      </p:sp>
     </p:spTree>
     <p:extLst>
       <p:ext uri="{BB962C8B-B14F-4D97-AF65-F5344CB8AC3E}">
-        <p14:creationId xmlns:p14="http://schemas.microsoft.com/office/powerpoint/2010/main" val="2081719474"/>
+        <p14:creationId xmlns:p14="http://schemas.microsoft.com/office/powerpoint/2010/main" val="3177219656"/>
       </p:ext>
     </p:extLst>
   </p:cSld>
@@ -3733,10 +3649,10 @@
       </p:grpSpPr>
       <p:pic>
         <p:nvPicPr>
-          <p:cNvPr id="6" name="Content Placeholder 5">
-            <a:extLst>
-              <a:ext uri="{FF2B5EF4-FFF2-40B4-BE49-F238E27FC236}">
-                <a16:creationId xmlns:a16="http://schemas.microsoft.com/office/drawing/2014/main" id="{0E8A59A5-D2BA-45F5-BFA1-824649B6CA2C}"/>
+          <p:cNvPr id="5" name="Content Placeholder 4">
+            <a:extLst>
+              <a:ext uri="{FF2B5EF4-FFF2-40B4-BE49-F238E27FC236}">
+                <a16:creationId xmlns:a16="http://schemas.microsoft.com/office/drawing/2014/main" id="{E873A848-038C-4BC0-B325-00BF15E4A4DB}"/>
               </a:ext>
             </a:extLst>
           </p:cNvPr>
@@ -3761,17 +3677,17 @@
         </p:blipFill>
         <p:spPr>
           <a:xfrm>
-            <a:off x="5344632" y="3583173"/>
-            <a:ext cx="6400800" cy="3200400"/>
+            <a:off x="1105787" y="912702"/>
+            <a:ext cx="4114800" cy="2743200"/>
           </a:xfrm>
         </p:spPr>
       </p:pic>
       <p:pic>
         <p:nvPicPr>
-          <p:cNvPr id="4" name="Picture 3">
-            <a:extLst>
-              <a:ext uri="{FF2B5EF4-FFF2-40B4-BE49-F238E27FC236}">
-                <a16:creationId xmlns:a16="http://schemas.microsoft.com/office/drawing/2014/main" id="{FB30AFD1-7095-4425-BB35-F56F43BB1E57}"/>
+          <p:cNvPr id="7" name="Picture 6">
+            <a:extLst>
+              <a:ext uri="{FF2B5EF4-FFF2-40B4-BE49-F238E27FC236}">
+                <a16:creationId xmlns:a16="http://schemas.microsoft.com/office/drawing/2014/main" id="{036BA160-2FD2-4C78-AAD9-4A6FC5FB0A08}"/>
               </a:ext>
             </a:extLst>
           </p:cNvPr>
@@ -3794,20 +3710,92 @@
         </p:blipFill>
         <p:spPr>
           <a:xfrm>
-            <a:off x="404037" y="649528"/>
-            <a:ext cx="6400802" cy="3200400"/>
+            <a:off x="1105787" y="4012015"/>
+            <a:ext cx="4114800" cy="2743200"/>
           </a:xfrm>
           <a:prstGeom prst="rect">
             <a:avLst/>
           </a:prstGeom>
         </p:spPr>
       </p:pic>
-      <p:sp>
-        <p:nvSpPr>
-          <p:cNvPr id="7" name="TextBox 6">
-            <a:extLst>
-              <a:ext uri="{FF2B5EF4-FFF2-40B4-BE49-F238E27FC236}">
-                <a16:creationId xmlns:a16="http://schemas.microsoft.com/office/drawing/2014/main" id="{1A39CF2D-08C3-408E-A46C-8AF4F49972D8}"/>
+      <p:pic>
+        <p:nvPicPr>
+          <p:cNvPr id="4" name="Picture 3">
+            <a:extLst>
+              <a:ext uri="{FF2B5EF4-FFF2-40B4-BE49-F238E27FC236}">
+                <a16:creationId xmlns:a16="http://schemas.microsoft.com/office/drawing/2014/main" id="{385BB39A-5EAD-4D28-8A15-5A5A9FF32095}"/>
+              </a:ext>
+            </a:extLst>
+          </p:cNvPr>
+          <p:cNvPicPr>
+            <a:picLocks noChangeAspect="1"/>
+          </p:cNvPicPr>
+          <p:nvPr/>
+        </p:nvPicPr>
+        <p:blipFill>
+          <a:blip r:embed="rId4">
+            <a:extLst>
+              <a:ext uri="{28A0092B-C50C-407E-A947-70E740481C1C}">
+                <a14:useLocalDpi xmlns:a14="http://schemas.microsoft.com/office/drawing/2010/main" val="0"/>
+              </a:ext>
+            </a:extLst>
+          </a:blip>
+          <a:stretch>
+            <a:fillRect/>
+          </a:stretch>
+        </p:blipFill>
+        <p:spPr>
+          <a:xfrm>
+            <a:off x="6401687" y="912702"/>
+            <a:ext cx="4114800" cy="2743200"/>
+          </a:xfrm>
+          <a:prstGeom prst="rect">
+            <a:avLst/>
+          </a:prstGeom>
+        </p:spPr>
+      </p:pic>
+      <p:pic>
+        <p:nvPicPr>
+          <p:cNvPr id="8" name="Picture 7">
+            <a:extLst>
+              <a:ext uri="{FF2B5EF4-FFF2-40B4-BE49-F238E27FC236}">
+                <a16:creationId xmlns:a16="http://schemas.microsoft.com/office/drawing/2014/main" id="{8295F7DB-7571-45E5-9F7C-B2046180EC2B}"/>
+              </a:ext>
+            </a:extLst>
+          </p:cNvPr>
+          <p:cNvPicPr>
+            <a:picLocks noChangeAspect="1"/>
+          </p:cNvPicPr>
+          <p:nvPr/>
+        </p:nvPicPr>
+        <p:blipFill>
+          <a:blip r:embed="rId5">
+            <a:extLst>
+              <a:ext uri="{28A0092B-C50C-407E-A947-70E740481C1C}">
+                <a14:useLocalDpi xmlns:a14="http://schemas.microsoft.com/office/drawing/2010/main" val="0"/>
+              </a:ext>
+            </a:extLst>
+          </a:blip>
+          <a:stretch>
+            <a:fillRect/>
+          </a:stretch>
+        </p:blipFill>
+        <p:spPr>
+          <a:xfrm>
+            <a:off x="6401686" y="4012015"/>
+            <a:ext cx="4114801" cy="2743200"/>
+          </a:xfrm>
+          <a:prstGeom prst="rect">
+            <a:avLst/>
+          </a:prstGeom>
+        </p:spPr>
+      </p:pic>
+      <p:sp>
+        <p:nvSpPr>
+          <p:cNvPr id="11" name="TextBox 10">
+            <a:extLst>
+              <a:ext uri="{FF2B5EF4-FFF2-40B4-BE49-F238E27FC236}">
+                <a16:creationId xmlns:a16="http://schemas.microsoft.com/office/drawing/2014/main" id="{0B263770-180B-495D-8130-7995EA9B5870}"/>
               </a:ext>
             </a:extLst>
           </p:cNvPr>
@@ -3816,7 +3804,7 @@
         </p:nvSpPr>
         <p:spPr>
           <a:xfrm>
-            <a:off x="3381154" y="228600"/>
+            <a:off x="2764466" y="228600"/>
             <a:ext cx="2456121" cy="377456"/>
           </a:xfrm>
           <a:prstGeom prst="rect">
@@ -3839,10 +3827,10 @@
       </p:sp>
       <p:sp>
         <p:nvSpPr>
-          <p:cNvPr id="8" name="TextBox 7">
-            <a:extLst>
-              <a:ext uri="{FF2B5EF4-FFF2-40B4-BE49-F238E27FC236}">
-                <a16:creationId xmlns:a16="http://schemas.microsoft.com/office/drawing/2014/main" id="{6BB7EEC2-2EFA-4999-A523-2199E54627ED}"/>
+          <p:cNvPr id="12" name="TextBox 11">
+            <a:extLst>
+              <a:ext uri="{FF2B5EF4-FFF2-40B4-BE49-F238E27FC236}">
+                <a16:creationId xmlns:a16="http://schemas.microsoft.com/office/drawing/2014/main" id="{EB2E74CB-1C42-4FF2-8CC4-B4767A21056B}"/>
               </a:ext>
             </a:extLst>
           </p:cNvPr>
@@ -3851,7 +3839,7 @@
         </p:nvSpPr>
         <p:spPr>
           <a:xfrm>
-            <a:off x="8219854" y="2897371"/>
+            <a:off x="8060366" y="228600"/>
             <a:ext cx="2456121" cy="377456"/>
           </a:xfrm>
           <a:prstGeom prst="rect">
@@ -3875,7 +3863,7 @@
     </p:spTree>
     <p:extLst>
       <p:ext uri="{BB962C8B-B14F-4D97-AF65-F5344CB8AC3E}">
-        <p14:creationId xmlns:p14="http://schemas.microsoft.com/office/powerpoint/2010/main" val="3424517469"/>
+        <p14:creationId xmlns:p14="http://schemas.microsoft.com/office/powerpoint/2010/main" val="280028085"/>
       </p:ext>
     </p:extLst>
   </p:cSld>
@@ -3907,7 +3895,7 @@
           <p:cNvPr id="5" name="Content Placeholder 4">
             <a:extLst>
               <a:ext uri="{FF2B5EF4-FFF2-40B4-BE49-F238E27FC236}">
-                <a16:creationId xmlns:a16="http://schemas.microsoft.com/office/drawing/2014/main" id="{0887A0AC-EC22-485E-86AD-70C77DB3AA1C}"/>
+                <a16:creationId xmlns:a16="http://schemas.microsoft.com/office/drawing/2014/main" id="{2C577C6A-39A1-4709-A026-EE3F44815A25}"/>
               </a:ext>
             </a:extLst>
           </p:cNvPr>
@@ -3932,17 +3920,17 @@
         </p:blipFill>
         <p:spPr>
           <a:xfrm>
-            <a:off x="1148317" y="606056"/>
+            <a:off x="1222746" y="685800"/>
             <a:ext cx="4114801" cy="2743200"/>
           </a:xfrm>
         </p:spPr>
       </p:pic>
       <p:pic>
         <p:nvPicPr>
-          <p:cNvPr id="7" name="Picture 6">
-            <a:extLst>
-              <a:ext uri="{FF2B5EF4-FFF2-40B4-BE49-F238E27FC236}">
-                <a16:creationId xmlns:a16="http://schemas.microsoft.com/office/drawing/2014/main" id="{F430C3C2-324A-462D-B2B0-FC94392D3316}"/>
+          <p:cNvPr id="9" name="Picture 8">
+            <a:extLst>
+              <a:ext uri="{FF2B5EF4-FFF2-40B4-BE49-F238E27FC236}">
+                <a16:creationId xmlns:a16="http://schemas.microsoft.com/office/drawing/2014/main" id="{BF9D8F32-BAFF-4B28-B967-0A326884625A}"/>
               </a:ext>
             </a:extLst>
           </p:cNvPr>
@@ -3965,8 +3953,8 @@
         </p:blipFill>
         <p:spPr>
           <a:xfrm>
-            <a:off x="1148317" y="3638031"/>
-            <a:ext cx="4114800" cy="2743200"/>
+            <a:off x="1222746" y="3566337"/>
+            <a:ext cx="4114801" cy="2743200"/>
           </a:xfrm>
           <a:prstGeom prst="rect">
             <a:avLst/>
@@ -3978,7 +3966,7 @@
           <p:cNvPr id="4" name="Picture 3">
             <a:extLst>
               <a:ext uri="{FF2B5EF4-FFF2-40B4-BE49-F238E27FC236}">
-                <a16:creationId xmlns:a16="http://schemas.microsoft.com/office/drawing/2014/main" id="{0BE02643-629E-48C4-8055-03B9D6835F31}"/>
+                <a16:creationId xmlns:a16="http://schemas.microsoft.com/office/drawing/2014/main" id="{69A95056-A413-4558-8D5A-3FDD6ABEC277}"/>
               </a:ext>
             </a:extLst>
           </p:cNvPr>
@@ -4001,7 +3989,7 @@
         </p:blipFill>
         <p:spPr>
           <a:xfrm>
-            <a:off x="6454851" y="606056"/>
+            <a:off x="6640031" y="685800"/>
             <a:ext cx="4114801" cy="2743200"/>
           </a:xfrm>
           <a:prstGeom prst="rect">
@@ -4014,7 +4002,7 @@
           <p:cNvPr id="8" name="Picture 7">
             <a:extLst>
               <a:ext uri="{FF2B5EF4-FFF2-40B4-BE49-F238E27FC236}">
-                <a16:creationId xmlns:a16="http://schemas.microsoft.com/office/drawing/2014/main" id="{7BB6CAAB-362F-437E-8C8F-A51AB068D958}"/>
+                <a16:creationId xmlns:a16="http://schemas.microsoft.com/office/drawing/2014/main" id="{D96B8AEE-CBB0-4544-ACDA-FC265EC0C595}"/>
               </a:ext>
             </a:extLst>
           </p:cNvPr>
@@ -4037,8 +4025,8 @@
         </p:blipFill>
         <p:spPr>
           <a:xfrm>
-            <a:off x="6454851" y="3638031"/>
-            <a:ext cx="4114801" cy="2743200"/>
+            <a:off x="6640031" y="3603552"/>
+            <a:ext cx="4114800" cy="2743200"/>
           </a:xfrm>
           <a:prstGeom prst="rect">
             <a:avLst/>
@@ -4050,7 +4038,7 @@
           <p:cNvPr id="10" name="TextBox 9">
             <a:extLst>
               <a:ext uri="{FF2B5EF4-FFF2-40B4-BE49-F238E27FC236}">
-                <a16:creationId xmlns:a16="http://schemas.microsoft.com/office/drawing/2014/main" id="{83DB4363-816D-49C6-8145-A62E56DE986B}"/>
+                <a16:creationId xmlns:a16="http://schemas.microsoft.com/office/drawing/2014/main" id="{3D4D3B24-8FA5-45A7-97A4-AE90D658FFF4}"/>
               </a:ext>
             </a:extLst>
           </p:cNvPr>
@@ -4085,7 +4073,7 @@
           <p:cNvPr id="11" name="TextBox 10">
             <a:extLst>
               <a:ext uri="{FF2B5EF4-FFF2-40B4-BE49-F238E27FC236}">
-                <a16:creationId xmlns:a16="http://schemas.microsoft.com/office/drawing/2014/main" id="{DC1336CA-8192-4824-B159-98687F0D735E}"/>
+                <a16:creationId xmlns:a16="http://schemas.microsoft.com/office/drawing/2014/main" id="{6A8DC554-73B9-40C0-94DC-B0CB47D97A50}"/>
               </a:ext>
             </a:extLst>
           </p:cNvPr>
@@ -4118,7 +4106,7 @@
     </p:spTree>
     <p:extLst>
       <p:ext uri="{BB962C8B-B14F-4D97-AF65-F5344CB8AC3E}">
-        <p14:creationId xmlns:p14="http://schemas.microsoft.com/office/powerpoint/2010/main" val="789669418"/>
+        <p14:creationId xmlns:p14="http://schemas.microsoft.com/office/powerpoint/2010/main" val="2081719474"/>
       </p:ext>
     </p:extLst>
   </p:cSld>
@@ -4150,6 +4138,420 @@
           <p:cNvPr id="6" name="Content Placeholder 5">
             <a:extLst>
               <a:ext uri="{FF2B5EF4-FFF2-40B4-BE49-F238E27FC236}">
+                <a16:creationId xmlns:a16="http://schemas.microsoft.com/office/drawing/2014/main" id="{0E8A59A5-D2BA-45F5-BFA1-824649B6CA2C}"/>
+              </a:ext>
+            </a:extLst>
+          </p:cNvPr>
+          <p:cNvPicPr>
+            <a:picLocks noGrp="1" noChangeAspect="1"/>
+          </p:cNvPicPr>
+          <p:nvPr>
+            <p:ph idx="1"/>
+          </p:nvPr>
+        </p:nvPicPr>
+        <p:blipFill>
+          <a:blip r:embed="rId2">
+            <a:extLst>
+              <a:ext uri="{28A0092B-C50C-407E-A947-70E740481C1C}">
+                <a14:useLocalDpi xmlns:a14="http://schemas.microsoft.com/office/drawing/2010/main" val="0"/>
+              </a:ext>
+            </a:extLst>
+          </a:blip>
+          <a:stretch>
+            <a:fillRect/>
+          </a:stretch>
+        </p:blipFill>
+        <p:spPr>
+          <a:xfrm>
+            <a:off x="5344632" y="3583173"/>
+            <a:ext cx="6400800" cy="3200400"/>
+          </a:xfrm>
+        </p:spPr>
+      </p:pic>
+      <p:pic>
+        <p:nvPicPr>
+          <p:cNvPr id="4" name="Picture 3">
+            <a:extLst>
+              <a:ext uri="{FF2B5EF4-FFF2-40B4-BE49-F238E27FC236}">
+                <a16:creationId xmlns:a16="http://schemas.microsoft.com/office/drawing/2014/main" id="{FB30AFD1-7095-4425-BB35-F56F43BB1E57}"/>
+              </a:ext>
+            </a:extLst>
+          </p:cNvPr>
+          <p:cNvPicPr>
+            <a:picLocks noChangeAspect="1"/>
+          </p:cNvPicPr>
+          <p:nvPr/>
+        </p:nvPicPr>
+        <p:blipFill>
+          <a:blip r:embed="rId3">
+            <a:extLst>
+              <a:ext uri="{28A0092B-C50C-407E-A947-70E740481C1C}">
+                <a14:useLocalDpi xmlns:a14="http://schemas.microsoft.com/office/drawing/2010/main" val="0"/>
+              </a:ext>
+            </a:extLst>
+          </a:blip>
+          <a:stretch>
+            <a:fillRect/>
+          </a:stretch>
+        </p:blipFill>
+        <p:spPr>
+          <a:xfrm>
+            <a:off x="404037" y="649528"/>
+            <a:ext cx="6400802" cy="3200400"/>
+          </a:xfrm>
+          <a:prstGeom prst="rect">
+            <a:avLst/>
+          </a:prstGeom>
+        </p:spPr>
+      </p:pic>
+      <p:sp>
+        <p:nvSpPr>
+          <p:cNvPr id="7" name="TextBox 6">
+            <a:extLst>
+              <a:ext uri="{FF2B5EF4-FFF2-40B4-BE49-F238E27FC236}">
+                <a16:creationId xmlns:a16="http://schemas.microsoft.com/office/drawing/2014/main" id="{1A39CF2D-08C3-408E-A46C-8AF4F49972D8}"/>
+              </a:ext>
+            </a:extLst>
+          </p:cNvPr>
+          <p:cNvSpPr txBox="1"/>
+          <p:nvPr/>
+        </p:nvSpPr>
+        <p:spPr>
+          <a:xfrm>
+            <a:off x="3381154" y="228600"/>
+            <a:ext cx="2456121" cy="377456"/>
+          </a:xfrm>
+          <a:prstGeom prst="rect">
+            <a:avLst/>
+          </a:prstGeom>
+          <a:noFill/>
+        </p:spPr>
+        <p:txBody>
+          <a:bodyPr wrap="square" rtlCol="0">
+            <a:spAutoFit/>
+          </a:bodyPr>
+          <a:lstStyle/>
+          <a:p>
+            <a:r>
+              <a:rPr lang="en-US" dirty="0"/>
+              <a:t>Train Data</a:t>
+            </a:r>
+          </a:p>
+        </p:txBody>
+      </p:sp>
+      <p:sp>
+        <p:nvSpPr>
+          <p:cNvPr id="8" name="TextBox 7">
+            <a:extLst>
+              <a:ext uri="{FF2B5EF4-FFF2-40B4-BE49-F238E27FC236}">
+                <a16:creationId xmlns:a16="http://schemas.microsoft.com/office/drawing/2014/main" id="{6BB7EEC2-2EFA-4999-A523-2199E54627ED}"/>
+              </a:ext>
+            </a:extLst>
+          </p:cNvPr>
+          <p:cNvSpPr txBox="1"/>
+          <p:nvPr/>
+        </p:nvSpPr>
+        <p:spPr>
+          <a:xfrm>
+            <a:off x="8219854" y="2897371"/>
+            <a:ext cx="2456121" cy="377456"/>
+          </a:xfrm>
+          <a:prstGeom prst="rect">
+            <a:avLst/>
+          </a:prstGeom>
+          <a:noFill/>
+        </p:spPr>
+        <p:txBody>
+          <a:bodyPr wrap="square" rtlCol="0">
+            <a:spAutoFit/>
+          </a:bodyPr>
+          <a:lstStyle/>
+          <a:p>
+            <a:r>
+              <a:rPr lang="en-US" dirty="0"/>
+              <a:t>Test Data</a:t>
+            </a:r>
+          </a:p>
+        </p:txBody>
+      </p:sp>
+    </p:spTree>
+    <p:extLst>
+      <p:ext uri="{BB962C8B-B14F-4D97-AF65-F5344CB8AC3E}">
+        <p14:creationId xmlns:p14="http://schemas.microsoft.com/office/powerpoint/2010/main" val="3424517469"/>
+      </p:ext>
+    </p:extLst>
+  </p:cSld>
+  <p:clrMapOvr>
+    <a:masterClrMapping/>
+  </p:clrMapOvr>
+</p:sld>
+</file>
+
+<file path=ppt/slides/slide14.xml><?xml version="1.0" encoding="utf-8"?>
+<p:sld xmlns:a="http://schemas.openxmlformats.org/drawingml/2006/main" xmlns:r="http://schemas.openxmlformats.org/officeDocument/2006/relationships" xmlns:p="http://schemas.openxmlformats.org/presentationml/2006/main">
+  <p:cSld>
+    <p:spTree>
+      <p:nvGrpSpPr>
+        <p:cNvPr id="1" name=""/>
+        <p:cNvGrpSpPr/>
+        <p:nvPr/>
+      </p:nvGrpSpPr>
+      <p:grpSpPr>
+        <a:xfrm>
+          <a:off x="0" y="0"/>
+          <a:ext cx="0" cy="0"/>
+          <a:chOff x="0" y="0"/>
+          <a:chExt cx="0" cy="0"/>
+        </a:xfrm>
+      </p:grpSpPr>
+      <p:pic>
+        <p:nvPicPr>
+          <p:cNvPr id="5" name="Content Placeholder 4">
+            <a:extLst>
+              <a:ext uri="{FF2B5EF4-FFF2-40B4-BE49-F238E27FC236}">
+                <a16:creationId xmlns:a16="http://schemas.microsoft.com/office/drawing/2014/main" id="{0887A0AC-EC22-485E-86AD-70C77DB3AA1C}"/>
+              </a:ext>
+            </a:extLst>
+          </p:cNvPr>
+          <p:cNvPicPr>
+            <a:picLocks noGrp="1" noChangeAspect="1"/>
+          </p:cNvPicPr>
+          <p:nvPr>
+            <p:ph idx="1"/>
+          </p:nvPr>
+        </p:nvPicPr>
+        <p:blipFill>
+          <a:blip r:embed="rId2">
+            <a:extLst>
+              <a:ext uri="{28A0092B-C50C-407E-A947-70E740481C1C}">
+                <a14:useLocalDpi xmlns:a14="http://schemas.microsoft.com/office/drawing/2010/main" val="0"/>
+              </a:ext>
+            </a:extLst>
+          </a:blip>
+          <a:stretch>
+            <a:fillRect/>
+          </a:stretch>
+        </p:blipFill>
+        <p:spPr>
+          <a:xfrm>
+            <a:off x="1148317" y="606056"/>
+            <a:ext cx="4114801" cy="2743200"/>
+          </a:xfrm>
+        </p:spPr>
+      </p:pic>
+      <p:pic>
+        <p:nvPicPr>
+          <p:cNvPr id="7" name="Picture 6">
+            <a:extLst>
+              <a:ext uri="{FF2B5EF4-FFF2-40B4-BE49-F238E27FC236}">
+                <a16:creationId xmlns:a16="http://schemas.microsoft.com/office/drawing/2014/main" id="{F430C3C2-324A-462D-B2B0-FC94392D3316}"/>
+              </a:ext>
+            </a:extLst>
+          </p:cNvPr>
+          <p:cNvPicPr>
+            <a:picLocks noChangeAspect="1"/>
+          </p:cNvPicPr>
+          <p:nvPr/>
+        </p:nvPicPr>
+        <p:blipFill>
+          <a:blip r:embed="rId3">
+            <a:extLst>
+              <a:ext uri="{28A0092B-C50C-407E-A947-70E740481C1C}">
+                <a14:useLocalDpi xmlns:a14="http://schemas.microsoft.com/office/drawing/2010/main" val="0"/>
+              </a:ext>
+            </a:extLst>
+          </a:blip>
+          <a:stretch>
+            <a:fillRect/>
+          </a:stretch>
+        </p:blipFill>
+        <p:spPr>
+          <a:xfrm>
+            <a:off x="1148317" y="3638031"/>
+            <a:ext cx="4114800" cy="2743200"/>
+          </a:xfrm>
+          <a:prstGeom prst="rect">
+            <a:avLst/>
+          </a:prstGeom>
+        </p:spPr>
+      </p:pic>
+      <p:pic>
+        <p:nvPicPr>
+          <p:cNvPr id="4" name="Picture 3">
+            <a:extLst>
+              <a:ext uri="{FF2B5EF4-FFF2-40B4-BE49-F238E27FC236}">
+                <a16:creationId xmlns:a16="http://schemas.microsoft.com/office/drawing/2014/main" id="{0BE02643-629E-48C4-8055-03B9D6835F31}"/>
+              </a:ext>
+            </a:extLst>
+          </p:cNvPr>
+          <p:cNvPicPr>
+            <a:picLocks noChangeAspect="1"/>
+          </p:cNvPicPr>
+          <p:nvPr/>
+        </p:nvPicPr>
+        <p:blipFill>
+          <a:blip r:embed="rId4">
+            <a:extLst>
+              <a:ext uri="{28A0092B-C50C-407E-A947-70E740481C1C}">
+                <a14:useLocalDpi xmlns:a14="http://schemas.microsoft.com/office/drawing/2010/main" val="0"/>
+              </a:ext>
+            </a:extLst>
+          </a:blip>
+          <a:stretch>
+            <a:fillRect/>
+          </a:stretch>
+        </p:blipFill>
+        <p:spPr>
+          <a:xfrm>
+            <a:off x="6454851" y="606056"/>
+            <a:ext cx="4114801" cy="2743200"/>
+          </a:xfrm>
+          <a:prstGeom prst="rect">
+            <a:avLst/>
+          </a:prstGeom>
+        </p:spPr>
+      </p:pic>
+      <p:pic>
+        <p:nvPicPr>
+          <p:cNvPr id="8" name="Picture 7">
+            <a:extLst>
+              <a:ext uri="{FF2B5EF4-FFF2-40B4-BE49-F238E27FC236}">
+                <a16:creationId xmlns:a16="http://schemas.microsoft.com/office/drawing/2014/main" id="{7BB6CAAB-362F-437E-8C8F-A51AB068D958}"/>
+              </a:ext>
+            </a:extLst>
+          </p:cNvPr>
+          <p:cNvPicPr>
+            <a:picLocks noChangeAspect="1"/>
+          </p:cNvPicPr>
+          <p:nvPr/>
+        </p:nvPicPr>
+        <p:blipFill>
+          <a:blip r:embed="rId5">
+            <a:extLst>
+              <a:ext uri="{28A0092B-C50C-407E-A947-70E740481C1C}">
+                <a14:useLocalDpi xmlns:a14="http://schemas.microsoft.com/office/drawing/2010/main" val="0"/>
+              </a:ext>
+            </a:extLst>
+          </a:blip>
+          <a:stretch>
+            <a:fillRect/>
+          </a:stretch>
+        </p:blipFill>
+        <p:spPr>
+          <a:xfrm>
+            <a:off x="6454851" y="3638031"/>
+            <a:ext cx="4114801" cy="2743200"/>
+          </a:xfrm>
+          <a:prstGeom prst="rect">
+            <a:avLst/>
+          </a:prstGeom>
+        </p:spPr>
+      </p:pic>
+      <p:sp>
+        <p:nvSpPr>
+          <p:cNvPr id="10" name="TextBox 9">
+            <a:extLst>
+              <a:ext uri="{FF2B5EF4-FFF2-40B4-BE49-F238E27FC236}">
+                <a16:creationId xmlns:a16="http://schemas.microsoft.com/office/drawing/2014/main" id="{83DB4363-816D-49C6-8145-A62E56DE986B}"/>
+              </a:ext>
+            </a:extLst>
+          </p:cNvPr>
+          <p:cNvSpPr txBox="1"/>
+          <p:nvPr/>
+        </p:nvSpPr>
+        <p:spPr>
+          <a:xfrm>
+            <a:off x="2764466" y="228600"/>
+            <a:ext cx="2456121" cy="377456"/>
+          </a:xfrm>
+          <a:prstGeom prst="rect">
+            <a:avLst/>
+          </a:prstGeom>
+          <a:noFill/>
+        </p:spPr>
+        <p:txBody>
+          <a:bodyPr wrap="square" rtlCol="0">
+            <a:spAutoFit/>
+          </a:bodyPr>
+          <a:lstStyle/>
+          <a:p>
+            <a:r>
+              <a:rPr lang="en-US" dirty="0"/>
+              <a:t>Train Data</a:t>
+            </a:r>
+          </a:p>
+        </p:txBody>
+      </p:sp>
+      <p:sp>
+        <p:nvSpPr>
+          <p:cNvPr id="11" name="TextBox 10">
+            <a:extLst>
+              <a:ext uri="{FF2B5EF4-FFF2-40B4-BE49-F238E27FC236}">
+                <a16:creationId xmlns:a16="http://schemas.microsoft.com/office/drawing/2014/main" id="{DC1336CA-8192-4824-B159-98687F0D735E}"/>
+              </a:ext>
+            </a:extLst>
+          </p:cNvPr>
+          <p:cNvSpPr txBox="1"/>
+          <p:nvPr/>
+        </p:nvSpPr>
+        <p:spPr>
+          <a:xfrm>
+            <a:off x="8060366" y="228600"/>
+            <a:ext cx="2456121" cy="377456"/>
+          </a:xfrm>
+          <a:prstGeom prst="rect">
+            <a:avLst/>
+          </a:prstGeom>
+          <a:noFill/>
+        </p:spPr>
+        <p:txBody>
+          <a:bodyPr wrap="square" rtlCol="0">
+            <a:spAutoFit/>
+          </a:bodyPr>
+          <a:lstStyle/>
+          <a:p>
+            <a:r>
+              <a:rPr lang="en-US" dirty="0"/>
+              <a:t>Test Data</a:t>
+            </a:r>
+          </a:p>
+        </p:txBody>
+      </p:sp>
+    </p:spTree>
+    <p:extLst>
+      <p:ext uri="{BB962C8B-B14F-4D97-AF65-F5344CB8AC3E}">
+        <p14:creationId xmlns:p14="http://schemas.microsoft.com/office/powerpoint/2010/main" val="789669418"/>
+      </p:ext>
+    </p:extLst>
+  </p:cSld>
+  <p:clrMapOvr>
+    <a:masterClrMapping/>
+  </p:clrMapOvr>
+</p:sld>
+</file>
+
+<file path=ppt/slides/slide15.xml><?xml version="1.0" encoding="utf-8"?>
+<p:sld xmlns:a="http://schemas.openxmlformats.org/drawingml/2006/main" xmlns:r="http://schemas.openxmlformats.org/officeDocument/2006/relationships" xmlns:p="http://schemas.openxmlformats.org/presentationml/2006/main">
+  <p:cSld>
+    <p:spTree>
+      <p:nvGrpSpPr>
+        <p:cNvPr id="1" name=""/>
+        <p:cNvGrpSpPr/>
+        <p:nvPr/>
+      </p:nvGrpSpPr>
+      <p:grpSpPr>
+        <a:xfrm>
+          <a:off x="0" y="0"/>
+          <a:ext cx="0" cy="0"/>
+          <a:chOff x="0" y="0"/>
+          <a:chExt cx="0" cy="0"/>
+        </a:xfrm>
+      </p:grpSpPr>
+      <p:pic>
+        <p:nvPicPr>
+          <p:cNvPr id="6" name="Content Placeholder 5">
+            <a:extLst>
+              <a:ext uri="{FF2B5EF4-FFF2-40B4-BE49-F238E27FC236}">
                 <a16:creationId xmlns:a16="http://schemas.microsoft.com/office/drawing/2014/main" id="{0F540402-BC21-470B-BFAE-EECDF564C379}"/>
               </a:ext>
             </a:extLst>
@@ -4299,7 +4701,7 @@
 </p:sld>
 </file>
 
-<file path=ppt/slides/slide14.xml><?xml version="1.0" encoding="utf-8"?>
+<file path=ppt/slides/slide16.xml><?xml version="1.0" encoding="utf-8"?>
 <p:sld xmlns:a="http://schemas.openxmlformats.org/drawingml/2006/main" xmlns:r="http://schemas.openxmlformats.org/officeDocument/2006/relationships" xmlns:p="http://schemas.openxmlformats.org/presentationml/2006/main">
   <p:cSld>
     <p:spTree>
@@ -4492,7 +4894,7 @@
           <p:cNvPr id="2" name="Title 1">
             <a:extLst>
               <a:ext uri="{FF2B5EF4-FFF2-40B4-BE49-F238E27FC236}">
-                <a16:creationId xmlns:a16="http://schemas.microsoft.com/office/drawing/2014/main" id="{E9404645-32D9-4ECD-BF91-A6B4472AEC6C}"/>
+                <a16:creationId xmlns:a16="http://schemas.microsoft.com/office/drawing/2014/main" id="{E0903E84-6EE2-40C7-AA07-D5BBC787576F}"/>
               </a:ext>
             </a:extLst>
           </p:cNvPr>
@@ -4510,7 +4912,7 @@
           <a:p>
             <a:r>
               <a:rPr lang="en-US" dirty="0"/>
-              <a:t>Team Members</a:t>
+              <a:t>Overview</a:t>
             </a:r>
           </a:p>
         </p:txBody>
@@ -4520,7 +4922,7 @@
           <p:cNvPr id="3" name="Content Placeholder 2">
             <a:extLst>
               <a:ext uri="{FF2B5EF4-FFF2-40B4-BE49-F238E27FC236}">
-                <a16:creationId xmlns:a16="http://schemas.microsoft.com/office/drawing/2014/main" id="{25EF1510-F1FE-4F0A-A391-53D16B9D1AE2}"/>
+                <a16:creationId xmlns:a16="http://schemas.microsoft.com/office/drawing/2014/main" id="{A1B8FE37-412C-4D22-9830-556745A378A7}"/>
               </a:ext>
             </a:extLst>
           </p:cNvPr>
@@ -4536,125 +4938,20 @@
           <a:bodyPr/>
           <a:lstStyle/>
           <a:p>
+            <a:pPr marL="0" indent="0">
+              <a:buNone/>
+            </a:pPr>
             <a:r>
               <a:rPr lang="en-US" dirty="0"/>
-              <a:t>Kali Blevins (Team Lead)</a:t>
-            </a:r>
-          </a:p>
-          <a:p>
-            <a:r>
-              <a:rPr lang="en-US" dirty="0"/>
-              <a:t>Anais </a:t>
-            </a:r>
-            <a:r>
-              <a:rPr lang="en-US" dirty="0" err="1"/>
-              <a:t>Dotis</a:t>
-            </a:r>
-            <a:r>
-              <a:rPr lang="en-US" dirty="0"/>
-              <a:t>-Georgiou (Tester)</a:t>
-            </a:r>
-          </a:p>
-          <a:p>
-            <a:r>
-              <a:rPr lang="en-US" dirty="0"/>
-              <a:t>Danny Lu (Data Engineer)</a:t>
-            </a:r>
-          </a:p>
-          <a:p>
-            <a:r>
-              <a:rPr lang="en-US" dirty="0" err="1"/>
-              <a:t>Bharathy</a:t>
-            </a:r>
-            <a:r>
-              <a:rPr lang="en-US" dirty="0"/>
-              <a:t> Natarajan (Scrum Master)</a:t>
-            </a:r>
-          </a:p>
-        </p:txBody>
-      </p:sp>
-      <p:pic>
-        <p:nvPicPr>
-          <p:cNvPr id="5" name="Graphic 4" descr="Users">
-            <a:extLst>
-              <a:ext uri="{FF2B5EF4-FFF2-40B4-BE49-F238E27FC236}">
-                <a16:creationId xmlns:a16="http://schemas.microsoft.com/office/drawing/2014/main" id="{EC44EFC7-688B-40F9-9B88-908633E57E79}"/>
-              </a:ext>
-            </a:extLst>
-          </p:cNvPr>
-          <p:cNvPicPr>
-            <a:picLocks noChangeAspect="1"/>
-          </p:cNvPicPr>
-          <p:nvPr/>
-        </p:nvPicPr>
-        <p:blipFill>
-          <a:blip r:embed="rId2">
-            <a:extLst>
-              <a:ext uri="{28A0092B-C50C-407E-A947-70E740481C1C}">
-                <a14:useLocalDpi xmlns:a14="http://schemas.microsoft.com/office/drawing/2010/main" val="0"/>
-              </a:ext>
-              <a:ext uri="{96DAC541-7B7A-43D3-8B79-37D633B846F1}">
-                <asvg:svgBlip xmlns:asvg="http://schemas.microsoft.com/office/drawing/2016/SVG/main" r:embed="rId3"/>
-              </a:ext>
-            </a:extLst>
-          </a:blip>
-          <a:stretch>
-            <a:fillRect/>
-          </a:stretch>
-        </p:blipFill>
-        <p:spPr>
-          <a:xfrm>
-            <a:off x="8530855" y="4118344"/>
-            <a:ext cx="2457893" cy="2457893"/>
-          </a:xfrm>
-          <a:prstGeom prst="rect">
-            <a:avLst/>
-          </a:prstGeom>
-        </p:spPr>
-      </p:pic>
-      <p:pic>
-        <p:nvPicPr>
-          <p:cNvPr id="7" name="Graphic 6" descr="User">
-            <a:extLst>
-              <a:ext uri="{FF2B5EF4-FFF2-40B4-BE49-F238E27FC236}">
-                <a16:creationId xmlns:a16="http://schemas.microsoft.com/office/drawing/2014/main" id="{851CE628-6164-4364-BC6D-319AAF684252}"/>
-              </a:ext>
-            </a:extLst>
-          </p:cNvPr>
-          <p:cNvPicPr>
-            <a:picLocks noChangeAspect="1"/>
-          </p:cNvPicPr>
-          <p:nvPr/>
-        </p:nvPicPr>
-        <p:blipFill>
-          <a:blip r:embed="rId4">
-            <a:extLst>
-              <a:ext uri="{28A0092B-C50C-407E-A947-70E740481C1C}">
-                <a14:useLocalDpi xmlns:a14="http://schemas.microsoft.com/office/drawing/2010/main" val="0"/>
-              </a:ext>
-              <a:ext uri="{96DAC541-7B7A-43D3-8B79-37D633B846F1}">
-                <asvg:svgBlip xmlns:asvg="http://schemas.microsoft.com/office/drawing/2016/SVG/main" r:embed="rId5"/>
-              </a:ext>
-            </a:extLst>
-          </a:blip>
-          <a:stretch>
-            <a:fillRect/>
-          </a:stretch>
-        </p:blipFill>
-        <p:spPr>
-          <a:xfrm>
-            <a:off x="9154502" y="4001294"/>
-            <a:ext cx="1210598" cy="1210598"/>
-          </a:xfrm>
-          <a:prstGeom prst="rect">
-            <a:avLst/>
-          </a:prstGeom>
-        </p:spPr>
-      </p:pic>
+              <a:t>Using the raw datasets from the Kaggle data competition 'Spooky Authors', we performed a basic natural language analysis with the aim of identifying particular authors based on a sample of their writing.</a:t>
+            </a:r>
+          </a:p>
+        </p:txBody>
+      </p:sp>
     </p:spTree>
     <p:extLst>
       <p:ext uri="{BB962C8B-B14F-4D97-AF65-F5344CB8AC3E}">
-        <p14:creationId xmlns:p14="http://schemas.microsoft.com/office/powerpoint/2010/main" val="2118281294"/>
+        <p14:creationId xmlns:p14="http://schemas.microsoft.com/office/powerpoint/2010/main" val="2525519112"/>
       </p:ext>
     </p:extLst>
   </p:cSld>
@@ -4686,7 +4983,7 @@
           <p:cNvPr id="2" name="Title 1">
             <a:extLst>
               <a:ext uri="{FF2B5EF4-FFF2-40B4-BE49-F238E27FC236}">
-                <a16:creationId xmlns:a16="http://schemas.microsoft.com/office/drawing/2014/main" id="{E0903E84-6EE2-40C7-AA07-D5BBC787576F}"/>
+                <a16:creationId xmlns:a16="http://schemas.microsoft.com/office/drawing/2014/main" id="{03AE5EC4-B8EA-4194-AB7F-2C9DD1A479EC}"/>
               </a:ext>
             </a:extLst>
           </p:cNvPr>
@@ -4704,7 +5001,7 @@
           <a:p>
             <a:r>
               <a:rPr lang="en-US" dirty="0"/>
-              <a:t>Overview</a:t>
+              <a:t>Questions</a:t>
             </a:r>
           </a:p>
         </p:txBody>
@@ -4714,7 +5011,7 @@
           <p:cNvPr id="3" name="Content Placeholder 2">
             <a:extLst>
               <a:ext uri="{FF2B5EF4-FFF2-40B4-BE49-F238E27FC236}">
-                <a16:creationId xmlns:a16="http://schemas.microsoft.com/office/drawing/2014/main" id="{A1B8FE37-412C-4D22-9830-556745A378A7}"/>
+                <a16:creationId xmlns:a16="http://schemas.microsoft.com/office/drawing/2014/main" id="{F1E510FF-DE71-4F89-B0CA-5068CD71D543}"/>
               </a:ext>
             </a:extLst>
           </p:cNvPr>
@@ -4727,23 +5024,82 @@
         </p:nvSpPr>
         <p:spPr/>
         <p:txBody>
-          <a:bodyPr/>
-          <a:lstStyle/>
-          <a:p>
-            <a:pPr marL="0" indent="0">
-              <a:buNone/>
-            </a:pPr>
+          <a:bodyPr>
+            <a:normAutofit lnSpcReduction="10000"/>
+          </a:bodyPr>
+          <a:lstStyle/>
+          <a:p>
+            <a:pPr lvl="0"/>
             <a:r>
               <a:rPr lang="en-US" dirty="0"/>
-              <a:t>Using the raw datasets from the Kaggle data competition 'Spooky Authors', we performed a basic natural language analysis with the aim of identifying particular authors based on a sample of their writing.</a:t>
-            </a:r>
+              <a:t>What are the sentiment scores for each author?</a:t>
+            </a:r>
+          </a:p>
+          <a:p>
+            <a:pPr lvl="0"/>
+            <a:r>
+              <a:rPr lang="en-US" dirty="0"/>
+              <a:t>How does each author vary with respect to:</a:t>
+            </a:r>
+          </a:p>
+          <a:p>
+            <a:pPr lvl="1"/>
+            <a:r>
+              <a:rPr lang="en-US" dirty="0"/>
+              <a:t>sentence length </a:t>
+            </a:r>
+          </a:p>
+          <a:p>
+            <a:pPr lvl="1"/>
+            <a:r>
+              <a:rPr lang="en-US" dirty="0"/>
+              <a:t>word length</a:t>
+            </a:r>
+          </a:p>
+          <a:p>
+            <a:pPr lvl="1"/>
+            <a:r>
+              <a:rPr lang="en-US" dirty="0"/>
+              <a:t>special characters usage</a:t>
+            </a:r>
+          </a:p>
+          <a:p>
+            <a:pPr lvl="1"/>
+            <a:r>
+              <a:rPr lang="en-US" dirty="0"/>
+              <a:t>word variety</a:t>
+            </a:r>
+          </a:p>
+          <a:p>
+            <a:pPr lvl="1"/>
+            <a:r>
+              <a:rPr lang="en-US" dirty="0"/>
+              <a:t>pronoun usage</a:t>
+            </a:r>
+          </a:p>
+          <a:p>
+            <a:pPr lvl="0"/>
+            <a:r>
+              <a:rPr lang="en-US" dirty="0"/>
+              <a:t>Can we assign authorship to sentences?</a:t>
+            </a:r>
+          </a:p>
+          <a:p>
+            <a:pPr lvl="0"/>
+            <a:r>
+              <a:rPr lang="en-US" dirty="0"/>
+              <a:t>How does the assigned authorship dataset compare to the provided dataset with author already assigned?</a:t>
+            </a:r>
+          </a:p>
+          <a:p>
+            <a:endParaRPr lang="en-US" dirty="0"/>
           </a:p>
         </p:txBody>
       </p:sp>
     </p:spTree>
     <p:extLst>
       <p:ext uri="{BB962C8B-B14F-4D97-AF65-F5344CB8AC3E}">
-        <p14:creationId xmlns:p14="http://schemas.microsoft.com/office/powerpoint/2010/main" val="2525519112"/>
+        <p14:creationId xmlns:p14="http://schemas.microsoft.com/office/powerpoint/2010/main" val="1790392251"/>
       </p:ext>
     </p:extLst>
   </p:cSld>
@@ -4775,7 +5131,7 @@
           <p:cNvPr id="2" name="Title 1">
             <a:extLst>
               <a:ext uri="{FF2B5EF4-FFF2-40B4-BE49-F238E27FC236}">
-                <a16:creationId xmlns:a16="http://schemas.microsoft.com/office/drawing/2014/main" id="{8DCA91CB-CBB2-4E50-A4C6-A799D7E2A3E3}"/>
+                <a16:creationId xmlns:a16="http://schemas.microsoft.com/office/drawing/2014/main" id="{7B3C0553-68E9-4027-8CC8-416D25528855}"/>
               </a:ext>
             </a:extLst>
           </p:cNvPr>
@@ -4793,7 +5149,7 @@
           <a:p>
             <a:r>
               <a:rPr lang="en-US" dirty="0"/>
-              <a:t>NLTK (Natural Language Toolkit)</a:t>
+              <a:t>Data Exploration &amp; Cleanup</a:t>
             </a:r>
           </a:p>
         </p:txBody>
@@ -4803,7 +5159,7 @@
           <p:cNvPr id="3" name="Content Placeholder 2">
             <a:extLst>
               <a:ext uri="{FF2B5EF4-FFF2-40B4-BE49-F238E27FC236}">
-                <a16:creationId xmlns:a16="http://schemas.microsoft.com/office/drawing/2014/main" id="{0AE87738-4D7D-4C1B-A10E-09B1EC98B34F}"/>
+                <a16:creationId xmlns:a16="http://schemas.microsoft.com/office/drawing/2014/main" id="{92C100B2-887B-4E3A-B6C6-D3185619A466}"/>
               </a:ext>
             </a:extLst>
           </p:cNvPr>
@@ -4821,33 +5177,41 @@
           <a:p>
             <a:r>
               <a:rPr lang="en-US" dirty="0"/>
-              <a:t>‘NLTK is a leading platform for building Python programs to work with human language data. It provides … text processing libraries for classification, tokenization, stemming, tagging, parsing, and semantic reasoning, [and] wrappers for industrial-strength NLP libraries...’</a:t>
+              <a:t>Group dataset by author</a:t>
             </a:r>
           </a:p>
           <a:p>
             <a:r>
               <a:rPr lang="en-US" dirty="0"/>
-              <a:t>Free &amp; open source</a:t>
-            </a:r>
-          </a:p>
-          <a:p>
+              <a:t>Create equal length datasets for each author in the training data</a:t>
+            </a:r>
+          </a:p>
+          <a:p>
+            <a:pPr lvl="1"/>
             <a:r>
               <a:rPr lang="en-US" dirty="0"/>
-              <a:t>http://www.nltk.org/</a:t>
-            </a:r>
-          </a:p>
-          <a:p>
-            <a:pPr marL="0" indent="0">
-              <a:buNone/>
-            </a:pPr>
-            <a:endParaRPr lang="en-US" dirty="0"/>
+              <a:t>Count length of each author dataset</a:t>
+            </a:r>
+          </a:p>
+          <a:p>
+            <a:pPr lvl="1"/>
+            <a:r>
+              <a:rPr lang="en-US" dirty="0"/>
+              <a:t>Randomly sample the datasets for the authors with longer datasets to subset for equal lengths</a:t>
+            </a:r>
+          </a:p>
+          <a:p>
+            <a:r>
+              <a:rPr lang="en-US" dirty="0"/>
+              <a:t>Remove outliers for really long passages</a:t>
+            </a:r>
           </a:p>
         </p:txBody>
       </p:sp>
     </p:spTree>
     <p:extLst>
       <p:ext uri="{BB962C8B-B14F-4D97-AF65-F5344CB8AC3E}">
-        <p14:creationId xmlns:p14="http://schemas.microsoft.com/office/powerpoint/2010/main" val="1550111879"/>
+        <p14:creationId xmlns:p14="http://schemas.microsoft.com/office/powerpoint/2010/main" val="2988834693"/>
       </p:ext>
     </p:extLst>
   </p:cSld>
@@ -4879,7 +5243,7 @@
           <p:cNvPr id="2" name="Title 1">
             <a:extLst>
               <a:ext uri="{FF2B5EF4-FFF2-40B4-BE49-F238E27FC236}">
-                <a16:creationId xmlns:a16="http://schemas.microsoft.com/office/drawing/2014/main" id="{20A45D17-BB2C-4862-862E-60A7600AC98C}"/>
+                <a16:creationId xmlns:a16="http://schemas.microsoft.com/office/drawing/2014/main" id="{FAB98EDD-46CC-4CEE-B34C-D86112B85E38}"/>
               </a:ext>
             </a:extLst>
           </p:cNvPr>
@@ -4897,86 +5261,40 @@
           <a:p>
             <a:r>
               <a:rPr lang="en-US" dirty="0"/>
-              <a:t>Basic Sentence structure – length &amp; variety </a:t>
-            </a:r>
-          </a:p>
-        </p:txBody>
-      </p:sp>
-      <p:pic>
-        <p:nvPicPr>
-          <p:cNvPr id="5" name="Content Placeholder 4">
-            <a:extLst>
-              <a:ext uri="{FF2B5EF4-FFF2-40B4-BE49-F238E27FC236}">
-                <a16:creationId xmlns:a16="http://schemas.microsoft.com/office/drawing/2014/main" id="{E873A848-038C-4BC0-B325-00BF15E4A4DB}"/>
-              </a:ext>
-            </a:extLst>
-          </p:cNvPr>
-          <p:cNvPicPr>
-            <a:picLocks noGrp="1" noChangeAspect="1"/>
-          </p:cNvPicPr>
+              <a:t>Analyses</a:t>
+            </a:r>
+          </a:p>
+        </p:txBody>
+      </p:sp>
+      <p:sp>
+        <p:nvSpPr>
+          <p:cNvPr id="3" name="Content Placeholder 2">
+            <a:extLst>
+              <a:ext uri="{FF2B5EF4-FFF2-40B4-BE49-F238E27FC236}">
+                <a16:creationId xmlns:a16="http://schemas.microsoft.com/office/drawing/2014/main" id="{E0E1DFD6-BD79-4F6F-BF21-6BF3B953976E}"/>
+              </a:ext>
+            </a:extLst>
+          </p:cNvPr>
+          <p:cNvSpPr>
+            <a:spLocks noGrp="1"/>
+          </p:cNvSpPr>
           <p:nvPr>
             <p:ph idx="1"/>
           </p:nvPr>
-        </p:nvPicPr>
-        <p:blipFill>
-          <a:blip r:embed="rId2">
-            <a:extLst>
-              <a:ext uri="{28A0092B-C50C-407E-A947-70E740481C1C}">
-                <a14:useLocalDpi xmlns:a14="http://schemas.microsoft.com/office/drawing/2010/main" val="0"/>
-              </a:ext>
-            </a:extLst>
-          </a:blip>
-          <a:stretch>
-            <a:fillRect/>
-          </a:stretch>
-        </p:blipFill>
-        <p:spPr>
-          <a:xfrm>
-            <a:off x="1238693" y="2598978"/>
-            <a:ext cx="4400112" cy="2933408"/>
-          </a:xfrm>
-        </p:spPr>
-      </p:pic>
-      <p:pic>
-        <p:nvPicPr>
-          <p:cNvPr id="7" name="Picture 6">
-            <a:extLst>
-              <a:ext uri="{FF2B5EF4-FFF2-40B4-BE49-F238E27FC236}">
-                <a16:creationId xmlns:a16="http://schemas.microsoft.com/office/drawing/2014/main" id="{036BA160-2FD2-4C78-AAD9-4A6FC5FB0A08}"/>
-              </a:ext>
-            </a:extLst>
-          </p:cNvPr>
-          <p:cNvPicPr>
-            <a:picLocks noChangeAspect="1"/>
-          </p:cNvPicPr>
-          <p:nvPr/>
-        </p:nvPicPr>
-        <p:blipFill>
-          <a:blip r:embed="rId3">
-            <a:extLst>
-              <a:ext uri="{28A0092B-C50C-407E-A947-70E740481C1C}">
-                <a14:useLocalDpi xmlns:a14="http://schemas.microsoft.com/office/drawing/2010/main" val="0"/>
-              </a:ext>
-            </a:extLst>
-          </a:blip>
-          <a:stretch>
-            <a:fillRect/>
-          </a:stretch>
-        </p:blipFill>
-        <p:spPr>
-          <a:xfrm>
-            <a:off x="6096001" y="2752060"/>
-            <a:ext cx="4268978" cy="2845985"/>
-          </a:xfrm>
-          <a:prstGeom prst="rect">
-            <a:avLst/>
-          </a:prstGeom>
-        </p:spPr>
-      </p:pic>
+        </p:nvSpPr>
+        <p:spPr/>
+        <p:txBody>
+          <a:bodyPr/>
+          <a:lstStyle/>
+          <a:p>
+            <a:endParaRPr lang="en-US"/>
+          </a:p>
+        </p:txBody>
+      </p:sp>
     </p:spTree>
     <p:extLst>
       <p:ext uri="{BB962C8B-B14F-4D97-AF65-F5344CB8AC3E}">
-        <p14:creationId xmlns:p14="http://schemas.microsoft.com/office/powerpoint/2010/main" val="2991486437"/>
+        <p14:creationId xmlns:p14="http://schemas.microsoft.com/office/powerpoint/2010/main" val="2740713433"/>
       </p:ext>
     </p:extLst>
   </p:cSld>
@@ -5008,7 +5326,7 @@
           <p:cNvPr id="2" name="Title 1">
             <a:extLst>
               <a:ext uri="{FF2B5EF4-FFF2-40B4-BE49-F238E27FC236}">
-                <a16:creationId xmlns:a16="http://schemas.microsoft.com/office/drawing/2014/main" id="{F9B23B76-C5AD-4C5E-A790-33C3A2AB8202}"/>
+                <a16:creationId xmlns:a16="http://schemas.microsoft.com/office/drawing/2014/main" id="{8DCA91CB-CBB2-4E50-A4C6-A799D7E2A3E3}"/>
               </a:ext>
             </a:extLst>
           </p:cNvPr>
@@ -5026,122 +5344,61 @@
           <a:p>
             <a:r>
               <a:rPr lang="en-US" dirty="0"/>
-              <a:t>Vocabulary &amp; Punctuation</a:t>
-            </a:r>
-          </a:p>
-        </p:txBody>
-      </p:sp>
-      <p:pic>
-        <p:nvPicPr>
-          <p:cNvPr id="5" name="Content Placeholder 4">
-            <a:extLst>
-              <a:ext uri="{FF2B5EF4-FFF2-40B4-BE49-F238E27FC236}">
-                <a16:creationId xmlns:a16="http://schemas.microsoft.com/office/drawing/2014/main" id="{2C577C6A-39A1-4709-A026-EE3F44815A25}"/>
-              </a:ext>
-            </a:extLst>
-          </p:cNvPr>
-          <p:cNvPicPr>
-            <a:picLocks noGrp="1" noChangeAspect="1"/>
-          </p:cNvPicPr>
+              <a:t>NLTK (Natural Language Toolkit)</a:t>
+            </a:r>
+          </a:p>
+        </p:txBody>
+      </p:sp>
+      <p:sp>
+        <p:nvSpPr>
+          <p:cNvPr id="3" name="Content Placeholder 2">
+            <a:extLst>
+              <a:ext uri="{FF2B5EF4-FFF2-40B4-BE49-F238E27FC236}">
+                <a16:creationId xmlns:a16="http://schemas.microsoft.com/office/drawing/2014/main" id="{0AE87738-4D7D-4C1B-A10E-09B1EC98B34F}"/>
+              </a:ext>
+            </a:extLst>
+          </p:cNvPr>
+          <p:cNvSpPr>
+            <a:spLocks noGrp="1"/>
+          </p:cNvSpPr>
           <p:nvPr>
             <p:ph idx="1"/>
           </p:nvPr>
-        </p:nvPicPr>
-        <p:blipFill>
-          <a:blip r:embed="rId2">
-            <a:extLst>
-              <a:ext uri="{28A0092B-C50C-407E-A947-70E740481C1C}">
-                <a14:useLocalDpi xmlns:a14="http://schemas.microsoft.com/office/drawing/2010/main" val="0"/>
-              </a:ext>
-            </a:extLst>
-          </a:blip>
-          <a:stretch>
-            <a:fillRect/>
-          </a:stretch>
-        </p:blipFill>
-        <p:spPr>
-          <a:xfrm>
-            <a:off x="738964" y="1393160"/>
-            <a:ext cx="4125432" cy="2750288"/>
-          </a:xfrm>
-        </p:spPr>
-      </p:pic>
-      <p:pic>
-        <p:nvPicPr>
-          <p:cNvPr id="7" name="Picture 6">
-            <a:extLst>
-              <a:ext uri="{FF2B5EF4-FFF2-40B4-BE49-F238E27FC236}">
-                <a16:creationId xmlns:a16="http://schemas.microsoft.com/office/drawing/2014/main" id="{0617A0DB-68C7-44C5-9DD4-5C8759BD18AC}"/>
-              </a:ext>
-            </a:extLst>
-          </p:cNvPr>
-          <p:cNvPicPr>
-            <a:picLocks noChangeAspect="1"/>
-          </p:cNvPicPr>
-          <p:nvPr/>
-        </p:nvPicPr>
-        <p:blipFill>
-          <a:blip r:embed="rId3">
-            <a:extLst>
-              <a:ext uri="{28A0092B-C50C-407E-A947-70E740481C1C}">
-                <a14:useLocalDpi xmlns:a14="http://schemas.microsoft.com/office/drawing/2010/main" val="0"/>
-              </a:ext>
-            </a:extLst>
-          </a:blip>
-          <a:stretch>
-            <a:fillRect/>
-          </a:stretch>
-        </p:blipFill>
-        <p:spPr>
-          <a:xfrm>
-            <a:off x="5523614" y="1336156"/>
-            <a:ext cx="5497033" cy="2748516"/>
-          </a:xfrm>
-          <a:prstGeom prst="rect">
-            <a:avLst/>
-          </a:prstGeom>
-        </p:spPr>
-      </p:pic>
-      <p:pic>
-        <p:nvPicPr>
-          <p:cNvPr id="9" name="Picture 8">
-            <a:extLst>
-              <a:ext uri="{FF2B5EF4-FFF2-40B4-BE49-F238E27FC236}">
-                <a16:creationId xmlns:a16="http://schemas.microsoft.com/office/drawing/2014/main" id="{BF9D8F32-BAFF-4B28-B967-0A326884625A}"/>
-              </a:ext>
-            </a:extLst>
-          </p:cNvPr>
-          <p:cNvPicPr>
-            <a:picLocks noChangeAspect="1"/>
-          </p:cNvPicPr>
-          <p:nvPr/>
-        </p:nvPicPr>
-        <p:blipFill>
-          <a:blip r:embed="rId4">
-            <a:extLst>
-              <a:ext uri="{28A0092B-C50C-407E-A947-70E740481C1C}">
-                <a14:useLocalDpi xmlns:a14="http://schemas.microsoft.com/office/drawing/2010/main" val="0"/>
-              </a:ext>
-            </a:extLst>
-          </a:blip>
-          <a:stretch>
-            <a:fillRect/>
-          </a:stretch>
-        </p:blipFill>
-        <p:spPr>
-          <a:xfrm>
-            <a:off x="3242930" y="3917504"/>
-            <a:ext cx="4410745" cy="2940496"/>
-          </a:xfrm>
-          <a:prstGeom prst="rect">
-            <a:avLst/>
-          </a:prstGeom>
-        </p:spPr>
-      </p:pic>
+        </p:nvSpPr>
+        <p:spPr/>
+        <p:txBody>
+          <a:bodyPr/>
+          <a:lstStyle/>
+          <a:p>
+            <a:r>
+              <a:rPr lang="en-US" dirty="0"/>
+              <a:t>‘NLTK is a leading platform for building Python programs to work with human language data. It provides … text processing libraries for classification, tokenization, stemming, tagging, parsing, and semantic reasoning, [and] wrappers for industrial-strength NLP libraries...’</a:t>
+            </a:r>
+          </a:p>
+          <a:p>
+            <a:r>
+              <a:rPr lang="en-US" dirty="0"/>
+              <a:t>Free &amp; open source</a:t>
+            </a:r>
+          </a:p>
+          <a:p>
+            <a:r>
+              <a:rPr lang="en-US" dirty="0"/>
+              <a:t>http://www.nltk.org/</a:t>
+            </a:r>
+          </a:p>
+          <a:p>
+            <a:pPr marL="0" indent="0">
+              <a:buNone/>
+            </a:pPr>
+            <a:endParaRPr lang="en-US" dirty="0"/>
+          </a:p>
+        </p:txBody>
+      </p:sp>
     </p:spTree>
     <p:extLst>
       <p:ext uri="{BB962C8B-B14F-4D97-AF65-F5344CB8AC3E}">
-        <p14:creationId xmlns:p14="http://schemas.microsoft.com/office/powerpoint/2010/main" val="2526381929"/>
+        <p14:creationId xmlns:p14="http://schemas.microsoft.com/office/powerpoint/2010/main" val="1550111879"/>
       </p:ext>
     </p:extLst>
   </p:cSld>
@@ -5173,7 +5430,7 @@
           <p:cNvPr id="2" name="Title 1">
             <a:extLst>
               <a:ext uri="{FF2B5EF4-FFF2-40B4-BE49-F238E27FC236}">
-                <a16:creationId xmlns:a16="http://schemas.microsoft.com/office/drawing/2014/main" id="{E22FEA56-694A-457C-BC58-7B4F83F5D0E6}"/>
+                <a16:creationId xmlns:a16="http://schemas.microsoft.com/office/drawing/2014/main" id="{20A45D17-BB2C-4862-862E-60A7600AC98C}"/>
               </a:ext>
             </a:extLst>
           </p:cNvPr>
@@ -5191,7 +5448,7 @@
           <a:p>
             <a:r>
               <a:rPr lang="en-US" dirty="0"/>
-              <a:t>Point of View</a:t>
+              <a:t>Basic Sentence structure – length &amp; variety </a:t>
             </a:r>
           </a:p>
         </p:txBody>
@@ -5201,7 +5458,7 @@
           <p:cNvPr id="5" name="Content Placeholder 4">
             <a:extLst>
               <a:ext uri="{FF2B5EF4-FFF2-40B4-BE49-F238E27FC236}">
-                <a16:creationId xmlns:a16="http://schemas.microsoft.com/office/drawing/2014/main" id="{0887A0AC-EC22-485E-86AD-70C77DB3AA1C}"/>
+                <a16:creationId xmlns:a16="http://schemas.microsoft.com/office/drawing/2014/main" id="{E873A848-038C-4BC0-B325-00BF15E4A4DB}"/>
               </a:ext>
             </a:extLst>
           </p:cNvPr>
@@ -5226,8 +5483,8 @@
         </p:blipFill>
         <p:spPr>
           <a:xfrm>
-            <a:off x="606054" y="1218518"/>
-            <a:ext cx="4022656" cy="2681770"/>
+            <a:off x="1238693" y="2598978"/>
+            <a:ext cx="4400112" cy="2933408"/>
           </a:xfrm>
         </p:spPr>
       </p:pic>
@@ -5236,7 +5493,7 @@
           <p:cNvPr id="7" name="Picture 6">
             <a:extLst>
               <a:ext uri="{FF2B5EF4-FFF2-40B4-BE49-F238E27FC236}">
-                <a16:creationId xmlns:a16="http://schemas.microsoft.com/office/drawing/2014/main" id="{F430C3C2-324A-462D-B2B0-FC94392D3316}"/>
+                <a16:creationId xmlns:a16="http://schemas.microsoft.com/office/drawing/2014/main" id="{036BA160-2FD2-4C78-AAD9-4A6FC5FB0A08}"/>
               </a:ext>
             </a:extLst>
           </p:cNvPr>
@@ -5259,44 +5516,8 @@
         </p:blipFill>
         <p:spPr>
           <a:xfrm>
-            <a:off x="5802275" y="1100083"/>
-            <a:ext cx="4377960" cy="2918640"/>
-          </a:xfrm>
-          <a:prstGeom prst="rect">
-            <a:avLst/>
-          </a:prstGeom>
-        </p:spPr>
-      </p:pic>
-      <p:pic>
-        <p:nvPicPr>
-          <p:cNvPr id="9" name="Picture 8">
-            <a:extLst>
-              <a:ext uri="{FF2B5EF4-FFF2-40B4-BE49-F238E27FC236}">
-                <a16:creationId xmlns:a16="http://schemas.microsoft.com/office/drawing/2014/main" id="{9E1183A9-4B37-458E-A34E-983EAC0B960E}"/>
-              </a:ext>
-            </a:extLst>
-          </p:cNvPr>
-          <p:cNvPicPr>
-            <a:picLocks noChangeAspect="1"/>
-          </p:cNvPicPr>
-          <p:nvPr/>
-        </p:nvPicPr>
-        <p:blipFill>
-          <a:blip r:embed="rId4">
-            <a:extLst>
-              <a:ext uri="{28A0092B-C50C-407E-A947-70E740481C1C}">
-                <a14:useLocalDpi xmlns:a14="http://schemas.microsoft.com/office/drawing/2010/main" val="0"/>
-              </a:ext>
-            </a:extLst>
-          </a:blip>
-          <a:stretch>
-            <a:fillRect/>
-          </a:stretch>
-        </p:blipFill>
-        <p:spPr>
-          <a:xfrm>
-            <a:off x="3143027" y="3900288"/>
-            <a:ext cx="4144931" cy="2763287"/>
+            <a:off x="6096001" y="2752060"/>
+            <a:ext cx="4268978" cy="2845985"/>
           </a:xfrm>
           <a:prstGeom prst="rect">
             <a:avLst/>
@@ -5306,7 +5527,7 @@
     </p:spTree>
     <p:extLst>
       <p:ext uri="{BB962C8B-B14F-4D97-AF65-F5344CB8AC3E}">
-        <p14:creationId xmlns:p14="http://schemas.microsoft.com/office/powerpoint/2010/main" val="158386359"/>
+        <p14:creationId xmlns:p14="http://schemas.microsoft.com/office/powerpoint/2010/main" val="2991486437"/>
       </p:ext>
     </p:extLst>
   </p:cSld>
@@ -5338,7 +5559,7 @@
           <p:cNvPr id="2" name="Title 1">
             <a:extLst>
               <a:ext uri="{FF2B5EF4-FFF2-40B4-BE49-F238E27FC236}">
-                <a16:creationId xmlns:a16="http://schemas.microsoft.com/office/drawing/2014/main" id="{C429B7A1-3CEB-49F9-942D-C4EABF0B5A90}"/>
+                <a16:creationId xmlns:a16="http://schemas.microsoft.com/office/drawing/2014/main" id="{F9B23B76-C5AD-4C5E-A790-33C3A2AB8202}"/>
               </a:ext>
             </a:extLst>
           </p:cNvPr>
@@ -5356,7 +5577,7 @@
           <a:p>
             <a:r>
               <a:rPr lang="en-US" dirty="0"/>
-              <a:t>Sentiment Scores</a:t>
+              <a:t>Vocabulary &amp; Punctuation</a:t>
             </a:r>
           </a:p>
         </p:txBody>
@@ -5366,7 +5587,7 @@
           <p:cNvPr id="5" name="Content Placeholder 4">
             <a:extLst>
               <a:ext uri="{FF2B5EF4-FFF2-40B4-BE49-F238E27FC236}">
-                <a16:creationId xmlns:a16="http://schemas.microsoft.com/office/drawing/2014/main" id="{C764AFF2-E0D5-4B82-9FC4-F665DB4FC1A5}"/>
+                <a16:creationId xmlns:a16="http://schemas.microsoft.com/office/drawing/2014/main" id="{2C577C6A-39A1-4709-A026-EE3F44815A25}"/>
               </a:ext>
             </a:extLst>
           </p:cNvPr>
@@ -5391,15 +5612,87 @@
         </p:blipFill>
         <p:spPr>
           <a:xfrm>
-            <a:off x="1532011" y="1690688"/>
-            <a:ext cx="8702676" cy="4351338"/>
-          </a:xfrm>
+            <a:off x="738964" y="1393160"/>
+            <a:ext cx="4125432" cy="2750288"/>
+          </a:xfrm>
+        </p:spPr>
+      </p:pic>
+      <p:pic>
+        <p:nvPicPr>
+          <p:cNvPr id="7" name="Picture 6">
+            <a:extLst>
+              <a:ext uri="{FF2B5EF4-FFF2-40B4-BE49-F238E27FC236}">
+                <a16:creationId xmlns:a16="http://schemas.microsoft.com/office/drawing/2014/main" id="{0617A0DB-68C7-44C5-9DD4-5C8759BD18AC}"/>
+              </a:ext>
+            </a:extLst>
+          </p:cNvPr>
+          <p:cNvPicPr>
+            <a:picLocks noChangeAspect="1"/>
+          </p:cNvPicPr>
+          <p:nvPr/>
+        </p:nvPicPr>
+        <p:blipFill>
+          <a:blip r:embed="rId3">
+            <a:extLst>
+              <a:ext uri="{28A0092B-C50C-407E-A947-70E740481C1C}">
+                <a14:useLocalDpi xmlns:a14="http://schemas.microsoft.com/office/drawing/2010/main" val="0"/>
+              </a:ext>
+            </a:extLst>
+          </a:blip>
+          <a:stretch>
+            <a:fillRect/>
+          </a:stretch>
+        </p:blipFill>
+        <p:spPr>
+          <a:xfrm>
+            <a:off x="5523614" y="1336156"/>
+            <a:ext cx="5497033" cy="2748516"/>
+          </a:xfrm>
+          <a:prstGeom prst="rect">
+            <a:avLst/>
+          </a:prstGeom>
+        </p:spPr>
+      </p:pic>
+      <p:pic>
+        <p:nvPicPr>
+          <p:cNvPr id="9" name="Picture 8">
+            <a:extLst>
+              <a:ext uri="{FF2B5EF4-FFF2-40B4-BE49-F238E27FC236}">
+                <a16:creationId xmlns:a16="http://schemas.microsoft.com/office/drawing/2014/main" id="{BF9D8F32-BAFF-4B28-B967-0A326884625A}"/>
+              </a:ext>
+            </a:extLst>
+          </p:cNvPr>
+          <p:cNvPicPr>
+            <a:picLocks noChangeAspect="1"/>
+          </p:cNvPicPr>
+          <p:nvPr/>
+        </p:nvPicPr>
+        <p:blipFill>
+          <a:blip r:embed="rId4">
+            <a:extLst>
+              <a:ext uri="{28A0092B-C50C-407E-A947-70E740481C1C}">
+                <a14:useLocalDpi xmlns:a14="http://schemas.microsoft.com/office/drawing/2010/main" val="0"/>
+              </a:ext>
+            </a:extLst>
+          </a:blip>
+          <a:stretch>
+            <a:fillRect/>
+          </a:stretch>
+        </p:blipFill>
+        <p:spPr>
+          <a:xfrm>
+            <a:off x="3242930" y="3917504"/>
+            <a:ext cx="4410745" cy="2940496"/>
+          </a:xfrm>
+          <a:prstGeom prst="rect">
+            <a:avLst/>
+          </a:prstGeom>
         </p:spPr>
       </p:pic>
     </p:spTree>
     <p:extLst>
       <p:ext uri="{BB962C8B-B14F-4D97-AF65-F5344CB8AC3E}">
-        <p14:creationId xmlns:p14="http://schemas.microsoft.com/office/powerpoint/2010/main" val="3177219656"/>
+        <p14:creationId xmlns:p14="http://schemas.microsoft.com/office/powerpoint/2010/main" val="2526381929"/>
       </p:ext>
     </p:extLst>
   </p:cSld>
@@ -5426,12 +5719,40 @@
           <a:chExt cx="0" cy="0"/>
         </a:xfrm>
       </p:grpSpPr>
+      <p:sp>
+        <p:nvSpPr>
+          <p:cNvPr id="2" name="Title 1">
+            <a:extLst>
+              <a:ext uri="{FF2B5EF4-FFF2-40B4-BE49-F238E27FC236}">
+                <a16:creationId xmlns:a16="http://schemas.microsoft.com/office/drawing/2014/main" id="{E22FEA56-694A-457C-BC58-7B4F83F5D0E6}"/>
+              </a:ext>
+            </a:extLst>
+          </p:cNvPr>
+          <p:cNvSpPr>
+            <a:spLocks noGrp="1"/>
+          </p:cNvSpPr>
+          <p:nvPr>
+            <p:ph type="title"/>
+          </p:nvPr>
+        </p:nvSpPr>
+        <p:spPr/>
+        <p:txBody>
+          <a:bodyPr/>
+          <a:lstStyle/>
+          <a:p>
+            <a:r>
+              <a:rPr lang="en-US" dirty="0"/>
+              <a:t>Point of View</a:t>
+            </a:r>
+          </a:p>
+        </p:txBody>
+      </p:sp>
       <p:pic>
         <p:nvPicPr>
           <p:cNvPr id="5" name="Content Placeholder 4">
             <a:extLst>
               <a:ext uri="{FF2B5EF4-FFF2-40B4-BE49-F238E27FC236}">
-                <a16:creationId xmlns:a16="http://schemas.microsoft.com/office/drawing/2014/main" id="{E873A848-038C-4BC0-B325-00BF15E4A4DB}"/>
+                <a16:creationId xmlns:a16="http://schemas.microsoft.com/office/drawing/2014/main" id="{0887A0AC-EC22-485E-86AD-70C77DB3AA1C}"/>
               </a:ext>
             </a:extLst>
           </p:cNvPr>
@@ -5456,8 +5777,8 @@
         </p:blipFill>
         <p:spPr>
           <a:xfrm>
-            <a:off x="1105787" y="912702"/>
-            <a:ext cx="4114800" cy="2743200"/>
+            <a:off x="606054" y="1218518"/>
+            <a:ext cx="4022656" cy="2681770"/>
           </a:xfrm>
         </p:spPr>
       </p:pic>
@@ -5466,7 +5787,7 @@
           <p:cNvPr id="7" name="Picture 6">
             <a:extLst>
               <a:ext uri="{FF2B5EF4-FFF2-40B4-BE49-F238E27FC236}">
-                <a16:creationId xmlns:a16="http://schemas.microsoft.com/office/drawing/2014/main" id="{036BA160-2FD2-4C78-AAD9-4A6FC5FB0A08}"/>
+                <a16:creationId xmlns:a16="http://schemas.microsoft.com/office/drawing/2014/main" id="{F430C3C2-324A-462D-B2B0-FC94392D3316}"/>
               </a:ext>
             </a:extLst>
           </p:cNvPr>
@@ -5489,8 +5810,8 @@
         </p:blipFill>
         <p:spPr>
           <a:xfrm>
-            <a:off x="1105787" y="4012015"/>
-            <a:ext cx="4114800" cy="2743200"/>
+            <a:off x="5802275" y="1100083"/>
+            <a:ext cx="4377960" cy="2918640"/>
           </a:xfrm>
           <a:prstGeom prst="rect">
             <a:avLst/>
@@ -5499,10 +5820,10 @@
       </p:pic>
       <p:pic>
         <p:nvPicPr>
-          <p:cNvPr id="4" name="Picture 3">
-            <a:extLst>
-              <a:ext uri="{FF2B5EF4-FFF2-40B4-BE49-F238E27FC236}">
-                <a16:creationId xmlns:a16="http://schemas.microsoft.com/office/drawing/2014/main" id="{385BB39A-5EAD-4D28-8A15-5A5A9FF32095}"/>
+          <p:cNvPr id="9" name="Picture 8">
+            <a:extLst>
+              <a:ext uri="{FF2B5EF4-FFF2-40B4-BE49-F238E27FC236}">
+                <a16:creationId xmlns:a16="http://schemas.microsoft.com/office/drawing/2014/main" id="{9E1183A9-4B37-458E-A34E-983EAC0B960E}"/>
               </a:ext>
             </a:extLst>
           </p:cNvPr>
@@ -5525,124 +5846,18 @@
         </p:blipFill>
         <p:spPr>
           <a:xfrm>
-            <a:off x="6401687" y="912702"/>
-            <a:ext cx="4114800" cy="2743200"/>
+            <a:off x="3143027" y="3900288"/>
+            <a:ext cx="4144931" cy="2763287"/>
           </a:xfrm>
           <a:prstGeom prst="rect">
             <a:avLst/>
           </a:prstGeom>
         </p:spPr>
       </p:pic>
-      <p:pic>
-        <p:nvPicPr>
-          <p:cNvPr id="8" name="Picture 7">
-            <a:extLst>
-              <a:ext uri="{FF2B5EF4-FFF2-40B4-BE49-F238E27FC236}">
-                <a16:creationId xmlns:a16="http://schemas.microsoft.com/office/drawing/2014/main" id="{8295F7DB-7571-45E5-9F7C-B2046180EC2B}"/>
-              </a:ext>
-            </a:extLst>
-          </p:cNvPr>
-          <p:cNvPicPr>
-            <a:picLocks noChangeAspect="1"/>
-          </p:cNvPicPr>
-          <p:nvPr/>
-        </p:nvPicPr>
-        <p:blipFill>
-          <a:blip r:embed="rId5">
-            <a:extLst>
-              <a:ext uri="{28A0092B-C50C-407E-A947-70E740481C1C}">
-                <a14:useLocalDpi xmlns:a14="http://schemas.microsoft.com/office/drawing/2010/main" val="0"/>
-              </a:ext>
-            </a:extLst>
-          </a:blip>
-          <a:stretch>
-            <a:fillRect/>
-          </a:stretch>
-        </p:blipFill>
-        <p:spPr>
-          <a:xfrm>
-            <a:off x="6401686" y="4012015"/>
-            <a:ext cx="4114801" cy="2743200"/>
-          </a:xfrm>
-          <a:prstGeom prst="rect">
-            <a:avLst/>
-          </a:prstGeom>
-        </p:spPr>
-      </p:pic>
-      <p:sp>
-        <p:nvSpPr>
-          <p:cNvPr id="11" name="TextBox 10">
-            <a:extLst>
-              <a:ext uri="{FF2B5EF4-FFF2-40B4-BE49-F238E27FC236}">
-                <a16:creationId xmlns:a16="http://schemas.microsoft.com/office/drawing/2014/main" id="{0B263770-180B-495D-8130-7995EA9B5870}"/>
-              </a:ext>
-            </a:extLst>
-          </p:cNvPr>
-          <p:cNvSpPr txBox="1"/>
-          <p:nvPr/>
-        </p:nvSpPr>
-        <p:spPr>
-          <a:xfrm>
-            <a:off x="2764466" y="228600"/>
-            <a:ext cx="2456121" cy="377456"/>
-          </a:xfrm>
-          <a:prstGeom prst="rect">
-            <a:avLst/>
-          </a:prstGeom>
-          <a:noFill/>
-        </p:spPr>
-        <p:txBody>
-          <a:bodyPr wrap="square" rtlCol="0">
-            <a:spAutoFit/>
-          </a:bodyPr>
-          <a:lstStyle/>
-          <a:p>
-            <a:r>
-              <a:rPr lang="en-US" dirty="0"/>
-              <a:t>Train Data</a:t>
-            </a:r>
-          </a:p>
-        </p:txBody>
-      </p:sp>
-      <p:sp>
-        <p:nvSpPr>
-          <p:cNvPr id="12" name="TextBox 11">
-            <a:extLst>
-              <a:ext uri="{FF2B5EF4-FFF2-40B4-BE49-F238E27FC236}">
-                <a16:creationId xmlns:a16="http://schemas.microsoft.com/office/drawing/2014/main" id="{EB2E74CB-1C42-4FF2-8CC4-B4767A21056B}"/>
-              </a:ext>
-            </a:extLst>
-          </p:cNvPr>
-          <p:cNvSpPr txBox="1"/>
-          <p:nvPr/>
-        </p:nvSpPr>
-        <p:spPr>
-          <a:xfrm>
-            <a:off x="8060366" y="228600"/>
-            <a:ext cx="2456121" cy="377456"/>
-          </a:xfrm>
-          <a:prstGeom prst="rect">
-            <a:avLst/>
-          </a:prstGeom>
-          <a:noFill/>
-        </p:spPr>
-        <p:txBody>
-          <a:bodyPr wrap="square" rtlCol="0">
-            <a:spAutoFit/>
-          </a:bodyPr>
-          <a:lstStyle/>
-          <a:p>
-            <a:r>
-              <a:rPr lang="en-US" dirty="0"/>
-              <a:t>Test Data</a:t>
-            </a:r>
-          </a:p>
-        </p:txBody>
-      </p:sp>
     </p:spTree>
     <p:extLst>
       <p:ext uri="{BB962C8B-B14F-4D97-AF65-F5344CB8AC3E}">
-        <p14:creationId xmlns:p14="http://schemas.microsoft.com/office/powerpoint/2010/main" val="280028085"/>
+        <p14:creationId xmlns:p14="http://schemas.microsoft.com/office/powerpoint/2010/main" val="158386359"/>
       </p:ext>
     </p:extLst>
   </p:cSld>

--- a/Predictive_Author_Presentation.pptx
+++ b/Predictive_Author_Presentation.pptx
@@ -2,25 +2,29 @@
 <file path=ppt/presentation.xml><?xml version="1.0" encoding="utf-8"?>
 <p:presentation xmlns:a="http://schemas.openxmlformats.org/drawingml/2006/main" xmlns:r="http://schemas.openxmlformats.org/officeDocument/2006/relationships" xmlns:p="http://schemas.openxmlformats.org/presentationml/2006/main" saveSubsetFonts="1">
   <p:sldMasterIdLst>
-    <p:sldMasterId id="2147483648" r:id="rId1"/>
+    <p:sldMasterId id="2147483678" r:id="rId1"/>
   </p:sldMasterIdLst>
   <p:sldIdLst>
     <p:sldId id="256" r:id="rId2"/>
     <p:sldId id="258" r:id="rId3"/>
     <p:sldId id="270" r:id="rId4"/>
-    <p:sldId id="271" r:id="rId5"/>
-    <p:sldId id="272" r:id="rId6"/>
-    <p:sldId id="259" r:id="rId7"/>
-    <p:sldId id="260" r:id="rId8"/>
-    <p:sldId id="261" r:id="rId9"/>
-    <p:sldId id="262" r:id="rId10"/>
-    <p:sldId id="263" r:id="rId11"/>
-    <p:sldId id="265" r:id="rId12"/>
-    <p:sldId id="266" r:id="rId13"/>
-    <p:sldId id="264" r:id="rId14"/>
-    <p:sldId id="267" r:id="rId15"/>
-    <p:sldId id="268" r:id="rId16"/>
-    <p:sldId id="269" r:id="rId17"/>
+    <p:sldId id="259" r:id="rId5"/>
+    <p:sldId id="271" r:id="rId6"/>
+    <p:sldId id="273" r:id="rId7"/>
+    <p:sldId id="272" r:id="rId8"/>
+    <p:sldId id="274" r:id="rId9"/>
+    <p:sldId id="275" r:id="rId10"/>
+    <p:sldId id="279" r:id="rId11"/>
+    <p:sldId id="280" r:id="rId12"/>
+    <p:sldId id="276" r:id="rId13"/>
+    <p:sldId id="281" r:id="rId14"/>
+    <p:sldId id="277" r:id="rId15"/>
+    <p:sldId id="278" r:id="rId16"/>
+    <p:sldId id="282" r:id="rId17"/>
+    <p:sldId id="283" r:id="rId18"/>
+    <p:sldId id="284" r:id="rId19"/>
+    <p:sldId id="285" r:id="rId20"/>
+    <p:sldId id="286" r:id="rId21"/>
   </p:sldIdLst>
   <p:sldSz cx="12192000" cy="6858000"/>
   <p:notesSz cx="6858000" cy="9144000"/>
@@ -28,7 +32,7 @@
     <a:defPPr>
       <a:defRPr lang="en-US"/>
     </a:defPPr>
-    <a:lvl1pPr marL="0" algn="l" defTabSz="914400" rtl="0" eaLnBrk="1" latinLnBrk="0" hangingPunct="1">
+    <a:lvl1pPr marL="0" algn="l" defTabSz="457200" rtl="0" eaLnBrk="1" latinLnBrk="0" hangingPunct="1">
       <a:defRPr sz="1800" kern="1200">
         <a:solidFill>
           <a:schemeClr val="tx1"/>
@@ -38,7 +42,7 @@
         <a:cs typeface="+mn-cs"/>
       </a:defRPr>
     </a:lvl1pPr>
-    <a:lvl2pPr marL="457200" algn="l" defTabSz="914400" rtl="0" eaLnBrk="1" latinLnBrk="0" hangingPunct="1">
+    <a:lvl2pPr marL="457200" algn="l" defTabSz="457200" rtl="0" eaLnBrk="1" latinLnBrk="0" hangingPunct="1">
       <a:defRPr sz="1800" kern="1200">
         <a:solidFill>
           <a:schemeClr val="tx1"/>
@@ -48,7 +52,7 @@
         <a:cs typeface="+mn-cs"/>
       </a:defRPr>
     </a:lvl2pPr>
-    <a:lvl3pPr marL="914400" algn="l" defTabSz="914400" rtl="0" eaLnBrk="1" latinLnBrk="0" hangingPunct="1">
+    <a:lvl3pPr marL="914400" algn="l" defTabSz="457200" rtl="0" eaLnBrk="1" latinLnBrk="0" hangingPunct="1">
       <a:defRPr sz="1800" kern="1200">
         <a:solidFill>
           <a:schemeClr val="tx1"/>
@@ -58,7 +62,7 @@
         <a:cs typeface="+mn-cs"/>
       </a:defRPr>
     </a:lvl3pPr>
-    <a:lvl4pPr marL="1371600" algn="l" defTabSz="914400" rtl="0" eaLnBrk="1" latinLnBrk="0" hangingPunct="1">
+    <a:lvl4pPr marL="1371600" algn="l" defTabSz="457200" rtl="0" eaLnBrk="1" latinLnBrk="0" hangingPunct="1">
       <a:defRPr sz="1800" kern="1200">
         <a:solidFill>
           <a:schemeClr val="tx1"/>
@@ -68,7 +72,7 @@
         <a:cs typeface="+mn-cs"/>
       </a:defRPr>
     </a:lvl4pPr>
-    <a:lvl5pPr marL="1828800" algn="l" defTabSz="914400" rtl="0" eaLnBrk="1" latinLnBrk="0" hangingPunct="1">
+    <a:lvl5pPr marL="1828800" algn="l" defTabSz="457200" rtl="0" eaLnBrk="1" latinLnBrk="0" hangingPunct="1">
       <a:defRPr sz="1800" kern="1200">
         <a:solidFill>
           <a:schemeClr val="tx1"/>
@@ -78,7 +82,7 @@
         <a:cs typeface="+mn-cs"/>
       </a:defRPr>
     </a:lvl5pPr>
-    <a:lvl6pPr marL="2286000" algn="l" defTabSz="914400" rtl="0" eaLnBrk="1" latinLnBrk="0" hangingPunct="1">
+    <a:lvl6pPr marL="2286000" algn="l" defTabSz="457200" rtl="0" eaLnBrk="1" latinLnBrk="0" hangingPunct="1">
       <a:defRPr sz="1800" kern="1200">
         <a:solidFill>
           <a:schemeClr val="tx1"/>
@@ -88,7 +92,7 @@
         <a:cs typeface="+mn-cs"/>
       </a:defRPr>
     </a:lvl6pPr>
-    <a:lvl7pPr marL="2743200" algn="l" defTabSz="914400" rtl="0" eaLnBrk="1" latinLnBrk="0" hangingPunct="1">
+    <a:lvl7pPr marL="2743200" algn="l" defTabSz="457200" rtl="0" eaLnBrk="1" latinLnBrk="0" hangingPunct="1">
       <a:defRPr sz="1800" kern="1200">
         <a:solidFill>
           <a:schemeClr val="tx1"/>
@@ -98,7 +102,7 @@
         <a:cs typeface="+mn-cs"/>
       </a:defRPr>
     </a:lvl7pPr>
-    <a:lvl8pPr marL="3200400" algn="l" defTabSz="914400" rtl="0" eaLnBrk="1" latinLnBrk="0" hangingPunct="1">
+    <a:lvl8pPr marL="3200400" algn="l" defTabSz="457200" rtl="0" eaLnBrk="1" latinLnBrk="0" hangingPunct="1">
       <a:defRPr sz="1800" kern="1200">
         <a:solidFill>
           <a:schemeClr val="tx1"/>
@@ -108,7 +112,7 @@
         <a:cs typeface="+mn-cs"/>
       </a:defRPr>
     </a:lvl8pPr>
-    <a:lvl9pPr marL="3657600" algn="l" defTabSz="914400" rtl="0" eaLnBrk="1" latinLnBrk="0" hangingPunct="1">
+    <a:lvl9pPr marL="3657600" algn="l" defTabSz="457200" rtl="0" eaLnBrk="1" latinLnBrk="0" hangingPunct="1">
       <a:defRPr sz="1800" kern="1200">
         <a:solidFill>
           <a:schemeClr val="tx1"/>
@@ -132,7 +136,7 @@
 </file>
 
 <file path=ppt/slideLayouts/slideLayout1.xml><?xml version="1.0" encoding="utf-8"?>
-<p:sldLayout xmlns:a="http://schemas.openxmlformats.org/drawingml/2006/main" xmlns:r="http://schemas.openxmlformats.org/officeDocument/2006/relationships" xmlns:p="http://schemas.openxmlformats.org/presentationml/2006/main" type="title" preserve="1">
+<p:sldLayout xmlns:a="http://schemas.openxmlformats.org/drawingml/2006/main" xmlns:r="http://schemas.openxmlformats.org/officeDocument/2006/relationships" xmlns:p="http://schemas.openxmlformats.org/presentationml/2006/main" showMasterSp="0" type="title" preserve="1">
   <p:cSld name="Title Slide">
     <p:spTree>
       <p:nvGrpSpPr>
@@ -150,31 +154,291 @@
       </p:grpSpPr>
       <p:sp>
         <p:nvSpPr>
-          <p:cNvPr id="2" name="Title 1">
-            <a:extLst>
-              <a:ext uri="{FF2B5EF4-FFF2-40B4-BE49-F238E27FC236}">
-                <a16:creationId xmlns:a16="http://schemas.microsoft.com/office/drawing/2014/main" id="{5923017E-92A8-4AED-A34F-098966B4995B}"/>
-              </a:ext>
-            </a:extLst>
-          </p:cNvPr>
-          <p:cNvSpPr>
-            <a:spLocks noGrp="1"/>
-          </p:cNvSpPr>
-          <p:nvPr>
-            <p:ph type="ctrTitle"/>
-          </p:nvPr>
+          <p:cNvPr id="7" name="Rectangle 6"/>
+          <p:cNvSpPr/>
+          <p:nvPr/>
         </p:nvSpPr>
         <p:spPr>
           <a:xfrm>
-            <a:off x="1524000" y="1122363"/>
-            <a:ext cx="9144000" cy="2387600"/>
+            <a:off x="920834" y="1346946"/>
+            <a:ext cx="10222992" cy="80683"/>
+          </a:xfrm>
+          <a:prstGeom prst="rect">
+            <a:avLst/>
+          </a:prstGeom>
+          <a:blipFill dpi="0" rotWithShape="1">
+            <a:blip r:embed="rId2">
+              <a:alphaModFix amt="85000"/>
+              <a:lum bright="70000" contrast="-70000"/>
+              <a:extLst>
+                <a:ext uri="{BEBA8EAE-BF5A-486C-A8C5-ECC9F3942E4B}">
+                  <a14:imgProps xmlns:a14="http://schemas.microsoft.com/office/drawing/2010/main">
+                    <a14:imgLayer r:embed="rId3">
+                      <a14:imgEffect>
+                        <a14:sharpenSoften amount="61000"/>
+                      </a14:imgEffect>
+                    </a14:imgLayer>
+                  </a14:imgProps>
+                </a:ext>
+                <a:ext uri="{28A0092B-C50C-407E-A947-70E740481C1C}">
+                  <a14:useLocalDpi xmlns:a14="http://schemas.microsoft.com/office/drawing/2010/main" val="0"/>
+                </a:ext>
+              </a:extLst>
+            </a:blip>
+            <a:srcRect/>
+            <a:tile tx="0" ty="-762000" sx="92000" sy="89000" flip="xy" algn="ctr"/>
+          </a:blipFill>
+          <a:ln>
+            <a:noFill/>
+          </a:ln>
+        </p:spPr>
+        <p:style>
+          <a:lnRef idx="2">
+            <a:schemeClr val="accent1">
+              <a:shade val="50000"/>
+            </a:schemeClr>
+          </a:lnRef>
+          <a:fillRef idx="1">
+            <a:schemeClr val="accent1"/>
+          </a:fillRef>
+          <a:effectRef idx="0">
+            <a:schemeClr val="accent1"/>
+          </a:effectRef>
+          <a:fontRef idx="minor">
+            <a:schemeClr val="lt1"/>
+          </a:fontRef>
+        </p:style>
+      </p:sp>
+      <p:sp>
+        <p:nvSpPr>
+          <p:cNvPr id="8" name="Rectangle 7"/>
+          <p:cNvSpPr/>
+          <p:nvPr/>
+        </p:nvSpPr>
+        <p:spPr>
+          <a:xfrm>
+            <a:off x="920834" y="4299696"/>
+            <a:ext cx="10222992" cy="80683"/>
+          </a:xfrm>
+          <a:prstGeom prst="rect">
+            <a:avLst/>
+          </a:prstGeom>
+          <a:blipFill dpi="0" rotWithShape="1">
+            <a:blip r:embed="rId2">
+              <a:alphaModFix amt="85000"/>
+              <a:lum bright="70000" contrast="-70000"/>
+              <a:extLst>
+                <a:ext uri="{BEBA8EAE-BF5A-486C-A8C5-ECC9F3942E4B}">
+                  <a14:imgProps xmlns:a14="http://schemas.microsoft.com/office/drawing/2010/main">
+                    <a14:imgLayer r:embed="rId3">
+                      <a14:imgEffect>
+                        <a14:sharpenSoften amount="61000"/>
+                      </a14:imgEffect>
+                    </a14:imgLayer>
+                  </a14:imgProps>
+                </a:ext>
+                <a:ext uri="{28A0092B-C50C-407E-A947-70E740481C1C}">
+                  <a14:useLocalDpi xmlns:a14="http://schemas.microsoft.com/office/drawing/2010/main" val="0"/>
+                </a:ext>
+              </a:extLst>
+            </a:blip>
+            <a:srcRect/>
+            <a:tile tx="0" ty="-717550" sx="92000" sy="89000" flip="xy" algn="ctr"/>
+          </a:blipFill>
+          <a:ln>
+            <a:noFill/>
+          </a:ln>
+        </p:spPr>
+        <p:style>
+          <a:lnRef idx="2">
+            <a:schemeClr val="accent1">
+              <a:shade val="50000"/>
+            </a:schemeClr>
+          </a:lnRef>
+          <a:fillRef idx="1">
+            <a:schemeClr val="accent1"/>
+          </a:fillRef>
+          <a:effectRef idx="0">
+            <a:schemeClr val="accent1"/>
+          </a:effectRef>
+          <a:fontRef idx="minor">
+            <a:schemeClr val="lt1"/>
+          </a:fontRef>
+        </p:style>
+      </p:sp>
+      <p:sp>
+        <p:nvSpPr>
+          <p:cNvPr id="9" name="Rectangle 8"/>
+          <p:cNvSpPr/>
+          <p:nvPr/>
+        </p:nvSpPr>
+        <p:spPr>
+          <a:xfrm>
+            <a:off x="920834" y="1484779"/>
+            <a:ext cx="10222992" cy="2743200"/>
+          </a:xfrm>
+          <a:prstGeom prst="rect">
+            <a:avLst/>
+          </a:prstGeom>
+          <a:blipFill dpi="0" rotWithShape="1">
+            <a:blip r:embed="rId2">
+              <a:alphaModFix amt="85000"/>
+              <a:lum bright="70000" contrast="-70000"/>
+              <a:extLst>
+                <a:ext uri="{BEBA8EAE-BF5A-486C-A8C5-ECC9F3942E4B}">
+                  <a14:imgProps xmlns:a14="http://schemas.microsoft.com/office/drawing/2010/main">
+                    <a14:imgLayer r:embed="rId3">
+                      <a14:imgEffect>
+                        <a14:sharpenSoften amount="61000"/>
+                      </a14:imgEffect>
+                    </a14:imgLayer>
+                  </a14:imgProps>
+                </a:ext>
+                <a:ext uri="{28A0092B-C50C-407E-A947-70E740481C1C}">
+                  <a14:useLocalDpi xmlns:a14="http://schemas.microsoft.com/office/drawing/2010/main" val="0"/>
+                </a:ext>
+              </a:extLst>
+            </a:blip>
+            <a:srcRect/>
+            <a:tile tx="0" ty="-704850" sx="92000" sy="89000" flip="xy" algn="ctr"/>
+          </a:blipFill>
+          <a:ln>
+            <a:noFill/>
+          </a:ln>
+        </p:spPr>
+        <p:style>
+          <a:lnRef idx="2">
+            <a:schemeClr val="accent1">
+              <a:shade val="50000"/>
+            </a:schemeClr>
+          </a:lnRef>
+          <a:fillRef idx="1">
+            <a:schemeClr val="accent1"/>
+          </a:fillRef>
+          <a:effectRef idx="0">
+            <a:schemeClr val="accent1"/>
+          </a:effectRef>
+          <a:fontRef idx="minor">
+            <a:schemeClr val="lt1"/>
+          </a:fontRef>
+        </p:style>
+      </p:sp>
+      <p:grpSp>
+        <p:nvGrpSpPr>
+          <p:cNvPr id="10" name="Group 9"/>
+          <p:cNvGrpSpPr/>
+          <p:nvPr/>
+        </p:nvGrpSpPr>
+        <p:grpSpPr>
+          <a:xfrm>
+            <a:off x="9649215" y="4068923"/>
+            <a:ext cx="1080904" cy="1080902"/>
+            <a:chOff x="9685338" y="4460675"/>
+            <a:chExt cx="1080904" cy="1080902"/>
+          </a:xfrm>
+        </p:grpSpPr>
+        <p:sp>
+          <p:nvSpPr>
+            <p:cNvPr id="11" name="Oval 10"/>
+            <p:cNvSpPr/>
+            <p:nvPr/>
+          </p:nvSpPr>
+          <p:spPr>
+            <a:xfrm>
+              <a:off x="9685338" y="4460675"/>
+              <a:ext cx="1080904" cy="1080902"/>
+            </a:xfrm>
+            <a:prstGeom prst="ellipse">
+              <a:avLst/>
+            </a:prstGeom>
+            <a:blipFill dpi="0" rotWithShape="1">
+              <a:blip r:embed="rId4">
+                <a:duotone>
+                  <a:schemeClr val="accent1">
+                    <a:shade val="45000"/>
+                    <a:satMod val="135000"/>
+                  </a:schemeClr>
+                  <a:prstClr val="white"/>
+                </a:duotone>
+                <a:extLst>
+                  <a:ext uri="{BEBA8EAE-BF5A-486C-A8C5-ECC9F3942E4B}">
+                    <a14:imgProps xmlns:a14="http://schemas.microsoft.com/office/drawing/2010/main">
+                      <a14:imgLayer r:embed="rId5">
+                        <a14:imgEffect>
+                          <a14:saturation sat="95000"/>
+                        </a14:imgEffect>
+                      </a14:imgLayer>
+                    </a14:imgProps>
+                  </a:ext>
+                </a:extLst>
+              </a:blip>
+              <a:srcRect/>
+              <a:tile tx="0" ty="0" sx="85000" sy="85000" flip="none" algn="tl"/>
+            </a:blipFill>
+            <a:ln w="25400" cap="flat" cmpd="sng" algn="ctr">
+              <a:noFill/>
+              <a:prstDash val="solid"/>
+            </a:ln>
+            <a:effectLst/>
+          </p:spPr>
+        </p:sp>
+        <p:sp>
+          <p:nvSpPr>
+            <p:cNvPr id="12" name="Oval 11"/>
+            <p:cNvSpPr/>
+            <p:nvPr/>
+          </p:nvSpPr>
+          <p:spPr>
+            <a:xfrm>
+              <a:off x="9793429" y="4568765"/>
+              <a:ext cx="864723" cy="864722"/>
+            </a:xfrm>
+            <a:prstGeom prst="ellipse">
+              <a:avLst/>
+            </a:prstGeom>
+            <a:noFill/>
+            <a:ln w="25400" cap="flat" cmpd="sng" algn="ctr">
+              <a:solidFill>
+                <a:sysClr val="window" lastClr="FFFFFF"/>
+              </a:solidFill>
+              <a:prstDash val="solid"/>
+            </a:ln>
+            <a:effectLst/>
+          </p:spPr>
+        </p:sp>
+      </p:grpSp>
+      <p:sp>
+        <p:nvSpPr>
+          <p:cNvPr id="2" name="Title 1"/>
+          <p:cNvSpPr>
+            <a:spLocks noGrp="1"/>
+          </p:cNvSpPr>
+          <p:nvPr>
+            <p:ph type="ctrTitle"/>
+          </p:nvPr>
+        </p:nvSpPr>
+        <p:spPr>
+          <a:xfrm>
+            <a:off x="1051560" y="1432223"/>
+            <a:ext cx="9966960" cy="3035808"/>
           </a:xfrm>
         </p:spPr>
         <p:txBody>
-          <a:bodyPr anchor="b"/>
+          <a:bodyPr anchor="ctr">
+            <a:noAutofit/>
+          </a:bodyPr>
           <a:lstStyle>
-            <a:lvl1pPr algn="ctr">
-              <a:defRPr sz="6000"/>
+            <a:lvl1pPr algn="l">
+              <a:lnSpc>
+                <a:spcPct val="80000"/>
+              </a:lnSpc>
+              <a:defRPr sz="9600" cap="all" baseline="0">
+                <a:blipFill dpi="0" rotWithShape="1">
+                  <a:blip r:embed="rId4"/>
+                  <a:srcRect/>
+                  <a:tile tx="6350" ty="-127000" sx="65000" sy="64000" flip="none" algn="tl"/>
+                </a:blipFill>
+              </a:defRPr>
             </a:lvl1pPr>
           </a:lstStyle>
           <a:p>
@@ -182,18 +446,13 @@
               <a:rPr lang="en-US"/>
               <a:t>Click to edit Master title style</a:t>
             </a:r>
-          </a:p>
-        </p:txBody>
-      </p:sp>
-      <p:sp>
-        <p:nvSpPr>
-          <p:cNvPr id="3" name="Subtitle 2">
-            <a:extLst>
-              <a:ext uri="{FF2B5EF4-FFF2-40B4-BE49-F238E27FC236}">
-                <a16:creationId xmlns:a16="http://schemas.microsoft.com/office/drawing/2014/main" id="{CA59F76D-27AD-42E0-8A4A-4D9DC6299376}"/>
-              </a:ext>
-            </a:extLst>
-          </p:cNvPr>
+            <a:endParaRPr lang="en-US" dirty="0"/>
+          </a:p>
+        </p:txBody>
+      </p:sp>
+      <p:sp>
+        <p:nvSpPr>
+          <p:cNvPr id="3" name="Subtitle 2"/>
           <p:cNvSpPr>
             <a:spLocks noGrp="1"/>
           </p:cNvSpPr>
@@ -203,48 +462,54 @@
         </p:nvSpPr>
         <p:spPr>
           <a:xfrm>
-            <a:off x="1524000" y="3602038"/>
-            <a:ext cx="9144000" cy="1655762"/>
+            <a:off x="1069848" y="4389120"/>
+            <a:ext cx="7891272" cy="1069848"/>
           </a:xfrm>
         </p:spPr>
         <p:txBody>
-          <a:bodyPr/>
+          <a:bodyPr>
+            <a:normAutofit/>
+          </a:bodyPr>
           <a:lstStyle>
-            <a:lvl1pPr marL="0" indent="0" algn="ctr">
+            <a:lvl1pPr marL="0" indent="0" algn="l">
               <a:buNone/>
-              <a:defRPr sz="2400"/>
+              <a:defRPr sz="2200">
+                <a:solidFill>
+                  <a:schemeClr val="tx1"/>
+                </a:solidFill>
+              </a:defRPr>
             </a:lvl1pPr>
             <a:lvl2pPr marL="457200" indent="0" algn="ctr">
               <a:buNone/>
-              <a:defRPr sz="2000"/>
+              <a:defRPr sz="2200"/>
             </a:lvl2pPr>
             <a:lvl3pPr marL="914400" indent="0" algn="ctr">
               <a:buNone/>
-              <a:defRPr sz="1800"/>
+              <a:defRPr sz="2200"/>
             </a:lvl3pPr>
             <a:lvl4pPr marL="1371600" indent="0" algn="ctr">
               <a:buNone/>
-              <a:defRPr sz="1600"/>
+              <a:defRPr sz="2000"/>
             </a:lvl4pPr>
             <a:lvl5pPr marL="1828800" indent="0" algn="ctr">
               <a:buNone/>
-              <a:defRPr sz="1600"/>
+              <a:defRPr sz="2000"/>
             </a:lvl5pPr>
             <a:lvl6pPr marL="2286000" indent="0" algn="ctr">
               <a:buNone/>
-              <a:defRPr sz="1600"/>
+              <a:defRPr sz="2000"/>
             </a:lvl6pPr>
             <a:lvl7pPr marL="2743200" indent="0" algn="ctr">
               <a:buNone/>
-              <a:defRPr sz="1600"/>
+              <a:defRPr sz="2000"/>
             </a:lvl7pPr>
             <a:lvl8pPr marL="3200400" indent="0" algn="ctr">
               <a:buNone/>
-              <a:defRPr sz="1600"/>
+              <a:defRPr sz="2000"/>
             </a:lvl8pPr>
             <a:lvl9pPr marL="3657600" indent="0" algn="ctr">
               <a:buNone/>
-              <a:defRPr sz="1600"/>
+              <a:defRPr sz="2000"/>
             </a:lvl9pPr>
           </a:lstStyle>
           <a:p>
@@ -252,18 +517,13 @@
               <a:rPr lang="en-US"/>
               <a:t>Click to edit Master subtitle style</a:t>
             </a:r>
-          </a:p>
-        </p:txBody>
-      </p:sp>
-      <p:sp>
-        <p:nvSpPr>
-          <p:cNvPr id="4" name="Date Placeholder 3">
-            <a:extLst>
-              <a:ext uri="{FF2B5EF4-FFF2-40B4-BE49-F238E27FC236}">
-                <a16:creationId xmlns:a16="http://schemas.microsoft.com/office/drawing/2014/main" id="{40D5A8C9-50B0-4644-A198-C43BF014DD39}"/>
-              </a:ext>
-            </a:extLst>
-          </p:cNvPr>
+            <a:endParaRPr lang="en-US" dirty="0"/>
+          </a:p>
+        </p:txBody>
+      </p:sp>
+      <p:sp>
+        <p:nvSpPr>
+          <p:cNvPr id="4" name="Date Placeholder 3"/>
           <p:cNvSpPr>
             <a:spLocks noGrp="1"/>
           </p:cNvSpPr>
@@ -278,7 +538,7 @@
           <a:p>
             <a:fld id="{005806F1-D16A-4C27-A1BB-B8B7CB5A8967}" type="datetimeFigureOut">
               <a:rPr lang="en-US" smtClean="0"/>
-              <a:t>12/4/2017</a:t>
+              <a:t>12/6/2017</a:t>
             </a:fld>
             <a:endParaRPr lang="en-US"/>
           </a:p>
@@ -286,13 +546,7 @@
       </p:sp>
       <p:sp>
         <p:nvSpPr>
-          <p:cNvPr id="5" name="Footer Placeholder 4">
-            <a:extLst>
-              <a:ext uri="{FF2B5EF4-FFF2-40B4-BE49-F238E27FC236}">
-                <a16:creationId xmlns:a16="http://schemas.microsoft.com/office/drawing/2014/main" id="{548C034A-B987-4834-A21D-35AD6EDB3249}"/>
-              </a:ext>
-            </a:extLst>
-          </p:cNvPr>
+          <p:cNvPr id="5" name="Footer Placeholder 4"/>
           <p:cNvSpPr>
             <a:spLocks noGrp="1"/>
           </p:cNvSpPr>
@@ -311,13 +565,7 @@
       </p:sp>
       <p:sp>
         <p:nvSpPr>
-          <p:cNvPr id="6" name="Slide Number Placeholder 5">
-            <a:extLst>
-              <a:ext uri="{FF2B5EF4-FFF2-40B4-BE49-F238E27FC236}">
-                <a16:creationId xmlns:a16="http://schemas.microsoft.com/office/drawing/2014/main" id="{2E4A9E13-552F-4224-B305-251C3C0322CF}"/>
-              </a:ext>
-            </a:extLst>
-          </p:cNvPr>
+          <p:cNvPr id="6" name="Slide Number Placeholder 5"/>
           <p:cNvSpPr>
             <a:spLocks noGrp="1"/>
           </p:cNvSpPr>
@@ -325,10 +573,19 @@
             <p:ph type="sldNum" sz="quarter" idx="12"/>
           </p:nvPr>
         </p:nvSpPr>
-        <p:spPr/>
+        <p:spPr>
+          <a:xfrm>
+            <a:off x="9592733" y="4289334"/>
+            <a:ext cx="1193868" cy="640080"/>
+          </a:xfrm>
+        </p:spPr>
         <p:txBody>
           <a:bodyPr/>
-          <a:lstStyle/>
+          <a:lstStyle>
+            <a:lvl1pPr>
+              <a:defRPr sz="2800"/>
+            </a:lvl1pPr>
+          </a:lstStyle>
           <a:p>
             <a:fld id="{FADA25C8-BD64-4CB4-899B-CC09C6B98F94}" type="slidenum">
               <a:rPr lang="en-US" smtClean="0"/>
@@ -341,7 +598,7 @@
     </p:spTree>
     <p:extLst>
       <p:ext uri="{BB962C8B-B14F-4D97-AF65-F5344CB8AC3E}">
-        <p14:creationId xmlns:p14="http://schemas.microsoft.com/office/powerpoint/2010/main" val="2057005120"/>
+        <p14:creationId xmlns:p14="http://schemas.microsoft.com/office/powerpoint/2010/main" val="1500924342"/>
       </p:ext>
     </p:extLst>
   </p:cSld>
@@ -370,13 +627,7 @@
       </p:grpSpPr>
       <p:sp>
         <p:nvSpPr>
-          <p:cNvPr id="2" name="Title 1">
-            <a:extLst>
-              <a:ext uri="{FF2B5EF4-FFF2-40B4-BE49-F238E27FC236}">
-                <a16:creationId xmlns:a16="http://schemas.microsoft.com/office/drawing/2014/main" id="{04BE304E-2BAA-466F-88C0-F6E4208C3D79}"/>
-              </a:ext>
-            </a:extLst>
-          </p:cNvPr>
+          <p:cNvPr id="2" name="Title 1"/>
           <p:cNvSpPr>
             <a:spLocks noGrp="1"/>
           </p:cNvSpPr>
@@ -393,18 +644,13 @@
               <a:rPr lang="en-US"/>
               <a:t>Click to edit Master title style</a:t>
             </a:r>
-          </a:p>
-        </p:txBody>
-      </p:sp>
-      <p:sp>
-        <p:nvSpPr>
-          <p:cNvPr id="3" name="Vertical Text Placeholder 2">
-            <a:extLst>
-              <a:ext uri="{FF2B5EF4-FFF2-40B4-BE49-F238E27FC236}">
-                <a16:creationId xmlns:a16="http://schemas.microsoft.com/office/drawing/2014/main" id="{967BA0AE-A836-4F4C-AC35-40F18574B4B3}"/>
-              </a:ext>
-            </a:extLst>
-          </p:cNvPr>
+            <a:endParaRPr lang="en-US" dirty="0"/>
+          </a:p>
+        </p:txBody>
+      </p:sp>
+      <p:sp>
+        <p:nvSpPr>
+          <p:cNvPr id="3" name="Vertical Text Placeholder 2"/>
           <p:cNvSpPr>
             <a:spLocks noGrp="1"/>
           </p:cNvSpPr>
@@ -450,18 +696,13 @@
               <a:rPr lang="en-US"/>
               <a:t>Fifth level</a:t>
             </a:r>
-          </a:p>
-        </p:txBody>
-      </p:sp>
-      <p:sp>
-        <p:nvSpPr>
-          <p:cNvPr id="4" name="Date Placeholder 3">
-            <a:extLst>
-              <a:ext uri="{FF2B5EF4-FFF2-40B4-BE49-F238E27FC236}">
-                <a16:creationId xmlns:a16="http://schemas.microsoft.com/office/drawing/2014/main" id="{FB3CE058-2C40-405D-9DB0-578C0E127DD7}"/>
-              </a:ext>
-            </a:extLst>
-          </p:cNvPr>
+            <a:endParaRPr lang="en-US" dirty="0"/>
+          </a:p>
+        </p:txBody>
+      </p:sp>
+      <p:sp>
+        <p:nvSpPr>
+          <p:cNvPr id="4" name="Date Placeholder 3"/>
           <p:cNvSpPr>
             <a:spLocks noGrp="1"/>
           </p:cNvSpPr>
@@ -476,7 +717,7 @@
           <a:p>
             <a:fld id="{005806F1-D16A-4C27-A1BB-B8B7CB5A8967}" type="datetimeFigureOut">
               <a:rPr lang="en-US" smtClean="0"/>
-              <a:t>12/4/2017</a:t>
+              <a:t>12/6/2017</a:t>
             </a:fld>
             <a:endParaRPr lang="en-US"/>
           </a:p>
@@ -484,13 +725,7 @@
       </p:sp>
       <p:sp>
         <p:nvSpPr>
-          <p:cNvPr id="5" name="Footer Placeholder 4">
-            <a:extLst>
-              <a:ext uri="{FF2B5EF4-FFF2-40B4-BE49-F238E27FC236}">
-                <a16:creationId xmlns:a16="http://schemas.microsoft.com/office/drawing/2014/main" id="{433D02B8-AC8F-47E6-AEE9-F15CB830ABD1}"/>
-              </a:ext>
-            </a:extLst>
-          </p:cNvPr>
+          <p:cNvPr id="5" name="Footer Placeholder 4"/>
           <p:cNvSpPr>
             <a:spLocks noGrp="1"/>
           </p:cNvSpPr>
@@ -509,13 +744,7 @@
       </p:sp>
       <p:sp>
         <p:nvSpPr>
-          <p:cNvPr id="6" name="Slide Number Placeholder 5">
-            <a:extLst>
-              <a:ext uri="{FF2B5EF4-FFF2-40B4-BE49-F238E27FC236}">
-                <a16:creationId xmlns:a16="http://schemas.microsoft.com/office/drawing/2014/main" id="{DA7098F8-B9A8-46D8-B901-E7F4425F2256}"/>
-              </a:ext>
-            </a:extLst>
-          </p:cNvPr>
+          <p:cNvPr id="6" name="Slide Number Placeholder 5"/>
           <p:cNvSpPr>
             <a:spLocks noGrp="1"/>
           </p:cNvSpPr>
@@ -539,7 +768,7 @@
     </p:spTree>
     <p:extLst>
       <p:ext uri="{BB962C8B-B14F-4D97-AF65-F5344CB8AC3E}">
-        <p14:creationId xmlns:p14="http://schemas.microsoft.com/office/powerpoint/2010/main" val="2605481523"/>
+        <p14:creationId xmlns:p14="http://schemas.microsoft.com/office/powerpoint/2010/main" val="831866826"/>
       </p:ext>
     </p:extLst>
   </p:cSld>
@@ -568,13 +797,7 @@
       </p:grpSpPr>
       <p:sp>
         <p:nvSpPr>
-          <p:cNvPr id="2" name="Vertical Title 1">
-            <a:extLst>
-              <a:ext uri="{FF2B5EF4-FFF2-40B4-BE49-F238E27FC236}">
-                <a16:creationId xmlns:a16="http://schemas.microsoft.com/office/drawing/2014/main" id="{694B399B-2BAA-44B4-8ECD-D3AE064CB28D}"/>
-              </a:ext>
-            </a:extLst>
-          </p:cNvPr>
+          <p:cNvPr id="2" name="Vertical Title 1"/>
           <p:cNvSpPr>
             <a:spLocks noGrp="1"/>
           </p:cNvSpPr>
@@ -584,8 +807,8 @@
         </p:nvSpPr>
         <p:spPr>
           <a:xfrm>
-            <a:off x="8724900" y="365125"/>
-            <a:ext cx="2628900" cy="5811838"/>
+            <a:off x="8724900" y="533400"/>
+            <a:ext cx="2552700" cy="5638800"/>
           </a:xfrm>
         </p:spPr>
         <p:txBody>
@@ -596,18 +819,13 @@
               <a:rPr lang="en-US"/>
               <a:t>Click to edit Master title style</a:t>
             </a:r>
-          </a:p>
-        </p:txBody>
-      </p:sp>
-      <p:sp>
-        <p:nvSpPr>
-          <p:cNvPr id="3" name="Vertical Text Placeholder 2">
-            <a:extLst>
-              <a:ext uri="{FF2B5EF4-FFF2-40B4-BE49-F238E27FC236}">
-                <a16:creationId xmlns:a16="http://schemas.microsoft.com/office/drawing/2014/main" id="{22517D56-034D-4ED2-9DDA-D5C3332381B3}"/>
-              </a:ext>
-            </a:extLst>
-          </p:cNvPr>
+            <a:endParaRPr lang="en-US" dirty="0"/>
+          </a:p>
+        </p:txBody>
+      </p:sp>
+      <p:sp>
+        <p:nvSpPr>
+          <p:cNvPr id="3" name="Vertical Text Placeholder 2"/>
           <p:cNvSpPr>
             <a:spLocks noGrp="1"/>
           </p:cNvSpPr>
@@ -617,8 +835,8 @@
         </p:nvSpPr>
         <p:spPr>
           <a:xfrm>
-            <a:off x="838200" y="365125"/>
-            <a:ext cx="7734300" cy="5811838"/>
+            <a:off x="1066800" y="533400"/>
+            <a:ext cx="7505700" cy="5638800"/>
           </a:xfrm>
         </p:spPr>
         <p:txBody>
@@ -658,18 +876,13 @@
               <a:rPr lang="en-US"/>
               <a:t>Fifth level</a:t>
             </a:r>
-          </a:p>
-        </p:txBody>
-      </p:sp>
-      <p:sp>
-        <p:nvSpPr>
-          <p:cNvPr id="4" name="Date Placeholder 3">
-            <a:extLst>
-              <a:ext uri="{FF2B5EF4-FFF2-40B4-BE49-F238E27FC236}">
-                <a16:creationId xmlns:a16="http://schemas.microsoft.com/office/drawing/2014/main" id="{2D262C83-D0CE-4DE5-962B-280FEF00D5D0}"/>
-              </a:ext>
-            </a:extLst>
-          </p:cNvPr>
+            <a:endParaRPr lang="en-US" dirty="0"/>
+          </a:p>
+        </p:txBody>
+      </p:sp>
+      <p:sp>
+        <p:nvSpPr>
+          <p:cNvPr id="4" name="Date Placeholder 3"/>
           <p:cNvSpPr>
             <a:spLocks noGrp="1"/>
           </p:cNvSpPr>
@@ -684,7 +897,7 @@
           <a:p>
             <a:fld id="{005806F1-D16A-4C27-A1BB-B8B7CB5A8967}" type="datetimeFigureOut">
               <a:rPr lang="en-US" smtClean="0"/>
-              <a:t>12/4/2017</a:t>
+              <a:t>12/6/2017</a:t>
             </a:fld>
             <a:endParaRPr lang="en-US"/>
           </a:p>
@@ -692,13 +905,7 @@
       </p:sp>
       <p:sp>
         <p:nvSpPr>
-          <p:cNvPr id="5" name="Footer Placeholder 4">
-            <a:extLst>
-              <a:ext uri="{FF2B5EF4-FFF2-40B4-BE49-F238E27FC236}">
-                <a16:creationId xmlns:a16="http://schemas.microsoft.com/office/drawing/2014/main" id="{A267550B-3CC6-4AF0-A8BD-1D7209C21F59}"/>
-              </a:ext>
-            </a:extLst>
-          </p:cNvPr>
+          <p:cNvPr id="5" name="Footer Placeholder 4"/>
           <p:cNvSpPr>
             <a:spLocks noGrp="1"/>
           </p:cNvSpPr>
@@ -717,13 +924,7 @@
       </p:sp>
       <p:sp>
         <p:nvSpPr>
-          <p:cNvPr id="6" name="Slide Number Placeholder 5">
-            <a:extLst>
-              <a:ext uri="{FF2B5EF4-FFF2-40B4-BE49-F238E27FC236}">
-                <a16:creationId xmlns:a16="http://schemas.microsoft.com/office/drawing/2014/main" id="{61D59446-0A03-472A-9478-C37A4F556491}"/>
-              </a:ext>
-            </a:extLst>
-          </p:cNvPr>
+          <p:cNvPr id="6" name="Slide Number Placeholder 5"/>
           <p:cNvSpPr>
             <a:spLocks noGrp="1"/>
           </p:cNvSpPr>
@@ -747,7 +948,7 @@
     </p:spTree>
     <p:extLst>
       <p:ext uri="{BB962C8B-B14F-4D97-AF65-F5344CB8AC3E}">
-        <p14:creationId xmlns:p14="http://schemas.microsoft.com/office/powerpoint/2010/main" val="1989758330"/>
+        <p14:creationId xmlns:p14="http://schemas.microsoft.com/office/powerpoint/2010/main" val="3086045250"/>
       </p:ext>
     </p:extLst>
   </p:cSld>
@@ -776,13 +977,7 @@
       </p:grpSpPr>
       <p:sp>
         <p:nvSpPr>
-          <p:cNvPr id="2" name="Title 1">
-            <a:extLst>
-              <a:ext uri="{FF2B5EF4-FFF2-40B4-BE49-F238E27FC236}">
-                <a16:creationId xmlns:a16="http://schemas.microsoft.com/office/drawing/2014/main" id="{782004EB-8763-4659-A9B5-09998A720CAC}"/>
-              </a:ext>
-            </a:extLst>
-          </p:cNvPr>
+          <p:cNvPr id="2" name="Title 1"/>
           <p:cNvSpPr>
             <a:spLocks noGrp="1"/>
           </p:cNvSpPr>
@@ -799,18 +994,13 @@
               <a:rPr lang="en-US"/>
               <a:t>Click to edit Master title style</a:t>
             </a:r>
-          </a:p>
-        </p:txBody>
-      </p:sp>
-      <p:sp>
-        <p:nvSpPr>
-          <p:cNvPr id="3" name="Content Placeholder 2">
-            <a:extLst>
-              <a:ext uri="{FF2B5EF4-FFF2-40B4-BE49-F238E27FC236}">
-                <a16:creationId xmlns:a16="http://schemas.microsoft.com/office/drawing/2014/main" id="{65917430-83C2-429F-92DD-A191E17DD2B9}"/>
-              </a:ext>
-            </a:extLst>
-          </p:cNvPr>
+            <a:endParaRPr lang="en-US" dirty="0"/>
+          </a:p>
+        </p:txBody>
+      </p:sp>
+      <p:sp>
+        <p:nvSpPr>
+          <p:cNvPr id="3" name="Content Placeholder 2"/>
           <p:cNvSpPr>
             <a:spLocks noGrp="1"/>
           </p:cNvSpPr>
@@ -856,18 +1046,13 @@
               <a:rPr lang="en-US"/>
               <a:t>Fifth level</a:t>
             </a:r>
-          </a:p>
-        </p:txBody>
-      </p:sp>
-      <p:sp>
-        <p:nvSpPr>
-          <p:cNvPr id="4" name="Date Placeholder 3">
-            <a:extLst>
-              <a:ext uri="{FF2B5EF4-FFF2-40B4-BE49-F238E27FC236}">
-                <a16:creationId xmlns:a16="http://schemas.microsoft.com/office/drawing/2014/main" id="{5DC7F4BA-C656-455A-96BE-957447F6CE35}"/>
-              </a:ext>
-            </a:extLst>
-          </p:cNvPr>
+            <a:endParaRPr lang="en-US" dirty="0"/>
+          </a:p>
+        </p:txBody>
+      </p:sp>
+      <p:sp>
+        <p:nvSpPr>
+          <p:cNvPr id="4" name="Date Placeholder 3"/>
           <p:cNvSpPr>
             <a:spLocks noGrp="1"/>
           </p:cNvSpPr>
@@ -882,7 +1067,7 @@
           <a:p>
             <a:fld id="{005806F1-D16A-4C27-A1BB-B8B7CB5A8967}" type="datetimeFigureOut">
               <a:rPr lang="en-US" smtClean="0"/>
-              <a:t>12/4/2017</a:t>
+              <a:t>12/6/2017</a:t>
             </a:fld>
             <a:endParaRPr lang="en-US"/>
           </a:p>
@@ -890,13 +1075,7 @@
       </p:sp>
       <p:sp>
         <p:nvSpPr>
-          <p:cNvPr id="5" name="Footer Placeholder 4">
-            <a:extLst>
-              <a:ext uri="{FF2B5EF4-FFF2-40B4-BE49-F238E27FC236}">
-                <a16:creationId xmlns:a16="http://schemas.microsoft.com/office/drawing/2014/main" id="{289345CD-5A15-47B7-8236-81087E68CA61}"/>
-              </a:ext>
-            </a:extLst>
-          </p:cNvPr>
+          <p:cNvPr id="5" name="Footer Placeholder 4"/>
           <p:cNvSpPr>
             <a:spLocks noGrp="1"/>
           </p:cNvSpPr>
@@ -915,13 +1094,7 @@
       </p:sp>
       <p:sp>
         <p:nvSpPr>
-          <p:cNvPr id="6" name="Slide Number Placeholder 5">
-            <a:extLst>
-              <a:ext uri="{FF2B5EF4-FFF2-40B4-BE49-F238E27FC236}">
-                <a16:creationId xmlns:a16="http://schemas.microsoft.com/office/drawing/2014/main" id="{9A48F6F0-A94A-4DA7-8798-1D95E4FFA4F5}"/>
-              </a:ext>
-            </a:extLst>
-          </p:cNvPr>
+          <p:cNvPr id="6" name="Slide Number Placeholder 5"/>
           <p:cNvSpPr>
             <a:spLocks noGrp="1"/>
           </p:cNvSpPr>
@@ -945,7 +1118,7 @@
     </p:spTree>
     <p:extLst>
       <p:ext uri="{BB962C8B-B14F-4D97-AF65-F5344CB8AC3E}">
-        <p14:creationId xmlns:p14="http://schemas.microsoft.com/office/powerpoint/2010/main" val="3986638531"/>
+        <p14:creationId xmlns:p14="http://schemas.microsoft.com/office/powerpoint/2010/main" val="2599546523"/>
       </p:ext>
     </p:extLst>
   </p:cSld>
@@ -956,7 +1129,7 @@
 </file>
 
 <file path=ppt/slideLayouts/slideLayout3.xml><?xml version="1.0" encoding="utf-8"?>
-<p:sldLayout xmlns:a="http://schemas.openxmlformats.org/drawingml/2006/main" xmlns:r="http://schemas.openxmlformats.org/officeDocument/2006/relationships" xmlns:p="http://schemas.openxmlformats.org/presentationml/2006/main" type="secHead" preserve="1">
+<p:sldLayout xmlns:a="http://schemas.openxmlformats.org/drawingml/2006/main" xmlns:r="http://schemas.openxmlformats.org/officeDocument/2006/relationships" xmlns:p="http://schemas.openxmlformats.org/presentationml/2006/main" showMasterSp="0" type="secHead" preserve="1">
   <p:cSld name="Section Header">
     <p:spTree>
       <p:nvGrpSpPr>
@@ -974,31 +1147,87 @@
       </p:grpSpPr>
       <p:sp>
         <p:nvSpPr>
-          <p:cNvPr id="2" name="Title 1">
-            <a:extLst>
-              <a:ext uri="{FF2B5EF4-FFF2-40B4-BE49-F238E27FC236}">
-                <a16:creationId xmlns:a16="http://schemas.microsoft.com/office/drawing/2014/main" id="{7DE1B72D-7DF4-40EF-8B26-22AA4E8D09E9}"/>
-              </a:ext>
-            </a:extLst>
-          </p:cNvPr>
-          <p:cNvSpPr>
-            <a:spLocks noGrp="1"/>
-          </p:cNvSpPr>
-          <p:nvPr>
-            <p:ph type="title"/>
-          </p:nvPr>
+          <p:cNvPr id="7" name="Rectangle 6"/>
+          <p:cNvSpPr/>
+          <p:nvPr/>
         </p:nvSpPr>
         <p:spPr>
           <a:xfrm>
-            <a:off x="831850" y="1709738"/>
-            <a:ext cx="10515600" cy="2852737"/>
+            <a:off x="0" y="4917989"/>
+            <a:ext cx="12192000" cy="1940010"/>
+          </a:xfrm>
+          <a:prstGeom prst="rect">
+            <a:avLst/>
+          </a:prstGeom>
+          <a:blipFill dpi="0" rotWithShape="1">
+            <a:blip r:embed="rId2">
+              <a:alphaModFix amt="85000"/>
+              <a:lum bright="70000" contrast="-70000"/>
+              <a:extLst>
+                <a:ext uri="{BEBA8EAE-BF5A-486C-A8C5-ECC9F3942E4B}">
+                  <a14:imgProps xmlns:a14="http://schemas.microsoft.com/office/drawing/2010/main">
+                    <a14:imgLayer r:embed="rId3">
+                      <a14:imgEffect>
+                        <a14:sharpenSoften amount="61000"/>
+                      </a14:imgEffect>
+                    </a14:imgLayer>
+                  </a14:imgProps>
+                </a:ext>
+                <a:ext uri="{28A0092B-C50C-407E-A947-70E740481C1C}">
+                  <a14:useLocalDpi xmlns:a14="http://schemas.microsoft.com/office/drawing/2010/main" val="0"/>
+                </a:ext>
+              </a:extLst>
+            </a:blip>
+            <a:srcRect/>
+            <a:tile tx="0" ty="-704850" sx="92000" sy="89000" flip="xy" algn="ctr"/>
+          </a:blipFill>
+          <a:ln>
+            <a:noFill/>
+          </a:ln>
+        </p:spPr>
+        <p:style>
+          <a:lnRef idx="2">
+            <a:schemeClr val="accent1">
+              <a:shade val="50000"/>
+            </a:schemeClr>
+          </a:lnRef>
+          <a:fillRef idx="1">
+            <a:schemeClr val="accent1"/>
+          </a:fillRef>
+          <a:effectRef idx="0">
+            <a:schemeClr val="accent1"/>
+          </a:effectRef>
+          <a:fontRef idx="minor">
+            <a:schemeClr val="lt1"/>
+          </a:fontRef>
+        </p:style>
+      </p:sp>
+      <p:sp>
+        <p:nvSpPr>
+          <p:cNvPr id="2" name="Title 1"/>
+          <p:cNvSpPr>
+            <a:spLocks noGrp="1"/>
+          </p:cNvSpPr>
+          <p:nvPr>
+            <p:ph type="title"/>
+          </p:nvPr>
+        </p:nvSpPr>
+        <p:spPr>
+          <a:xfrm>
+            <a:off x="2167128" y="1225296"/>
+            <a:ext cx="9281160" cy="3520440"/>
           </a:xfrm>
         </p:spPr>
         <p:txBody>
-          <a:bodyPr anchor="b"/>
+          <a:bodyPr anchor="ctr">
+            <a:normAutofit/>
+          </a:bodyPr>
           <a:lstStyle>
             <a:lvl1pPr>
-              <a:defRPr sz="6000"/>
+              <a:lnSpc>
+                <a:spcPct val="80000"/>
+              </a:lnSpc>
+              <a:defRPr sz="8000" b="0"/>
             </a:lvl1pPr>
           </a:lstStyle>
           <a:p>
@@ -1006,18 +1235,13 @@
               <a:rPr lang="en-US"/>
               <a:t>Click to edit Master title style</a:t>
             </a:r>
-          </a:p>
-        </p:txBody>
-      </p:sp>
-      <p:sp>
-        <p:nvSpPr>
-          <p:cNvPr id="3" name="Text Placeholder 2">
-            <a:extLst>
-              <a:ext uri="{FF2B5EF4-FFF2-40B4-BE49-F238E27FC236}">
-                <a16:creationId xmlns:a16="http://schemas.microsoft.com/office/drawing/2014/main" id="{7A58C752-8671-46B6-8A9A-EA0D1E59C29F}"/>
-              </a:ext>
-            </a:extLst>
-          </p:cNvPr>
+            <a:endParaRPr lang="en-US" dirty="0"/>
+          </a:p>
+        </p:txBody>
+      </p:sp>
+      <p:sp>
+        <p:nvSpPr>
+          <p:cNvPr id="3" name="Text Placeholder 2"/>
           <p:cNvSpPr>
             <a:spLocks noGrp="1"/>
           </p:cNvSpPr>
@@ -1027,26 +1251,26 @@
         </p:nvSpPr>
         <p:spPr>
           <a:xfrm>
-            <a:off x="831850" y="4589463"/>
-            <a:ext cx="10515600" cy="1500187"/>
+            <a:off x="2165774" y="5020056"/>
+            <a:ext cx="9052560" cy="1066800"/>
           </a:xfrm>
         </p:spPr>
         <p:txBody>
-          <a:bodyPr/>
+          <a:bodyPr anchor="t">
+            <a:normAutofit/>
+          </a:bodyPr>
           <a:lstStyle>
             <a:lvl1pPr marL="0" indent="0">
               <a:buNone/>
-              <a:defRPr sz="2400">
+              <a:defRPr sz="2000">
                 <a:solidFill>
-                  <a:schemeClr val="tx1">
-                    <a:tint val="75000"/>
-                  </a:schemeClr>
+                  <a:schemeClr val="tx1"/>
                 </a:solidFill>
               </a:defRPr>
             </a:lvl1pPr>
             <a:lvl2pPr marL="457200" indent="0">
               <a:buNone/>
-              <a:defRPr sz="2000">
+              <a:defRPr sz="1800">
                 <a:solidFill>
                   <a:schemeClr val="tx1">
                     <a:tint val="75000"/>
@@ -1056,7 +1280,7 @@
             </a:lvl2pPr>
             <a:lvl3pPr marL="914400" indent="0">
               <a:buNone/>
-              <a:defRPr sz="1800">
+              <a:defRPr sz="1600">
                 <a:solidFill>
                   <a:schemeClr val="tx1">
                     <a:tint val="75000"/>
@@ -1066,7 +1290,7 @@
             </a:lvl3pPr>
             <a:lvl4pPr marL="1371600" indent="0">
               <a:buNone/>
-              <a:defRPr sz="1600">
+              <a:defRPr sz="1400">
                 <a:solidFill>
                   <a:schemeClr val="tx1">
                     <a:tint val="75000"/>
@@ -1076,7 +1300,7 @@
             </a:lvl4pPr>
             <a:lvl5pPr marL="1828800" indent="0">
               <a:buNone/>
-              <a:defRPr sz="1600">
+              <a:defRPr sz="1400">
                 <a:solidFill>
                   <a:schemeClr val="tx1">
                     <a:tint val="75000"/>
@@ -1086,7 +1310,7 @@
             </a:lvl5pPr>
             <a:lvl6pPr marL="2286000" indent="0">
               <a:buNone/>
-              <a:defRPr sz="1600">
+              <a:defRPr sz="1400">
                 <a:solidFill>
                   <a:schemeClr val="tx1">
                     <a:tint val="75000"/>
@@ -1096,7 +1320,7 @@
             </a:lvl6pPr>
             <a:lvl7pPr marL="2743200" indent="0">
               <a:buNone/>
-              <a:defRPr sz="1600">
+              <a:defRPr sz="1400">
                 <a:solidFill>
                   <a:schemeClr val="tx1">
                     <a:tint val="75000"/>
@@ -1106,7 +1330,7 @@
             </a:lvl7pPr>
             <a:lvl8pPr marL="3200400" indent="0">
               <a:buNone/>
-              <a:defRPr sz="1600">
+              <a:defRPr sz="1400">
                 <a:solidFill>
                   <a:schemeClr val="tx1">
                     <a:tint val="75000"/>
@@ -1116,7 +1340,7 @@
             </a:lvl8pPr>
             <a:lvl9pPr marL="3657600" indent="0">
               <a:buNone/>
-              <a:defRPr sz="1600">
+              <a:defRPr sz="1400">
                 <a:solidFill>
                   <a:schemeClr val="tx1">
                     <a:tint val="75000"/>
@@ -1136,13 +1360,7 @@
       </p:sp>
       <p:sp>
         <p:nvSpPr>
-          <p:cNvPr id="4" name="Date Placeholder 3">
-            <a:extLst>
-              <a:ext uri="{FF2B5EF4-FFF2-40B4-BE49-F238E27FC236}">
-                <a16:creationId xmlns:a16="http://schemas.microsoft.com/office/drawing/2014/main" id="{257A8DB5-1283-4AAE-8F05-591CF1C1C72B}"/>
-              </a:ext>
-            </a:extLst>
-          </p:cNvPr>
+          <p:cNvPr id="4" name="Date Placeholder 3"/>
           <p:cNvSpPr>
             <a:spLocks noGrp="1"/>
           </p:cNvSpPr>
@@ -1150,14 +1368,19 @@
             <p:ph type="dt" sz="half" idx="10"/>
           </p:nvPr>
         </p:nvSpPr>
-        <p:spPr/>
+        <p:spPr>
+          <a:xfrm>
+            <a:off x="8593667" y="6272784"/>
+            <a:ext cx="2644309" cy="365125"/>
+          </a:xfrm>
+        </p:spPr>
         <p:txBody>
           <a:bodyPr/>
           <a:lstStyle/>
           <a:p>
             <a:fld id="{005806F1-D16A-4C27-A1BB-B8B7CB5A8967}" type="datetimeFigureOut">
               <a:rPr lang="en-US" smtClean="0"/>
-              <a:t>12/4/2017</a:t>
+              <a:t>12/6/2017</a:t>
             </a:fld>
             <a:endParaRPr lang="en-US"/>
           </a:p>
@@ -1165,13 +1388,7 @@
       </p:sp>
       <p:sp>
         <p:nvSpPr>
-          <p:cNvPr id="5" name="Footer Placeholder 4">
-            <a:extLst>
-              <a:ext uri="{FF2B5EF4-FFF2-40B4-BE49-F238E27FC236}">
-                <a16:creationId xmlns:a16="http://schemas.microsoft.com/office/drawing/2014/main" id="{BD0D1299-788C-4EA3-B4B2-D05BCFFC4A7B}"/>
-              </a:ext>
-            </a:extLst>
-          </p:cNvPr>
+          <p:cNvPr id="5" name="Footer Placeholder 4"/>
           <p:cNvSpPr>
             <a:spLocks noGrp="1"/>
           </p:cNvSpPr>
@@ -1179,7 +1396,12 @@
             <p:ph type="ftr" sz="quarter" idx="11"/>
           </p:nvPr>
         </p:nvSpPr>
-        <p:spPr/>
+        <p:spPr>
+          <a:xfrm>
+            <a:off x="2182708" y="6272784"/>
+            <a:ext cx="6327648" cy="365125"/>
+          </a:xfrm>
+        </p:spPr>
         <p:txBody>
           <a:bodyPr/>
           <a:lstStyle/>
@@ -1188,15 +1410,93 @@
           </a:p>
         </p:txBody>
       </p:sp>
-      <p:sp>
-        <p:nvSpPr>
-          <p:cNvPr id="6" name="Slide Number Placeholder 5">
-            <a:extLst>
-              <a:ext uri="{FF2B5EF4-FFF2-40B4-BE49-F238E27FC236}">
-                <a16:creationId xmlns:a16="http://schemas.microsoft.com/office/drawing/2014/main" id="{1C37A0D0-6D21-45E2-A49B-30B37AE8A2E0}"/>
-              </a:ext>
-            </a:extLst>
-          </p:cNvPr>
+      <p:grpSp>
+        <p:nvGrpSpPr>
+          <p:cNvPr id="8" name="Group 7"/>
+          <p:cNvGrpSpPr/>
+          <p:nvPr/>
+        </p:nvGrpSpPr>
+        <p:grpSpPr>
+          <a:xfrm>
+            <a:off x="897399" y="2325848"/>
+            <a:ext cx="1080904" cy="1080902"/>
+            <a:chOff x="9685338" y="4460675"/>
+            <a:chExt cx="1080904" cy="1080902"/>
+          </a:xfrm>
+        </p:grpSpPr>
+        <p:sp>
+          <p:nvSpPr>
+            <p:cNvPr id="9" name="Oval 8"/>
+            <p:cNvSpPr/>
+            <p:nvPr/>
+          </p:nvSpPr>
+          <p:spPr>
+            <a:xfrm>
+              <a:off x="9685338" y="4460675"/>
+              <a:ext cx="1080904" cy="1080902"/>
+            </a:xfrm>
+            <a:prstGeom prst="ellipse">
+              <a:avLst/>
+            </a:prstGeom>
+            <a:blipFill dpi="0" rotWithShape="1">
+              <a:blip r:embed="rId4">
+                <a:duotone>
+                  <a:schemeClr val="accent1">
+                    <a:shade val="45000"/>
+                    <a:satMod val="135000"/>
+                  </a:schemeClr>
+                  <a:prstClr val="white"/>
+                </a:duotone>
+                <a:extLst>
+                  <a:ext uri="{BEBA8EAE-BF5A-486C-A8C5-ECC9F3942E4B}">
+                    <a14:imgProps xmlns:a14="http://schemas.microsoft.com/office/drawing/2010/main">
+                      <a14:imgLayer r:embed="rId5">
+                        <a14:imgEffect>
+                          <a14:saturation sat="95000"/>
+                        </a14:imgEffect>
+                      </a14:imgLayer>
+                    </a14:imgProps>
+                  </a:ext>
+                </a:extLst>
+              </a:blip>
+              <a:srcRect/>
+              <a:tile tx="0" ty="0" sx="85000" sy="85000" flip="none" algn="tl"/>
+            </a:blipFill>
+            <a:ln w="25400" cap="flat" cmpd="sng" algn="ctr">
+              <a:noFill/>
+              <a:prstDash val="solid"/>
+            </a:ln>
+            <a:effectLst/>
+          </p:spPr>
+        </p:sp>
+        <p:sp>
+          <p:nvSpPr>
+            <p:cNvPr id="10" name="Oval 9"/>
+            <p:cNvSpPr/>
+            <p:nvPr/>
+          </p:nvSpPr>
+          <p:spPr>
+            <a:xfrm>
+              <a:off x="9793429" y="4568765"/>
+              <a:ext cx="864723" cy="864722"/>
+            </a:xfrm>
+            <a:prstGeom prst="ellipse">
+              <a:avLst/>
+            </a:prstGeom>
+            <a:noFill/>
+            <a:ln w="25400" cap="flat" cmpd="sng" algn="ctr">
+              <a:solidFill>
+                <a:sysClr val="window" lastClr="FFFFFF"/>
+              </a:solidFill>
+              <a:prstDash val="solid"/>
+            </a:ln>
+            <a:effectLst/>
+          </p:spPr>
+        </p:sp>
+      </p:grpSp>
+      <p:sp>
+        <p:nvSpPr>
+          <p:cNvPr id="6" name="Slide Number Placeholder 5"/>
           <p:cNvSpPr>
             <a:spLocks noGrp="1"/>
           </p:cNvSpPr>
@@ -1204,10 +1504,19 @@
             <p:ph type="sldNum" sz="quarter" idx="12"/>
           </p:nvPr>
         </p:nvSpPr>
-        <p:spPr/>
+        <p:spPr>
+          <a:xfrm>
+            <a:off x="843702" y="2506133"/>
+            <a:ext cx="1188298" cy="720332"/>
+          </a:xfrm>
+        </p:spPr>
         <p:txBody>
           <a:bodyPr/>
-          <a:lstStyle/>
+          <a:lstStyle>
+            <a:lvl1pPr>
+              <a:defRPr sz="2800"/>
+            </a:lvl1pPr>
+          </a:lstStyle>
           <a:p>
             <a:fld id="{FADA25C8-BD64-4CB4-899B-CC09C6B98F94}" type="slidenum">
               <a:rPr lang="en-US" smtClean="0"/>
@@ -1220,7 +1529,7 @@
     </p:spTree>
     <p:extLst>
       <p:ext uri="{BB962C8B-B14F-4D97-AF65-F5344CB8AC3E}">
-        <p14:creationId xmlns:p14="http://schemas.microsoft.com/office/powerpoint/2010/main" val="4110312342"/>
+        <p14:creationId xmlns:p14="http://schemas.microsoft.com/office/powerpoint/2010/main" val="1562891712"/>
       </p:ext>
     </p:extLst>
   </p:cSld>
@@ -1249,13 +1558,7 @@
       </p:grpSpPr>
       <p:sp>
         <p:nvSpPr>
-          <p:cNvPr id="2" name="Title 1">
-            <a:extLst>
-              <a:ext uri="{FF2B5EF4-FFF2-40B4-BE49-F238E27FC236}">
-                <a16:creationId xmlns:a16="http://schemas.microsoft.com/office/drawing/2014/main" id="{8F1AC282-E194-4D00-81E5-084047410925}"/>
-              </a:ext>
-            </a:extLst>
-          </p:cNvPr>
+          <p:cNvPr id="2" name="Title 1"/>
           <p:cNvSpPr>
             <a:spLocks noGrp="1"/>
           </p:cNvSpPr>
@@ -1272,18 +1575,13 @@
               <a:rPr lang="en-US"/>
               <a:t>Click to edit Master title style</a:t>
             </a:r>
-          </a:p>
-        </p:txBody>
-      </p:sp>
-      <p:sp>
-        <p:nvSpPr>
-          <p:cNvPr id="3" name="Content Placeholder 2">
-            <a:extLst>
-              <a:ext uri="{FF2B5EF4-FFF2-40B4-BE49-F238E27FC236}">
-                <a16:creationId xmlns:a16="http://schemas.microsoft.com/office/drawing/2014/main" id="{BE22B5D8-0762-40A6-98D2-C6E3D4D69BE2}"/>
-              </a:ext>
-            </a:extLst>
-          </p:cNvPr>
+            <a:endParaRPr lang="en-US" dirty="0"/>
+          </a:p>
+        </p:txBody>
+      </p:sp>
+      <p:sp>
+        <p:nvSpPr>
+          <p:cNvPr id="3" name="Content Placeholder 2"/>
           <p:cNvSpPr>
             <a:spLocks noGrp="1"/>
           </p:cNvSpPr>
@@ -1293,13 +1591,41 @@
         </p:nvSpPr>
         <p:spPr>
           <a:xfrm>
-            <a:off x="838200" y="1825625"/>
-            <a:ext cx="5181600" cy="4351338"/>
+            <a:off x="1069848" y="2194560"/>
+            <a:ext cx="4754880" cy="3977640"/>
           </a:xfrm>
         </p:spPr>
         <p:txBody>
           <a:bodyPr/>
-          <a:lstStyle/>
+          <a:lstStyle>
+            <a:lvl1pPr>
+              <a:defRPr sz="2000"/>
+            </a:lvl1pPr>
+            <a:lvl2pPr>
+              <a:defRPr sz="1800"/>
+            </a:lvl2pPr>
+            <a:lvl3pPr>
+              <a:defRPr sz="1600"/>
+            </a:lvl3pPr>
+            <a:lvl4pPr>
+              <a:defRPr sz="1600"/>
+            </a:lvl4pPr>
+            <a:lvl5pPr>
+              <a:defRPr sz="1600"/>
+            </a:lvl5pPr>
+            <a:lvl6pPr>
+              <a:defRPr sz="1600"/>
+            </a:lvl6pPr>
+            <a:lvl7pPr>
+              <a:defRPr sz="1600"/>
+            </a:lvl7pPr>
+            <a:lvl8pPr>
+              <a:defRPr sz="1600"/>
+            </a:lvl8pPr>
+            <a:lvl9pPr>
+              <a:defRPr sz="1600"/>
+            </a:lvl9pPr>
+          </a:lstStyle>
           <a:p>
             <a:pPr lvl="0"/>
             <a:r>
@@ -1334,18 +1660,13 @@
               <a:rPr lang="en-US"/>
               <a:t>Fifth level</a:t>
             </a:r>
-          </a:p>
-        </p:txBody>
-      </p:sp>
-      <p:sp>
-        <p:nvSpPr>
-          <p:cNvPr id="4" name="Content Placeholder 3">
-            <a:extLst>
-              <a:ext uri="{FF2B5EF4-FFF2-40B4-BE49-F238E27FC236}">
-                <a16:creationId xmlns:a16="http://schemas.microsoft.com/office/drawing/2014/main" id="{9D4A15F6-06FC-4E95-A266-96003787C88C}"/>
-              </a:ext>
-            </a:extLst>
-          </p:cNvPr>
+            <a:endParaRPr lang="en-US" dirty="0"/>
+          </a:p>
+        </p:txBody>
+      </p:sp>
+      <p:sp>
+        <p:nvSpPr>
+          <p:cNvPr id="4" name="Content Placeholder 3"/>
           <p:cNvSpPr>
             <a:spLocks noGrp="1"/>
           </p:cNvSpPr>
@@ -1355,13 +1676,41 @@
         </p:nvSpPr>
         <p:spPr>
           <a:xfrm>
-            <a:off x="6172200" y="1825625"/>
-            <a:ext cx="5181600" cy="4351338"/>
+            <a:off x="6364224" y="2194560"/>
+            <a:ext cx="4754880" cy="3977640"/>
           </a:xfrm>
         </p:spPr>
         <p:txBody>
           <a:bodyPr/>
-          <a:lstStyle/>
+          <a:lstStyle>
+            <a:lvl1pPr>
+              <a:defRPr sz="2000"/>
+            </a:lvl1pPr>
+            <a:lvl2pPr>
+              <a:defRPr sz="1800"/>
+            </a:lvl2pPr>
+            <a:lvl3pPr>
+              <a:defRPr sz="1600"/>
+            </a:lvl3pPr>
+            <a:lvl4pPr>
+              <a:defRPr sz="1600"/>
+            </a:lvl4pPr>
+            <a:lvl5pPr>
+              <a:defRPr sz="1600"/>
+            </a:lvl5pPr>
+            <a:lvl6pPr>
+              <a:defRPr sz="1600"/>
+            </a:lvl6pPr>
+            <a:lvl7pPr>
+              <a:defRPr sz="1600"/>
+            </a:lvl7pPr>
+            <a:lvl8pPr>
+              <a:defRPr sz="1600"/>
+            </a:lvl8pPr>
+            <a:lvl9pPr>
+              <a:defRPr sz="1600"/>
+            </a:lvl9pPr>
+          </a:lstStyle>
           <a:p>
             <a:pPr lvl="0"/>
             <a:r>
@@ -1396,18 +1745,13 @@
               <a:rPr lang="en-US"/>
               <a:t>Fifth level</a:t>
             </a:r>
-          </a:p>
-        </p:txBody>
-      </p:sp>
-      <p:sp>
-        <p:nvSpPr>
-          <p:cNvPr id="5" name="Date Placeholder 4">
-            <a:extLst>
-              <a:ext uri="{FF2B5EF4-FFF2-40B4-BE49-F238E27FC236}">
-                <a16:creationId xmlns:a16="http://schemas.microsoft.com/office/drawing/2014/main" id="{BB854E0D-99F4-4A2E-92E3-53A0768039C5}"/>
-              </a:ext>
-            </a:extLst>
-          </p:cNvPr>
+            <a:endParaRPr lang="en-US" dirty="0"/>
+          </a:p>
+        </p:txBody>
+      </p:sp>
+      <p:sp>
+        <p:nvSpPr>
+          <p:cNvPr id="5" name="Date Placeholder 4"/>
           <p:cNvSpPr>
             <a:spLocks noGrp="1"/>
           </p:cNvSpPr>
@@ -1422,7 +1766,7 @@
           <a:p>
             <a:fld id="{005806F1-D16A-4C27-A1BB-B8B7CB5A8967}" type="datetimeFigureOut">
               <a:rPr lang="en-US" smtClean="0"/>
-              <a:t>12/4/2017</a:t>
+              <a:t>12/6/2017</a:t>
             </a:fld>
             <a:endParaRPr lang="en-US"/>
           </a:p>
@@ -1430,13 +1774,7 @@
       </p:sp>
       <p:sp>
         <p:nvSpPr>
-          <p:cNvPr id="6" name="Footer Placeholder 5">
-            <a:extLst>
-              <a:ext uri="{FF2B5EF4-FFF2-40B4-BE49-F238E27FC236}">
-                <a16:creationId xmlns:a16="http://schemas.microsoft.com/office/drawing/2014/main" id="{F454BE75-FDBB-4417-AC88-352946A55EB6}"/>
-              </a:ext>
-            </a:extLst>
-          </p:cNvPr>
+          <p:cNvPr id="6" name="Footer Placeholder 5"/>
           <p:cNvSpPr>
             <a:spLocks noGrp="1"/>
           </p:cNvSpPr>
@@ -1455,13 +1793,7 @@
       </p:sp>
       <p:sp>
         <p:nvSpPr>
-          <p:cNvPr id="7" name="Slide Number Placeholder 6">
-            <a:extLst>
-              <a:ext uri="{FF2B5EF4-FFF2-40B4-BE49-F238E27FC236}">
-                <a16:creationId xmlns:a16="http://schemas.microsoft.com/office/drawing/2014/main" id="{B0190492-64E5-4281-A08D-7E1E48287C90}"/>
-              </a:ext>
-            </a:extLst>
-          </p:cNvPr>
+          <p:cNvPr id="7" name="Slide Number Placeholder 6"/>
           <p:cNvSpPr>
             <a:spLocks noGrp="1"/>
           </p:cNvSpPr>
@@ -1485,7 +1817,7 @@
     </p:spTree>
     <p:extLst>
       <p:ext uri="{BB962C8B-B14F-4D97-AF65-F5344CB8AC3E}">
-        <p14:creationId xmlns:p14="http://schemas.microsoft.com/office/powerpoint/2010/main" val="303378857"/>
+        <p14:creationId xmlns:p14="http://schemas.microsoft.com/office/powerpoint/2010/main" val="842096898"/>
       </p:ext>
     </p:extLst>
   </p:cSld>
@@ -1514,65 +1846,57 @@
       </p:grpSpPr>
       <p:sp>
         <p:nvSpPr>
-          <p:cNvPr id="2" name="Title 1">
-            <a:extLst>
-              <a:ext uri="{FF2B5EF4-FFF2-40B4-BE49-F238E27FC236}">
-                <a16:creationId xmlns:a16="http://schemas.microsoft.com/office/drawing/2014/main" id="{7B03ADA1-8792-4019-A65B-9FE2B555DD75}"/>
-              </a:ext>
-            </a:extLst>
-          </p:cNvPr>
+          <p:cNvPr id="10" name="Title 9"/>
           <p:cNvSpPr>
             <a:spLocks noGrp="1"/>
           </p:cNvSpPr>
           <p:nvPr>
             <p:ph type="title"/>
+          </p:nvPr>
+        </p:nvSpPr>
+        <p:spPr/>
+        <p:txBody>
+          <a:bodyPr/>
+          <a:lstStyle/>
+          <a:p>
+            <a:r>
+              <a:rPr lang="en-US"/>
+              <a:t>Click to edit Master title style</a:t>
+            </a:r>
+            <a:endParaRPr lang="en-US" dirty="0"/>
+          </a:p>
+        </p:txBody>
+      </p:sp>
+      <p:sp>
+        <p:nvSpPr>
+          <p:cNvPr id="3" name="Text Placeholder 2"/>
+          <p:cNvSpPr>
+            <a:spLocks noGrp="1"/>
+          </p:cNvSpPr>
+          <p:nvPr>
+            <p:ph type="body" idx="1"/>
           </p:nvPr>
         </p:nvSpPr>
         <p:spPr>
           <a:xfrm>
-            <a:off x="839788" y="365125"/>
-            <a:ext cx="10515600" cy="1325563"/>
+            <a:off x="1066800" y="2048256"/>
+            <a:ext cx="4754880" cy="640080"/>
           </a:xfrm>
         </p:spPr>
         <p:txBody>
-          <a:bodyPr/>
-          <a:lstStyle/>
-          <a:p>
-            <a:r>
-              <a:rPr lang="en-US"/>
-              <a:t>Click to edit Master title style</a:t>
-            </a:r>
-          </a:p>
-        </p:txBody>
-      </p:sp>
-      <p:sp>
-        <p:nvSpPr>
-          <p:cNvPr id="3" name="Text Placeholder 2">
-            <a:extLst>
-              <a:ext uri="{FF2B5EF4-FFF2-40B4-BE49-F238E27FC236}">
-                <a16:creationId xmlns:a16="http://schemas.microsoft.com/office/drawing/2014/main" id="{21A4A410-BEC5-4A96-9940-87788B1A1DD9}"/>
-              </a:ext>
-            </a:extLst>
-          </p:cNvPr>
-          <p:cNvSpPr>
-            <a:spLocks noGrp="1"/>
-          </p:cNvSpPr>
-          <p:nvPr>
-            <p:ph type="body" idx="1"/>
-          </p:nvPr>
-        </p:nvSpPr>
-        <p:spPr>
-          <a:xfrm>
-            <a:off x="839788" y="1681163"/>
-            <a:ext cx="5157787" cy="823912"/>
-          </a:xfrm>
-        </p:spPr>
-        <p:txBody>
-          <a:bodyPr anchor="b"/>
+          <a:bodyPr anchor="ctr">
+            <a:normAutofit/>
+          </a:bodyPr>
           <a:lstStyle>
             <a:lvl1pPr marL="0" indent="0">
               <a:buNone/>
-              <a:defRPr sz="2400" b="1"/>
+              <a:defRPr sz="2000" b="1">
+                <a:solidFill>
+                  <a:schemeClr val="accent1">
+                    <a:lumMod val="75000"/>
+                  </a:schemeClr>
+                </a:solidFill>
+              </a:defRPr>
             </a:lvl1pPr>
             <a:lvl2pPr marL="457200" indent="0">
               <a:buNone/>
@@ -1618,13 +1942,7 @@
       </p:sp>
       <p:sp>
         <p:nvSpPr>
-          <p:cNvPr id="4" name="Content Placeholder 3">
-            <a:extLst>
-              <a:ext uri="{FF2B5EF4-FFF2-40B4-BE49-F238E27FC236}">
-                <a16:creationId xmlns:a16="http://schemas.microsoft.com/office/drawing/2014/main" id="{E4E73408-C2EF-4FFB-A9D7-8A7D6BD933F7}"/>
-              </a:ext>
-            </a:extLst>
-          </p:cNvPr>
+          <p:cNvPr id="4" name="Content Placeholder 3"/>
           <p:cNvSpPr>
             <a:spLocks noGrp="1"/>
           </p:cNvSpPr>
@@ -1634,13 +1952,41 @@
         </p:nvSpPr>
         <p:spPr>
           <a:xfrm>
-            <a:off x="839788" y="2505075"/>
-            <a:ext cx="5157787" cy="3684588"/>
+            <a:off x="1069848" y="2743200"/>
+            <a:ext cx="4754880" cy="3291840"/>
           </a:xfrm>
         </p:spPr>
         <p:txBody>
           <a:bodyPr/>
-          <a:lstStyle/>
+          <a:lstStyle>
+            <a:lvl1pPr>
+              <a:defRPr sz="2000"/>
+            </a:lvl1pPr>
+            <a:lvl2pPr>
+              <a:defRPr sz="1800"/>
+            </a:lvl2pPr>
+            <a:lvl3pPr>
+              <a:defRPr sz="1600"/>
+            </a:lvl3pPr>
+            <a:lvl4pPr>
+              <a:defRPr sz="1600"/>
+            </a:lvl4pPr>
+            <a:lvl5pPr>
+              <a:defRPr sz="1600"/>
+            </a:lvl5pPr>
+            <a:lvl6pPr>
+              <a:defRPr sz="1600"/>
+            </a:lvl6pPr>
+            <a:lvl7pPr>
+              <a:defRPr sz="1600"/>
+            </a:lvl7pPr>
+            <a:lvl8pPr>
+              <a:defRPr sz="1600"/>
+            </a:lvl8pPr>
+            <a:lvl9pPr>
+              <a:defRPr sz="1600"/>
+            </a:lvl9pPr>
+          </a:lstStyle>
           <a:p>
             <a:pPr lvl="0"/>
             <a:r>
@@ -1675,18 +2021,13 @@
               <a:rPr lang="en-US"/>
               <a:t>Fifth level</a:t>
             </a:r>
-          </a:p>
-        </p:txBody>
-      </p:sp>
-      <p:sp>
-        <p:nvSpPr>
-          <p:cNvPr id="5" name="Text Placeholder 4">
-            <a:extLst>
-              <a:ext uri="{FF2B5EF4-FFF2-40B4-BE49-F238E27FC236}">
-                <a16:creationId xmlns:a16="http://schemas.microsoft.com/office/drawing/2014/main" id="{AFA7222C-6A3C-440C-99ED-E9EE68E88696}"/>
-              </a:ext>
-            </a:extLst>
-          </p:cNvPr>
+            <a:endParaRPr lang="en-US" dirty="0"/>
+          </a:p>
+        </p:txBody>
+      </p:sp>
+      <p:sp>
+        <p:nvSpPr>
+          <p:cNvPr id="5" name="Text Placeholder 4"/>
           <p:cNvSpPr>
             <a:spLocks noGrp="1"/>
           </p:cNvSpPr>
@@ -1696,16 +2037,24 @@
         </p:nvSpPr>
         <p:spPr>
           <a:xfrm>
-            <a:off x="6172200" y="1681163"/>
-            <a:ext cx="5183188" cy="823912"/>
+            <a:off x="6364224" y="2048256"/>
+            <a:ext cx="4754880" cy="640080"/>
           </a:xfrm>
         </p:spPr>
         <p:txBody>
-          <a:bodyPr anchor="b"/>
+          <a:bodyPr anchor="ctr">
+            <a:normAutofit/>
+          </a:bodyPr>
           <a:lstStyle>
             <a:lvl1pPr marL="0" indent="0">
               <a:buNone/>
-              <a:defRPr sz="2400" b="1"/>
+              <a:defRPr sz="2000" b="1">
+                <a:solidFill>
+                  <a:schemeClr val="accent1">
+                    <a:lumMod val="75000"/>
+                  </a:schemeClr>
+                </a:solidFill>
+              </a:defRPr>
             </a:lvl1pPr>
             <a:lvl2pPr marL="457200" indent="0">
               <a:buNone/>
@@ -1751,13 +2100,7 @@
       </p:sp>
       <p:sp>
         <p:nvSpPr>
-          <p:cNvPr id="6" name="Content Placeholder 5">
-            <a:extLst>
-              <a:ext uri="{FF2B5EF4-FFF2-40B4-BE49-F238E27FC236}">
-                <a16:creationId xmlns:a16="http://schemas.microsoft.com/office/drawing/2014/main" id="{3D2DD0B1-89A4-4613-B295-58AADC247133}"/>
-              </a:ext>
-            </a:extLst>
-          </p:cNvPr>
+          <p:cNvPr id="6" name="Content Placeholder 5"/>
           <p:cNvSpPr>
             <a:spLocks noGrp="1"/>
           </p:cNvSpPr>
@@ -1767,13 +2110,41 @@
         </p:nvSpPr>
         <p:spPr>
           <a:xfrm>
-            <a:off x="6172200" y="2505075"/>
-            <a:ext cx="5183188" cy="3684588"/>
+            <a:off x="6364224" y="2743200"/>
+            <a:ext cx="4754880" cy="3291840"/>
           </a:xfrm>
         </p:spPr>
         <p:txBody>
           <a:bodyPr/>
-          <a:lstStyle/>
+          <a:lstStyle>
+            <a:lvl1pPr>
+              <a:defRPr sz="2000"/>
+            </a:lvl1pPr>
+            <a:lvl2pPr>
+              <a:defRPr sz="1800"/>
+            </a:lvl2pPr>
+            <a:lvl3pPr>
+              <a:defRPr sz="1600"/>
+            </a:lvl3pPr>
+            <a:lvl4pPr>
+              <a:defRPr sz="1600"/>
+            </a:lvl4pPr>
+            <a:lvl5pPr>
+              <a:defRPr sz="1600"/>
+            </a:lvl5pPr>
+            <a:lvl6pPr>
+              <a:defRPr sz="1600"/>
+            </a:lvl6pPr>
+            <a:lvl7pPr>
+              <a:defRPr sz="1600"/>
+            </a:lvl7pPr>
+            <a:lvl8pPr>
+              <a:defRPr sz="1600"/>
+            </a:lvl8pPr>
+            <a:lvl9pPr>
+              <a:defRPr sz="1600"/>
+            </a:lvl9pPr>
+          </a:lstStyle>
           <a:p>
             <a:pPr lvl="0"/>
             <a:r>
@@ -1808,18 +2179,13 @@
               <a:rPr lang="en-US"/>
               <a:t>Fifth level</a:t>
             </a:r>
-          </a:p>
-        </p:txBody>
-      </p:sp>
-      <p:sp>
-        <p:nvSpPr>
-          <p:cNvPr id="7" name="Date Placeholder 6">
-            <a:extLst>
-              <a:ext uri="{FF2B5EF4-FFF2-40B4-BE49-F238E27FC236}">
-                <a16:creationId xmlns:a16="http://schemas.microsoft.com/office/drawing/2014/main" id="{3A56BE66-B55F-43E9-9BCB-CD7C5C7EFCE6}"/>
-              </a:ext>
-            </a:extLst>
-          </p:cNvPr>
+            <a:endParaRPr lang="en-US" dirty="0"/>
+          </a:p>
+        </p:txBody>
+      </p:sp>
+      <p:sp>
+        <p:nvSpPr>
+          <p:cNvPr id="7" name="Date Placeholder 6"/>
           <p:cNvSpPr>
             <a:spLocks noGrp="1"/>
           </p:cNvSpPr>
@@ -1834,7 +2200,7 @@
           <a:p>
             <a:fld id="{005806F1-D16A-4C27-A1BB-B8B7CB5A8967}" type="datetimeFigureOut">
               <a:rPr lang="en-US" smtClean="0"/>
-              <a:t>12/4/2017</a:t>
+              <a:t>12/6/2017</a:t>
             </a:fld>
             <a:endParaRPr lang="en-US"/>
           </a:p>
@@ -1842,13 +2208,7 @@
       </p:sp>
       <p:sp>
         <p:nvSpPr>
-          <p:cNvPr id="8" name="Footer Placeholder 7">
-            <a:extLst>
-              <a:ext uri="{FF2B5EF4-FFF2-40B4-BE49-F238E27FC236}">
-                <a16:creationId xmlns:a16="http://schemas.microsoft.com/office/drawing/2014/main" id="{CC424A02-C1A3-480B-ACF9-EB0DD8A31C73}"/>
-              </a:ext>
-            </a:extLst>
-          </p:cNvPr>
+          <p:cNvPr id="8" name="Footer Placeholder 7"/>
           <p:cNvSpPr>
             <a:spLocks noGrp="1"/>
           </p:cNvSpPr>
@@ -1867,13 +2227,7 @@
       </p:sp>
       <p:sp>
         <p:nvSpPr>
-          <p:cNvPr id="9" name="Slide Number Placeholder 8">
-            <a:extLst>
-              <a:ext uri="{FF2B5EF4-FFF2-40B4-BE49-F238E27FC236}">
-                <a16:creationId xmlns:a16="http://schemas.microsoft.com/office/drawing/2014/main" id="{E71FF0E8-5DC1-4BD2-AA46-7078FC6617DC}"/>
-              </a:ext>
-            </a:extLst>
-          </p:cNvPr>
+          <p:cNvPr id="9" name="Slide Number Placeholder 8"/>
           <p:cNvSpPr>
             <a:spLocks noGrp="1"/>
           </p:cNvSpPr>
@@ -1897,7 +2251,7 @@
     </p:spTree>
     <p:extLst>
       <p:ext uri="{BB962C8B-B14F-4D97-AF65-F5344CB8AC3E}">
-        <p14:creationId xmlns:p14="http://schemas.microsoft.com/office/powerpoint/2010/main" val="666299123"/>
+        <p14:creationId xmlns:p14="http://schemas.microsoft.com/office/powerpoint/2010/main" val="2040356936"/>
       </p:ext>
     </p:extLst>
   </p:cSld>
@@ -1926,13 +2280,7 @@
       </p:grpSpPr>
       <p:sp>
         <p:nvSpPr>
-          <p:cNvPr id="2" name="Title 1">
-            <a:extLst>
-              <a:ext uri="{FF2B5EF4-FFF2-40B4-BE49-F238E27FC236}">
-                <a16:creationId xmlns:a16="http://schemas.microsoft.com/office/drawing/2014/main" id="{8472BB5A-22E9-4070-9F48-0AEA9C3DC196}"/>
-              </a:ext>
-            </a:extLst>
-          </p:cNvPr>
+          <p:cNvPr id="6" name="Title 5"/>
           <p:cNvSpPr>
             <a:spLocks noGrp="1"/>
           </p:cNvSpPr>
@@ -1949,18 +2297,13 @@
               <a:rPr lang="en-US"/>
               <a:t>Click to edit Master title style</a:t>
             </a:r>
-          </a:p>
-        </p:txBody>
-      </p:sp>
-      <p:sp>
-        <p:nvSpPr>
-          <p:cNvPr id="3" name="Date Placeholder 2">
-            <a:extLst>
-              <a:ext uri="{FF2B5EF4-FFF2-40B4-BE49-F238E27FC236}">
-                <a16:creationId xmlns:a16="http://schemas.microsoft.com/office/drawing/2014/main" id="{70E644EE-B44D-467E-9568-107576FC7F13}"/>
-              </a:ext>
-            </a:extLst>
-          </p:cNvPr>
+            <a:endParaRPr lang="en-US" dirty="0"/>
+          </a:p>
+        </p:txBody>
+      </p:sp>
+      <p:sp>
+        <p:nvSpPr>
+          <p:cNvPr id="3" name="Date Placeholder 2"/>
           <p:cNvSpPr>
             <a:spLocks noGrp="1"/>
           </p:cNvSpPr>
@@ -1975,7 +2318,7 @@
           <a:p>
             <a:fld id="{005806F1-D16A-4C27-A1BB-B8B7CB5A8967}" type="datetimeFigureOut">
               <a:rPr lang="en-US" smtClean="0"/>
-              <a:t>12/4/2017</a:t>
+              <a:t>12/6/2017</a:t>
             </a:fld>
             <a:endParaRPr lang="en-US"/>
           </a:p>
@@ -1983,13 +2326,7 @@
       </p:sp>
       <p:sp>
         <p:nvSpPr>
-          <p:cNvPr id="4" name="Footer Placeholder 3">
-            <a:extLst>
-              <a:ext uri="{FF2B5EF4-FFF2-40B4-BE49-F238E27FC236}">
-                <a16:creationId xmlns:a16="http://schemas.microsoft.com/office/drawing/2014/main" id="{E2E7832B-9B6E-4F56-AD0D-33D319EB4D8E}"/>
-              </a:ext>
-            </a:extLst>
-          </p:cNvPr>
+          <p:cNvPr id="4" name="Footer Placeholder 3"/>
           <p:cNvSpPr>
             <a:spLocks noGrp="1"/>
           </p:cNvSpPr>
@@ -2008,13 +2345,7 @@
       </p:sp>
       <p:sp>
         <p:nvSpPr>
-          <p:cNvPr id="5" name="Slide Number Placeholder 4">
-            <a:extLst>
-              <a:ext uri="{FF2B5EF4-FFF2-40B4-BE49-F238E27FC236}">
-                <a16:creationId xmlns:a16="http://schemas.microsoft.com/office/drawing/2014/main" id="{A6AF5839-803B-41A4-B7DB-88B18EA78CA9}"/>
-              </a:ext>
-            </a:extLst>
-          </p:cNvPr>
+          <p:cNvPr id="5" name="Slide Number Placeholder 4"/>
           <p:cNvSpPr>
             <a:spLocks noGrp="1"/>
           </p:cNvSpPr>
@@ -2038,7 +2369,7 @@
     </p:spTree>
     <p:extLst>
       <p:ext uri="{BB962C8B-B14F-4D97-AF65-F5344CB8AC3E}">
-        <p14:creationId xmlns:p14="http://schemas.microsoft.com/office/powerpoint/2010/main" val="968402699"/>
+        <p14:creationId xmlns:p14="http://schemas.microsoft.com/office/powerpoint/2010/main" val="2649959323"/>
       </p:ext>
     </p:extLst>
   </p:cSld>
@@ -2067,13 +2398,7 @@
       </p:grpSpPr>
       <p:sp>
         <p:nvSpPr>
-          <p:cNvPr id="2" name="Date Placeholder 1">
-            <a:extLst>
-              <a:ext uri="{FF2B5EF4-FFF2-40B4-BE49-F238E27FC236}">
-                <a16:creationId xmlns:a16="http://schemas.microsoft.com/office/drawing/2014/main" id="{E26C63E3-D1CA-4E6E-BA9A-DAD64714B56D}"/>
-              </a:ext>
-            </a:extLst>
-          </p:cNvPr>
+          <p:cNvPr id="2" name="Date Placeholder 1"/>
           <p:cNvSpPr>
             <a:spLocks noGrp="1"/>
           </p:cNvSpPr>
@@ -2088,7 +2413,7 @@
           <a:p>
             <a:fld id="{005806F1-D16A-4C27-A1BB-B8B7CB5A8967}" type="datetimeFigureOut">
               <a:rPr lang="en-US" smtClean="0"/>
-              <a:t>12/4/2017</a:t>
+              <a:t>12/6/2017</a:t>
             </a:fld>
             <a:endParaRPr lang="en-US"/>
           </a:p>
@@ -2096,13 +2421,7 @@
       </p:sp>
       <p:sp>
         <p:nvSpPr>
-          <p:cNvPr id="3" name="Footer Placeholder 2">
-            <a:extLst>
-              <a:ext uri="{FF2B5EF4-FFF2-40B4-BE49-F238E27FC236}">
-                <a16:creationId xmlns:a16="http://schemas.microsoft.com/office/drawing/2014/main" id="{03DE8CA8-5C0F-49E9-A22F-983E4682A0A8}"/>
-              </a:ext>
-            </a:extLst>
-          </p:cNvPr>
+          <p:cNvPr id="3" name="Footer Placeholder 2"/>
           <p:cNvSpPr>
             <a:spLocks noGrp="1"/>
           </p:cNvSpPr>
@@ -2121,13 +2440,7 @@
       </p:sp>
       <p:sp>
         <p:nvSpPr>
-          <p:cNvPr id="4" name="Slide Number Placeholder 3">
-            <a:extLst>
-              <a:ext uri="{FF2B5EF4-FFF2-40B4-BE49-F238E27FC236}">
-                <a16:creationId xmlns:a16="http://schemas.microsoft.com/office/drawing/2014/main" id="{1A8389D1-837B-4635-A42D-00DF492054E7}"/>
-              </a:ext>
-            </a:extLst>
-          </p:cNvPr>
+          <p:cNvPr id="4" name="Slide Number Placeholder 3"/>
           <p:cNvSpPr>
             <a:spLocks noGrp="1"/>
           </p:cNvSpPr>
@@ -2151,7 +2464,7 @@
     </p:spTree>
     <p:extLst>
       <p:ext uri="{BB962C8B-B14F-4D97-AF65-F5344CB8AC3E}">
-        <p14:creationId xmlns:p14="http://schemas.microsoft.com/office/powerpoint/2010/main" val="3816501362"/>
+        <p14:creationId xmlns:p14="http://schemas.microsoft.com/office/powerpoint/2010/main" val="3197273666"/>
       </p:ext>
     </p:extLst>
   </p:cSld>
@@ -2162,7 +2475,7 @@
 </file>
 
 <file path=ppt/slideLayouts/slideLayout8.xml><?xml version="1.0" encoding="utf-8"?>
-<p:sldLayout xmlns:a="http://schemas.openxmlformats.org/drawingml/2006/main" xmlns:r="http://schemas.openxmlformats.org/officeDocument/2006/relationships" xmlns:p="http://schemas.openxmlformats.org/presentationml/2006/main" type="objTx" preserve="1">
+<p:sldLayout xmlns:a="http://schemas.openxmlformats.org/drawingml/2006/main" xmlns:r="http://schemas.openxmlformats.org/officeDocument/2006/relationships" xmlns:p="http://schemas.openxmlformats.org/presentationml/2006/main" showMasterSp="0" type="objTx" preserve="1">
   <p:cSld name="Content with Caption">
     <p:spTree>
       <p:nvGrpSpPr>
@@ -2180,31 +2493,84 @@
       </p:grpSpPr>
       <p:sp>
         <p:nvSpPr>
-          <p:cNvPr id="2" name="Title 1">
-            <a:extLst>
-              <a:ext uri="{FF2B5EF4-FFF2-40B4-BE49-F238E27FC236}">
-                <a16:creationId xmlns:a16="http://schemas.microsoft.com/office/drawing/2014/main" id="{82B74450-BB86-4B83-A0B4-1F286A92E81D}"/>
-              </a:ext>
-            </a:extLst>
-          </p:cNvPr>
-          <p:cNvSpPr>
-            <a:spLocks noGrp="1"/>
-          </p:cNvSpPr>
-          <p:nvPr>
-            <p:ph type="title"/>
-          </p:nvPr>
+          <p:cNvPr id="8" name="Rectangle 7"/>
+          <p:cNvSpPr/>
+          <p:nvPr/>
         </p:nvSpPr>
         <p:spPr>
           <a:xfrm>
-            <a:off x="839788" y="457200"/>
-            <a:ext cx="3932237" cy="1600200"/>
+            <a:off x="8303740" y="0"/>
+            <a:ext cx="3888259" cy="6857999"/>
+          </a:xfrm>
+          <a:prstGeom prst="rect">
+            <a:avLst/>
+          </a:prstGeom>
+          <a:blipFill dpi="0" rotWithShape="1">
+            <a:blip r:embed="rId2">
+              <a:alphaModFix amt="60000"/>
+              <a:lum bright="70000" contrast="-70000"/>
+              <a:extLst>
+                <a:ext uri="{BEBA8EAE-BF5A-486C-A8C5-ECC9F3942E4B}">
+                  <a14:imgProps xmlns:a14="http://schemas.microsoft.com/office/drawing/2010/main">
+                    <a14:imgLayer r:embed="rId3">
+                      <a14:imgEffect>
+                        <a14:sharpenSoften amount="61000"/>
+                      </a14:imgEffect>
+                    </a14:imgLayer>
+                  </a14:imgProps>
+                </a:ext>
+                <a:ext uri="{28A0092B-C50C-407E-A947-70E740481C1C}">
+                  <a14:useLocalDpi xmlns:a14="http://schemas.microsoft.com/office/drawing/2010/main" val="0"/>
+                </a:ext>
+              </a:extLst>
+            </a:blip>
+            <a:srcRect/>
+            <a:tile tx="0" ty="-704850" sx="92000" sy="89000" flip="xy" algn="ctr"/>
+          </a:blipFill>
+          <a:ln>
+            <a:noFill/>
+          </a:ln>
+        </p:spPr>
+        <p:style>
+          <a:lnRef idx="2">
+            <a:schemeClr val="accent1">
+              <a:shade val="50000"/>
+            </a:schemeClr>
+          </a:lnRef>
+          <a:fillRef idx="1">
+            <a:schemeClr val="accent1"/>
+          </a:fillRef>
+          <a:effectRef idx="0">
+            <a:schemeClr val="accent1"/>
+          </a:effectRef>
+          <a:fontRef idx="minor">
+            <a:schemeClr val="lt1"/>
+          </a:fontRef>
+        </p:style>
+      </p:sp>
+      <p:sp>
+        <p:nvSpPr>
+          <p:cNvPr id="2" name="Title 1"/>
+          <p:cNvSpPr>
+            <a:spLocks noGrp="1"/>
+          </p:cNvSpPr>
+          <p:nvPr>
+            <p:ph type="title"/>
+          </p:nvPr>
+        </p:nvSpPr>
+        <p:spPr>
+          <a:xfrm>
+            <a:off x="8549640" y="685800"/>
+            <a:ext cx="3200400" cy="1737360"/>
           </a:xfrm>
         </p:spPr>
         <p:txBody>
-          <a:bodyPr anchor="b"/>
+          <a:bodyPr anchor="b">
+            <a:normAutofit/>
+          </a:bodyPr>
           <a:lstStyle>
             <a:lvl1pPr>
-              <a:defRPr sz="3200"/>
+              <a:defRPr sz="3200" b="1"/>
             </a:lvl1pPr>
           </a:lstStyle>
           <a:p>
@@ -2212,18 +2578,13 @@
               <a:rPr lang="en-US"/>
               <a:t>Click to edit Master title style</a:t>
             </a:r>
-          </a:p>
-        </p:txBody>
-      </p:sp>
-      <p:sp>
-        <p:nvSpPr>
-          <p:cNvPr id="3" name="Content Placeholder 2">
-            <a:extLst>
-              <a:ext uri="{FF2B5EF4-FFF2-40B4-BE49-F238E27FC236}">
-                <a16:creationId xmlns:a16="http://schemas.microsoft.com/office/drawing/2014/main" id="{CD433A10-FC0C-4D4E-80F4-AE085A4D3AAF}"/>
-              </a:ext>
-            </a:extLst>
-          </p:cNvPr>
+            <a:endParaRPr lang="en-US" dirty="0"/>
+          </a:p>
+        </p:txBody>
+      </p:sp>
+      <p:sp>
+        <p:nvSpPr>
+          <p:cNvPr id="3" name="Content Placeholder 2"/>
           <p:cNvSpPr>
             <a:spLocks noGrp="1"/>
           </p:cNvSpPr>
@@ -2233,39 +2594,39 @@
         </p:nvSpPr>
         <p:spPr>
           <a:xfrm>
-            <a:off x="5183188" y="987425"/>
-            <a:ext cx="6172200" cy="4873625"/>
+            <a:off x="838200" y="685800"/>
+            <a:ext cx="6711696" cy="5020056"/>
           </a:xfrm>
         </p:spPr>
         <p:txBody>
           <a:bodyPr/>
           <a:lstStyle>
             <a:lvl1pPr>
-              <a:defRPr sz="3200"/>
+              <a:defRPr sz="2000"/>
             </a:lvl1pPr>
             <a:lvl2pPr>
-              <a:defRPr sz="2800"/>
+              <a:defRPr sz="1800"/>
             </a:lvl2pPr>
             <a:lvl3pPr>
-              <a:defRPr sz="2400"/>
+              <a:defRPr sz="1600"/>
             </a:lvl3pPr>
             <a:lvl4pPr>
-              <a:defRPr sz="2000"/>
+              <a:defRPr sz="1600"/>
             </a:lvl4pPr>
             <a:lvl5pPr>
-              <a:defRPr sz="2000"/>
+              <a:defRPr sz="1600"/>
             </a:lvl5pPr>
             <a:lvl6pPr>
-              <a:defRPr sz="2000"/>
+              <a:defRPr sz="1600"/>
             </a:lvl6pPr>
             <a:lvl7pPr>
-              <a:defRPr sz="2000"/>
+              <a:defRPr sz="1600"/>
             </a:lvl7pPr>
             <a:lvl8pPr>
-              <a:defRPr sz="2000"/>
+              <a:defRPr sz="1600"/>
             </a:lvl8pPr>
             <a:lvl9pPr>
-              <a:defRPr sz="2000"/>
+              <a:defRPr sz="1600"/>
             </a:lvl9pPr>
           </a:lstStyle>
           <a:p>
@@ -2302,18 +2663,13 @@
               <a:rPr lang="en-US"/>
               <a:t>Fifth level</a:t>
             </a:r>
-          </a:p>
-        </p:txBody>
-      </p:sp>
-      <p:sp>
-        <p:nvSpPr>
-          <p:cNvPr id="4" name="Text Placeholder 3">
-            <a:extLst>
-              <a:ext uri="{FF2B5EF4-FFF2-40B4-BE49-F238E27FC236}">
-                <a16:creationId xmlns:a16="http://schemas.microsoft.com/office/drawing/2014/main" id="{53DF0AAB-9368-4C81-BAF4-ADEF242867CE}"/>
-              </a:ext>
-            </a:extLst>
-          </p:cNvPr>
+            <a:endParaRPr lang="en-US" dirty="0"/>
+          </a:p>
+        </p:txBody>
+      </p:sp>
+      <p:sp>
+        <p:nvSpPr>
+          <p:cNvPr id="4" name="Text Placeholder 3"/>
           <p:cNvSpPr>
             <a:spLocks noGrp="1"/>
           </p:cNvSpPr>
@@ -2323,48 +2679,62 @@
         </p:nvSpPr>
         <p:spPr>
           <a:xfrm>
-            <a:off x="839788" y="2057400"/>
-            <a:ext cx="3932237" cy="3811588"/>
+            <a:off x="8549640" y="2423160"/>
+            <a:ext cx="3200400" cy="3291840"/>
           </a:xfrm>
         </p:spPr>
         <p:txBody>
-          <a:bodyPr/>
+          <a:bodyPr>
+            <a:normAutofit/>
+          </a:bodyPr>
           <a:lstStyle>
             <a:lvl1pPr marL="0" indent="0">
+              <a:lnSpc>
+                <a:spcPct val="100000"/>
+              </a:lnSpc>
+              <a:spcBef>
+                <a:spcPts val="1000"/>
+              </a:spcBef>
               <a:buNone/>
-              <a:defRPr sz="1600"/>
+              <a:defRPr sz="1400">
+                <a:solidFill>
+                  <a:schemeClr val="accent1">
+                    <a:lumMod val="75000"/>
+                  </a:schemeClr>
+                </a:solidFill>
+              </a:defRPr>
             </a:lvl1pPr>
             <a:lvl2pPr marL="457200" indent="0">
               <a:buNone/>
-              <a:defRPr sz="1400"/>
+              <a:defRPr sz="1200"/>
             </a:lvl2pPr>
             <a:lvl3pPr marL="914400" indent="0">
               <a:buNone/>
-              <a:defRPr sz="1200"/>
+              <a:defRPr sz="1000"/>
             </a:lvl3pPr>
             <a:lvl4pPr marL="1371600" indent="0">
               <a:buNone/>
-              <a:defRPr sz="1000"/>
+              <a:defRPr sz="900"/>
             </a:lvl4pPr>
             <a:lvl5pPr marL="1828800" indent="0">
               <a:buNone/>
-              <a:defRPr sz="1000"/>
+              <a:defRPr sz="900"/>
             </a:lvl5pPr>
             <a:lvl6pPr marL="2286000" indent="0">
               <a:buNone/>
-              <a:defRPr sz="1000"/>
+              <a:defRPr sz="900"/>
             </a:lvl6pPr>
             <a:lvl7pPr marL="2743200" indent="0">
               <a:buNone/>
-              <a:defRPr sz="1000"/>
+              <a:defRPr sz="900"/>
             </a:lvl7pPr>
             <a:lvl8pPr marL="3200400" indent="0">
               <a:buNone/>
-              <a:defRPr sz="1000"/>
+              <a:defRPr sz="900"/>
             </a:lvl8pPr>
             <a:lvl9pPr marL="3657600" indent="0">
               <a:buNone/>
-              <a:defRPr sz="1000"/>
+              <a:defRPr sz="900"/>
             </a:lvl9pPr>
           </a:lstStyle>
           <a:p>
@@ -2378,13 +2748,7 @@
       </p:sp>
       <p:sp>
         <p:nvSpPr>
-          <p:cNvPr id="5" name="Date Placeholder 4">
-            <a:extLst>
-              <a:ext uri="{FF2B5EF4-FFF2-40B4-BE49-F238E27FC236}">
-                <a16:creationId xmlns:a16="http://schemas.microsoft.com/office/drawing/2014/main" id="{2348F9C0-CFFE-44A6-A633-87DBD0117144}"/>
-              </a:ext>
-            </a:extLst>
-          </p:cNvPr>
+          <p:cNvPr id="5" name="Date Placeholder 4"/>
           <p:cNvSpPr>
             <a:spLocks noGrp="1"/>
           </p:cNvSpPr>
@@ -2399,7 +2763,7 @@
           <a:p>
             <a:fld id="{005806F1-D16A-4C27-A1BB-B8B7CB5A8967}" type="datetimeFigureOut">
               <a:rPr lang="en-US" smtClean="0"/>
-              <a:t>12/4/2017</a:t>
+              <a:t>12/6/2017</a:t>
             </a:fld>
             <a:endParaRPr lang="en-US"/>
           </a:p>
@@ -2407,13 +2771,7 @@
       </p:sp>
       <p:sp>
         <p:nvSpPr>
-          <p:cNvPr id="6" name="Footer Placeholder 5">
-            <a:extLst>
-              <a:ext uri="{FF2B5EF4-FFF2-40B4-BE49-F238E27FC236}">
-                <a16:creationId xmlns:a16="http://schemas.microsoft.com/office/drawing/2014/main" id="{39F977DC-8F02-4049-BDC0-40E232A1FF97}"/>
-              </a:ext>
-            </a:extLst>
-          </p:cNvPr>
+          <p:cNvPr id="6" name="Footer Placeholder 5"/>
           <p:cNvSpPr>
             <a:spLocks noGrp="1"/>
           </p:cNvSpPr>
@@ -2430,15 +2788,98 @@
           </a:p>
         </p:txBody>
       </p:sp>
-      <p:sp>
-        <p:nvSpPr>
-          <p:cNvPr id="7" name="Slide Number Placeholder 6">
-            <a:extLst>
-              <a:ext uri="{FF2B5EF4-FFF2-40B4-BE49-F238E27FC236}">
-                <a16:creationId xmlns:a16="http://schemas.microsoft.com/office/drawing/2014/main" id="{8B03D072-2ED0-4D72-BDEC-4A36057C9C4F}"/>
-              </a:ext>
-            </a:extLst>
-          </p:cNvPr>
+      <p:grpSp>
+        <p:nvGrpSpPr>
+          <p:cNvPr id="9" name="Group 8"/>
+          <p:cNvGrpSpPr>
+            <a:grpSpLocks noChangeAspect="1"/>
+          </p:cNvGrpSpPr>
+          <p:nvPr/>
+        </p:nvGrpSpPr>
+        <p:grpSpPr>
+          <a:xfrm>
+            <a:off x="11401725" y="6229681"/>
+            <a:ext cx="457200" cy="457200"/>
+            <a:chOff x="11361456" y="6195813"/>
+            <a:chExt cx="548640" cy="548640"/>
+          </a:xfrm>
+        </p:grpSpPr>
+        <p:sp>
+          <p:nvSpPr>
+            <p:cNvPr id="10" name="Oval 9"/>
+            <p:cNvSpPr/>
+            <p:nvPr/>
+          </p:nvSpPr>
+          <p:spPr>
+            <a:xfrm>
+              <a:off x="11361456" y="6195813"/>
+              <a:ext cx="548640" cy="548640"/>
+            </a:xfrm>
+            <a:prstGeom prst="ellipse">
+              <a:avLst/>
+            </a:prstGeom>
+            <a:blipFill dpi="0" rotWithShape="1">
+              <a:blip r:embed="rId4">
+                <a:duotone>
+                  <a:schemeClr val="accent1">
+                    <a:shade val="45000"/>
+                    <a:satMod val="135000"/>
+                  </a:schemeClr>
+                  <a:prstClr val="white"/>
+                </a:duotone>
+                <a:extLst>
+                  <a:ext uri="{BEBA8EAE-BF5A-486C-A8C5-ECC9F3942E4B}">
+                    <a14:imgProps xmlns:a14="http://schemas.microsoft.com/office/drawing/2010/main">
+                      <a14:imgLayer r:embed="rId5">
+                        <a14:imgEffect>
+                          <a14:saturation sat="95000"/>
+                        </a14:imgEffect>
+                        <a14:imgEffect>
+                          <a14:brightnessContrast bright="-40000" contrast="20000"/>
+                        </a14:imgEffect>
+                      </a14:imgLayer>
+                    </a14:imgProps>
+                  </a:ext>
+                </a:extLst>
+              </a:blip>
+              <a:srcRect/>
+              <a:tile tx="50800" ty="0" sx="85000" sy="85000" flip="none" algn="tl"/>
+            </a:blipFill>
+            <a:ln w="25400" cap="flat" cmpd="sng" algn="ctr">
+              <a:noFill/>
+              <a:prstDash val="solid"/>
+            </a:ln>
+            <a:effectLst/>
+          </p:spPr>
+        </p:sp>
+        <p:sp>
+          <p:nvSpPr>
+            <p:cNvPr id="11" name="Oval 10"/>
+            <p:cNvSpPr/>
+            <p:nvPr/>
+          </p:nvSpPr>
+          <p:spPr>
+            <a:xfrm>
+              <a:off x="11396488" y="6230844"/>
+              <a:ext cx="478576" cy="478578"/>
+            </a:xfrm>
+            <a:prstGeom prst="ellipse">
+              <a:avLst/>
+            </a:prstGeom>
+            <a:noFill/>
+            <a:ln w="12700" cap="flat" cmpd="sng" algn="ctr">
+              <a:solidFill>
+                <a:sysClr val="window" lastClr="FFFFFF"/>
+              </a:solidFill>
+              <a:prstDash val="solid"/>
+            </a:ln>
+            <a:effectLst/>
+          </p:spPr>
+        </p:sp>
+      </p:grpSp>
+      <p:sp>
+        <p:nvSpPr>
+          <p:cNvPr id="7" name="Slide Number Placeholder 6"/>
           <p:cNvSpPr>
             <a:spLocks noGrp="1"/>
           </p:cNvSpPr>
@@ -2462,7 +2903,7 @@
     </p:spTree>
     <p:extLst>
       <p:ext uri="{BB962C8B-B14F-4D97-AF65-F5344CB8AC3E}">
-        <p14:creationId xmlns:p14="http://schemas.microsoft.com/office/powerpoint/2010/main" val="925435121"/>
+        <p14:creationId xmlns:p14="http://schemas.microsoft.com/office/powerpoint/2010/main" val="2407149760"/>
       </p:ext>
     </p:extLst>
   </p:cSld>
@@ -2473,7 +2914,7 @@
 </file>
 
 <file path=ppt/slideLayouts/slideLayout9.xml><?xml version="1.0" encoding="utf-8"?>
-<p:sldLayout xmlns:a="http://schemas.openxmlformats.org/drawingml/2006/main" xmlns:r="http://schemas.openxmlformats.org/officeDocument/2006/relationships" xmlns:p="http://schemas.openxmlformats.org/presentationml/2006/main" type="picTx" preserve="1">
+<p:sldLayout xmlns:a="http://schemas.openxmlformats.org/drawingml/2006/main" xmlns:r="http://schemas.openxmlformats.org/officeDocument/2006/relationships" xmlns:p="http://schemas.openxmlformats.org/presentationml/2006/main" showMasterSp="0" type="picTx" preserve="1">
   <p:cSld name="Picture with Caption">
     <p:spTree>
       <p:nvGrpSpPr>
@@ -2491,31 +2932,84 @@
       </p:grpSpPr>
       <p:sp>
         <p:nvSpPr>
-          <p:cNvPr id="2" name="Title 1">
-            <a:extLst>
-              <a:ext uri="{FF2B5EF4-FFF2-40B4-BE49-F238E27FC236}">
-                <a16:creationId xmlns:a16="http://schemas.microsoft.com/office/drawing/2014/main" id="{B1C47EA7-9F65-4895-846C-BEBE12042A69}"/>
-              </a:ext>
-            </a:extLst>
-          </p:cNvPr>
-          <p:cNvSpPr>
-            <a:spLocks noGrp="1"/>
-          </p:cNvSpPr>
-          <p:nvPr>
-            <p:ph type="title"/>
-          </p:nvPr>
+          <p:cNvPr id="11" name="Rectangle 10"/>
+          <p:cNvSpPr/>
+          <p:nvPr/>
         </p:nvSpPr>
         <p:spPr>
           <a:xfrm>
-            <a:off x="839788" y="457200"/>
-            <a:ext cx="3932237" cy="1600200"/>
+            <a:off x="8303740" y="0"/>
+            <a:ext cx="3888259" cy="6857999"/>
+          </a:xfrm>
+          <a:prstGeom prst="rect">
+            <a:avLst/>
+          </a:prstGeom>
+          <a:blipFill dpi="0" rotWithShape="1">
+            <a:blip r:embed="rId2">
+              <a:alphaModFix amt="60000"/>
+              <a:lum bright="70000" contrast="-70000"/>
+              <a:extLst>
+                <a:ext uri="{BEBA8EAE-BF5A-486C-A8C5-ECC9F3942E4B}">
+                  <a14:imgProps xmlns:a14="http://schemas.microsoft.com/office/drawing/2010/main">
+                    <a14:imgLayer r:embed="rId3">
+                      <a14:imgEffect>
+                        <a14:sharpenSoften amount="61000"/>
+                      </a14:imgEffect>
+                    </a14:imgLayer>
+                  </a14:imgProps>
+                </a:ext>
+                <a:ext uri="{28A0092B-C50C-407E-A947-70E740481C1C}">
+                  <a14:useLocalDpi xmlns:a14="http://schemas.microsoft.com/office/drawing/2010/main" val="0"/>
+                </a:ext>
+              </a:extLst>
+            </a:blip>
+            <a:srcRect/>
+            <a:tile tx="0" ty="-704850" sx="92000" sy="89000" flip="xy" algn="ctr"/>
+          </a:blipFill>
+          <a:ln>
+            <a:noFill/>
+          </a:ln>
+        </p:spPr>
+        <p:style>
+          <a:lnRef idx="2">
+            <a:schemeClr val="accent1">
+              <a:shade val="50000"/>
+            </a:schemeClr>
+          </a:lnRef>
+          <a:fillRef idx="1">
+            <a:schemeClr val="accent1"/>
+          </a:fillRef>
+          <a:effectRef idx="0">
+            <a:schemeClr val="accent1"/>
+          </a:effectRef>
+          <a:fontRef idx="minor">
+            <a:schemeClr val="lt1"/>
+          </a:fontRef>
+        </p:style>
+      </p:sp>
+      <p:sp>
+        <p:nvSpPr>
+          <p:cNvPr id="2" name="Title 1"/>
+          <p:cNvSpPr>
+            <a:spLocks noGrp="1"/>
+          </p:cNvSpPr>
+          <p:nvPr>
+            <p:ph type="title"/>
+          </p:nvPr>
+        </p:nvSpPr>
+        <p:spPr>
+          <a:xfrm>
+            <a:off x="8549640" y="685800"/>
+            <a:ext cx="3200400" cy="1737360"/>
           </a:xfrm>
         </p:spPr>
         <p:txBody>
-          <a:bodyPr anchor="b"/>
+          <a:bodyPr anchor="b">
+            <a:normAutofit/>
+          </a:bodyPr>
           <a:lstStyle>
             <a:lvl1pPr>
-              <a:defRPr sz="3200"/>
+              <a:defRPr sz="3200" b="1"/>
             </a:lvl1pPr>
           </a:lstStyle>
           <a:p>
@@ -2523,20 +3017,15 @@
               <a:rPr lang="en-US"/>
               <a:t>Click to edit Master title style</a:t>
             </a:r>
-          </a:p>
-        </p:txBody>
-      </p:sp>
-      <p:sp>
-        <p:nvSpPr>
-          <p:cNvPr id="3" name="Picture Placeholder 2">
-            <a:extLst>
-              <a:ext uri="{FF2B5EF4-FFF2-40B4-BE49-F238E27FC236}">
-                <a16:creationId xmlns:a16="http://schemas.microsoft.com/office/drawing/2014/main" id="{B9170497-D535-4741-9573-2C40CE1FC3D5}"/>
-              </a:ext>
-            </a:extLst>
-          </p:cNvPr>
-          <p:cNvSpPr>
-            <a:spLocks noGrp="1"/>
+            <a:endParaRPr lang="en-US" dirty="0"/>
+          </a:p>
+        </p:txBody>
+      </p:sp>
+      <p:sp>
+        <p:nvSpPr>
+          <p:cNvPr id="3" name="Picture Placeholder 2"/>
+          <p:cNvSpPr>
+            <a:spLocks noGrp="1" noChangeAspect="1"/>
           </p:cNvSpPr>
           <p:nvPr>
             <p:ph type="pic" idx="1"/>
@@ -2544,12 +3033,18 @@
         </p:nvSpPr>
         <p:spPr>
           <a:xfrm>
-            <a:off x="5183188" y="987425"/>
-            <a:ext cx="6172200" cy="4873625"/>
+            <a:off x="0" y="0"/>
+            <a:ext cx="8303740" cy="6858000"/>
           </a:xfrm>
+          <a:solidFill>
+            <a:schemeClr val="tx2">
+              <a:lumMod val="20000"/>
+              <a:lumOff val="80000"/>
+            </a:schemeClr>
+          </a:solidFill>
         </p:spPr>
         <p:txBody>
-          <a:bodyPr/>
+          <a:bodyPr anchor="t"/>
           <a:lstStyle>
             <a:lvl1pPr marL="0" indent="0">
               <a:buNone/>
@@ -2589,19 +3084,17 @@
             </a:lvl9pPr>
           </a:lstStyle>
           <a:p>
-            <a:endParaRPr lang="en-US"/>
-          </a:p>
-        </p:txBody>
-      </p:sp>
-      <p:sp>
-        <p:nvSpPr>
-          <p:cNvPr id="4" name="Text Placeholder 3">
-            <a:extLst>
-              <a:ext uri="{FF2B5EF4-FFF2-40B4-BE49-F238E27FC236}">
-                <a16:creationId xmlns:a16="http://schemas.microsoft.com/office/drawing/2014/main" id="{778AB36F-59FC-4F49-8FD4-03FAE444FEB2}"/>
-              </a:ext>
-            </a:extLst>
-          </p:cNvPr>
+            <a:r>
+              <a:rPr lang="en-US"/>
+              <a:t>Click icon to add picture</a:t>
+            </a:r>
+            <a:endParaRPr lang="en-US" dirty="0"/>
+          </a:p>
+        </p:txBody>
+      </p:sp>
+      <p:sp>
+        <p:nvSpPr>
+          <p:cNvPr id="4" name="Text Placeholder 3"/>
           <p:cNvSpPr>
             <a:spLocks noGrp="1"/>
           </p:cNvSpPr>
@@ -2611,48 +3104,62 @@
         </p:nvSpPr>
         <p:spPr>
           <a:xfrm>
-            <a:off x="839788" y="2057400"/>
-            <a:ext cx="3932237" cy="3811588"/>
+            <a:off x="8549640" y="2423160"/>
+            <a:ext cx="3200400" cy="3291840"/>
           </a:xfrm>
         </p:spPr>
         <p:txBody>
-          <a:bodyPr/>
+          <a:bodyPr>
+            <a:normAutofit/>
+          </a:bodyPr>
           <a:lstStyle>
             <a:lvl1pPr marL="0" indent="0">
+              <a:lnSpc>
+                <a:spcPct val="100000"/>
+              </a:lnSpc>
+              <a:spcBef>
+                <a:spcPts val="1000"/>
+              </a:spcBef>
               <a:buNone/>
-              <a:defRPr sz="1600"/>
+              <a:defRPr sz="1400">
+                <a:solidFill>
+                  <a:schemeClr val="accent1">
+                    <a:lumMod val="75000"/>
+                  </a:schemeClr>
+                </a:solidFill>
+              </a:defRPr>
             </a:lvl1pPr>
             <a:lvl2pPr marL="457200" indent="0">
               <a:buNone/>
-              <a:defRPr sz="1400"/>
+              <a:defRPr sz="1200"/>
             </a:lvl2pPr>
             <a:lvl3pPr marL="914400" indent="0">
               <a:buNone/>
-              <a:defRPr sz="1200"/>
+              <a:defRPr sz="1000"/>
             </a:lvl3pPr>
             <a:lvl4pPr marL="1371600" indent="0">
               <a:buNone/>
-              <a:defRPr sz="1000"/>
+              <a:defRPr sz="900"/>
             </a:lvl4pPr>
             <a:lvl5pPr marL="1828800" indent="0">
               <a:buNone/>
-              <a:defRPr sz="1000"/>
+              <a:defRPr sz="900"/>
             </a:lvl5pPr>
             <a:lvl6pPr marL="2286000" indent="0">
               <a:buNone/>
-              <a:defRPr sz="1000"/>
+              <a:defRPr sz="900"/>
             </a:lvl6pPr>
             <a:lvl7pPr marL="2743200" indent="0">
               <a:buNone/>
-              <a:defRPr sz="1000"/>
+              <a:defRPr sz="900"/>
             </a:lvl7pPr>
             <a:lvl8pPr marL="3200400" indent="0">
               <a:buNone/>
-              <a:defRPr sz="1000"/>
+              <a:defRPr sz="900"/>
             </a:lvl8pPr>
             <a:lvl9pPr marL="3657600" indent="0">
               <a:buNone/>
-              <a:defRPr sz="1000"/>
+              <a:defRPr sz="900"/>
             </a:lvl9pPr>
           </a:lstStyle>
           <a:p>
@@ -2666,13 +3173,7 @@
       </p:sp>
       <p:sp>
         <p:nvSpPr>
-          <p:cNvPr id="5" name="Date Placeholder 4">
-            <a:extLst>
-              <a:ext uri="{FF2B5EF4-FFF2-40B4-BE49-F238E27FC236}">
-                <a16:creationId xmlns:a16="http://schemas.microsoft.com/office/drawing/2014/main" id="{032ECB93-83CC-44E1-8FCA-58DFB61FD897}"/>
-              </a:ext>
-            </a:extLst>
-          </p:cNvPr>
+          <p:cNvPr id="5" name="Date Placeholder 4"/>
           <p:cNvSpPr>
             <a:spLocks noGrp="1"/>
           </p:cNvSpPr>
@@ -2687,46 +3188,104 @@
           <a:p>
             <a:fld id="{005806F1-D16A-4C27-A1BB-B8B7CB5A8967}" type="datetimeFigureOut">
               <a:rPr lang="en-US" smtClean="0"/>
-              <a:t>12/4/2017</a:t>
+              <a:t>12/6/2017</a:t>
             </a:fld>
             <a:endParaRPr lang="en-US"/>
           </a:p>
         </p:txBody>
       </p:sp>
-      <p:sp>
-        <p:nvSpPr>
-          <p:cNvPr id="6" name="Footer Placeholder 5">
-            <a:extLst>
-              <a:ext uri="{FF2B5EF4-FFF2-40B4-BE49-F238E27FC236}">
-                <a16:creationId xmlns:a16="http://schemas.microsoft.com/office/drawing/2014/main" id="{FC4F086B-EFC1-40B7-B331-1EB15C021FF3}"/>
-              </a:ext>
-            </a:extLst>
-          </p:cNvPr>
-          <p:cNvSpPr>
-            <a:spLocks noGrp="1"/>
-          </p:cNvSpPr>
-          <p:nvPr>
-            <p:ph type="ftr" sz="quarter" idx="11"/>
-          </p:nvPr>
-        </p:nvSpPr>
-        <p:spPr/>
-        <p:txBody>
-          <a:bodyPr/>
-          <a:lstStyle/>
-          <a:p>
-            <a:endParaRPr lang="en-US"/>
-          </a:p>
-        </p:txBody>
-      </p:sp>
-      <p:sp>
-        <p:nvSpPr>
-          <p:cNvPr id="7" name="Slide Number Placeholder 6">
-            <a:extLst>
-              <a:ext uri="{FF2B5EF4-FFF2-40B4-BE49-F238E27FC236}">
-                <a16:creationId xmlns:a16="http://schemas.microsoft.com/office/drawing/2014/main" id="{4E64685D-9110-4C25-BECF-9E488D734873}"/>
-              </a:ext>
-            </a:extLst>
-          </p:cNvPr>
+      <p:grpSp>
+        <p:nvGrpSpPr>
+          <p:cNvPr id="8" name="Group 7"/>
+          <p:cNvGrpSpPr>
+            <a:grpSpLocks noChangeAspect="1"/>
+          </p:cNvGrpSpPr>
+          <p:nvPr/>
+        </p:nvGrpSpPr>
+        <p:grpSpPr>
+          <a:xfrm>
+            <a:off x="11401725" y="6229681"/>
+            <a:ext cx="457200" cy="457200"/>
+            <a:chOff x="11361456" y="6195813"/>
+            <a:chExt cx="548640" cy="548640"/>
+          </a:xfrm>
+        </p:grpSpPr>
+        <p:sp>
+          <p:nvSpPr>
+            <p:cNvPr id="9" name="Oval 8"/>
+            <p:cNvSpPr/>
+            <p:nvPr/>
+          </p:nvSpPr>
+          <p:spPr>
+            <a:xfrm>
+              <a:off x="11361456" y="6195813"/>
+              <a:ext cx="548640" cy="548640"/>
+            </a:xfrm>
+            <a:prstGeom prst="ellipse">
+              <a:avLst/>
+            </a:prstGeom>
+            <a:blipFill dpi="0" rotWithShape="1">
+              <a:blip r:embed="rId4">
+                <a:duotone>
+                  <a:schemeClr val="accent1">
+                    <a:shade val="45000"/>
+                    <a:satMod val="135000"/>
+                  </a:schemeClr>
+                  <a:prstClr val="white"/>
+                </a:duotone>
+                <a:extLst>
+                  <a:ext uri="{BEBA8EAE-BF5A-486C-A8C5-ECC9F3942E4B}">
+                    <a14:imgProps xmlns:a14="http://schemas.microsoft.com/office/drawing/2010/main">
+                      <a14:imgLayer r:embed="rId5">
+                        <a14:imgEffect>
+                          <a14:saturation sat="95000"/>
+                        </a14:imgEffect>
+                        <a14:imgEffect>
+                          <a14:brightnessContrast bright="-40000" contrast="20000"/>
+                        </a14:imgEffect>
+                      </a14:imgLayer>
+                    </a14:imgProps>
+                  </a:ext>
+                </a:extLst>
+              </a:blip>
+              <a:srcRect/>
+              <a:tile tx="50800" ty="0" sx="85000" sy="85000" flip="none" algn="tl"/>
+            </a:blipFill>
+            <a:ln w="25400" cap="flat" cmpd="sng" algn="ctr">
+              <a:noFill/>
+              <a:prstDash val="solid"/>
+            </a:ln>
+            <a:effectLst/>
+          </p:spPr>
+        </p:sp>
+        <p:sp>
+          <p:nvSpPr>
+            <p:cNvPr id="10" name="Oval 9"/>
+            <p:cNvSpPr/>
+            <p:nvPr/>
+          </p:nvSpPr>
+          <p:spPr>
+            <a:xfrm>
+              <a:off x="11396488" y="6230844"/>
+              <a:ext cx="478576" cy="478578"/>
+            </a:xfrm>
+            <a:prstGeom prst="ellipse">
+              <a:avLst/>
+            </a:prstGeom>
+            <a:noFill/>
+            <a:ln w="12700" cap="flat" cmpd="sng" algn="ctr">
+              <a:solidFill>
+                <a:sysClr val="window" lastClr="FFFFFF"/>
+              </a:solidFill>
+              <a:prstDash val="solid"/>
+            </a:ln>
+            <a:effectLst/>
+          </p:spPr>
+        </p:sp>
+      </p:grpSp>
+      <p:sp>
+        <p:nvSpPr>
+          <p:cNvPr id="7" name="Slide Number Placeholder 6"/>
           <p:cNvSpPr>
             <a:spLocks noGrp="1"/>
           </p:cNvSpPr>
@@ -2750,7 +3309,7 @@
     </p:spTree>
     <p:extLst>
       <p:ext uri="{BB962C8B-B14F-4D97-AF65-F5344CB8AC3E}">
-        <p14:creationId xmlns:p14="http://schemas.microsoft.com/office/powerpoint/2010/main" val="150878485"/>
+        <p14:creationId xmlns:p14="http://schemas.microsoft.com/office/powerpoint/2010/main" val="3259989258"/>
       </p:ext>
     </p:extLst>
   </p:cSld>
@@ -2784,13 +3343,7 @@
       </p:grpSpPr>
       <p:sp>
         <p:nvSpPr>
-          <p:cNvPr id="2" name="Title Placeholder 1">
-            <a:extLst>
-              <a:ext uri="{FF2B5EF4-FFF2-40B4-BE49-F238E27FC236}">
-                <a16:creationId xmlns:a16="http://schemas.microsoft.com/office/drawing/2014/main" id="{88D7DF88-FEE3-4C8E-B7E1-DBFACBE0D24F}"/>
-              </a:ext>
-            </a:extLst>
-          </p:cNvPr>
+          <p:cNvPr id="2" name="Title Placeholder 1"/>
           <p:cNvSpPr>
             <a:spLocks noGrp="1"/>
           </p:cNvSpPr>
@@ -2800,8 +3353,8 @@
         </p:nvSpPr>
         <p:spPr>
           <a:xfrm>
-            <a:off x="838200" y="365125"/>
-            <a:ext cx="10515600" cy="1325563"/>
+            <a:off x="1069848" y="484632"/>
+            <a:ext cx="10058400" cy="1609344"/>
           </a:xfrm>
           <a:prstGeom prst="rect">
             <a:avLst/>
@@ -2817,18 +3370,13 @@
               <a:rPr lang="en-US"/>
               <a:t>Click to edit Master title style</a:t>
             </a:r>
-          </a:p>
-        </p:txBody>
-      </p:sp>
-      <p:sp>
-        <p:nvSpPr>
-          <p:cNvPr id="3" name="Text Placeholder 2">
-            <a:extLst>
-              <a:ext uri="{FF2B5EF4-FFF2-40B4-BE49-F238E27FC236}">
-                <a16:creationId xmlns:a16="http://schemas.microsoft.com/office/drawing/2014/main" id="{604F0F24-8765-445E-B8BD-8B9A5CAC7E25}"/>
-              </a:ext>
-            </a:extLst>
-          </p:cNvPr>
+            <a:endParaRPr lang="en-US" dirty="0"/>
+          </a:p>
+        </p:txBody>
+      </p:sp>
+      <p:sp>
+        <p:nvSpPr>
+          <p:cNvPr id="3" name="Text Placeholder 2"/>
           <p:cNvSpPr>
             <a:spLocks noGrp="1"/>
           </p:cNvSpPr>
@@ -2838,8 +3386,8 @@
         </p:nvSpPr>
         <p:spPr>
           <a:xfrm>
-            <a:off x="838200" y="1825625"/>
-            <a:ext cx="10515600" cy="4351338"/>
+            <a:off x="1069848" y="2121408"/>
+            <a:ext cx="10058400" cy="4050792"/>
           </a:xfrm>
           <a:prstGeom prst="rect">
             <a:avLst/>
@@ -2884,18 +3432,13 @@
               <a:rPr lang="en-US"/>
               <a:t>Fifth level</a:t>
             </a:r>
-          </a:p>
-        </p:txBody>
-      </p:sp>
-      <p:sp>
-        <p:nvSpPr>
-          <p:cNvPr id="4" name="Date Placeholder 3">
-            <a:extLst>
-              <a:ext uri="{FF2B5EF4-FFF2-40B4-BE49-F238E27FC236}">
-                <a16:creationId xmlns:a16="http://schemas.microsoft.com/office/drawing/2014/main" id="{703C67BE-D68D-42DF-9ADA-CA387D5EB0F2}"/>
-              </a:ext>
-            </a:extLst>
-          </p:cNvPr>
+            <a:endParaRPr lang="en-US" dirty="0"/>
+          </a:p>
+        </p:txBody>
+      </p:sp>
+      <p:sp>
+        <p:nvSpPr>
+          <p:cNvPr id="4" name="Date Placeholder 3"/>
           <p:cNvSpPr>
             <a:spLocks noGrp="1"/>
           </p:cNvSpPr>
@@ -2905,8 +3448,8 @@
         </p:nvSpPr>
         <p:spPr>
           <a:xfrm>
-            <a:off x="838200" y="6356350"/>
-            <a:ext cx="2743200" cy="365125"/>
+            <a:off x="7964424" y="6272784"/>
+            <a:ext cx="3273552" cy="365125"/>
           </a:xfrm>
           <a:prstGeom prst="rect">
             <a:avLst/>
@@ -2915,12 +3458,10 @@
         <p:txBody>
           <a:bodyPr vert="horz" lIns="91440" tIns="45720" rIns="91440" bIns="45720" rtlCol="0" anchor="ctr"/>
           <a:lstStyle>
-            <a:lvl1pPr algn="l">
-              <a:defRPr sz="1200">
+            <a:lvl1pPr algn="r">
+              <a:defRPr sz="1100">
                 <a:solidFill>
-                  <a:schemeClr val="tx1">
-                    <a:tint val="75000"/>
-                  </a:schemeClr>
+                  <a:schemeClr val="tx2"/>
                 </a:solidFill>
               </a:defRPr>
             </a:lvl1pPr>
@@ -2928,7 +3469,7 @@
           <a:p>
             <a:fld id="{005806F1-D16A-4C27-A1BB-B8B7CB5A8967}" type="datetimeFigureOut">
               <a:rPr lang="en-US" smtClean="0"/>
-              <a:t>12/4/2017</a:t>
+              <a:t>12/6/2017</a:t>
             </a:fld>
             <a:endParaRPr lang="en-US"/>
           </a:p>
@@ -2936,13 +3477,7 @@
       </p:sp>
       <p:sp>
         <p:nvSpPr>
-          <p:cNvPr id="5" name="Footer Placeholder 4">
-            <a:extLst>
-              <a:ext uri="{FF2B5EF4-FFF2-40B4-BE49-F238E27FC236}">
-                <a16:creationId xmlns:a16="http://schemas.microsoft.com/office/drawing/2014/main" id="{63122235-5F21-45EB-8B5C-9E62EA1215D9}"/>
-              </a:ext>
-            </a:extLst>
-          </p:cNvPr>
+          <p:cNvPr id="5" name="Footer Placeholder 4"/>
           <p:cNvSpPr>
             <a:spLocks noGrp="1"/>
           </p:cNvSpPr>
@@ -2952,8 +3487,8 @@
         </p:nvSpPr>
         <p:spPr>
           <a:xfrm>
-            <a:off x="4038600" y="6356350"/>
-            <a:ext cx="4114800" cy="365125"/>
+            <a:off x="1088136" y="6272784"/>
+            <a:ext cx="6327648" cy="365125"/>
           </a:xfrm>
           <a:prstGeom prst="rect">
             <a:avLst/>
@@ -2962,12 +3497,10 @@
         <p:txBody>
           <a:bodyPr vert="horz" lIns="91440" tIns="45720" rIns="91440" bIns="45720" rtlCol="0" anchor="ctr"/>
           <a:lstStyle>
-            <a:lvl1pPr algn="ctr">
-              <a:defRPr sz="1200">
+            <a:lvl1pPr algn="l">
+              <a:defRPr sz="1100">
                 <a:solidFill>
-                  <a:schemeClr val="tx1">
-                    <a:tint val="75000"/>
-                  </a:schemeClr>
+                  <a:schemeClr val="tx2"/>
                 </a:solidFill>
               </a:defRPr>
             </a:lvl1pPr>
@@ -2977,15 +3510,98 @@
           </a:p>
         </p:txBody>
       </p:sp>
-      <p:sp>
-        <p:nvSpPr>
-          <p:cNvPr id="6" name="Slide Number Placeholder 5">
-            <a:extLst>
-              <a:ext uri="{FF2B5EF4-FFF2-40B4-BE49-F238E27FC236}">
-                <a16:creationId xmlns:a16="http://schemas.microsoft.com/office/drawing/2014/main" id="{833EEAE3-64C9-4FDD-A0CF-4B4048676C44}"/>
-              </a:ext>
-            </a:extLst>
-          </p:cNvPr>
+      <p:grpSp>
+        <p:nvGrpSpPr>
+          <p:cNvPr id="7" name="Group 6"/>
+          <p:cNvGrpSpPr>
+            <a:grpSpLocks noChangeAspect="1"/>
+          </p:cNvGrpSpPr>
+          <p:nvPr/>
+        </p:nvGrpSpPr>
+        <p:grpSpPr>
+          <a:xfrm>
+            <a:off x="11401725" y="6229681"/>
+            <a:ext cx="457200" cy="457200"/>
+            <a:chOff x="11361456" y="6195813"/>
+            <a:chExt cx="548640" cy="548640"/>
+          </a:xfrm>
+        </p:grpSpPr>
+        <p:sp>
+          <p:nvSpPr>
+            <p:cNvPr id="8" name="Oval 7"/>
+            <p:cNvSpPr/>
+            <p:nvPr/>
+          </p:nvSpPr>
+          <p:spPr>
+            <a:xfrm>
+              <a:off x="11361456" y="6195813"/>
+              <a:ext cx="548640" cy="548640"/>
+            </a:xfrm>
+            <a:prstGeom prst="ellipse">
+              <a:avLst/>
+            </a:prstGeom>
+            <a:blipFill dpi="0" rotWithShape="1">
+              <a:blip r:embed="rId13">
+                <a:duotone>
+                  <a:schemeClr val="accent1">
+                    <a:shade val="45000"/>
+                    <a:satMod val="135000"/>
+                  </a:schemeClr>
+                  <a:prstClr val="white"/>
+                </a:duotone>
+                <a:extLst>
+                  <a:ext uri="{BEBA8EAE-BF5A-486C-A8C5-ECC9F3942E4B}">
+                    <a14:imgProps xmlns:a14="http://schemas.microsoft.com/office/drawing/2010/main">
+                      <a14:imgLayer r:embed="rId14">
+                        <a14:imgEffect>
+                          <a14:saturation sat="95000"/>
+                        </a14:imgEffect>
+                        <a14:imgEffect>
+                          <a14:brightnessContrast bright="-40000" contrast="20000"/>
+                        </a14:imgEffect>
+                      </a14:imgLayer>
+                    </a14:imgProps>
+                  </a:ext>
+                </a:extLst>
+              </a:blip>
+              <a:srcRect/>
+              <a:tile tx="50800" ty="0" sx="85000" sy="85000" flip="none" algn="tl"/>
+            </a:blipFill>
+            <a:ln w="25400" cap="flat" cmpd="sng" algn="ctr">
+              <a:noFill/>
+              <a:prstDash val="solid"/>
+            </a:ln>
+            <a:effectLst/>
+          </p:spPr>
+        </p:sp>
+        <p:sp>
+          <p:nvSpPr>
+            <p:cNvPr id="9" name="Oval 8"/>
+            <p:cNvSpPr/>
+            <p:nvPr/>
+          </p:nvSpPr>
+          <p:spPr>
+            <a:xfrm>
+              <a:off x="11396488" y="6230844"/>
+              <a:ext cx="478576" cy="478578"/>
+            </a:xfrm>
+            <a:prstGeom prst="ellipse">
+              <a:avLst/>
+            </a:prstGeom>
+            <a:noFill/>
+            <a:ln w="12700" cap="flat" cmpd="sng" algn="ctr">
+              <a:solidFill>
+                <a:srgbClr val="FFFFFF"/>
+              </a:solidFill>
+              <a:prstDash val="solid"/>
+            </a:ln>
+            <a:effectLst/>
+          </p:spPr>
+        </p:sp>
+      </p:grpSp>
+      <p:sp>
+        <p:nvSpPr>
+          <p:cNvPr id="6" name="Slide Number Placeholder 5"/>
           <p:cNvSpPr>
             <a:spLocks noGrp="1"/>
           </p:cNvSpPr>
@@ -2995,8 +3611,8 @@
         </p:nvSpPr>
         <p:spPr>
           <a:xfrm>
-            <a:off x="8610600" y="6356350"/>
-            <a:ext cx="2743200" cy="365125"/>
+            <a:off x="11311128" y="6272784"/>
+            <a:ext cx="640080" cy="365125"/>
           </a:xfrm>
           <a:prstGeom prst="rect">
             <a:avLst/>
@@ -3005,13 +3621,12 @@
         <p:txBody>
           <a:bodyPr vert="horz" lIns="91440" tIns="45720" rIns="91440" bIns="45720" rtlCol="0" anchor="ctr"/>
           <a:lstStyle>
-            <a:lvl1pPr algn="r">
-              <a:defRPr sz="1200">
+            <a:lvl1pPr algn="ctr">
+              <a:defRPr sz="1400" b="1">
                 <a:solidFill>
-                  <a:schemeClr val="tx1">
-                    <a:tint val="75000"/>
-                  </a:schemeClr>
+                  <a:srgbClr val="FFFFFF"/>
                 </a:solidFill>
+                <a:latin typeface="+mj-lt"/>
               </a:defRPr>
             </a:lvl1pPr>
           </a:lstStyle>
@@ -3027,23 +3642,23 @@
     </p:spTree>
     <p:extLst>
       <p:ext uri="{BB962C8B-B14F-4D97-AF65-F5344CB8AC3E}">
-        <p14:creationId xmlns:p14="http://schemas.microsoft.com/office/powerpoint/2010/main" val="368743929"/>
+        <p14:creationId xmlns:p14="http://schemas.microsoft.com/office/powerpoint/2010/main" val="1628101744"/>
       </p:ext>
     </p:extLst>
   </p:cSld>
   <p:clrMap bg1="lt1" tx1="dk1" bg2="lt2" tx2="dk2" accent1="accent1" accent2="accent2" accent3="accent3" accent4="accent4" accent5="accent5" accent6="accent6" hlink="hlink" folHlink="folHlink"/>
   <p:sldLayoutIdLst>
-    <p:sldLayoutId id="2147483649" r:id="rId1"/>
-    <p:sldLayoutId id="2147483650" r:id="rId2"/>
-    <p:sldLayoutId id="2147483651" r:id="rId3"/>
-    <p:sldLayoutId id="2147483652" r:id="rId4"/>
-    <p:sldLayoutId id="2147483653" r:id="rId5"/>
-    <p:sldLayoutId id="2147483654" r:id="rId6"/>
-    <p:sldLayoutId id="2147483655" r:id="rId7"/>
-    <p:sldLayoutId id="2147483656" r:id="rId8"/>
-    <p:sldLayoutId id="2147483657" r:id="rId9"/>
-    <p:sldLayoutId id="2147483658" r:id="rId10"/>
-    <p:sldLayoutId id="2147483659" r:id="rId11"/>
+    <p:sldLayoutId id="2147483679" r:id="rId1"/>
+    <p:sldLayoutId id="2147483680" r:id="rId2"/>
+    <p:sldLayoutId id="2147483681" r:id="rId3"/>
+    <p:sldLayoutId id="2147483682" r:id="rId4"/>
+    <p:sldLayoutId id="2147483683" r:id="rId5"/>
+    <p:sldLayoutId id="2147483684" r:id="rId6"/>
+    <p:sldLayoutId id="2147483685" r:id="rId7"/>
+    <p:sldLayoutId id="2147483686" r:id="rId8"/>
+    <p:sldLayoutId id="2147483687" r:id="rId9"/>
+    <p:sldLayoutId id="2147483688" r:id="rId10"/>
+    <p:sldLayoutId id="2147483689" r:id="rId11"/>
   </p:sldLayoutIdLst>
   <p:txStyles>
     <p:titleStyle>
@@ -3055,10 +3670,17 @@
           <a:spcPct val="0"/>
         </a:spcBef>
         <a:buNone/>
-        <a:defRPr sz="4400" kern="1200">
-          <a:solidFill>
-            <a:schemeClr val="tx1"/>
-          </a:solidFill>
+        <a:defRPr sz="5400" kern="1200" cap="all" baseline="0">
+          <a:blipFill>
+            <a:blip r:embed="rId15">
+              <a:extLst>
+                <a:ext uri="{28A0092B-C50C-407E-A947-70E740481C1C}">
+                  <a14:useLocalDpi xmlns:a14="http://schemas.microsoft.com/office/drawing/2010/main" val="0"/>
+                </a:ext>
+              </a:extLst>
+            </a:blip>
+            <a:tile tx="6350" ty="-127000" sx="65000" sy="64000" flip="none" algn="tl"/>
+          </a:blipFill>
           <a:latin typeface="+mj-lt"/>
           <a:ea typeface="+mj-ea"/>
           <a:cs typeface="+mj-cs"/>
@@ -3066,16 +3688,22 @@
       </a:lvl1pPr>
     </p:titleStyle>
     <p:bodyStyle>
-      <a:lvl1pPr marL="228600" indent="-228600" algn="l" defTabSz="914400" rtl="0" eaLnBrk="1" latinLnBrk="0" hangingPunct="1">
+      <a:lvl1pPr marL="182880" indent="-182880" algn="l" defTabSz="914400" rtl="0" eaLnBrk="1" latinLnBrk="0" hangingPunct="1">
         <a:lnSpc>
           <a:spcPct val="90000"/>
         </a:lnSpc>
         <a:spcBef>
-          <a:spcPts val="1000"/>
+          <a:spcPts val="1200"/>
         </a:spcBef>
-        <a:buFont typeface="Arial" panose="020B0604020202020204" pitchFamily="34" charset="0"/>
-        <a:buChar char="•"/>
-        <a:defRPr sz="2800" kern="1200">
+        <a:buClr>
+          <a:schemeClr val="accent1">
+            <a:lumMod val="75000"/>
+          </a:schemeClr>
+        </a:buClr>
+        <a:buSzPct val="85000"/>
+        <a:buFont typeface="Wingdings" pitchFamily="2" charset="2"/>
+        <a:buChar char="§"/>
+        <a:defRPr sz="2000" kern="1200">
           <a:solidFill>
             <a:schemeClr val="tx1"/>
           </a:solidFill>
@@ -3084,16 +3712,25 @@
           <a:cs typeface="+mn-cs"/>
         </a:defRPr>
       </a:lvl1pPr>
-      <a:lvl2pPr marL="685800" indent="-228600" algn="l" defTabSz="914400" rtl="0" eaLnBrk="1" latinLnBrk="0" hangingPunct="1">
+      <a:lvl2pPr marL="457200" indent="-182880" algn="l" defTabSz="914400" rtl="0" eaLnBrk="1" latinLnBrk="0" hangingPunct="1">
         <a:lnSpc>
           <a:spcPct val="90000"/>
         </a:lnSpc>
         <a:spcBef>
-          <a:spcPts val="500"/>
+          <a:spcPts val="400"/>
         </a:spcBef>
-        <a:buFont typeface="Arial" panose="020B0604020202020204" pitchFamily="34" charset="0"/>
-        <a:buChar char="•"/>
-        <a:defRPr sz="2400" kern="1200">
+        <a:spcAft>
+          <a:spcPts val="200"/>
+        </a:spcAft>
+        <a:buClr>
+          <a:schemeClr val="accent1">
+            <a:lumMod val="75000"/>
+          </a:schemeClr>
+        </a:buClr>
+        <a:buSzPct val="85000"/>
+        <a:buFont typeface="Wingdings" pitchFamily="2" charset="2"/>
+        <a:buChar char="§"/>
+        <a:defRPr sz="1800" kern="1200">
           <a:solidFill>
             <a:schemeClr val="tx1"/>
           </a:solidFill>
@@ -3102,16 +3739,25 @@
           <a:cs typeface="+mn-cs"/>
         </a:defRPr>
       </a:lvl2pPr>
-      <a:lvl3pPr marL="1143000" indent="-228600" algn="l" defTabSz="914400" rtl="0" eaLnBrk="1" latinLnBrk="0" hangingPunct="1">
+      <a:lvl3pPr marL="731520" indent="-182880" algn="l" defTabSz="914400" rtl="0" eaLnBrk="1" latinLnBrk="0" hangingPunct="1">
         <a:lnSpc>
           <a:spcPct val="90000"/>
         </a:lnSpc>
         <a:spcBef>
-          <a:spcPts val="500"/>
+          <a:spcPts val="400"/>
         </a:spcBef>
-        <a:buFont typeface="Arial" panose="020B0604020202020204" pitchFamily="34" charset="0"/>
-        <a:buChar char="•"/>
-        <a:defRPr sz="2000" kern="1200">
+        <a:spcAft>
+          <a:spcPts val="200"/>
+        </a:spcAft>
+        <a:buClr>
+          <a:schemeClr val="accent1">
+            <a:lumMod val="75000"/>
+          </a:schemeClr>
+        </a:buClr>
+        <a:buSzPct val="85000"/>
+        <a:buFont typeface="Wingdings" pitchFamily="2" charset="2"/>
+        <a:buChar char="§"/>
+        <a:defRPr sz="1600" kern="1200">
           <a:solidFill>
             <a:schemeClr val="tx1"/>
           </a:solidFill>
@@ -3120,16 +3766,25 @@
           <a:cs typeface="+mn-cs"/>
         </a:defRPr>
       </a:lvl3pPr>
-      <a:lvl4pPr marL="1600200" indent="-228600" algn="l" defTabSz="914400" rtl="0" eaLnBrk="1" latinLnBrk="0" hangingPunct="1">
+      <a:lvl4pPr marL="1005840" indent="-182880" algn="l" defTabSz="914400" rtl="0" eaLnBrk="1" latinLnBrk="0" hangingPunct="1">
         <a:lnSpc>
           <a:spcPct val="90000"/>
         </a:lnSpc>
         <a:spcBef>
-          <a:spcPts val="500"/>
+          <a:spcPts val="400"/>
         </a:spcBef>
-        <a:buFont typeface="Arial" panose="020B0604020202020204" pitchFamily="34" charset="0"/>
-        <a:buChar char="•"/>
-        <a:defRPr sz="1800" kern="1200">
+        <a:spcAft>
+          <a:spcPts val="200"/>
+        </a:spcAft>
+        <a:buClr>
+          <a:schemeClr val="accent1">
+            <a:lumMod val="75000"/>
+          </a:schemeClr>
+        </a:buClr>
+        <a:buSzPct val="85000"/>
+        <a:buFont typeface="Wingdings" pitchFamily="2" charset="2"/>
+        <a:buChar char="§"/>
+        <a:defRPr sz="1600" kern="1200">
           <a:solidFill>
             <a:schemeClr val="tx1"/>
           </a:solidFill>
@@ -3138,16 +3793,25 @@
           <a:cs typeface="+mn-cs"/>
         </a:defRPr>
       </a:lvl4pPr>
-      <a:lvl5pPr marL="2057400" indent="-228600" algn="l" defTabSz="914400" rtl="0" eaLnBrk="1" latinLnBrk="0" hangingPunct="1">
+      <a:lvl5pPr marL="1280160" indent="-182880" algn="l" defTabSz="914400" rtl="0" eaLnBrk="1" latinLnBrk="0" hangingPunct="1">
         <a:lnSpc>
           <a:spcPct val="90000"/>
         </a:lnSpc>
         <a:spcBef>
-          <a:spcPts val="500"/>
+          <a:spcPts val="400"/>
         </a:spcBef>
-        <a:buFont typeface="Arial" panose="020B0604020202020204" pitchFamily="34" charset="0"/>
-        <a:buChar char="•"/>
-        <a:defRPr sz="1800" kern="1200">
+        <a:spcAft>
+          <a:spcPts val="200"/>
+        </a:spcAft>
+        <a:buClr>
+          <a:schemeClr val="accent1">
+            <a:lumMod val="75000"/>
+          </a:schemeClr>
+        </a:buClr>
+        <a:buSzPct val="85000"/>
+        <a:buFont typeface="Wingdings" pitchFamily="2" charset="2"/>
+        <a:buChar char="§"/>
+        <a:defRPr sz="1600" kern="1200">
           <a:solidFill>
             <a:schemeClr val="tx1"/>
           </a:solidFill>
@@ -3156,16 +3820,25 @@
           <a:cs typeface="+mn-cs"/>
         </a:defRPr>
       </a:lvl5pPr>
-      <a:lvl6pPr marL="2514600" indent="-228600" algn="l" defTabSz="914400" rtl="0" eaLnBrk="1" latinLnBrk="0" hangingPunct="1">
+      <a:lvl6pPr marL="1600000" indent="-228600" algn="l" defTabSz="914400" rtl="0" eaLnBrk="1" latinLnBrk="0" hangingPunct="1">
         <a:lnSpc>
           <a:spcPct val="90000"/>
         </a:lnSpc>
         <a:spcBef>
-          <a:spcPts val="500"/>
+          <a:spcPts val="400"/>
         </a:spcBef>
-        <a:buFont typeface="Arial" panose="020B0604020202020204" pitchFamily="34" charset="0"/>
-        <a:buChar char="•"/>
-        <a:defRPr sz="1800" kern="1200">
+        <a:spcAft>
+          <a:spcPts val="200"/>
+        </a:spcAft>
+        <a:buClr>
+          <a:schemeClr val="accent1">
+            <a:lumMod val="75000"/>
+          </a:schemeClr>
+        </a:buClr>
+        <a:buSzPct val="85000"/>
+        <a:buFont typeface="Wingdings" pitchFamily="2" charset="2"/>
+        <a:buChar char="§"/>
+        <a:defRPr sz="1600" kern="1200">
           <a:solidFill>
             <a:schemeClr val="tx1"/>
           </a:solidFill>
@@ -3174,16 +3847,25 @@
           <a:cs typeface="+mn-cs"/>
         </a:defRPr>
       </a:lvl6pPr>
-      <a:lvl7pPr marL="2971800" indent="-228600" algn="l" defTabSz="914400" rtl="0" eaLnBrk="1" latinLnBrk="0" hangingPunct="1">
+      <a:lvl7pPr marL="1900000" indent="-228600" algn="l" defTabSz="914400" rtl="0" eaLnBrk="1" latinLnBrk="0" hangingPunct="1">
         <a:lnSpc>
           <a:spcPct val="90000"/>
         </a:lnSpc>
         <a:spcBef>
-          <a:spcPts val="500"/>
+          <a:spcPts val="400"/>
         </a:spcBef>
-        <a:buFont typeface="Arial" panose="020B0604020202020204" pitchFamily="34" charset="0"/>
-        <a:buChar char="•"/>
-        <a:defRPr sz="1800" kern="1200">
+        <a:spcAft>
+          <a:spcPts val="200"/>
+        </a:spcAft>
+        <a:buClr>
+          <a:schemeClr val="accent1">
+            <a:lumMod val="75000"/>
+          </a:schemeClr>
+        </a:buClr>
+        <a:buSzPct val="85000"/>
+        <a:buFont typeface="Wingdings" pitchFamily="2" charset="2"/>
+        <a:buChar char="§"/>
+        <a:defRPr sz="1600" kern="1200">
           <a:solidFill>
             <a:schemeClr val="tx1"/>
           </a:solidFill>
@@ -3192,16 +3874,25 @@
           <a:cs typeface="+mn-cs"/>
         </a:defRPr>
       </a:lvl7pPr>
-      <a:lvl8pPr marL="3429000" indent="-228600" algn="l" defTabSz="914400" rtl="0" eaLnBrk="1" latinLnBrk="0" hangingPunct="1">
+      <a:lvl8pPr marL="2200000" indent="-228600" algn="l" defTabSz="914400" rtl="0" eaLnBrk="1" latinLnBrk="0" hangingPunct="1">
         <a:lnSpc>
           <a:spcPct val="90000"/>
         </a:lnSpc>
         <a:spcBef>
-          <a:spcPts val="500"/>
+          <a:spcPts val="400"/>
         </a:spcBef>
-        <a:buFont typeface="Arial" panose="020B0604020202020204" pitchFamily="34" charset="0"/>
-        <a:buChar char="•"/>
-        <a:defRPr sz="1800" kern="1200">
+        <a:spcAft>
+          <a:spcPts val="200"/>
+        </a:spcAft>
+        <a:buClr>
+          <a:schemeClr val="accent1">
+            <a:lumMod val="75000"/>
+          </a:schemeClr>
+        </a:buClr>
+        <a:buSzPct val="85000"/>
+        <a:buFont typeface="Wingdings" pitchFamily="2" charset="2"/>
+        <a:buChar char="§"/>
+        <a:defRPr sz="1600" kern="1200">
           <a:solidFill>
             <a:schemeClr val="tx1"/>
           </a:solidFill>
@@ -3210,16 +3901,25 @@
           <a:cs typeface="+mn-cs"/>
         </a:defRPr>
       </a:lvl8pPr>
-      <a:lvl9pPr marL="3886200" indent="-228600" algn="l" defTabSz="914400" rtl="0" eaLnBrk="1" latinLnBrk="0" hangingPunct="1">
+      <a:lvl9pPr marL="2500000" indent="-228600" algn="l" defTabSz="914400" rtl="0" eaLnBrk="1" latinLnBrk="0" hangingPunct="1">
         <a:lnSpc>
           <a:spcPct val="90000"/>
         </a:lnSpc>
         <a:spcBef>
-          <a:spcPts val="500"/>
+          <a:spcPts val="400"/>
         </a:spcBef>
-        <a:buFont typeface="Arial" panose="020B0604020202020204" pitchFamily="34" charset="0"/>
-        <a:buChar char="•"/>
-        <a:defRPr sz="1800" kern="1200">
+        <a:spcAft>
+          <a:spcPts val="200"/>
+        </a:spcAft>
+        <a:buClr>
+          <a:schemeClr val="accent1">
+            <a:lumMod val="75000"/>
+          </a:schemeClr>
+        </a:buClr>
+        <a:buSzPct val="85000"/>
+        <a:buFont typeface="Wingdings" pitchFamily="2" charset="2"/>
+        <a:buChar char="§"/>
+        <a:defRPr sz="1600" kern="1200">
           <a:solidFill>
             <a:schemeClr val="tx1"/>
           </a:solidFill>
@@ -3370,7 +4070,7 @@
           <a:p>
             <a:r>
               <a:rPr lang="en-US" dirty="0"/>
-              <a:t>Spooky Authors</a:t>
+              <a:t>Spooky Authors:</a:t>
             </a:r>
             <a:br>
               <a:rPr lang="en-US" dirty="0"/>
@@ -3413,7 +4113,7 @@
         </p:blipFill>
         <p:spPr>
           <a:xfrm>
-            <a:off x="7846827" y="2892056"/>
+            <a:off x="7817232" y="3211032"/>
             <a:ext cx="3753293" cy="3753293"/>
           </a:xfrm>
           <a:prstGeom prst="rect">
@@ -3452,7 +4152,7 @@
         </p:blipFill>
         <p:spPr>
           <a:xfrm flipH="1">
-            <a:off x="955158" y="3275188"/>
+            <a:off x="621475" y="3025323"/>
             <a:ext cx="3030281" cy="3056499"/>
           </a:xfrm>
           <a:prstGeom prst="rect">
@@ -3474,8 +4174,8 @@
         </p:nvSpPr>
         <p:spPr>
           <a:xfrm>
-            <a:off x="4537444" y="5135472"/>
-            <a:ext cx="3521150" cy="1200329"/>
+            <a:off x="4056321" y="4912242"/>
+            <a:ext cx="4002273" cy="1200329"/>
           </a:xfrm>
           <a:prstGeom prst="rect">
             <a:avLst/>
@@ -3556,10 +4256,10 @@
       </p:grpSpPr>
       <p:sp>
         <p:nvSpPr>
-          <p:cNvPr id="2" name="Title 1">
+          <p:cNvPr id="4" name="Title 1">
             <a:extLst>
               <a:ext uri="{FF2B5EF4-FFF2-40B4-BE49-F238E27FC236}">
-                <a16:creationId xmlns:a16="http://schemas.microsoft.com/office/drawing/2014/main" id="{C429B7A1-3CEB-49F9-942D-C4EABF0B5A90}"/>
+                <a16:creationId xmlns:a16="http://schemas.microsoft.com/office/drawing/2014/main" id="{99D4A6ED-0001-4721-9D85-4EA19BEC6117}"/>
               </a:ext>
             </a:extLst>
           </p:cNvPr>
@@ -3572,31 +4272,35 @@
         </p:nvSpPr>
         <p:spPr/>
         <p:txBody>
-          <a:bodyPr/>
-          <a:lstStyle/>
-          <a:p>
-            <a:r>
-              <a:rPr lang="en-US" dirty="0"/>
-              <a:t>Sentiment Scores</a:t>
-            </a:r>
+          <a:bodyPr>
+            <a:noAutofit/>
+          </a:bodyPr>
+          <a:lstStyle/>
+          <a:p>
+            <a:r>
+              <a:rPr lang="en-US" sz="4400" dirty="0"/>
+              <a:t>How does each author vary with respect to basic sentence structure &amp; vocabulary?</a:t>
+            </a:r>
+            <a:br>
+              <a:rPr lang="en-US" sz="4400" dirty="0"/>
+            </a:br>
+            <a:endParaRPr lang="en-US" sz="4400" dirty="0"/>
           </a:p>
         </p:txBody>
       </p:sp>
       <p:pic>
         <p:nvPicPr>
-          <p:cNvPr id="5" name="Content Placeholder 4">
+          <p:cNvPr id="12" name="Picture 11">
             <a:extLst>
               <a:ext uri="{FF2B5EF4-FFF2-40B4-BE49-F238E27FC236}">
-                <a16:creationId xmlns:a16="http://schemas.microsoft.com/office/drawing/2014/main" id="{C764AFF2-E0D5-4B82-9FC4-F665DB4FC1A5}"/>
+                <a16:creationId xmlns:a16="http://schemas.microsoft.com/office/drawing/2014/main" id="{CB5AEBFB-1A16-4DEF-9B79-EE9825E62CF8}"/>
               </a:ext>
             </a:extLst>
           </p:cNvPr>
           <p:cNvPicPr>
-            <a:picLocks noGrp="1" noChangeAspect="1"/>
+            <a:picLocks noChangeAspect="1"/>
           </p:cNvPicPr>
-          <p:nvPr>
-            <p:ph idx="1"/>
-          </p:nvPr>
+          <p:nvPr/>
         </p:nvPicPr>
         <p:blipFill>
           <a:blip r:embed="rId2">
@@ -3612,15 +4316,54 @@
         </p:blipFill>
         <p:spPr>
           <a:xfrm>
-            <a:off x="1532011" y="1690688"/>
-            <a:ext cx="8702676" cy="4351338"/>
+            <a:off x="5792966" y="2131823"/>
+            <a:ext cx="5486411" cy="3657607"/>
           </a:xfrm>
+          <a:prstGeom prst="rect">
+            <a:avLst/>
+          </a:prstGeom>
+        </p:spPr>
+      </p:pic>
+      <p:pic>
+        <p:nvPicPr>
+          <p:cNvPr id="14" name="Picture 13">
+            <a:extLst>
+              <a:ext uri="{FF2B5EF4-FFF2-40B4-BE49-F238E27FC236}">
+                <a16:creationId xmlns:a16="http://schemas.microsoft.com/office/drawing/2014/main" id="{6C94D315-2A8E-4D8D-8544-7F7E2EE5D20E}"/>
+              </a:ext>
+            </a:extLst>
+          </p:cNvPr>
+          <p:cNvPicPr>
+            <a:picLocks noChangeAspect="1"/>
+          </p:cNvPicPr>
+          <p:nvPr/>
+        </p:nvPicPr>
+        <p:blipFill>
+          <a:blip r:embed="rId3">
+            <a:extLst>
+              <a:ext uri="{28A0092B-C50C-407E-A947-70E740481C1C}">
+                <a14:useLocalDpi xmlns:a14="http://schemas.microsoft.com/office/drawing/2010/main" val="0"/>
+              </a:ext>
+            </a:extLst>
+          </a:blip>
+          <a:stretch>
+            <a:fillRect/>
+          </a:stretch>
+        </p:blipFill>
+        <p:spPr>
+          <a:xfrm>
+            <a:off x="1063751" y="1972335"/>
+            <a:ext cx="5486411" cy="3657607"/>
+          </a:xfrm>
+          <a:prstGeom prst="rect">
+            <a:avLst/>
+          </a:prstGeom>
         </p:spPr>
       </p:pic>
     </p:spTree>
     <p:extLst>
       <p:ext uri="{BB962C8B-B14F-4D97-AF65-F5344CB8AC3E}">
-        <p14:creationId xmlns:p14="http://schemas.microsoft.com/office/powerpoint/2010/main" val="3177219656"/>
+        <p14:creationId xmlns:p14="http://schemas.microsoft.com/office/powerpoint/2010/main" val="1248692691"/>
       </p:ext>
     </p:extLst>
   </p:cSld>
@@ -3647,21 +4390,53 @@
           <a:chExt cx="0" cy="0"/>
         </a:xfrm>
       </p:grpSpPr>
+      <p:sp>
+        <p:nvSpPr>
+          <p:cNvPr id="4" name="Title 1">
+            <a:extLst>
+              <a:ext uri="{FF2B5EF4-FFF2-40B4-BE49-F238E27FC236}">
+                <a16:creationId xmlns:a16="http://schemas.microsoft.com/office/drawing/2014/main" id="{99D4A6ED-0001-4721-9D85-4EA19BEC6117}"/>
+              </a:ext>
+            </a:extLst>
+          </p:cNvPr>
+          <p:cNvSpPr>
+            <a:spLocks noGrp="1"/>
+          </p:cNvSpPr>
+          <p:nvPr>
+            <p:ph type="title"/>
+          </p:nvPr>
+        </p:nvSpPr>
+        <p:spPr/>
+        <p:txBody>
+          <a:bodyPr>
+            <a:noAutofit/>
+          </a:bodyPr>
+          <a:lstStyle/>
+          <a:p>
+            <a:r>
+              <a:rPr lang="en-US" sz="4400" dirty="0"/>
+              <a:t>How does each author vary with respect to basic sentence structure &amp; vocabulary?</a:t>
+            </a:r>
+            <a:br>
+              <a:rPr lang="en-US" sz="4400" dirty="0"/>
+            </a:br>
+            <a:endParaRPr lang="en-US" sz="4400" dirty="0"/>
+          </a:p>
+        </p:txBody>
+      </p:sp>
       <p:pic>
         <p:nvPicPr>
-          <p:cNvPr id="5" name="Content Placeholder 4">
+          <p:cNvPr id="5" name="Picture 4">
             <a:extLst>
               <a:ext uri="{FF2B5EF4-FFF2-40B4-BE49-F238E27FC236}">
-                <a16:creationId xmlns:a16="http://schemas.microsoft.com/office/drawing/2014/main" id="{E873A848-038C-4BC0-B325-00BF15E4A4DB}"/>
+                <a16:creationId xmlns:a16="http://schemas.microsoft.com/office/drawing/2014/main" id="{F2AD5FA3-6CFE-4E32-996C-3E7AEF163CAA}"/>
               </a:ext>
             </a:extLst>
           </p:cNvPr>
           <p:cNvPicPr>
-            <a:picLocks noGrp="1" noChangeAspect="1"/>
+            <a:picLocks noChangeAspect="1"/>
           </p:cNvPicPr>
-          <p:nvPr>
-            <p:ph idx="1"/>
-          </p:nvPr>
+          <p:nvPr/>
         </p:nvPicPr>
         <p:blipFill>
           <a:blip r:embed="rId2">
@@ -3677,193 +4452,18 @@
         </p:blipFill>
         <p:spPr>
           <a:xfrm>
-            <a:off x="1105787" y="912702"/>
-            <a:ext cx="4114800" cy="2743200"/>
-          </a:xfrm>
-        </p:spPr>
-      </p:pic>
-      <p:pic>
-        <p:nvPicPr>
-          <p:cNvPr id="7" name="Picture 6">
-            <a:extLst>
-              <a:ext uri="{FF2B5EF4-FFF2-40B4-BE49-F238E27FC236}">
-                <a16:creationId xmlns:a16="http://schemas.microsoft.com/office/drawing/2014/main" id="{036BA160-2FD2-4C78-AAD9-4A6FC5FB0A08}"/>
-              </a:ext>
-            </a:extLst>
-          </p:cNvPr>
-          <p:cNvPicPr>
-            <a:picLocks noChangeAspect="1"/>
-          </p:cNvPicPr>
-          <p:nvPr/>
-        </p:nvPicPr>
-        <p:blipFill>
-          <a:blip r:embed="rId3">
-            <a:extLst>
-              <a:ext uri="{28A0092B-C50C-407E-A947-70E740481C1C}">
-                <a14:useLocalDpi xmlns:a14="http://schemas.microsoft.com/office/drawing/2010/main" val="0"/>
-              </a:ext>
-            </a:extLst>
-          </a:blip>
-          <a:stretch>
-            <a:fillRect/>
-          </a:stretch>
-        </p:blipFill>
-        <p:spPr>
-          <a:xfrm>
-            <a:off x="1105787" y="4012015"/>
-            <a:ext cx="4114800" cy="2743200"/>
+            <a:off x="3310264" y="2339159"/>
+            <a:ext cx="5486411" cy="3657607"/>
           </a:xfrm>
           <a:prstGeom prst="rect">
             <a:avLst/>
           </a:prstGeom>
         </p:spPr>
       </p:pic>
-      <p:pic>
-        <p:nvPicPr>
-          <p:cNvPr id="4" name="Picture 3">
-            <a:extLst>
-              <a:ext uri="{FF2B5EF4-FFF2-40B4-BE49-F238E27FC236}">
-                <a16:creationId xmlns:a16="http://schemas.microsoft.com/office/drawing/2014/main" id="{385BB39A-5EAD-4D28-8A15-5A5A9FF32095}"/>
-              </a:ext>
-            </a:extLst>
-          </p:cNvPr>
-          <p:cNvPicPr>
-            <a:picLocks noChangeAspect="1"/>
-          </p:cNvPicPr>
-          <p:nvPr/>
-        </p:nvPicPr>
-        <p:blipFill>
-          <a:blip r:embed="rId4">
-            <a:extLst>
-              <a:ext uri="{28A0092B-C50C-407E-A947-70E740481C1C}">
-                <a14:useLocalDpi xmlns:a14="http://schemas.microsoft.com/office/drawing/2010/main" val="0"/>
-              </a:ext>
-            </a:extLst>
-          </a:blip>
-          <a:stretch>
-            <a:fillRect/>
-          </a:stretch>
-        </p:blipFill>
-        <p:spPr>
-          <a:xfrm>
-            <a:off x="6401687" y="912702"/>
-            <a:ext cx="4114800" cy="2743200"/>
-          </a:xfrm>
-          <a:prstGeom prst="rect">
-            <a:avLst/>
-          </a:prstGeom>
-        </p:spPr>
-      </p:pic>
-      <p:pic>
-        <p:nvPicPr>
-          <p:cNvPr id="8" name="Picture 7">
-            <a:extLst>
-              <a:ext uri="{FF2B5EF4-FFF2-40B4-BE49-F238E27FC236}">
-                <a16:creationId xmlns:a16="http://schemas.microsoft.com/office/drawing/2014/main" id="{8295F7DB-7571-45E5-9F7C-B2046180EC2B}"/>
-              </a:ext>
-            </a:extLst>
-          </p:cNvPr>
-          <p:cNvPicPr>
-            <a:picLocks noChangeAspect="1"/>
-          </p:cNvPicPr>
-          <p:nvPr/>
-        </p:nvPicPr>
-        <p:blipFill>
-          <a:blip r:embed="rId5">
-            <a:extLst>
-              <a:ext uri="{28A0092B-C50C-407E-A947-70E740481C1C}">
-                <a14:useLocalDpi xmlns:a14="http://schemas.microsoft.com/office/drawing/2010/main" val="0"/>
-              </a:ext>
-            </a:extLst>
-          </a:blip>
-          <a:stretch>
-            <a:fillRect/>
-          </a:stretch>
-        </p:blipFill>
-        <p:spPr>
-          <a:xfrm>
-            <a:off x="6401686" y="4012015"/>
-            <a:ext cx="4114801" cy="2743200"/>
-          </a:xfrm>
-          <a:prstGeom prst="rect">
-            <a:avLst/>
-          </a:prstGeom>
-        </p:spPr>
-      </p:pic>
-      <p:sp>
-        <p:nvSpPr>
-          <p:cNvPr id="11" name="TextBox 10">
-            <a:extLst>
-              <a:ext uri="{FF2B5EF4-FFF2-40B4-BE49-F238E27FC236}">
-                <a16:creationId xmlns:a16="http://schemas.microsoft.com/office/drawing/2014/main" id="{0B263770-180B-495D-8130-7995EA9B5870}"/>
-              </a:ext>
-            </a:extLst>
-          </p:cNvPr>
-          <p:cNvSpPr txBox="1"/>
-          <p:nvPr/>
-        </p:nvSpPr>
-        <p:spPr>
-          <a:xfrm>
-            <a:off x="2764466" y="228600"/>
-            <a:ext cx="2456121" cy="377456"/>
-          </a:xfrm>
-          <a:prstGeom prst="rect">
-            <a:avLst/>
-          </a:prstGeom>
-          <a:noFill/>
-        </p:spPr>
-        <p:txBody>
-          <a:bodyPr wrap="square" rtlCol="0">
-            <a:spAutoFit/>
-          </a:bodyPr>
-          <a:lstStyle/>
-          <a:p>
-            <a:r>
-              <a:rPr lang="en-US" dirty="0"/>
-              <a:t>Train Data</a:t>
-            </a:r>
-          </a:p>
-        </p:txBody>
-      </p:sp>
-      <p:sp>
-        <p:nvSpPr>
-          <p:cNvPr id="12" name="TextBox 11">
-            <a:extLst>
-              <a:ext uri="{FF2B5EF4-FFF2-40B4-BE49-F238E27FC236}">
-                <a16:creationId xmlns:a16="http://schemas.microsoft.com/office/drawing/2014/main" id="{EB2E74CB-1C42-4FF2-8CC4-B4767A21056B}"/>
-              </a:ext>
-            </a:extLst>
-          </p:cNvPr>
-          <p:cNvSpPr txBox="1"/>
-          <p:nvPr/>
-        </p:nvSpPr>
-        <p:spPr>
-          <a:xfrm>
-            <a:off x="8060366" y="228600"/>
-            <a:ext cx="2456121" cy="377456"/>
-          </a:xfrm>
-          <a:prstGeom prst="rect">
-            <a:avLst/>
-          </a:prstGeom>
-          <a:noFill/>
-        </p:spPr>
-        <p:txBody>
-          <a:bodyPr wrap="square" rtlCol="0">
-            <a:spAutoFit/>
-          </a:bodyPr>
-          <a:lstStyle/>
-          <a:p>
-            <a:r>
-              <a:rPr lang="en-US" dirty="0"/>
-              <a:t>Test Data</a:t>
-            </a:r>
-          </a:p>
-        </p:txBody>
-      </p:sp>
     </p:spTree>
     <p:extLst>
       <p:ext uri="{BB962C8B-B14F-4D97-AF65-F5344CB8AC3E}">
-        <p14:creationId xmlns:p14="http://schemas.microsoft.com/office/powerpoint/2010/main" val="280028085"/>
+        <p14:creationId xmlns:p14="http://schemas.microsoft.com/office/powerpoint/2010/main" val="1742898796"/>
       </p:ext>
     </p:extLst>
   </p:cSld>
@@ -3890,12 +4490,42 @@
           <a:chExt cx="0" cy="0"/>
         </a:xfrm>
       </p:grpSpPr>
+      <p:sp>
+        <p:nvSpPr>
+          <p:cNvPr id="2" name="Title 1">
+            <a:extLst>
+              <a:ext uri="{FF2B5EF4-FFF2-40B4-BE49-F238E27FC236}">
+                <a16:creationId xmlns:a16="http://schemas.microsoft.com/office/drawing/2014/main" id="{D9B50E4D-3F67-4D71-8B15-EFDDCEC9A036}"/>
+              </a:ext>
+            </a:extLst>
+          </p:cNvPr>
+          <p:cNvSpPr>
+            <a:spLocks noGrp="1"/>
+          </p:cNvSpPr>
+          <p:nvPr>
+            <p:ph type="title"/>
+          </p:nvPr>
+        </p:nvSpPr>
+        <p:spPr/>
+        <p:txBody>
+          <a:bodyPr>
+            <a:normAutofit/>
+          </a:bodyPr>
+          <a:lstStyle/>
+          <a:p>
+            <a:r>
+              <a:rPr lang="en-US" dirty="0"/>
+              <a:t>What are the sentiment scores for each author?</a:t>
+            </a:r>
+          </a:p>
+        </p:txBody>
+      </p:sp>
       <p:pic>
         <p:nvPicPr>
-          <p:cNvPr id="5" name="Content Placeholder 4">
+          <p:cNvPr id="9" name="Content Placeholder 8">
             <a:extLst>
               <a:ext uri="{FF2B5EF4-FFF2-40B4-BE49-F238E27FC236}">
-                <a16:creationId xmlns:a16="http://schemas.microsoft.com/office/drawing/2014/main" id="{2C577C6A-39A1-4709-A026-EE3F44815A25}"/>
+                <a16:creationId xmlns:a16="http://schemas.microsoft.com/office/drawing/2014/main" id="{6C5668C7-4353-4B89-8117-22FA47B385BD}"/>
               </a:ext>
             </a:extLst>
           </p:cNvPr>
@@ -3920,193 +4550,15 @@
         </p:blipFill>
         <p:spPr>
           <a:xfrm>
-            <a:off x="1222746" y="685800"/>
-            <a:ext cx="4114801" cy="2743200"/>
+            <a:off x="2047875" y="2120900"/>
+            <a:ext cx="8102600" cy="4051300"/>
           </a:xfrm>
         </p:spPr>
       </p:pic>
-      <p:pic>
-        <p:nvPicPr>
-          <p:cNvPr id="9" name="Picture 8">
-            <a:extLst>
-              <a:ext uri="{FF2B5EF4-FFF2-40B4-BE49-F238E27FC236}">
-                <a16:creationId xmlns:a16="http://schemas.microsoft.com/office/drawing/2014/main" id="{BF9D8F32-BAFF-4B28-B967-0A326884625A}"/>
-              </a:ext>
-            </a:extLst>
-          </p:cNvPr>
-          <p:cNvPicPr>
-            <a:picLocks noChangeAspect="1"/>
-          </p:cNvPicPr>
-          <p:nvPr/>
-        </p:nvPicPr>
-        <p:blipFill>
-          <a:blip r:embed="rId3">
-            <a:extLst>
-              <a:ext uri="{28A0092B-C50C-407E-A947-70E740481C1C}">
-                <a14:useLocalDpi xmlns:a14="http://schemas.microsoft.com/office/drawing/2010/main" val="0"/>
-              </a:ext>
-            </a:extLst>
-          </a:blip>
-          <a:stretch>
-            <a:fillRect/>
-          </a:stretch>
-        </p:blipFill>
-        <p:spPr>
-          <a:xfrm>
-            <a:off x="1222746" y="3566337"/>
-            <a:ext cx="4114801" cy="2743200"/>
-          </a:xfrm>
-          <a:prstGeom prst="rect">
-            <a:avLst/>
-          </a:prstGeom>
-        </p:spPr>
-      </p:pic>
-      <p:pic>
-        <p:nvPicPr>
-          <p:cNvPr id="4" name="Picture 3">
-            <a:extLst>
-              <a:ext uri="{FF2B5EF4-FFF2-40B4-BE49-F238E27FC236}">
-                <a16:creationId xmlns:a16="http://schemas.microsoft.com/office/drawing/2014/main" id="{69A95056-A413-4558-8D5A-3FDD6ABEC277}"/>
-              </a:ext>
-            </a:extLst>
-          </p:cNvPr>
-          <p:cNvPicPr>
-            <a:picLocks noChangeAspect="1"/>
-          </p:cNvPicPr>
-          <p:nvPr/>
-        </p:nvPicPr>
-        <p:blipFill>
-          <a:blip r:embed="rId4">
-            <a:extLst>
-              <a:ext uri="{28A0092B-C50C-407E-A947-70E740481C1C}">
-                <a14:useLocalDpi xmlns:a14="http://schemas.microsoft.com/office/drawing/2010/main" val="0"/>
-              </a:ext>
-            </a:extLst>
-          </a:blip>
-          <a:stretch>
-            <a:fillRect/>
-          </a:stretch>
-        </p:blipFill>
-        <p:spPr>
-          <a:xfrm>
-            <a:off x="6640031" y="685800"/>
-            <a:ext cx="4114801" cy="2743200"/>
-          </a:xfrm>
-          <a:prstGeom prst="rect">
-            <a:avLst/>
-          </a:prstGeom>
-        </p:spPr>
-      </p:pic>
-      <p:pic>
-        <p:nvPicPr>
-          <p:cNvPr id="8" name="Picture 7">
-            <a:extLst>
-              <a:ext uri="{FF2B5EF4-FFF2-40B4-BE49-F238E27FC236}">
-                <a16:creationId xmlns:a16="http://schemas.microsoft.com/office/drawing/2014/main" id="{D96B8AEE-CBB0-4544-ACDA-FC265EC0C595}"/>
-              </a:ext>
-            </a:extLst>
-          </p:cNvPr>
-          <p:cNvPicPr>
-            <a:picLocks noChangeAspect="1"/>
-          </p:cNvPicPr>
-          <p:nvPr/>
-        </p:nvPicPr>
-        <p:blipFill>
-          <a:blip r:embed="rId5">
-            <a:extLst>
-              <a:ext uri="{28A0092B-C50C-407E-A947-70E740481C1C}">
-                <a14:useLocalDpi xmlns:a14="http://schemas.microsoft.com/office/drawing/2010/main" val="0"/>
-              </a:ext>
-            </a:extLst>
-          </a:blip>
-          <a:stretch>
-            <a:fillRect/>
-          </a:stretch>
-        </p:blipFill>
-        <p:spPr>
-          <a:xfrm>
-            <a:off x="6640031" y="3603552"/>
-            <a:ext cx="4114800" cy="2743200"/>
-          </a:xfrm>
-          <a:prstGeom prst="rect">
-            <a:avLst/>
-          </a:prstGeom>
-        </p:spPr>
-      </p:pic>
-      <p:sp>
-        <p:nvSpPr>
-          <p:cNvPr id="10" name="TextBox 9">
-            <a:extLst>
-              <a:ext uri="{FF2B5EF4-FFF2-40B4-BE49-F238E27FC236}">
-                <a16:creationId xmlns:a16="http://schemas.microsoft.com/office/drawing/2014/main" id="{3D4D3B24-8FA5-45A7-97A4-AE90D658FFF4}"/>
-              </a:ext>
-            </a:extLst>
-          </p:cNvPr>
-          <p:cNvSpPr txBox="1"/>
-          <p:nvPr/>
-        </p:nvSpPr>
-        <p:spPr>
-          <a:xfrm>
-            <a:off x="2764466" y="228600"/>
-            <a:ext cx="2456121" cy="377456"/>
-          </a:xfrm>
-          <a:prstGeom prst="rect">
-            <a:avLst/>
-          </a:prstGeom>
-          <a:noFill/>
-        </p:spPr>
-        <p:txBody>
-          <a:bodyPr wrap="square" rtlCol="0">
-            <a:spAutoFit/>
-          </a:bodyPr>
-          <a:lstStyle/>
-          <a:p>
-            <a:r>
-              <a:rPr lang="en-US" dirty="0"/>
-              <a:t>Train Data</a:t>
-            </a:r>
-          </a:p>
-        </p:txBody>
-      </p:sp>
-      <p:sp>
-        <p:nvSpPr>
-          <p:cNvPr id="11" name="TextBox 10">
-            <a:extLst>
-              <a:ext uri="{FF2B5EF4-FFF2-40B4-BE49-F238E27FC236}">
-                <a16:creationId xmlns:a16="http://schemas.microsoft.com/office/drawing/2014/main" id="{6A8DC554-73B9-40C0-94DC-B0CB47D97A50}"/>
-              </a:ext>
-            </a:extLst>
-          </p:cNvPr>
-          <p:cNvSpPr txBox="1"/>
-          <p:nvPr/>
-        </p:nvSpPr>
-        <p:spPr>
-          <a:xfrm>
-            <a:off x="8060366" y="228600"/>
-            <a:ext cx="2456121" cy="377456"/>
-          </a:xfrm>
-          <a:prstGeom prst="rect">
-            <a:avLst/>
-          </a:prstGeom>
-          <a:noFill/>
-        </p:spPr>
-        <p:txBody>
-          <a:bodyPr wrap="square" rtlCol="0">
-            <a:spAutoFit/>
-          </a:bodyPr>
-          <a:lstStyle/>
-          <a:p>
-            <a:r>
-              <a:rPr lang="en-US" dirty="0"/>
-              <a:t>Test Data</a:t>
-            </a:r>
-          </a:p>
-        </p:txBody>
-      </p:sp>
     </p:spTree>
     <p:extLst>
       <p:ext uri="{BB962C8B-B14F-4D97-AF65-F5344CB8AC3E}">
-        <p14:creationId xmlns:p14="http://schemas.microsoft.com/office/powerpoint/2010/main" val="2081719474"/>
+        <p14:creationId xmlns:p14="http://schemas.microsoft.com/office/powerpoint/2010/main" val="3268404759"/>
       </p:ext>
     </p:extLst>
   </p:cSld>
@@ -4133,151 +4585,842 @@
           <a:chExt cx="0" cy="0"/>
         </a:xfrm>
       </p:grpSpPr>
-      <p:pic>
-        <p:nvPicPr>
-          <p:cNvPr id="6" name="Content Placeholder 5">
+      <p:sp>
+        <p:nvSpPr>
+          <p:cNvPr id="2" name="Title 1">
             <a:extLst>
               <a:ext uri="{FF2B5EF4-FFF2-40B4-BE49-F238E27FC236}">
-                <a16:creationId xmlns:a16="http://schemas.microsoft.com/office/drawing/2014/main" id="{0E8A59A5-D2BA-45F5-BFA1-824649B6CA2C}"/>
+                <a16:creationId xmlns:a16="http://schemas.microsoft.com/office/drawing/2014/main" id="{7FC98960-DEB0-40AC-9720-EE0FA29001CE}"/>
               </a:ext>
             </a:extLst>
           </p:cNvPr>
-          <p:cNvPicPr>
-            <a:picLocks noGrp="1" noChangeAspect="1"/>
-          </p:cNvPicPr>
+          <p:cNvSpPr>
+            <a:spLocks noGrp="1"/>
+          </p:cNvSpPr>
+          <p:nvPr>
+            <p:ph type="title"/>
+          </p:nvPr>
+        </p:nvSpPr>
+        <p:spPr/>
+        <p:txBody>
+          <a:bodyPr/>
+          <a:lstStyle/>
+          <a:p>
+            <a:r>
+              <a:rPr lang="en-US" dirty="0"/>
+              <a:t>ANOVA scores</a:t>
+            </a:r>
+          </a:p>
+        </p:txBody>
+      </p:sp>
+      <p:graphicFrame>
+        <p:nvGraphicFramePr>
+          <p:cNvPr id="8" name="Content Placeholder 7">
+            <a:extLst>
+              <a:ext uri="{FF2B5EF4-FFF2-40B4-BE49-F238E27FC236}">
+                <a16:creationId xmlns:a16="http://schemas.microsoft.com/office/drawing/2014/main" id="{8B6B5A59-D975-4400-A3A5-01FB1CD1C860}"/>
+              </a:ext>
+            </a:extLst>
+          </p:cNvPr>
+          <p:cNvGraphicFramePr>
+            <a:graphicFrameLocks noGrp="1"/>
+          </p:cNvGraphicFramePr>
           <p:nvPr>
             <p:ph idx="1"/>
-          </p:nvPr>
-        </p:nvPicPr>
-        <p:blipFill>
-          <a:blip r:embed="rId2">
-            <a:extLst>
-              <a:ext uri="{28A0092B-C50C-407E-A947-70E740481C1C}">
-                <a14:useLocalDpi xmlns:a14="http://schemas.microsoft.com/office/drawing/2010/main" val="0"/>
-              </a:ext>
-            </a:extLst>
-          </a:blip>
-          <a:stretch>
-            <a:fillRect/>
-          </a:stretch>
-        </p:blipFill>
+            <p:extLst>
+              <p:ext uri="{D42A27DB-BD31-4B8C-83A1-F6EECF244321}">
+                <p14:modId xmlns:p14="http://schemas.microsoft.com/office/powerpoint/2010/main" val="3796106861"/>
+              </p:ext>
+            </p:extLst>
+          </p:nvPr>
+        </p:nvGraphicFramePr>
+        <p:xfrm>
+          <a:off x="653900" y="2993065"/>
+          <a:ext cx="11121656" cy="2940056"/>
+        </p:xfrm>
+        <a:graphic>
+          <a:graphicData uri="http://schemas.openxmlformats.org/drawingml/2006/table">
+            <a:tbl>
+              <a:tblPr>
+                <a:tableStyleId>{793D81CF-94F2-401A-BA57-92F5A7B2D0C5}</a:tableStyleId>
+              </a:tblPr>
+              <a:tblGrid>
+                <a:gridCol w="334928">
+                  <a:extLst>
+                    <a:ext uri="{9D8B030D-6E8A-4147-A177-3AD203B41FA5}">
+                      <a16:colId xmlns:a16="http://schemas.microsoft.com/office/drawing/2014/main" val="3232635992"/>
+                    </a:ext>
+                  </a:extLst>
+                </a:gridCol>
+                <a:gridCol w="1653363">
+                  <a:extLst>
+                    <a:ext uri="{9D8B030D-6E8A-4147-A177-3AD203B41FA5}">
+                      <a16:colId xmlns:a16="http://schemas.microsoft.com/office/drawing/2014/main" val="909031098"/>
+                    </a:ext>
+                  </a:extLst>
+                </a:gridCol>
+                <a:gridCol w="1780953">
+                  <a:extLst>
+                    <a:ext uri="{9D8B030D-6E8A-4147-A177-3AD203B41FA5}">
+                      <a16:colId xmlns:a16="http://schemas.microsoft.com/office/drawing/2014/main" val="3030997802"/>
+                    </a:ext>
+                  </a:extLst>
+                </a:gridCol>
+                <a:gridCol w="1520456">
+                  <a:extLst>
+                    <a:ext uri="{9D8B030D-6E8A-4147-A177-3AD203B41FA5}">
+                      <a16:colId xmlns:a16="http://schemas.microsoft.com/office/drawing/2014/main" val="2939355599"/>
+                    </a:ext>
+                  </a:extLst>
+                </a:gridCol>
+                <a:gridCol w="1661335">
+                  <a:extLst>
+                    <a:ext uri="{9D8B030D-6E8A-4147-A177-3AD203B41FA5}">
+                      <a16:colId xmlns:a16="http://schemas.microsoft.com/office/drawing/2014/main" val="934262141"/>
+                    </a:ext>
+                  </a:extLst>
+                </a:gridCol>
+                <a:gridCol w="1390207">
+                  <a:extLst>
+                    <a:ext uri="{9D8B030D-6E8A-4147-A177-3AD203B41FA5}">
+                      <a16:colId xmlns:a16="http://schemas.microsoft.com/office/drawing/2014/main" val="2864717468"/>
+                    </a:ext>
+                  </a:extLst>
+                </a:gridCol>
+                <a:gridCol w="1390207">
+                  <a:extLst>
+                    <a:ext uri="{9D8B030D-6E8A-4147-A177-3AD203B41FA5}">
+                      <a16:colId xmlns:a16="http://schemas.microsoft.com/office/drawing/2014/main" val="2322435075"/>
+                    </a:ext>
+                  </a:extLst>
+                </a:gridCol>
+                <a:gridCol w="1390207">
+                  <a:extLst>
+                    <a:ext uri="{9D8B030D-6E8A-4147-A177-3AD203B41FA5}">
+                      <a16:colId xmlns:a16="http://schemas.microsoft.com/office/drawing/2014/main" val="1875610806"/>
+                    </a:ext>
+                  </a:extLst>
+                </a:gridCol>
+              </a:tblGrid>
+              <a:tr h="1258780">
+                <a:tc>
+                  <a:txBody>
+                    <a:bodyPr/>
+                    <a:lstStyle/>
+                    <a:p>
+                      <a:pPr algn="l" fontAlgn="b"/>
+                      <a:endParaRPr lang="en-US" sz="2000" b="0" i="0" u="none" strike="noStrike" dirty="0">
+                        <a:solidFill>
+                          <a:srgbClr val="000000"/>
+                        </a:solidFill>
+                        <a:effectLst/>
+                        <a:latin typeface="Calibri" panose="020F0502020204030204" pitchFamily="34" charset="0"/>
+                      </a:endParaRPr>
+                    </a:p>
+                  </a:txBody>
+                  <a:tcPr marL="3175" marR="3175" marT="3175" marB="0" anchor="b"/>
+                </a:tc>
+                <a:tc>
+                  <a:txBody>
+                    <a:bodyPr/>
+                    <a:lstStyle/>
+                    <a:p>
+                      <a:pPr algn="ctr" fontAlgn="b"/>
+                      <a:r>
+                        <a:rPr lang="en-US" sz="2000" b="1" u="none" strike="noStrike" dirty="0" err="1">
+                          <a:effectLst/>
+                        </a:rPr>
+                        <a:t>sent_len</a:t>
+                      </a:r>
+                      <a:endParaRPr lang="en-US" sz="2000" b="1" i="0" u="none" strike="noStrike" dirty="0">
+                        <a:solidFill>
+                          <a:srgbClr val="000000"/>
+                        </a:solidFill>
+                        <a:effectLst/>
+                        <a:latin typeface="Calibri" panose="020F0502020204030204" pitchFamily="34" charset="0"/>
+                      </a:endParaRPr>
+                    </a:p>
+                  </a:txBody>
+                  <a:tcPr marL="3175" marR="3175" marT="3175" marB="0" anchor="b"/>
+                </a:tc>
+                <a:tc>
+                  <a:txBody>
+                    <a:bodyPr/>
+                    <a:lstStyle/>
+                    <a:p>
+                      <a:pPr algn="ctr" fontAlgn="b"/>
+                      <a:r>
+                        <a:rPr lang="en-US" sz="2000" b="1" u="none" strike="noStrike" dirty="0" err="1">
+                          <a:effectLst/>
+                        </a:rPr>
+                        <a:t>word_var</a:t>
+                      </a:r>
+                      <a:endParaRPr lang="en-US" sz="2000" b="1" i="0" u="none" strike="noStrike" dirty="0">
+                        <a:solidFill>
+                          <a:srgbClr val="000000"/>
+                        </a:solidFill>
+                        <a:effectLst/>
+                        <a:latin typeface="Calibri" panose="020F0502020204030204" pitchFamily="34" charset="0"/>
+                      </a:endParaRPr>
+                    </a:p>
+                  </a:txBody>
+                  <a:tcPr marL="3175" marR="3175" marT="3175" marB="0" anchor="b"/>
+                </a:tc>
+                <a:tc>
+                  <a:txBody>
+                    <a:bodyPr/>
+                    <a:lstStyle/>
+                    <a:p>
+                      <a:pPr algn="ctr" fontAlgn="b"/>
+                      <a:r>
+                        <a:rPr lang="en-US" sz="2000" b="1" u="none" strike="noStrike" dirty="0" err="1">
+                          <a:effectLst/>
+                        </a:rPr>
+                        <a:t>word_len</a:t>
+                      </a:r>
+                      <a:endParaRPr lang="en-US" sz="2000" b="1" i="0" u="none" strike="noStrike" dirty="0">
+                        <a:solidFill>
+                          <a:srgbClr val="000000"/>
+                        </a:solidFill>
+                        <a:effectLst/>
+                        <a:latin typeface="Calibri" panose="020F0502020204030204" pitchFamily="34" charset="0"/>
+                      </a:endParaRPr>
+                    </a:p>
+                  </a:txBody>
+                  <a:tcPr marL="3175" marR="3175" marT="3175" marB="0" anchor="b"/>
+                </a:tc>
+                <a:tc>
+                  <a:txBody>
+                    <a:bodyPr/>
+                    <a:lstStyle/>
+                    <a:p>
+                      <a:pPr algn="ctr" fontAlgn="b"/>
+                      <a:r>
+                        <a:rPr lang="en-US" sz="2000" b="1" u="none" strike="noStrike" dirty="0">
+                          <a:effectLst/>
+                        </a:rPr>
+                        <a:t>compound</a:t>
+                      </a:r>
+                      <a:endParaRPr lang="en-US" sz="2000" b="1" i="0" u="none" strike="noStrike" dirty="0">
+                        <a:solidFill>
+                          <a:srgbClr val="000000"/>
+                        </a:solidFill>
+                        <a:effectLst/>
+                        <a:latin typeface="Calibri" panose="020F0502020204030204" pitchFamily="34" charset="0"/>
+                      </a:endParaRPr>
+                    </a:p>
+                  </a:txBody>
+                  <a:tcPr marL="3175" marR="3175" marT="3175" marB="0" anchor="b"/>
+                </a:tc>
+                <a:tc>
+                  <a:txBody>
+                    <a:bodyPr/>
+                    <a:lstStyle/>
+                    <a:p>
+                      <a:pPr algn="ctr" fontAlgn="b"/>
+                      <a:r>
+                        <a:rPr lang="en-US" sz="2000" b="1" u="none" strike="noStrike" dirty="0" err="1">
+                          <a:effectLst/>
+                        </a:rPr>
+                        <a:t>pos</a:t>
+                      </a:r>
+                      <a:endParaRPr lang="en-US" sz="2000" b="1" i="0" u="none" strike="noStrike" dirty="0">
+                        <a:solidFill>
+                          <a:srgbClr val="000000"/>
+                        </a:solidFill>
+                        <a:effectLst/>
+                        <a:latin typeface="Calibri" panose="020F0502020204030204" pitchFamily="34" charset="0"/>
+                      </a:endParaRPr>
+                    </a:p>
+                  </a:txBody>
+                  <a:tcPr marL="3175" marR="3175" marT="3175" marB="0" anchor="b"/>
+                </a:tc>
+                <a:tc>
+                  <a:txBody>
+                    <a:bodyPr/>
+                    <a:lstStyle/>
+                    <a:p>
+                      <a:pPr algn="ctr" fontAlgn="b"/>
+                      <a:r>
+                        <a:rPr lang="en-US" sz="2000" b="1" u="none" strike="noStrike" dirty="0" err="1">
+                          <a:effectLst/>
+                        </a:rPr>
+                        <a:t>neu</a:t>
+                      </a:r>
+                      <a:endParaRPr lang="en-US" sz="2000" b="1" i="0" u="none" strike="noStrike" dirty="0">
+                        <a:solidFill>
+                          <a:srgbClr val="000000"/>
+                        </a:solidFill>
+                        <a:effectLst/>
+                        <a:latin typeface="Calibri" panose="020F0502020204030204" pitchFamily="34" charset="0"/>
+                      </a:endParaRPr>
+                    </a:p>
+                  </a:txBody>
+                  <a:tcPr marL="3175" marR="3175" marT="3175" marB="0" anchor="b"/>
+                </a:tc>
+                <a:tc>
+                  <a:txBody>
+                    <a:bodyPr/>
+                    <a:lstStyle/>
+                    <a:p>
+                      <a:pPr algn="ctr" fontAlgn="b"/>
+                      <a:r>
+                        <a:rPr lang="en-US" sz="2000" b="1" u="none" strike="noStrike" dirty="0">
+                          <a:effectLst/>
+                        </a:rPr>
+                        <a:t>neg</a:t>
+                      </a:r>
+                      <a:endParaRPr lang="en-US" sz="2000" b="1" i="0" u="none" strike="noStrike" dirty="0">
+                        <a:solidFill>
+                          <a:srgbClr val="000000"/>
+                        </a:solidFill>
+                        <a:effectLst/>
+                        <a:latin typeface="Calibri" panose="020F0502020204030204" pitchFamily="34" charset="0"/>
+                      </a:endParaRPr>
+                    </a:p>
+                  </a:txBody>
+                  <a:tcPr marL="3175" marR="3175" marT="3175" marB="0" anchor="b"/>
+                </a:tc>
+                <a:extLst>
+                  <a:ext uri="{0D108BD9-81ED-4DB2-BD59-A6C34878D82A}">
+                    <a16:rowId xmlns:a16="http://schemas.microsoft.com/office/drawing/2014/main" val="3535935731"/>
+                  </a:ext>
+                </a:extLst>
+              </a:tr>
+              <a:tr h="840638">
+                <a:tc>
+                  <a:txBody>
+                    <a:bodyPr/>
+                    <a:lstStyle/>
+                    <a:p>
+                      <a:pPr algn="l" fontAlgn="b"/>
+                      <a:r>
+                        <a:rPr lang="en-US" sz="2000" u="none" strike="noStrike">
+                          <a:effectLst/>
+                        </a:rPr>
+                        <a:t>F</a:t>
+                      </a:r>
+                      <a:endParaRPr lang="en-US" sz="2000" b="0" i="0" u="none" strike="noStrike">
+                        <a:solidFill>
+                          <a:srgbClr val="000000"/>
+                        </a:solidFill>
+                        <a:effectLst/>
+                        <a:latin typeface="Calibri" panose="020F0502020204030204" pitchFamily="34" charset="0"/>
+                      </a:endParaRPr>
+                    </a:p>
+                  </a:txBody>
+                  <a:tcPr marL="3175" marR="3175" marT="3175" marB="0" anchor="b"/>
+                </a:tc>
+                <a:tc>
+                  <a:txBody>
+                    <a:bodyPr/>
+                    <a:lstStyle/>
+                    <a:p>
+                      <a:pPr algn="ctr" fontAlgn="b"/>
+                      <a:r>
+                        <a:rPr lang="en-US" sz="2000" u="none" strike="noStrike" dirty="0">
+                          <a:effectLst/>
+                        </a:rPr>
+                        <a:t>30.11198</a:t>
+                      </a:r>
+                      <a:endParaRPr lang="en-US" sz="2000" b="0" i="0" u="none" strike="noStrike" dirty="0">
+                        <a:solidFill>
+                          <a:srgbClr val="000000"/>
+                        </a:solidFill>
+                        <a:effectLst/>
+                        <a:latin typeface="Calibri" panose="020F0502020204030204" pitchFamily="34" charset="0"/>
+                      </a:endParaRPr>
+                    </a:p>
+                  </a:txBody>
+                  <a:tcPr marL="3175" marR="3175" marT="3175" marB="0" anchor="b"/>
+                </a:tc>
+                <a:tc>
+                  <a:txBody>
+                    <a:bodyPr/>
+                    <a:lstStyle/>
+                    <a:p>
+                      <a:pPr algn="ctr" fontAlgn="b"/>
+                      <a:r>
+                        <a:rPr lang="en-US" sz="2000" u="none" strike="noStrike" dirty="0">
+                          <a:effectLst/>
+                        </a:rPr>
+                        <a:t>58.58519</a:t>
+                      </a:r>
+                      <a:endParaRPr lang="en-US" sz="2000" b="0" i="0" u="none" strike="noStrike" dirty="0">
+                        <a:solidFill>
+                          <a:srgbClr val="000000"/>
+                        </a:solidFill>
+                        <a:effectLst/>
+                        <a:latin typeface="Calibri" panose="020F0502020204030204" pitchFamily="34" charset="0"/>
+                      </a:endParaRPr>
+                    </a:p>
+                  </a:txBody>
+                  <a:tcPr marL="3175" marR="3175" marT="3175" marB="0" anchor="b"/>
+                </a:tc>
+                <a:tc>
+                  <a:txBody>
+                    <a:bodyPr/>
+                    <a:lstStyle/>
+                    <a:p>
+                      <a:pPr algn="ctr" fontAlgn="b"/>
+                      <a:r>
+                        <a:rPr lang="en-US" sz="2000" u="none" strike="noStrike">
+                          <a:effectLst/>
+                        </a:rPr>
+                        <a:t>235.5922</a:t>
+                      </a:r>
+                      <a:endParaRPr lang="en-US" sz="2000" b="0" i="0" u="none" strike="noStrike">
+                        <a:solidFill>
+                          <a:srgbClr val="000000"/>
+                        </a:solidFill>
+                        <a:effectLst/>
+                        <a:latin typeface="Calibri" panose="020F0502020204030204" pitchFamily="34" charset="0"/>
+                      </a:endParaRPr>
+                    </a:p>
+                  </a:txBody>
+                  <a:tcPr marL="3175" marR="3175" marT="3175" marB="0" anchor="b"/>
+                </a:tc>
+                <a:tc>
+                  <a:txBody>
+                    <a:bodyPr/>
+                    <a:lstStyle/>
+                    <a:p>
+                      <a:pPr algn="ctr" fontAlgn="b"/>
+                      <a:r>
+                        <a:rPr lang="en-US" sz="2000" u="none" strike="noStrike">
+                          <a:effectLst/>
+                        </a:rPr>
+                        <a:t>111.2549</a:t>
+                      </a:r>
+                      <a:endParaRPr lang="en-US" sz="2000" b="0" i="0" u="none" strike="noStrike">
+                        <a:solidFill>
+                          <a:srgbClr val="000000"/>
+                        </a:solidFill>
+                        <a:effectLst/>
+                        <a:latin typeface="Calibri" panose="020F0502020204030204" pitchFamily="34" charset="0"/>
+                      </a:endParaRPr>
+                    </a:p>
+                  </a:txBody>
+                  <a:tcPr marL="3175" marR="3175" marT="3175" marB="0" anchor="b"/>
+                </a:tc>
+                <a:tc>
+                  <a:txBody>
+                    <a:bodyPr/>
+                    <a:lstStyle/>
+                    <a:p>
+                      <a:pPr algn="ctr" fontAlgn="b"/>
+                      <a:r>
+                        <a:rPr lang="en-US" sz="2000" u="none" strike="noStrike">
+                          <a:effectLst/>
+                        </a:rPr>
+                        <a:t>384.527</a:t>
+                      </a:r>
+                      <a:endParaRPr lang="en-US" sz="2000" b="0" i="0" u="none" strike="noStrike">
+                        <a:solidFill>
+                          <a:srgbClr val="000000"/>
+                        </a:solidFill>
+                        <a:effectLst/>
+                        <a:latin typeface="Calibri" panose="020F0502020204030204" pitchFamily="34" charset="0"/>
+                      </a:endParaRPr>
+                    </a:p>
+                  </a:txBody>
+                  <a:tcPr marL="3175" marR="3175" marT="3175" marB="0" anchor="b"/>
+                </a:tc>
+                <a:tc>
+                  <a:txBody>
+                    <a:bodyPr/>
+                    <a:lstStyle/>
+                    <a:p>
+                      <a:pPr algn="ctr" fontAlgn="b"/>
+                      <a:r>
+                        <a:rPr lang="en-US" sz="2000" u="none" strike="noStrike">
+                          <a:effectLst/>
+                        </a:rPr>
+                        <a:t>445.7831</a:t>
+                      </a:r>
+                      <a:endParaRPr lang="en-US" sz="2000" b="0" i="0" u="none" strike="noStrike">
+                        <a:solidFill>
+                          <a:srgbClr val="000000"/>
+                        </a:solidFill>
+                        <a:effectLst/>
+                        <a:latin typeface="Calibri" panose="020F0502020204030204" pitchFamily="34" charset="0"/>
+                      </a:endParaRPr>
+                    </a:p>
+                  </a:txBody>
+                  <a:tcPr marL="3175" marR="3175" marT="3175" marB="0" anchor="b"/>
+                </a:tc>
+                <a:tc>
+                  <a:txBody>
+                    <a:bodyPr/>
+                    <a:lstStyle/>
+                    <a:p>
+                      <a:pPr algn="ctr" fontAlgn="b"/>
+                      <a:r>
+                        <a:rPr lang="en-US" sz="2000" u="none" strike="noStrike">
+                          <a:effectLst/>
+                        </a:rPr>
+                        <a:t>91.9655</a:t>
+                      </a:r>
+                      <a:endParaRPr lang="en-US" sz="2000" b="0" i="0" u="none" strike="noStrike">
+                        <a:solidFill>
+                          <a:srgbClr val="000000"/>
+                        </a:solidFill>
+                        <a:effectLst/>
+                        <a:latin typeface="Calibri" panose="020F0502020204030204" pitchFamily="34" charset="0"/>
+                      </a:endParaRPr>
+                    </a:p>
+                  </a:txBody>
+                  <a:tcPr marL="3175" marR="3175" marT="3175" marB="0" anchor="b"/>
+                </a:tc>
+                <a:extLst>
+                  <a:ext uri="{0D108BD9-81ED-4DB2-BD59-A6C34878D82A}">
+                    <a16:rowId xmlns:a16="http://schemas.microsoft.com/office/drawing/2014/main" val="459183683"/>
+                  </a:ext>
+                </a:extLst>
+              </a:tr>
+              <a:tr h="840638">
+                <a:tc>
+                  <a:txBody>
+                    <a:bodyPr/>
+                    <a:lstStyle/>
+                    <a:p>
+                      <a:pPr algn="l" fontAlgn="b"/>
+                      <a:r>
+                        <a:rPr lang="en-US" sz="2000" u="none" strike="noStrike" dirty="0">
+                          <a:effectLst/>
+                        </a:rPr>
+                        <a:t>p</a:t>
+                      </a:r>
+                      <a:endParaRPr lang="en-US" sz="2000" b="0" i="0" u="none" strike="noStrike" dirty="0">
+                        <a:solidFill>
+                          <a:srgbClr val="000000"/>
+                        </a:solidFill>
+                        <a:effectLst/>
+                        <a:latin typeface="Calibri" panose="020F0502020204030204" pitchFamily="34" charset="0"/>
+                      </a:endParaRPr>
+                    </a:p>
+                  </a:txBody>
+                  <a:tcPr marL="3175" marR="3175" marT="3175" marB="0" anchor="b"/>
+                </a:tc>
+                <a:tc>
+                  <a:txBody>
+                    <a:bodyPr/>
+                    <a:lstStyle/>
+                    <a:p>
+                      <a:pPr algn="ctr" fontAlgn="b"/>
+                      <a:r>
+                        <a:rPr lang="en-US" sz="2000" u="none" strike="noStrike">
+                          <a:effectLst/>
+                        </a:rPr>
+                        <a:t>8.83E-14</a:t>
+                      </a:r>
+                      <a:endParaRPr lang="en-US" sz="2000" b="0" i="0" u="none" strike="noStrike">
+                        <a:solidFill>
+                          <a:srgbClr val="000000"/>
+                        </a:solidFill>
+                        <a:effectLst/>
+                        <a:latin typeface="Calibri" panose="020F0502020204030204" pitchFamily="34" charset="0"/>
+                      </a:endParaRPr>
+                    </a:p>
+                  </a:txBody>
+                  <a:tcPr marL="3175" marR="3175" marT="3175" marB="0" anchor="b"/>
+                </a:tc>
+                <a:tc>
+                  <a:txBody>
+                    <a:bodyPr/>
+                    <a:lstStyle/>
+                    <a:p>
+                      <a:pPr algn="ctr" fontAlgn="b"/>
+                      <a:r>
+                        <a:rPr lang="en-US" sz="2000" u="none" strike="noStrike">
+                          <a:effectLst/>
+                        </a:rPr>
+                        <a:t>4.41E-26</a:t>
+                      </a:r>
+                      <a:endParaRPr lang="en-US" sz="2000" b="0" i="0" u="none" strike="noStrike">
+                        <a:solidFill>
+                          <a:srgbClr val="000000"/>
+                        </a:solidFill>
+                        <a:effectLst/>
+                        <a:latin typeface="Calibri" panose="020F0502020204030204" pitchFamily="34" charset="0"/>
+                      </a:endParaRPr>
+                    </a:p>
+                  </a:txBody>
+                  <a:tcPr marL="3175" marR="3175" marT="3175" marB="0" anchor="b"/>
+                </a:tc>
+                <a:tc>
+                  <a:txBody>
+                    <a:bodyPr/>
+                    <a:lstStyle/>
+                    <a:p>
+                      <a:pPr algn="ctr" fontAlgn="b"/>
+                      <a:r>
+                        <a:rPr lang="en-US" sz="2000" u="none" strike="noStrike" dirty="0">
+                          <a:effectLst/>
+                        </a:rPr>
+                        <a:t>5.38E-103</a:t>
+                      </a:r>
+                      <a:endParaRPr lang="en-US" sz="2000" b="0" i="0" u="none" strike="noStrike" dirty="0">
+                        <a:solidFill>
+                          <a:srgbClr val="000000"/>
+                        </a:solidFill>
+                        <a:effectLst/>
+                        <a:latin typeface="Calibri" panose="020F0502020204030204" pitchFamily="34" charset="0"/>
+                      </a:endParaRPr>
+                    </a:p>
+                  </a:txBody>
+                  <a:tcPr marL="3175" marR="3175" marT="3175" marB="0" anchor="b"/>
+                </a:tc>
+                <a:tc>
+                  <a:txBody>
+                    <a:bodyPr/>
+                    <a:lstStyle/>
+                    <a:p>
+                      <a:pPr algn="ctr" fontAlgn="b"/>
+                      <a:r>
+                        <a:rPr lang="en-US" sz="2000" u="none" strike="noStrike" dirty="0">
+                          <a:effectLst/>
+                        </a:rPr>
+                        <a:t>9.95E-49</a:t>
+                      </a:r>
+                      <a:endParaRPr lang="en-US" sz="2000" b="0" i="0" u="none" strike="noStrike" dirty="0">
+                        <a:solidFill>
+                          <a:srgbClr val="000000"/>
+                        </a:solidFill>
+                        <a:effectLst/>
+                        <a:latin typeface="Calibri" panose="020F0502020204030204" pitchFamily="34" charset="0"/>
+                      </a:endParaRPr>
+                    </a:p>
+                  </a:txBody>
+                  <a:tcPr marL="3175" marR="3175" marT="3175" marB="0" anchor="b"/>
+                </a:tc>
+                <a:tc>
+                  <a:txBody>
+                    <a:bodyPr/>
+                    <a:lstStyle/>
+                    <a:p>
+                      <a:pPr algn="ctr" fontAlgn="b"/>
+                      <a:r>
+                        <a:rPr lang="en-US" sz="2000" u="none" strike="noStrike" dirty="0">
+                          <a:effectLst/>
+                        </a:rPr>
+                        <a:t>4.91E-164</a:t>
+                      </a:r>
+                      <a:endParaRPr lang="en-US" sz="2000" b="0" i="0" u="none" strike="noStrike" dirty="0">
+                        <a:solidFill>
+                          <a:srgbClr val="000000"/>
+                        </a:solidFill>
+                        <a:effectLst/>
+                        <a:latin typeface="Calibri" panose="020F0502020204030204" pitchFamily="34" charset="0"/>
+                      </a:endParaRPr>
+                    </a:p>
+                  </a:txBody>
+                  <a:tcPr marL="3175" marR="3175" marT="3175" marB="0" anchor="b"/>
+                </a:tc>
+                <a:tc>
+                  <a:txBody>
+                    <a:bodyPr/>
+                    <a:lstStyle/>
+                    <a:p>
+                      <a:pPr algn="ctr" fontAlgn="b"/>
+                      <a:r>
+                        <a:rPr lang="en-US" sz="2000" u="none" strike="noStrike" dirty="0">
+                          <a:effectLst/>
+                        </a:rPr>
+                        <a:t>2.16E-189</a:t>
+                      </a:r>
+                      <a:endParaRPr lang="en-US" sz="2000" b="0" i="0" u="none" strike="noStrike" dirty="0">
+                        <a:solidFill>
+                          <a:srgbClr val="000000"/>
+                        </a:solidFill>
+                        <a:effectLst/>
+                        <a:latin typeface="Calibri" panose="020F0502020204030204" pitchFamily="34" charset="0"/>
+                      </a:endParaRPr>
+                    </a:p>
+                  </a:txBody>
+                  <a:tcPr marL="3175" marR="3175" marT="3175" marB="0" anchor="b"/>
+                </a:tc>
+                <a:tc>
+                  <a:txBody>
+                    <a:bodyPr/>
+                    <a:lstStyle/>
+                    <a:p>
+                      <a:pPr algn="ctr" fontAlgn="b"/>
+                      <a:r>
+                        <a:rPr lang="en-US" sz="2000" u="none" strike="noStrike" dirty="0">
+                          <a:effectLst/>
+                        </a:rPr>
+                        <a:t>1.89E-40</a:t>
+                      </a:r>
+                      <a:endParaRPr lang="en-US" sz="2000" b="0" i="0" u="none" strike="noStrike" dirty="0">
+                        <a:solidFill>
+                          <a:srgbClr val="000000"/>
+                        </a:solidFill>
+                        <a:effectLst/>
+                        <a:latin typeface="Calibri" panose="020F0502020204030204" pitchFamily="34" charset="0"/>
+                      </a:endParaRPr>
+                    </a:p>
+                  </a:txBody>
+                  <a:tcPr marL="3175" marR="3175" marT="3175" marB="0" anchor="b"/>
+                </a:tc>
+                <a:extLst>
+                  <a:ext uri="{0D108BD9-81ED-4DB2-BD59-A6C34878D82A}">
+                    <a16:rowId xmlns:a16="http://schemas.microsoft.com/office/drawing/2014/main" val="2333389338"/>
+                  </a:ext>
+                </a:extLst>
+              </a:tr>
+            </a:tbl>
+          </a:graphicData>
+        </a:graphic>
+      </p:graphicFrame>
+      <p:sp>
+        <p:nvSpPr>
+          <p:cNvPr id="9" name="Rectangle 8">
+            <a:extLst>
+              <a:ext uri="{FF2B5EF4-FFF2-40B4-BE49-F238E27FC236}">
+                <a16:creationId xmlns:a16="http://schemas.microsoft.com/office/drawing/2014/main" id="{B3DE81D5-0EB8-4899-9A6C-1F7F74FC803A}"/>
+              </a:ext>
+            </a:extLst>
+          </p:cNvPr>
+          <p:cNvSpPr/>
+          <p:nvPr/>
+        </p:nvSpPr>
         <p:spPr>
           <a:xfrm>
-            <a:off x="5344632" y="3583173"/>
-            <a:ext cx="6400800" cy="3200400"/>
-          </a:xfrm>
-        </p:spPr>
-      </p:pic>
-      <p:pic>
-        <p:nvPicPr>
-          <p:cNvPr id="4" name="Picture 3">
-            <a:extLst>
-              <a:ext uri="{FF2B5EF4-FFF2-40B4-BE49-F238E27FC236}">
-                <a16:creationId xmlns:a16="http://schemas.microsoft.com/office/drawing/2014/main" id="{FB30AFD1-7095-4425-BB35-F56F43BB1E57}"/>
-              </a:ext>
-            </a:extLst>
-          </p:cNvPr>
-          <p:cNvPicPr>
-            <a:picLocks noChangeAspect="1"/>
-          </p:cNvPicPr>
-          <p:nvPr/>
-        </p:nvPicPr>
-        <p:blipFill>
-          <a:blip r:embed="rId3">
-            <a:extLst>
-              <a:ext uri="{28A0092B-C50C-407E-A947-70E740481C1C}">
-                <a14:useLocalDpi xmlns:a14="http://schemas.microsoft.com/office/drawing/2010/main" val="0"/>
-              </a:ext>
-            </a:extLst>
-          </a:blip>
-          <a:stretch>
-            <a:fillRect/>
-          </a:stretch>
-        </p:blipFill>
-        <p:spPr>
-          <a:xfrm>
-            <a:off x="404037" y="649528"/>
-            <a:ext cx="6400802" cy="3200400"/>
-          </a:xfrm>
-          <a:prstGeom prst="rect">
-            <a:avLst/>
-          </a:prstGeom>
-        </p:spPr>
-      </p:pic>
-      <p:sp>
-        <p:nvSpPr>
-          <p:cNvPr id="7" name="TextBox 6">
-            <a:extLst>
-              <a:ext uri="{FF2B5EF4-FFF2-40B4-BE49-F238E27FC236}">
-                <a16:creationId xmlns:a16="http://schemas.microsoft.com/office/drawing/2014/main" id="{1A39CF2D-08C3-408E-A46C-8AF4F49972D8}"/>
-              </a:ext>
-            </a:extLst>
-          </p:cNvPr>
-          <p:cNvSpPr txBox="1"/>
-          <p:nvPr/>
-        </p:nvSpPr>
-        <p:spPr>
-          <a:xfrm>
-            <a:off x="3381154" y="228600"/>
-            <a:ext cx="2456121" cy="377456"/>
+            <a:off x="4603898" y="3907465"/>
+            <a:ext cx="1398181" cy="2169042"/>
           </a:xfrm>
           <a:prstGeom prst="rect">
             <a:avLst/>
           </a:prstGeom>
           <a:noFill/>
+          <a:ln w="38100"/>
         </p:spPr>
-        <p:txBody>
-          <a:bodyPr wrap="square" rtlCol="0">
-            <a:spAutoFit/>
-          </a:bodyPr>
-          <a:lstStyle/>
-          <a:p>
-            <a:r>
-              <a:rPr lang="en-US" dirty="0"/>
-              <a:t>Train Data</a:t>
-            </a:r>
-          </a:p>
-        </p:txBody>
-      </p:sp>
-      <p:sp>
-        <p:nvSpPr>
-          <p:cNvPr id="8" name="TextBox 7">
+        <p:style>
+          <a:lnRef idx="2">
+            <a:schemeClr val="accent1">
+              <a:shade val="50000"/>
+            </a:schemeClr>
+          </a:lnRef>
+          <a:fillRef idx="1">
+            <a:schemeClr val="accent1"/>
+          </a:fillRef>
+          <a:effectRef idx="0">
+            <a:schemeClr val="accent1"/>
+          </a:effectRef>
+          <a:fontRef idx="minor">
+            <a:schemeClr val="lt1"/>
+          </a:fontRef>
+        </p:style>
+        <p:txBody>
+          <a:bodyPr rtlCol="0" anchor="ctr"/>
+          <a:lstStyle/>
+          <a:p>
+            <a:pPr algn="ctr"/>
+            <a:endParaRPr lang="en-US"/>
+          </a:p>
+        </p:txBody>
+      </p:sp>
+      <p:sp>
+        <p:nvSpPr>
+          <p:cNvPr id="10" name="Rectangle 9">
             <a:extLst>
               <a:ext uri="{FF2B5EF4-FFF2-40B4-BE49-F238E27FC236}">
-                <a16:creationId xmlns:a16="http://schemas.microsoft.com/office/drawing/2014/main" id="{6BB7EEC2-2EFA-4999-A523-2199E54627ED}"/>
+                <a16:creationId xmlns:a16="http://schemas.microsoft.com/office/drawing/2014/main" id="{E86217E2-5272-4E11-A840-0459ADC57961}"/>
               </a:ext>
             </a:extLst>
           </p:cNvPr>
-          <p:cNvSpPr txBox="1"/>
+          <p:cNvSpPr/>
           <p:nvPr/>
         </p:nvSpPr>
         <p:spPr>
           <a:xfrm>
-            <a:off x="8219854" y="2897371"/>
-            <a:ext cx="2456121" cy="377456"/>
+            <a:off x="7584558" y="3907465"/>
+            <a:ext cx="1398181" cy="2169042"/>
           </a:xfrm>
           <a:prstGeom prst="rect">
             <a:avLst/>
           </a:prstGeom>
           <a:noFill/>
+          <a:ln w="38100"/>
         </p:spPr>
-        <p:txBody>
-          <a:bodyPr wrap="square" rtlCol="0">
-            <a:spAutoFit/>
-          </a:bodyPr>
-          <a:lstStyle/>
-          <a:p>
-            <a:r>
-              <a:rPr lang="en-US" dirty="0"/>
-              <a:t>Test Data</a:t>
-            </a:r>
+        <p:style>
+          <a:lnRef idx="2">
+            <a:schemeClr val="accent1">
+              <a:shade val="50000"/>
+            </a:schemeClr>
+          </a:lnRef>
+          <a:fillRef idx="1">
+            <a:schemeClr val="accent1"/>
+          </a:fillRef>
+          <a:effectRef idx="0">
+            <a:schemeClr val="accent1"/>
+          </a:effectRef>
+          <a:fontRef idx="minor">
+            <a:schemeClr val="lt1"/>
+          </a:fontRef>
+        </p:style>
+        <p:txBody>
+          <a:bodyPr rtlCol="0" anchor="ctr"/>
+          <a:lstStyle/>
+          <a:p>
+            <a:pPr algn="ctr"/>
+            <a:endParaRPr lang="en-US"/>
+          </a:p>
+        </p:txBody>
+      </p:sp>
+      <p:sp>
+        <p:nvSpPr>
+          <p:cNvPr id="11" name="Rectangle 10">
+            <a:extLst>
+              <a:ext uri="{FF2B5EF4-FFF2-40B4-BE49-F238E27FC236}">
+                <a16:creationId xmlns:a16="http://schemas.microsoft.com/office/drawing/2014/main" id="{D5A4EEF2-9D44-40B8-A08A-C68EDAEB3B64}"/>
+              </a:ext>
+            </a:extLst>
+          </p:cNvPr>
+          <p:cNvSpPr/>
+          <p:nvPr/>
+        </p:nvSpPr>
+        <p:spPr>
+          <a:xfrm>
+            <a:off x="9051852" y="3907465"/>
+            <a:ext cx="1398181" cy="2169042"/>
+          </a:xfrm>
+          <a:prstGeom prst="rect">
+            <a:avLst/>
+          </a:prstGeom>
+          <a:noFill/>
+          <a:ln w="38100"/>
+        </p:spPr>
+        <p:style>
+          <a:lnRef idx="2">
+            <a:schemeClr val="accent1">
+              <a:shade val="50000"/>
+            </a:schemeClr>
+          </a:lnRef>
+          <a:fillRef idx="1">
+            <a:schemeClr val="accent1"/>
+          </a:fillRef>
+          <a:effectRef idx="0">
+            <a:schemeClr val="accent1"/>
+          </a:effectRef>
+          <a:fontRef idx="minor">
+            <a:schemeClr val="lt1"/>
+          </a:fontRef>
+        </p:style>
+        <p:txBody>
+          <a:bodyPr rtlCol="0" anchor="ctr"/>
+          <a:lstStyle/>
+          <a:p>
+            <a:pPr algn="ctr"/>
+            <a:endParaRPr lang="en-US"/>
           </a:p>
         </p:txBody>
       </p:sp>
     </p:spTree>
     <p:extLst>
       <p:ext uri="{BB962C8B-B14F-4D97-AF65-F5344CB8AC3E}">
-        <p14:creationId xmlns:p14="http://schemas.microsoft.com/office/powerpoint/2010/main" val="3424517469"/>
+        <p14:creationId xmlns:p14="http://schemas.microsoft.com/office/powerpoint/2010/main" val="1294362455"/>
       </p:ext>
     </p:extLst>
   </p:cSld>
@@ -4304,223 +5447,122 @@
           <a:chExt cx="0" cy="0"/>
         </a:xfrm>
       </p:grpSpPr>
-      <p:pic>
-        <p:nvPicPr>
-          <p:cNvPr id="5" name="Content Placeholder 4">
+      <p:sp>
+        <p:nvSpPr>
+          <p:cNvPr id="2" name="Title 1">
             <a:extLst>
               <a:ext uri="{FF2B5EF4-FFF2-40B4-BE49-F238E27FC236}">
-                <a16:creationId xmlns:a16="http://schemas.microsoft.com/office/drawing/2014/main" id="{0887A0AC-EC22-485E-86AD-70C77DB3AA1C}"/>
+                <a16:creationId xmlns:a16="http://schemas.microsoft.com/office/drawing/2014/main" id="{D9B50E4D-3F67-4D71-8B15-EFDDCEC9A036}"/>
               </a:ext>
             </a:extLst>
           </p:cNvPr>
-          <p:cNvPicPr>
-            <a:picLocks noGrp="1" noChangeAspect="1"/>
-          </p:cNvPicPr>
+          <p:cNvSpPr>
+            <a:spLocks noGrp="1"/>
+          </p:cNvSpPr>
+          <p:nvPr>
+            <p:ph type="title"/>
+          </p:nvPr>
+        </p:nvSpPr>
+        <p:spPr/>
+        <p:txBody>
+          <a:bodyPr>
+            <a:normAutofit/>
+          </a:bodyPr>
+          <a:lstStyle/>
+          <a:p>
+            <a:r>
+              <a:rPr lang="en-US" dirty="0"/>
+              <a:t>How do we assign authorship to sentences?</a:t>
+            </a:r>
+          </a:p>
+        </p:txBody>
+      </p:sp>
+      <p:sp>
+        <p:nvSpPr>
+          <p:cNvPr id="3" name="Content Placeholder 2">
+            <a:extLst>
+              <a:ext uri="{FF2B5EF4-FFF2-40B4-BE49-F238E27FC236}">
+                <a16:creationId xmlns:a16="http://schemas.microsoft.com/office/drawing/2014/main" id="{F926E6F7-BFB4-4F2E-9F6F-5DFA85E529C2}"/>
+              </a:ext>
+            </a:extLst>
+          </p:cNvPr>
+          <p:cNvSpPr>
+            <a:spLocks noGrp="1"/>
+          </p:cNvSpPr>
           <p:nvPr>
             <p:ph idx="1"/>
           </p:nvPr>
-        </p:nvPicPr>
-        <p:blipFill>
-          <a:blip r:embed="rId2">
-            <a:extLst>
-              <a:ext uri="{28A0092B-C50C-407E-A947-70E740481C1C}">
-                <a14:useLocalDpi xmlns:a14="http://schemas.microsoft.com/office/drawing/2010/main" val="0"/>
-              </a:ext>
-            </a:extLst>
-          </a:blip>
-          <a:stretch>
-            <a:fillRect/>
-          </a:stretch>
-        </p:blipFill>
-        <p:spPr>
-          <a:xfrm>
-            <a:off x="1148317" y="606056"/>
-            <a:ext cx="4114801" cy="2743200"/>
-          </a:xfrm>
-        </p:spPr>
-      </p:pic>
-      <p:pic>
-        <p:nvPicPr>
-          <p:cNvPr id="7" name="Picture 6">
-            <a:extLst>
-              <a:ext uri="{FF2B5EF4-FFF2-40B4-BE49-F238E27FC236}">
-                <a16:creationId xmlns:a16="http://schemas.microsoft.com/office/drawing/2014/main" id="{F430C3C2-324A-462D-B2B0-FC94392D3316}"/>
-              </a:ext>
-            </a:extLst>
-          </p:cNvPr>
-          <p:cNvPicPr>
-            <a:picLocks noChangeAspect="1"/>
-          </p:cNvPicPr>
-          <p:nvPr/>
-        </p:nvPicPr>
-        <p:blipFill>
-          <a:blip r:embed="rId3">
-            <a:extLst>
-              <a:ext uri="{28A0092B-C50C-407E-A947-70E740481C1C}">
-                <a14:useLocalDpi xmlns:a14="http://schemas.microsoft.com/office/drawing/2010/main" val="0"/>
-              </a:ext>
-            </a:extLst>
-          </a:blip>
-          <a:stretch>
-            <a:fillRect/>
-          </a:stretch>
-        </p:blipFill>
-        <p:spPr>
-          <a:xfrm>
-            <a:off x="1148317" y="3638031"/>
-            <a:ext cx="4114800" cy="2743200"/>
-          </a:xfrm>
-          <a:prstGeom prst="rect">
-            <a:avLst/>
-          </a:prstGeom>
-        </p:spPr>
-      </p:pic>
-      <p:pic>
-        <p:nvPicPr>
-          <p:cNvPr id="4" name="Picture 3">
-            <a:extLst>
-              <a:ext uri="{FF2B5EF4-FFF2-40B4-BE49-F238E27FC236}">
-                <a16:creationId xmlns:a16="http://schemas.microsoft.com/office/drawing/2014/main" id="{0BE02643-629E-48C4-8055-03B9D6835F31}"/>
-              </a:ext>
-            </a:extLst>
-          </p:cNvPr>
-          <p:cNvPicPr>
-            <a:picLocks noChangeAspect="1"/>
-          </p:cNvPicPr>
-          <p:nvPr/>
-        </p:nvPicPr>
-        <p:blipFill>
-          <a:blip r:embed="rId4">
-            <a:extLst>
-              <a:ext uri="{28A0092B-C50C-407E-A947-70E740481C1C}">
-                <a14:useLocalDpi xmlns:a14="http://schemas.microsoft.com/office/drawing/2010/main" val="0"/>
-              </a:ext>
-            </a:extLst>
-          </a:blip>
-          <a:stretch>
-            <a:fillRect/>
-          </a:stretch>
-        </p:blipFill>
-        <p:spPr>
-          <a:xfrm>
-            <a:off x="6454851" y="606056"/>
-            <a:ext cx="4114801" cy="2743200"/>
-          </a:xfrm>
-          <a:prstGeom prst="rect">
-            <a:avLst/>
-          </a:prstGeom>
-        </p:spPr>
-      </p:pic>
-      <p:pic>
-        <p:nvPicPr>
-          <p:cNvPr id="8" name="Picture 7">
-            <a:extLst>
-              <a:ext uri="{FF2B5EF4-FFF2-40B4-BE49-F238E27FC236}">
-                <a16:creationId xmlns:a16="http://schemas.microsoft.com/office/drawing/2014/main" id="{7BB6CAAB-362F-437E-8C8F-A51AB068D958}"/>
-              </a:ext>
-            </a:extLst>
-          </p:cNvPr>
-          <p:cNvPicPr>
-            <a:picLocks noChangeAspect="1"/>
-          </p:cNvPicPr>
-          <p:nvPr/>
-        </p:nvPicPr>
-        <p:blipFill>
-          <a:blip r:embed="rId5">
-            <a:extLst>
-              <a:ext uri="{28A0092B-C50C-407E-A947-70E740481C1C}">
-                <a14:useLocalDpi xmlns:a14="http://schemas.microsoft.com/office/drawing/2010/main" val="0"/>
-              </a:ext>
-            </a:extLst>
-          </a:blip>
-          <a:stretch>
-            <a:fillRect/>
-          </a:stretch>
-        </p:blipFill>
-        <p:spPr>
-          <a:xfrm>
-            <a:off x="6454851" y="3638031"/>
-            <a:ext cx="4114801" cy="2743200"/>
-          </a:xfrm>
-          <a:prstGeom prst="rect">
-            <a:avLst/>
-          </a:prstGeom>
-        </p:spPr>
-      </p:pic>
-      <p:sp>
-        <p:nvSpPr>
-          <p:cNvPr id="10" name="TextBox 9">
-            <a:extLst>
-              <a:ext uri="{FF2B5EF4-FFF2-40B4-BE49-F238E27FC236}">
-                <a16:creationId xmlns:a16="http://schemas.microsoft.com/office/drawing/2014/main" id="{83DB4363-816D-49C6-8145-A62E56DE986B}"/>
-              </a:ext>
-            </a:extLst>
-          </p:cNvPr>
-          <p:cNvSpPr txBox="1"/>
-          <p:nvPr/>
-        </p:nvSpPr>
-        <p:spPr>
-          <a:xfrm>
-            <a:off x="2764466" y="228600"/>
-            <a:ext cx="2456121" cy="377456"/>
-          </a:xfrm>
-          <a:prstGeom prst="rect">
-            <a:avLst/>
-          </a:prstGeom>
-          <a:noFill/>
-        </p:spPr>
-        <p:txBody>
-          <a:bodyPr wrap="square" rtlCol="0">
-            <a:spAutoFit/>
-          </a:bodyPr>
-          <a:lstStyle/>
-          <a:p>
+        </p:nvSpPr>
+        <p:spPr/>
+        <p:txBody>
+          <a:bodyPr/>
+          <a:lstStyle/>
+          <a:p>
+            <a:pPr marL="457200" indent="-457200">
+              <a:buFont typeface="+mj-lt"/>
+              <a:buAutoNum type="arabicPeriod"/>
+            </a:pPr>
             <a:r>
               <a:rPr lang="en-US" dirty="0"/>
-              <a:t>Train Data</a:t>
-            </a:r>
-          </a:p>
-        </p:txBody>
-      </p:sp>
-      <p:sp>
-        <p:nvSpPr>
-          <p:cNvPr id="11" name="TextBox 10">
-            <a:extLst>
-              <a:ext uri="{FF2B5EF4-FFF2-40B4-BE49-F238E27FC236}">
-                <a16:creationId xmlns:a16="http://schemas.microsoft.com/office/drawing/2014/main" id="{DC1336CA-8192-4824-B159-98687F0D735E}"/>
-              </a:ext>
-            </a:extLst>
-          </p:cNvPr>
-          <p:cNvSpPr txBox="1"/>
-          <p:nvPr/>
-        </p:nvSpPr>
-        <p:spPr>
-          <a:xfrm>
-            <a:off x="8060366" y="228600"/>
-            <a:ext cx="2456121" cy="377456"/>
-          </a:xfrm>
-          <a:prstGeom prst="rect">
-            <a:avLst/>
-          </a:prstGeom>
-          <a:noFill/>
-        </p:spPr>
-        <p:txBody>
-          <a:bodyPr wrap="square" rtlCol="0">
-            <a:spAutoFit/>
-          </a:bodyPr>
-          <a:lstStyle/>
-          <a:p>
+              <a:t>Create dictionary of word frequencies for each author for training dataset</a:t>
+            </a:r>
+          </a:p>
+          <a:p>
+            <a:pPr marL="457200" indent="-457200">
+              <a:buFont typeface="+mj-lt"/>
+              <a:buAutoNum type="arabicPeriod"/>
+            </a:pPr>
             <a:r>
               <a:rPr lang="en-US" dirty="0"/>
-              <a:t>Test Data</a:t>
-            </a:r>
+              <a:t>For each sentence in the test dataset </a:t>
+            </a:r>
+          </a:p>
+          <a:p>
+            <a:pPr marL="731520" lvl="1" indent="-457200">
+              <a:buFont typeface="+mj-lt"/>
+              <a:buAutoNum type="arabicPeriod"/>
+            </a:pPr>
+            <a:r>
+              <a:rPr lang="en-US" dirty="0"/>
+              <a:t>create a table with the frequency with which each author uses each word</a:t>
+            </a:r>
+          </a:p>
+          <a:p>
+            <a:pPr marL="731520" lvl="1" indent="-457200">
+              <a:buFont typeface="+mj-lt"/>
+              <a:buAutoNum type="arabicPeriod"/>
+            </a:pPr>
+            <a:r>
+              <a:rPr lang="en-US" dirty="0"/>
+              <a:t>For each author, multiply together all the frequencies for the words in the sentence</a:t>
+            </a:r>
+          </a:p>
+          <a:p>
+            <a:pPr marL="731520" lvl="1" indent="-457200">
+              <a:buFont typeface="+mj-lt"/>
+              <a:buAutoNum type="arabicPeriod"/>
+            </a:pPr>
+            <a:r>
+              <a:rPr lang="en-US" dirty="0"/>
+              <a:t>Identify which author has the highest number – that’s the winner!</a:t>
+            </a:r>
+          </a:p>
+          <a:p>
+            <a:pPr marL="457200" indent="-457200">
+              <a:buFont typeface="+mj-lt"/>
+              <a:buAutoNum type="arabicPeriod"/>
+            </a:pPr>
+            <a:endParaRPr lang="en-US" dirty="0"/>
+          </a:p>
+          <a:p>
+            <a:endParaRPr lang="en-US" dirty="0"/>
           </a:p>
         </p:txBody>
       </p:sp>
     </p:spTree>
     <p:extLst>
       <p:ext uri="{BB962C8B-B14F-4D97-AF65-F5344CB8AC3E}">
-        <p14:creationId xmlns:p14="http://schemas.microsoft.com/office/powerpoint/2010/main" val="789669418"/>
+        <p14:creationId xmlns:p14="http://schemas.microsoft.com/office/powerpoint/2010/main" val="873388279"/>
       </p:ext>
     </p:extLst>
   </p:cSld>
@@ -4547,12 +5589,43 @@
           <a:chExt cx="0" cy="0"/>
         </a:xfrm>
       </p:grpSpPr>
+      <p:sp>
+        <p:nvSpPr>
+          <p:cNvPr id="2" name="Title 1">
+            <a:extLst>
+              <a:ext uri="{FF2B5EF4-FFF2-40B4-BE49-F238E27FC236}">
+                <a16:creationId xmlns:a16="http://schemas.microsoft.com/office/drawing/2014/main" id="{D9B50E4D-3F67-4D71-8B15-EFDDCEC9A036}"/>
+              </a:ext>
+            </a:extLst>
+          </p:cNvPr>
+          <p:cNvSpPr>
+            <a:spLocks noGrp="1"/>
+          </p:cNvSpPr>
+          <p:nvPr>
+            <p:ph type="title"/>
+          </p:nvPr>
+        </p:nvSpPr>
+        <p:spPr/>
+        <p:txBody>
+          <a:bodyPr>
+            <a:noAutofit/>
+          </a:bodyPr>
+          <a:lstStyle/>
+          <a:p>
+            <a:pPr lvl="0"/>
+            <a:r>
+              <a:rPr lang="en-US" sz="4000" dirty="0"/>
+              <a:t>How does the assigned authorship dataset compare to the provided dataset with author already assigned?</a:t>
+            </a:r>
+          </a:p>
+        </p:txBody>
+      </p:sp>
       <p:pic>
         <p:nvPicPr>
-          <p:cNvPr id="6" name="Content Placeholder 5">
+          <p:cNvPr id="5" name="Content Placeholder 4">
             <a:extLst>
               <a:ext uri="{FF2B5EF4-FFF2-40B4-BE49-F238E27FC236}">
-                <a16:creationId xmlns:a16="http://schemas.microsoft.com/office/drawing/2014/main" id="{0F540402-BC21-470B-BFAE-EECDF564C379}"/>
+                <a16:creationId xmlns:a16="http://schemas.microsoft.com/office/drawing/2014/main" id="{9836064C-FD69-4A74-A7B3-36399FC896FD}"/>
               </a:ext>
             </a:extLst>
           </p:cNvPr>
@@ -4577,17 +5650,87 @@
         </p:blipFill>
         <p:spPr>
           <a:xfrm>
-            <a:off x="6212958" y="1811043"/>
+            <a:off x="6096000" y="2785202"/>
             <a:ext cx="5486411" cy="3657607"/>
           </a:xfrm>
         </p:spPr>
       </p:pic>
+      <p:sp>
+        <p:nvSpPr>
+          <p:cNvPr id="6" name="TextBox 5">
+            <a:extLst>
+              <a:ext uri="{FF2B5EF4-FFF2-40B4-BE49-F238E27FC236}">
+                <a16:creationId xmlns:a16="http://schemas.microsoft.com/office/drawing/2014/main" id="{C7932F6E-7800-481B-8662-A416637585E9}"/>
+              </a:ext>
+            </a:extLst>
+          </p:cNvPr>
+          <p:cNvSpPr txBox="1"/>
+          <p:nvPr/>
+        </p:nvSpPr>
+        <p:spPr>
+          <a:xfrm>
+            <a:off x="7915939" y="2300177"/>
+            <a:ext cx="1164265" cy="369332"/>
+          </a:xfrm>
+          <a:prstGeom prst="rect">
+            <a:avLst/>
+          </a:prstGeom>
+          <a:noFill/>
+        </p:spPr>
+        <p:txBody>
+          <a:bodyPr wrap="square" rtlCol="0">
+            <a:spAutoFit/>
+          </a:bodyPr>
+          <a:lstStyle/>
+          <a:p>
+            <a:r>
+              <a:rPr lang="en-US" dirty="0"/>
+              <a:t>Test</a:t>
+            </a:r>
+          </a:p>
+        </p:txBody>
+      </p:sp>
+      <p:sp>
+        <p:nvSpPr>
+          <p:cNvPr id="7" name="TextBox 6">
+            <a:extLst>
+              <a:ext uri="{FF2B5EF4-FFF2-40B4-BE49-F238E27FC236}">
+                <a16:creationId xmlns:a16="http://schemas.microsoft.com/office/drawing/2014/main" id="{EA165232-9DAB-4F26-B69C-33668A199AC3}"/>
+              </a:ext>
+            </a:extLst>
+          </p:cNvPr>
+          <p:cNvSpPr txBox="1"/>
+          <p:nvPr/>
+        </p:nvSpPr>
+        <p:spPr>
+          <a:xfrm>
+            <a:off x="1795130" y="2300177"/>
+            <a:ext cx="1164265" cy="369332"/>
+          </a:xfrm>
+          <a:prstGeom prst="rect">
+            <a:avLst/>
+          </a:prstGeom>
+          <a:noFill/>
+        </p:spPr>
+        <p:txBody>
+          <a:bodyPr wrap="square" rtlCol="0">
+            <a:spAutoFit/>
+          </a:bodyPr>
+          <a:lstStyle/>
+          <a:p>
+            <a:r>
+              <a:rPr lang="en-US" dirty="0"/>
+              <a:t>Train</a:t>
+            </a:r>
+          </a:p>
+        </p:txBody>
+      </p:sp>
       <p:pic>
         <p:nvPicPr>
-          <p:cNvPr id="4" name="Picture 3">
+          <p:cNvPr id="8" name="Picture 7">
             <a:extLst>
               <a:ext uri="{FF2B5EF4-FFF2-40B4-BE49-F238E27FC236}">
-                <a16:creationId xmlns:a16="http://schemas.microsoft.com/office/drawing/2014/main" id="{68957571-BAC2-4B87-8C83-22A0D4729D06}"/>
+                <a16:creationId xmlns:a16="http://schemas.microsoft.com/office/drawing/2014/main" id="{5D975098-4536-4F26-AEA6-87B2DBC75527}"/>
               </a:ext>
             </a:extLst>
           </p:cNvPr>
@@ -4610,88 +5753,18 @@
         </p:blipFill>
         <p:spPr>
           <a:xfrm>
-            <a:off x="609589" y="1811044"/>
-            <a:ext cx="5486411" cy="3657607"/>
+            <a:off x="756187" y="2827402"/>
+            <a:ext cx="5423111" cy="3615407"/>
           </a:xfrm>
           <a:prstGeom prst="rect">
             <a:avLst/>
           </a:prstGeom>
         </p:spPr>
       </p:pic>
-      <p:sp>
-        <p:nvSpPr>
-          <p:cNvPr id="7" name="TextBox 6">
-            <a:extLst>
-              <a:ext uri="{FF2B5EF4-FFF2-40B4-BE49-F238E27FC236}">
-                <a16:creationId xmlns:a16="http://schemas.microsoft.com/office/drawing/2014/main" id="{713FA607-0BE8-45E4-8A8F-EADABB6DFF55}"/>
-              </a:ext>
-            </a:extLst>
-          </p:cNvPr>
-          <p:cNvSpPr txBox="1"/>
-          <p:nvPr/>
-        </p:nvSpPr>
-        <p:spPr>
-          <a:xfrm>
-            <a:off x="2764466" y="228600"/>
-            <a:ext cx="2456121" cy="377456"/>
-          </a:xfrm>
-          <a:prstGeom prst="rect">
-            <a:avLst/>
-          </a:prstGeom>
-          <a:noFill/>
-        </p:spPr>
-        <p:txBody>
-          <a:bodyPr wrap="square" rtlCol="0">
-            <a:spAutoFit/>
-          </a:bodyPr>
-          <a:lstStyle/>
-          <a:p>
-            <a:r>
-              <a:rPr lang="en-US" dirty="0"/>
-              <a:t>Train Data</a:t>
-            </a:r>
-          </a:p>
-        </p:txBody>
-      </p:sp>
-      <p:sp>
-        <p:nvSpPr>
-          <p:cNvPr id="8" name="TextBox 7">
-            <a:extLst>
-              <a:ext uri="{FF2B5EF4-FFF2-40B4-BE49-F238E27FC236}">
-                <a16:creationId xmlns:a16="http://schemas.microsoft.com/office/drawing/2014/main" id="{D91B13D6-8D39-4FEB-8D07-89E70DA5439E}"/>
-              </a:ext>
-            </a:extLst>
-          </p:cNvPr>
-          <p:cNvSpPr txBox="1"/>
-          <p:nvPr/>
-        </p:nvSpPr>
-        <p:spPr>
-          <a:xfrm>
-            <a:off x="8060366" y="228600"/>
-            <a:ext cx="2456121" cy="377456"/>
-          </a:xfrm>
-          <a:prstGeom prst="rect">
-            <a:avLst/>
-          </a:prstGeom>
-          <a:noFill/>
-        </p:spPr>
-        <p:txBody>
-          <a:bodyPr wrap="square" rtlCol="0">
-            <a:spAutoFit/>
-          </a:bodyPr>
-          <a:lstStyle/>
-          <a:p>
-            <a:r>
-              <a:rPr lang="en-US" dirty="0"/>
-              <a:t>Test Data</a:t>
-            </a:r>
-          </a:p>
-        </p:txBody>
-      </p:sp>
     </p:spTree>
     <p:extLst>
       <p:ext uri="{BB962C8B-B14F-4D97-AF65-F5344CB8AC3E}">
-        <p14:creationId xmlns:p14="http://schemas.microsoft.com/office/powerpoint/2010/main" val="1562781106"/>
+        <p14:creationId xmlns:p14="http://schemas.microsoft.com/office/powerpoint/2010/main" val="2857564199"/>
       </p:ext>
     </p:extLst>
   </p:cSld>
@@ -4718,12 +5791,315 @@
           <a:chExt cx="0" cy="0"/>
         </a:xfrm>
       </p:grpSpPr>
+      <p:sp>
+        <p:nvSpPr>
+          <p:cNvPr id="2" name="Title 1">
+            <a:extLst>
+              <a:ext uri="{FF2B5EF4-FFF2-40B4-BE49-F238E27FC236}">
+                <a16:creationId xmlns:a16="http://schemas.microsoft.com/office/drawing/2014/main" id="{D9B50E4D-3F67-4D71-8B15-EFDDCEC9A036}"/>
+              </a:ext>
+            </a:extLst>
+          </p:cNvPr>
+          <p:cNvSpPr>
+            <a:spLocks noGrp="1"/>
+          </p:cNvSpPr>
+          <p:nvPr>
+            <p:ph type="title"/>
+          </p:nvPr>
+        </p:nvSpPr>
+        <p:spPr/>
+        <p:txBody>
+          <a:bodyPr>
+            <a:noAutofit/>
+          </a:bodyPr>
+          <a:lstStyle/>
+          <a:p>
+            <a:pPr lvl="0"/>
+            <a:r>
+              <a:rPr lang="en-US" sz="4000" dirty="0"/>
+              <a:t>How does the assigned authorship dataset compare to the provided dataset with author already assigned?</a:t>
+            </a:r>
+          </a:p>
+        </p:txBody>
+      </p:sp>
+      <p:sp>
+        <p:nvSpPr>
+          <p:cNvPr id="6" name="TextBox 5">
+            <a:extLst>
+              <a:ext uri="{FF2B5EF4-FFF2-40B4-BE49-F238E27FC236}">
+                <a16:creationId xmlns:a16="http://schemas.microsoft.com/office/drawing/2014/main" id="{C7932F6E-7800-481B-8662-A416637585E9}"/>
+              </a:ext>
+            </a:extLst>
+          </p:cNvPr>
+          <p:cNvSpPr txBox="1"/>
+          <p:nvPr/>
+        </p:nvSpPr>
+        <p:spPr>
+          <a:xfrm>
+            <a:off x="7915939" y="2300177"/>
+            <a:ext cx="1164265" cy="369332"/>
+          </a:xfrm>
+          <a:prstGeom prst="rect">
+            <a:avLst/>
+          </a:prstGeom>
+          <a:noFill/>
+        </p:spPr>
+        <p:txBody>
+          <a:bodyPr wrap="square" rtlCol="0">
+            <a:spAutoFit/>
+          </a:bodyPr>
+          <a:lstStyle/>
+          <a:p>
+            <a:r>
+              <a:rPr lang="en-US" dirty="0"/>
+              <a:t>Test</a:t>
+            </a:r>
+          </a:p>
+        </p:txBody>
+      </p:sp>
+      <p:sp>
+        <p:nvSpPr>
+          <p:cNvPr id="7" name="TextBox 6">
+            <a:extLst>
+              <a:ext uri="{FF2B5EF4-FFF2-40B4-BE49-F238E27FC236}">
+                <a16:creationId xmlns:a16="http://schemas.microsoft.com/office/drawing/2014/main" id="{EA165232-9DAB-4F26-B69C-33668A199AC3}"/>
+              </a:ext>
+            </a:extLst>
+          </p:cNvPr>
+          <p:cNvSpPr txBox="1"/>
+          <p:nvPr/>
+        </p:nvSpPr>
+        <p:spPr>
+          <a:xfrm>
+            <a:off x="1795130" y="2300177"/>
+            <a:ext cx="1164265" cy="369332"/>
+          </a:xfrm>
+          <a:prstGeom prst="rect">
+            <a:avLst/>
+          </a:prstGeom>
+          <a:noFill/>
+        </p:spPr>
+        <p:txBody>
+          <a:bodyPr wrap="square" rtlCol="0">
+            <a:spAutoFit/>
+          </a:bodyPr>
+          <a:lstStyle/>
+          <a:p>
+            <a:r>
+              <a:rPr lang="en-US" dirty="0"/>
+              <a:t>Train</a:t>
+            </a:r>
+          </a:p>
+        </p:txBody>
+      </p:sp>
       <p:pic>
         <p:nvPicPr>
-          <p:cNvPr id="4" name="Content Placeholder 4">
+          <p:cNvPr id="10" name="Content Placeholder 9">
             <a:extLst>
               <a:ext uri="{FF2B5EF4-FFF2-40B4-BE49-F238E27FC236}">
-                <a16:creationId xmlns:a16="http://schemas.microsoft.com/office/drawing/2014/main" id="{D9B29553-48DF-4631-AAB5-F34979F1F6DC}"/>
+                <a16:creationId xmlns:a16="http://schemas.microsoft.com/office/drawing/2014/main" id="{111FD7F6-6EC0-473C-8C21-755A2F64A3CD}"/>
+              </a:ext>
+            </a:extLst>
+          </p:cNvPr>
+          <p:cNvPicPr>
+            <a:picLocks noGrp="1" noChangeAspect="1"/>
+          </p:cNvPicPr>
+          <p:nvPr>
+            <p:ph idx="1"/>
+          </p:nvPr>
+        </p:nvPicPr>
+        <p:blipFill>
+          <a:blip r:embed="rId2">
+            <a:extLst>
+              <a:ext uri="{28A0092B-C50C-407E-A947-70E740481C1C}">
+                <a14:useLocalDpi xmlns:a14="http://schemas.microsoft.com/office/drawing/2010/main" val="0"/>
+              </a:ext>
+            </a:extLst>
+          </a:blip>
+          <a:stretch>
+            <a:fillRect/>
+          </a:stretch>
+        </p:blipFill>
+        <p:spPr>
+          <a:xfrm>
+            <a:off x="5746896" y="3069301"/>
+            <a:ext cx="5195703" cy="2597852"/>
+          </a:xfrm>
+        </p:spPr>
+      </p:pic>
+      <p:pic>
+        <p:nvPicPr>
+          <p:cNvPr id="11" name="Content Placeholder 8">
+            <a:extLst>
+              <a:ext uri="{FF2B5EF4-FFF2-40B4-BE49-F238E27FC236}">
+                <a16:creationId xmlns:a16="http://schemas.microsoft.com/office/drawing/2014/main" id="{72AE1113-7AFD-4105-99B2-948FB4870D76}"/>
+              </a:ext>
+            </a:extLst>
+          </p:cNvPr>
+          <p:cNvPicPr>
+            <a:picLocks noChangeAspect="1"/>
+          </p:cNvPicPr>
+          <p:nvPr/>
+        </p:nvPicPr>
+        <p:blipFill>
+          <a:blip r:embed="rId3">
+            <a:extLst>
+              <a:ext uri="{28A0092B-C50C-407E-A947-70E740481C1C}">
+                <a14:useLocalDpi xmlns:a14="http://schemas.microsoft.com/office/drawing/2010/main" val="0"/>
+              </a:ext>
+            </a:extLst>
+          </a:blip>
+          <a:stretch>
+            <a:fillRect/>
+          </a:stretch>
+        </p:blipFill>
+        <p:spPr>
+          <a:xfrm>
+            <a:off x="494412" y="3010823"/>
+            <a:ext cx="5195704" cy="2597852"/>
+          </a:xfrm>
+          <a:prstGeom prst="rect">
+            <a:avLst/>
+          </a:prstGeom>
+        </p:spPr>
+      </p:pic>
+    </p:spTree>
+    <p:extLst>
+      <p:ext uri="{BB962C8B-B14F-4D97-AF65-F5344CB8AC3E}">
+        <p14:creationId xmlns:p14="http://schemas.microsoft.com/office/powerpoint/2010/main" val="1451220989"/>
+      </p:ext>
+    </p:extLst>
+  </p:cSld>
+  <p:clrMapOvr>
+    <a:masterClrMapping/>
+  </p:clrMapOvr>
+</p:sld>
+</file>
+
+<file path=ppt/slides/slide17.xml><?xml version="1.0" encoding="utf-8"?>
+<p:sld xmlns:a="http://schemas.openxmlformats.org/drawingml/2006/main" xmlns:r="http://schemas.openxmlformats.org/officeDocument/2006/relationships" xmlns:p="http://schemas.openxmlformats.org/presentationml/2006/main">
+  <p:cSld>
+    <p:spTree>
+      <p:nvGrpSpPr>
+        <p:cNvPr id="1" name=""/>
+        <p:cNvGrpSpPr/>
+        <p:nvPr/>
+      </p:nvGrpSpPr>
+      <p:grpSpPr>
+        <a:xfrm>
+          <a:off x="0" y="0"/>
+          <a:ext cx="0" cy="0"/>
+          <a:chOff x="0" y="0"/>
+          <a:chExt cx="0" cy="0"/>
+        </a:xfrm>
+      </p:grpSpPr>
+      <p:sp>
+        <p:nvSpPr>
+          <p:cNvPr id="2" name="Title 1">
+            <a:extLst>
+              <a:ext uri="{FF2B5EF4-FFF2-40B4-BE49-F238E27FC236}">
+                <a16:creationId xmlns:a16="http://schemas.microsoft.com/office/drawing/2014/main" id="{D9B50E4D-3F67-4D71-8B15-EFDDCEC9A036}"/>
+              </a:ext>
+            </a:extLst>
+          </p:cNvPr>
+          <p:cNvSpPr>
+            <a:spLocks noGrp="1"/>
+          </p:cNvSpPr>
+          <p:nvPr>
+            <p:ph type="title"/>
+          </p:nvPr>
+        </p:nvSpPr>
+        <p:spPr/>
+        <p:txBody>
+          <a:bodyPr>
+            <a:noAutofit/>
+          </a:bodyPr>
+          <a:lstStyle/>
+          <a:p>
+            <a:pPr lvl="0"/>
+            <a:r>
+              <a:rPr lang="en-US" sz="4000" dirty="0"/>
+              <a:t>How does the assigned authorship dataset compare to the provided dataset with author already assigned?</a:t>
+            </a:r>
+          </a:p>
+        </p:txBody>
+      </p:sp>
+      <p:sp>
+        <p:nvSpPr>
+          <p:cNvPr id="6" name="TextBox 5">
+            <a:extLst>
+              <a:ext uri="{FF2B5EF4-FFF2-40B4-BE49-F238E27FC236}">
+                <a16:creationId xmlns:a16="http://schemas.microsoft.com/office/drawing/2014/main" id="{C7932F6E-7800-481B-8662-A416637585E9}"/>
+              </a:ext>
+            </a:extLst>
+          </p:cNvPr>
+          <p:cNvSpPr txBox="1"/>
+          <p:nvPr/>
+        </p:nvSpPr>
+        <p:spPr>
+          <a:xfrm>
+            <a:off x="7915939" y="2300177"/>
+            <a:ext cx="1164265" cy="369332"/>
+          </a:xfrm>
+          <a:prstGeom prst="rect">
+            <a:avLst/>
+          </a:prstGeom>
+          <a:noFill/>
+        </p:spPr>
+        <p:txBody>
+          <a:bodyPr wrap="square" rtlCol="0">
+            <a:spAutoFit/>
+          </a:bodyPr>
+          <a:lstStyle/>
+          <a:p>
+            <a:r>
+              <a:rPr lang="en-US" dirty="0"/>
+              <a:t>Test</a:t>
+            </a:r>
+          </a:p>
+        </p:txBody>
+      </p:sp>
+      <p:sp>
+        <p:nvSpPr>
+          <p:cNvPr id="7" name="TextBox 6">
+            <a:extLst>
+              <a:ext uri="{FF2B5EF4-FFF2-40B4-BE49-F238E27FC236}">
+                <a16:creationId xmlns:a16="http://schemas.microsoft.com/office/drawing/2014/main" id="{EA165232-9DAB-4F26-B69C-33668A199AC3}"/>
+              </a:ext>
+            </a:extLst>
+          </p:cNvPr>
+          <p:cNvSpPr txBox="1"/>
+          <p:nvPr/>
+        </p:nvSpPr>
+        <p:spPr>
+          <a:xfrm>
+            <a:off x="1795130" y="2300177"/>
+            <a:ext cx="1164265" cy="369332"/>
+          </a:xfrm>
+          <a:prstGeom prst="rect">
+            <a:avLst/>
+          </a:prstGeom>
+          <a:noFill/>
+        </p:spPr>
+        <p:txBody>
+          <a:bodyPr wrap="square" rtlCol="0">
+            <a:spAutoFit/>
+          </a:bodyPr>
+          <a:lstStyle/>
+          <a:p>
+            <a:r>
+              <a:rPr lang="en-US" dirty="0"/>
+              <a:t>Train</a:t>
+            </a:r>
+          </a:p>
+        </p:txBody>
+      </p:sp>
+      <p:pic>
+        <p:nvPicPr>
+          <p:cNvPr id="8" name="Picture 7">
+            <a:extLst>
+              <a:ext uri="{FF2B5EF4-FFF2-40B4-BE49-F238E27FC236}">
+                <a16:creationId xmlns:a16="http://schemas.microsoft.com/office/drawing/2014/main" id="{68CEC9CD-B5E1-4BDC-9D16-4EC122E0F008}"/>
               </a:ext>
             </a:extLst>
           </p:cNvPr>
@@ -4746,99 +6122,27 @@
         </p:blipFill>
         <p:spPr>
           <a:xfrm>
-            <a:off x="410632" y="2103120"/>
-            <a:ext cx="5303519" cy="2651760"/>
+            <a:off x="6019293" y="2669509"/>
+            <a:ext cx="5486411" cy="3657607"/>
           </a:xfrm>
           <a:prstGeom prst="rect">
             <a:avLst/>
           </a:prstGeom>
         </p:spPr>
       </p:pic>
-      <p:sp>
-        <p:nvSpPr>
-          <p:cNvPr id="7" name="TextBox 6">
-            <a:extLst>
-              <a:ext uri="{FF2B5EF4-FFF2-40B4-BE49-F238E27FC236}">
-                <a16:creationId xmlns:a16="http://schemas.microsoft.com/office/drawing/2014/main" id="{444207B3-32BD-499A-BC81-05A7493EA5C6}"/>
-              </a:ext>
-            </a:extLst>
-          </p:cNvPr>
-          <p:cNvSpPr txBox="1"/>
-          <p:nvPr/>
-        </p:nvSpPr>
-        <p:spPr>
-          <a:xfrm>
-            <a:off x="2764466" y="228600"/>
-            <a:ext cx="2456121" cy="377456"/>
-          </a:xfrm>
-          <a:prstGeom prst="rect">
-            <a:avLst/>
-          </a:prstGeom>
-          <a:noFill/>
-        </p:spPr>
-        <p:txBody>
-          <a:bodyPr wrap="square" rtlCol="0">
-            <a:spAutoFit/>
-          </a:bodyPr>
-          <a:lstStyle/>
-          <a:p>
-            <a:r>
-              <a:rPr lang="en-US" dirty="0"/>
-              <a:t>Train Data</a:t>
-            </a:r>
-          </a:p>
-        </p:txBody>
-      </p:sp>
-      <p:sp>
-        <p:nvSpPr>
-          <p:cNvPr id="8" name="TextBox 7">
-            <a:extLst>
-              <a:ext uri="{FF2B5EF4-FFF2-40B4-BE49-F238E27FC236}">
-                <a16:creationId xmlns:a16="http://schemas.microsoft.com/office/drawing/2014/main" id="{850E7046-2E67-4B08-AC5F-CFC5C79CE5D0}"/>
-              </a:ext>
-            </a:extLst>
-          </p:cNvPr>
-          <p:cNvSpPr txBox="1"/>
-          <p:nvPr/>
-        </p:nvSpPr>
-        <p:spPr>
-          <a:xfrm>
-            <a:off x="8033784" y="228600"/>
-            <a:ext cx="2456121" cy="377456"/>
-          </a:xfrm>
-          <a:prstGeom prst="rect">
-            <a:avLst/>
-          </a:prstGeom>
-          <a:noFill/>
-        </p:spPr>
-        <p:txBody>
-          <a:bodyPr wrap="square" rtlCol="0">
-            <a:spAutoFit/>
-          </a:bodyPr>
-          <a:lstStyle/>
-          <a:p>
-            <a:r>
-              <a:rPr lang="en-US" dirty="0"/>
-              <a:t>Test Data</a:t>
-            </a:r>
-          </a:p>
-        </p:txBody>
-      </p:sp>
       <p:pic>
         <p:nvPicPr>
-          <p:cNvPr id="6" name="Content Placeholder 5">
+          <p:cNvPr id="12" name="Picture 11">
             <a:extLst>
               <a:ext uri="{FF2B5EF4-FFF2-40B4-BE49-F238E27FC236}">
-                <a16:creationId xmlns:a16="http://schemas.microsoft.com/office/drawing/2014/main" id="{683B4643-6F13-40C1-A951-5544C6245EE7}"/>
+                <a16:creationId xmlns:a16="http://schemas.microsoft.com/office/drawing/2014/main" id="{74932569-1DD7-40A9-A8D5-EC5F418D4136}"/>
               </a:ext>
             </a:extLst>
           </p:cNvPr>
           <p:cNvPicPr>
-            <a:picLocks noGrp="1" noChangeAspect="1"/>
+            <a:picLocks noChangeAspect="1"/>
           </p:cNvPicPr>
-          <p:nvPr>
-            <p:ph idx="1"/>
-          </p:nvPr>
+          <p:nvPr/>
         </p:nvPicPr>
         <p:blipFill>
           <a:blip r:embed="rId3">
@@ -4854,15 +6158,306 @@
         </p:blipFill>
         <p:spPr>
           <a:xfrm>
-            <a:off x="6203249" y="2103120"/>
-            <a:ext cx="5303520" cy="2651760"/>
+            <a:off x="476688" y="2669509"/>
+            <a:ext cx="5309858" cy="3539905"/>
           </a:xfrm>
+          <a:prstGeom prst="rect">
+            <a:avLst/>
+          </a:prstGeom>
         </p:spPr>
       </p:pic>
     </p:spTree>
     <p:extLst>
       <p:ext uri="{BB962C8B-B14F-4D97-AF65-F5344CB8AC3E}">
-        <p14:creationId xmlns:p14="http://schemas.microsoft.com/office/powerpoint/2010/main" val="1545828639"/>
+        <p14:creationId xmlns:p14="http://schemas.microsoft.com/office/powerpoint/2010/main" val="3038238861"/>
+      </p:ext>
+    </p:extLst>
+  </p:cSld>
+  <p:clrMapOvr>
+    <a:masterClrMapping/>
+  </p:clrMapOvr>
+</p:sld>
+</file>
+
+<file path=ppt/slides/slide18.xml><?xml version="1.0" encoding="utf-8"?>
+<p:sld xmlns:a="http://schemas.openxmlformats.org/drawingml/2006/main" xmlns:r="http://schemas.openxmlformats.org/officeDocument/2006/relationships" xmlns:p="http://schemas.openxmlformats.org/presentationml/2006/main">
+  <p:cSld>
+    <p:spTree>
+      <p:nvGrpSpPr>
+        <p:cNvPr id="1" name=""/>
+        <p:cNvGrpSpPr/>
+        <p:nvPr/>
+      </p:nvGrpSpPr>
+      <p:grpSpPr>
+        <a:xfrm>
+          <a:off x="0" y="0"/>
+          <a:ext cx="0" cy="0"/>
+          <a:chOff x="0" y="0"/>
+          <a:chExt cx="0" cy="0"/>
+        </a:xfrm>
+      </p:grpSpPr>
+      <p:sp>
+        <p:nvSpPr>
+          <p:cNvPr id="2" name="Title 1">
+            <a:extLst>
+              <a:ext uri="{FF2B5EF4-FFF2-40B4-BE49-F238E27FC236}">
+                <a16:creationId xmlns:a16="http://schemas.microsoft.com/office/drawing/2014/main" id="{D9B50E4D-3F67-4D71-8B15-EFDDCEC9A036}"/>
+              </a:ext>
+            </a:extLst>
+          </p:cNvPr>
+          <p:cNvSpPr>
+            <a:spLocks noGrp="1"/>
+          </p:cNvSpPr>
+          <p:nvPr>
+            <p:ph type="title"/>
+          </p:nvPr>
+        </p:nvSpPr>
+        <p:spPr/>
+        <p:txBody>
+          <a:bodyPr>
+            <a:noAutofit/>
+          </a:bodyPr>
+          <a:lstStyle/>
+          <a:p>
+            <a:pPr lvl="0"/>
+            <a:r>
+              <a:rPr lang="en-US" sz="4000" dirty="0"/>
+              <a:t>How does the assigned authorship dataset compare to the provided dataset with author already assigned?</a:t>
+            </a:r>
+          </a:p>
+        </p:txBody>
+      </p:sp>
+      <p:sp>
+        <p:nvSpPr>
+          <p:cNvPr id="6" name="TextBox 5">
+            <a:extLst>
+              <a:ext uri="{FF2B5EF4-FFF2-40B4-BE49-F238E27FC236}">
+                <a16:creationId xmlns:a16="http://schemas.microsoft.com/office/drawing/2014/main" id="{C7932F6E-7800-481B-8662-A416637585E9}"/>
+              </a:ext>
+            </a:extLst>
+          </p:cNvPr>
+          <p:cNvSpPr txBox="1"/>
+          <p:nvPr/>
+        </p:nvSpPr>
+        <p:spPr>
+          <a:xfrm>
+            <a:off x="7915939" y="2300177"/>
+            <a:ext cx="1164265" cy="369332"/>
+          </a:xfrm>
+          <a:prstGeom prst="rect">
+            <a:avLst/>
+          </a:prstGeom>
+          <a:noFill/>
+        </p:spPr>
+        <p:txBody>
+          <a:bodyPr wrap="square" rtlCol="0">
+            <a:spAutoFit/>
+          </a:bodyPr>
+          <a:lstStyle/>
+          <a:p>
+            <a:r>
+              <a:rPr lang="en-US" dirty="0"/>
+              <a:t>Test</a:t>
+            </a:r>
+          </a:p>
+        </p:txBody>
+      </p:sp>
+      <p:sp>
+        <p:nvSpPr>
+          <p:cNvPr id="7" name="TextBox 6">
+            <a:extLst>
+              <a:ext uri="{FF2B5EF4-FFF2-40B4-BE49-F238E27FC236}">
+                <a16:creationId xmlns:a16="http://schemas.microsoft.com/office/drawing/2014/main" id="{EA165232-9DAB-4F26-B69C-33668A199AC3}"/>
+              </a:ext>
+            </a:extLst>
+          </p:cNvPr>
+          <p:cNvSpPr txBox="1"/>
+          <p:nvPr/>
+        </p:nvSpPr>
+        <p:spPr>
+          <a:xfrm>
+            <a:off x="1795130" y="2300177"/>
+            <a:ext cx="1164265" cy="369332"/>
+          </a:xfrm>
+          <a:prstGeom prst="rect">
+            <a:avLst/>
+          </a:prstGeom>
+          <a:noFill/>
+        </p:spPr>
+        <p:txBody>
+          <a:bodyPr wrap="square" rtlCol="0">
+            <a:spAutoFit/>
+          </a:bodyPr>
+          <a:lstStyle/>
+          <a:p>
+            <a:r>
+              <a:rPr lang="en-US" dirty="0"/>
+              <a:t>Train</a:t>
+            </a:r>
+          </a:p>
+        </p:txBody>
+      </p:sp>
+      <p:pic>
+        <p:nvPicPr>
+          <p:cNvPr id="8" name="Content Placeholder 7">
+            <a:extLst>
+              <a:ext uri="{FF2B5EF4-FFF2-40B4-BE49-F238E27FC236}">
+                <a16:creationId xmlns:a16="http://schemas.microsoft.com/office/drawing/2014/main" id="{95FF04D1-899C-4A42-8F00-2599DDA3BDB1}"/>
+              </a:ext>
+            </a:extLst>
+          </p:cNvPr>
+          <p:cNvPicPr>
+            <a:picLocks noGrp="1" noChangeAspect="1"/>
+          </p:cNvPicPr>
+          <p:nvPr>
+            <p:ph idx="1"/>
+          </p:nvPr>
+        </p:nvPicPr>
+        <p:blipFill>
+          <a:blip r:embed="rId2">
+            <a:extLst>
+              <a:ext uri="{28A0092B-C50C-407E-A947-70E740481C1C}">
+                <a14:useLocalDpi xmlns:a14="http://schemas.microsoft.com/office/drawing/2010/main" val="0"/>
+              </a:ext>
+            </a:extLst>
+          </a:blip>
+          <a:stretch>
+            <a:fillRect/>
+          </a:stretch>
+        </p:blipFill>
+        <p:spPr>
+          <a:xfrm>
+            <a:off x="5641837" y="2715761"/>
+            <a:ext cx="5486411" cy="3657607"/>
+          </a:xfrm>
+        </p:spPr>
+      </p:pic>
+      <p:pic>
+        <p:nvPicPr>
+          <p:cNvPr id="12" name="Picture 11">
+            <a:extLst>
+              <a:ext uri="{FF2B5EF4-FFF2-40B4-BE49-F238E27FC236}">
+                <a16:creationId xmlns:a16="http://schemas.microsoft.com/office/drawing/2014/main" id="{456D95B1-5FC1-49ED-A1AB-E7E1673E3F95}"/>
+              </a:ext>
+            </a:extLst>
+          </p:cNvPr>
+          <p:cNvPicPr>
+            <a:picLocks noChangeAspect="1"/>
+          </p:cNvPicPr>
+          <p:nvPr/>
+        </p:nvPicPr>
+        <p:blipFill>
+          <a:blip r:embed="rId3">
+            <a:extLst>
+              <a:ext uri="{28A0092B-C50C-407E-A947-70E740481C1C}">
+                <a14:useLocalDpi xmlns:a14="http://schemas.microsoft.com/office/drawing/2010/main" val="0"/>
+              </a:ext>
+            </a:extLst>
+          </a:blip>
+          <a:stretch>
+            <a:fillRect/>
+          </a:stretch>
+        </p:blipFill>
+        <p:spPr>
+          <a:xfrm>
+            <a:off x="338464" y="2715760"/>
+            <a:ext cx="5486411" cy="3657607"/>
+          </a:xfrm>
+          <a:prstGeom prst="rect">
+            <a:avLst/>
+          </a:prstGeom>
+        </p:spPr>
+      </p:pic>
+    </p:spTree>
+    <p:extLst>
+      <p:ext uri="{BB962C8B-B14F-4D97-AF65-F5344CB8AC3E}">
+        <p14:creationId xmlns:p14="http://schemas.microsoft.com/office/powerpoint/2010/main" val="4022626398"/>
+      </p:ext>
+    </p:extLst>
+  </p:cSld>
+  <p:clrMapOvr>
+    <a:masterClrMapping/>
+  </p:clrMapOvr>
+</p:sld>
+</file>
+
+<file path=ppt/slides/slide19.xml><?xml version="1.0" encoding="utf-8"?>
+<p:sld xmlns:a="http://schemas.openxmlformats.org/drawingml/2006/main" xmlns:r="http://schemas.openxmlformats.org/officeDocument/2006/relationships" xmlns:p="http://schemas.openxmlformats.org/presentationml/2006/main">
+  <p:cSld>
+    <p:spTree>
+      <p:nvGrpSpPr>
+        <p:cNvPr id="1" name=""/>
+        <p:cNvGrpSpPr/>
+        <p:nvPr/>
+      </p:nvGrpSpPr>
+      <p:grpSpPr>
+        <a:xfrm>
+          <a:off x="0" y="0"/>
+          <a:ext cx="0" cy="0"/>
+          <a:chOff x="0" y="0"/>
+          <a:chExt cx="0" cy="0"/>
+        </a:xfrm>
+      </p:grpSpPr>
+      <p:sp>
+        <p:nvSpPr>
+          <p:cNvPr id="2" name="Title 1">
+            <a:extLst>
+              <a:ext uri="{FF2B5EF4-FFF2-40B4-BE49-F238E27FC236}">
+                <a16:creationId xmlns:a16="http://schemas.microsoft.com/office/drawing/2014/main" id="{48EAA617-34BE-4C6D-87CC-4DC4CCAD832D}"/>
+              </a:ext>
+            </a:extLst>
+          </p:cNvPr>
+          <p:cNvSpPr>
+            <a:spLocks noGrp="1"/>
+          </p:cNvSpPr>
+          <p:nvPr>
+            <p:ph type="title"/>
+          </p:nvPr>
+        </p:nvSpPr>
+        <p:spPr/>
+        <p:txBody>
+          <a:bodyPr/>
+          <a:lstStyle/>
+          <a:p>
+            <a:r>
+              <a:rPr lang="en-US" dirty="0"/>
+              <a:t>If we had all the time in the world…</a:t>
+            </a:r>
+          </a:p>
+        </p:txBody>
+      </p:sp>
+      <p:sp>
+        <p:nvSpPr>
+          <p:cNvPr id="3" name="Content Placeholder 2">
+            <a:extLst>
+              <a:ext uri="{FF2B5EF4-FFF2-40B4-BE49-F238E27FC236}">
+                <a16:creationId xmlns:a16="http://schemas.microsoft.com/office/drawing/2014/main" id="{B4BC1620-51F4-4EE0-8A87-1AD9FD617215}"/>
+              </a:ext>
+            </a:extLst>
+          </p:cNvPr>
+          <p:cNvSpPr>
+            <a:spLocks noGrp="1"/>
+          </p:cNvSpPr>
+          <p:nvPr>
+            <p:ph idx="1"/>
+          </p:nvPr>
+        </p:nvSpPr>
+        <p:spPr/>
+        <p:txBody>
+          <a:bodyPr/>
+          <a:lstStyle/>
+          <a:p>
+            <a:r>
+              <a:rPr lang="en-US" dirty="0"/>
+              <a:t>We would use machine learning!</a:t>
+            </a:r>
+          </a:p>
+        </p:txBody>
+      </p:sp>
+    </p:spTree>
+    <p:extLst>
+      <p:ext uri="{BB962C8B-B14F-4D97-AF65-F5344CB8AC3E}">
+        <p14:creationId xmlns:p14="http://schemas.microsoft.com/office/powerpoint/2010/main" val="970933788"/>
       </p:ext>
     </p:extLst>
   </p:cSld>
@@ -4961,6 +6556,89 @@
 </p:sld>
 </file>
 
+<file path=ppt/slides/slide20.xml><?xml version="1.0" encoding="utf-8"?>
+<p:sld xmlns:a="http://schemas.openxmlformats.org/drawingml/2006/main" xmlns:r="http://schemas.openxmlformats.org/officeDocument/2006/relationships" xmlns:p="http://schemas.openxmlformats.org/presentationml/2006/main">
+  <p:cSld>
+    <p:spTree>
+      <p:nvGrpSpPr>
+        <p:cNvPr id="1" name=""/>
+        <p:cNvGrpSpPr/>
+        <p:nvPr/>
+      </p:nvGrpSpPr>
+      <p:grpSpPr>
+        <a:xfrm>
+          <a:off x="0" y="0"/>
+          <a:ext cx="0" cy="0"/>
+          <a:chOff x="0" y="0"/>
+          <a:chExt cx="0" cy="0"/>
+        </a:xfrm>
+      </p:grpSpPr>
+      <p:sp>
+        <p:nvSpPr>
+          <p:cNvPr id="2" name="Title 1">
+            <a:extLst>
+              <a:ext uri="{FF2B5EF4-FFF2-40B4-BE49-F238E27FC236}">
+                <a16:creationId xmlns:a16="http://schemas.microsoft.com/office/drawing/2014/main" id="{16A25A02-312B-4A9B-9E73-6726DC3C6CA8}"/>
+              </a:ext>
+            </a:extLst>
+          </p:cNvPr>
+          <p:cNvSpPr>
+            <a:spLocks noGrp="1"/>
+          </p:cNvSpPr>
+          <p:nvPr>
+            <p:ph type="title"/>
+          </p:nvPr>
+        </p:nvSpPr>
+        <p:spPr/>
+        <p:txBody>
+          <a:bodyPr/>
+          <a:lstStyle/>
+          <a:p>
+            <a:r>
+              <a:rPr lang="en-US" dirty="0"/>
+              <a:t>Questions?</a:t>
+            </a:r>
+          </a:p>
+        </p:txBody>
+      </p:sp>
+      <p:sp>
+        <p:nvSpPr>
+          <p:cNvPr id="3" name="Content Placeholder 2">
+            <a:extLst>
+              <a:ext uri="{FF2B5EF4-FFF2-40B4-BE49-F238E27FC236}">
+                <a16:creationId xmlns:a16="http://schemas.microsoft.com/office/drawing/2014/main" id="{6679A484-50EE-4343-AB5B-42F06D65296E}"/>
+              </a:ext>
+            </a:extLst>
+          </p:cNvPr>
+          <p:cNvSpPr>
+            <a:spLocks noGrp="1"/>
+          </p:cNvSpPr>
+          <p:nvPr>
+            <p:ph idx="1"/>
+          </p:nvPr>
+        </p:nvSpPr>
+        <p:spPr/>
+        <p:txBody>
+          <a:bodyPr/>
+          <a:lstStyle/>
+          <a:p>
+            <a:endParaRPr lang="en-US"/>
+          </a:p>
+        </p:txBody>
+      </p:sp>
+    </p:spTree>
+    <p:extLst>
+      <p:ext uri="{BB962C8B-B14F-4D97-AF65-F5344CB8AC3E}">
+        <p14:creationId xmlns:p14="http://schemas.microsoft.com/office/powerpoint/2010/main" val="4186629921"/>
+      </p:ext>
+    </p:extLst>
+  </p:cSld>
+  <p:clrMapOvr>
+    <a:masterClrMapping/>
+  </p:clrMapOvr>
+</p:sld>
+</file>
+
 <file path=ppt/slides/slide3.xml><?xml version="1.0" encoding="utf-8"?>
 <p:sld xmlns:a="http://schemas.openxmlformats.org/drawingml/2006/main" xmlns:r="http://schemas.openxmlformats.org/officeDocument/2006/relationships" xmlns:p="http://schemas.openxmlformats.org/presentationml/2006/main">
   <p:cSld>
@@ -5025,63 +6703,26 @@
         <p:spPr/>
         <p:txBody>
           <a:bodyPr>
-            <a:normAutofit lnSpcReduction="10000"/>
+            <a:normAutofit/>
           </a:bodyPr>
           <a:lstStyle/>
           <a:p>
             <a:pPr lvl="0"/>
+            <a:r>
+              <a:rPr lang="en-US" dirty="0"/>
+              <a:t>How does each author vary with respect to basic sentence structure &amp; vocabulary?</a:t>
+            </a:r>
+          </a:p>
+          <a:p>
             <a:r>
               <a:rPr lang="en-US" dirty="0"/>
               <a:t>What are the sentiment scores for each author?</a:t>
             </a:r>
           </a:p>
           <a:p>
-            <a:pPr lvl="0"/>
             <a:r>
               <a:rPr lang="en-US" dirty="0"/>
-              <a:t>How does each author vary with respect to:</a:t>
-            </a:r>
-          </a:p>
-          <a:p>
-            <a:pPr lvl="1"/>
-            <a:r>
-              <a:rPr lang="en-US" dirty="0"/>
-              <a:t>sentence length </a:t>
-            </a:r>
-          </a:p>
-          <a:p>
-            <a:pPr lvl="1"/>
-            <a:r>
-              <a:rPr lang="en-US" dirty="0"/>
-              <a:t>word length</a:t>
-            </a:r>
-          </a:p>
-          <a:p>
-            <a:pPr lvl="1"/>
-            <a:r>
-              <a:rPr lang="en-US" dirty="0"/>
-              <a:t>special characters usage</a:t>
-            </a:r>
-          </a:p>
-          <a:p>
-            <a:pPr lvl="1"/>
-            <a:r>
-              <a:rPr lang="en-US" dirty="0"/>
-              <a:t>word variety</a:t>
-            </a:r>
-          </a:p>
-          <a:p>
-            <a:pPr lvl="1"/>
-            <a:r>
-              <a:rPr lang="en-US" dirty="0"/>
-              <a:t>pronoun usage</a:t>
-            </a:r>
-          </a:p>
-          <a:p>
-            <a:pPr lvl="0"/>
-            <a:r>
-              <a:rPr lang="en-US" dirty="0"/>
-              <a:t>Can we assign authorship to sentences?</a:t>
+              <a:t>How do we assign authorship to sentences?</a:t>
             </a:r>
           </a:p>
           <a:p>
@@ -5131,7 +6772,7 @@
           <p:cNvPr id="2" name="Title 1">
             <a:extLst>
               <a:ext uri="{FF2B5EF4-FFF2-40B4-BE49-F238E27FC236}">
-                <a16:creationId xmlns:a16="http://schemas.microsoft.com/office/drawing/2014/main" id="{7B3C0553-68E9-4027-8CC8-416D25528855}"/>
+                <a16:creationId xmlns:a16="http://schemas.microsoft.com/office/drawing/2014/main" id="{8DCA91CB-CBB2-4E50-A4C6-A799D7E2A3E3}"/>
               </a:ext>
             </a:extLst>
           </p:cNvPr>
@@ -5149,7 +6790,7 @@
           <a:p>
             <a:r>
               <a:rPr lang="en-US" dirty="0"/>
-              <a:t>Data Exploration &amp; Cleanup</a:t>
+              <a:t>NLTK (Natural Language Toolkit)</a:t>
             </a:r>
           </a:p>
         </p:txBody>
@@ -5159,7 +6800,7 @@
           <p:cNvPr id="3" name="Content Placeholder 2">
             <a:extLst>
               <a:ext uri="{FF2B5EF4-FFF2-40B4-BE49-F238E27FC236}">
-                <a16:creationId xmlns:a16="http://schemas.microsoft.com/office/drawing/2014/main" id="{92C100B2-887B-4E3A-B6C6-D3185619A466}"/>
+                <a16:creationId xmlns:a16="http://schemas.microsoft.com/office/drawing/2014/main" id="{0AE87738-4D7D-4C1B-A10E-09B1EC98B34F}"/>
               </a:ext>
             </a:extLst>
           </p:cNvPr>
@@ -5177,41 +6818,33 @@
           <a:p>
             <a:r>
               <a:rPr lang="en-US" dirty="0"/>
-              <a:t>Group dataset by author</a:t>
+              <a:t>‘NLTK is a leading platform for building Python programs to work with human language data. It provides … text processing libraries for classification, tokenization, stemming, tagging, parsing, and semantic reasoning, [and] wrappers for industrial-strength NLP libraries...’</a:t>
             </a:r>
           </a:p>
           <a:p>
             <a:r>
               <a:rPr lang="en-US" dirty="0"/>
-              <a:t>Create equal length datasets for each author in the training data</a:t>
-            </a:r>
-          </a:p>
-          <a:p>
-            <a:pPr lvl="1"/>
+              <a:t>Free &amp; open source</a:t>
+            </a:r>
+          </a:p>
+          <a:p>
             <a:r>
               <a:rPr lang="en-US" dirty="0"/>
-              <a:t>Count length of each author dataset</a:t>
-            </a:r>
-          </a:p>
-          <a:p>
-            <a:pPr lvl="1"/>
-            <a:r>
-              <a:rPr lang="en-US" dirty="0"/>
-              <a:t>Randomly sample the datasets for the authors with longer datasets to subset for equal lengths</a:t>
-            </a:r>
-          </a:p>
-          <a:p>
-            <a:r>
-              <a:rPr lang="en-US" dirty="0"/>
-              <a:t>Remove outliers for really long passages</a:t>
-            </a:r>
+              <a:t>http://www.nltk.org/</a:t>
+            </a:r>
+          </a:p>
+          <a:p>
+            <a:pPr marL="0" indent="0">
+              <a:buNone/>
+            </a:pPr>
+            <a:endParaRPr lang="en-US" dirty="0"/>
           </a:p>
         </p:txBody>
       </p:sp>
     </p:spTree>
     <p:extLst>
       <p:ext uri="{BB962C8B-B14F-4D97-AF65-F5344CB8AC3E}">
-        <p14:creationId xmlns:p14="http://schemas.microsoft.com/office/powerpoint/2010/main" val="2988834693"/>
+        <p14:creationId xmlns:p14="http://schemas.microsoft.com/office/powerpoint/2010/main" val="1550111879"/>
       </p:ext>
     </p:extLst>
   </p:cSld>
@@ -5243,7 +6876,7 @@
           <p:cNvPr id="2" name="Title 1">
             <a:extLst>
               <a:ext uri="{FF2B5EF4-FFF2-40B4-BE49-F238E27FC236}">
-                <a16:creationId xmlns:a16="http://schemas.microsoft.com/office/drawing/2014/main" id="{FAB98EDD-46CC-4CEE-B34C-D86112B85E38}"/>
+                <a16:creationId xmlns:a16="http://schemas.microsoft.com/office/drawing/2014/main" id="{7B3C0553-68E9-4027-8CC8-416D25528855}"/>
               </a:ext>
             </a:extLst>
           </p:cNvPr>
@@ -5261,7 +6894,7 @@
           <a:p>
             <a:r>
               <a:rPr lang="en-US" dirty="0"/>
-              <a:t>Analyses</a:t>
+              <a:t>Data Exploration &amp; Cleanup</a:t>
             </a:r>
           </a:p>
         </p:txBody>
@@ -5271,7 +6904,7 @@
           <p:cNvPr id="3" name="Content Placeholder 2">
             <a:extLst>
               <a:ext uri="{FF2B5EF4-FFF2-40B4-BE49-F238E27FC236}">
-                <a16:creationId xmlns:a16="http://schemas.microsoft.com/office/drawing/2014/main" id="{E0E1DFD6-BD79-4F6F-BF21-6BF3B953976E}"/>
+                <a16:creationId xmlns:a16="http://schemas.microsoft.com/office/drawing/2014/main" id="{92C100B2-887B-4E3A-B6C6-D3185619A466}"/>
               </a:ext>
             </a:extLst>
           </p:cNvPr>
@@ -5287,14 +6920,43 @@
           <a:bodyPr/>
           <a:lstStyle/>
           <a:p>
-            <a:endParaRPr lang="en-US"/>
+            <a:r>
+              <a:rPr lang="en-US" dirty="0"/>
+              <a:t>Group dataset by author</a:t>
+            </a:r>
+          </a:p>
+          <a:p>
+            <a:r>
+              <a:rPr lang="en-US" dirty="0"/>
+              <a:t>Create equal length datasets for each author in the training data</a:t>
+            </a:r>
+          </a:p>
+          <a:p>
+            <a:pPr lvl="1"/>
+            <a:r>
+              <a:rPr lang="en-US" dirty="0"/>
+              <a:t>Count length of each author dataset</a:t>
+            </a:r>
+          </a:p>
+          <a:p>
+            <a:pPr lvl="1"/>
+            <a:r>
+              <a:rPr lang="en-US" dirty="0"/>
+              <a:t>Randomly sample the datasets for the authors with longer datasets to subset for equal lengths</a:t>
+            </a:r>
+          </a:p>
+          <a:p>
+            <a:r>
+              <a:rPr lang="en-US" dirty="0"/>
+              <a:t>Remove outliers for really long passages</a:t>
+            </a:r>
           </a:p>
         </p:txBody>
       </p:sp>
     </p:spTree>
     <p:extLst>
       <p:ext uri="{BB962C8B-B14F-4D97-AF65-F5344CB8AC3E}">
-        <p14:creationId xmlns:p14="http://schemas.microsoft.com/office/powerpoint/2010/main" val="2740713433"/>
+        <p14:creationId xmlns:p14="http://schemas.microsoft.com/office/powerpoint/2010/main" val="2988834693"/>
       </p:ext>
     </p:extLst>
   </p:cSld>
@@ -5323,10 +6985,10 @@
       </p:grpSpPr>
       <p:sp>
         <p:nvSpPr>
-          <p:cNvPr id="2" name="Title 1">
+          <p:cNvPr id="4" name="Title 1">
             <a:extLst>
               <a:ext uri="{FF2B5EF4-FFF2-40B4-BE49-F238E27FC236}">
-                <a16:creationId xmlns:a16="http://schemas.microsoft.com/office/drawing/2014/main" id="{8DCA91CB-CBB2-4E50-A4C6-A799D7E2A3E3}"/>
+                <a16:creationId xmlns:a16="http://schemas.microsoft.com/office/drawing/2014/main" id="{99D4A6ED-0001-4721-9D85-4EA19BEC6117}"/>
               </a:ext>
             </a:extLst>
           </p:cNvPr>
@@ -5339,66 +7001,61 @@
         </p:nvSpPr>
         <p:spPr/>
         <p:txBody>
-          <a:bodyPr/>
-          <a:lstStyle/>
-          <a:p>
-            <a:r>
-              <a:rPr lang="en-US" dirty="0"/>
-              <a:t>NLTK (Natural Language Toolkit)</a:t>
-            </a:r>
-          </a:p>
-        </p:txBody>
-      </p:sp>
-      <p:sp>
-        <p:nvSpPr>
-          <p:cNvPr id="3" name="Content Placeholder 2">
+          <a:bodyPr>
+            <a:noAutofit/>
+          </a:bodyPr>
+          <a:lstStyle/>
+          <a:p>
+            <a:r>
+              <a:rPr lang="en-US" sz="4400" dirty="0"/>
+              <a:t>How does each author vary with respect to basic sentence structure &amp; vocabulary?</a:t>
+            </a:r>
+            <a:br>
+              <a:rPr lang="en-US" sz="4400" dirty="0"/>
+            </a:br>
+            <a:endParaRPr lang="en-US" sz="4400" dirty="0"/>
+          </a:p>
+        </p:txBody>
+      </p:sp>
+      <p:pic>
+        <p:nvPicPr>
+          <p:cNvPr id="10" name="Content Placeholder 9">
             <a:extLst>
               <a:ext uri="{FF2B5EF4-FFF2-40B4-BE49-F238E27FC236}">
-                <a16:creationId xmlns:a16="http://schemas.microsoft.com/office/drawing/2014/main" id="{0AE87738-4D7D-4C1B-A10E-09B1EC98B34F}"/>
+                <a16:creationId xmlns:a16="http://schemas.microsoft.com/office/drawing/2014/main" id="{82929104-7175-46E2-9003-A7AEE9B87B95}"/>
               </a:ext>
             </a:extLst>
           </p:cNvPr>
-          <p:cNvSpPr>
-            <a:spLocks noGrp="1"/>
-          </p:cNvSpPr>
+          <p:cNvPicPr>
+            <a:picLocks noGrp="1" noChangeAspect="1"/>
+          </p:cNvPicPr>
           <p:nvPr>
             <p:ph idx="1"/>
           </p:nvPr>
-        </p:nvSpPr>
-        <p:spPr/>
-        <p:txBody>
-          <a:bodyPr/>
-          <a:lstStyle/>
-          <a:p>
-            <a:r>
-              <a:rPr lang="en-US" dirty="0"/>
-              <a:t>‘NLTK is a leading platform for building Python programs to work with human language data. It provides … text processing libraries for classification, tokenization, stemming, tagging, parsing, and semantic reasoning, [and] wrappers for industrial-strength NLP libraries...’</a:t>
-            </a:r>
-          </a:p>
-          <a:p>
-            <a:r>
-              <a:rPr lang="en-US" dirty="0"/>
-              <a:t>Free &amp; open source</a:t>
-            </a:r>
-          </a:p>
-          <a:p>
-            <a:r>
-              <a:rPr lang="en-US" dirty="0"/>
-              <a:t>http://www.nltk.org/</a:t>
-            </a:r>
-          </a:p>
-          <a:p>
-            <a:pPr marL="0" indent="0">
-              <a:buNone/>
-            </a:pPr>
-            <a:endParaRPr lang="en-US" dirty="0"/>
-          </a:p>
-        </p:txBody>
-      </p:sp>
+        </p:nvPicPr>
+        <p:blipFill>
+          <a:blip r:embed="rId2">
+            <a:extLst>
+              <a:ext uri="{28A0092B-C50C-407E-A947-70E740481C1C}">
+                <a14:useLocalDpi xmlns:a14="http://schemas.microsoft.com/office/drawing/2010/main" val="0"/>
+              </a:ext>
+            </a:extLst>
+          </a:blip>
+          <a:stretch>
+            <a:fillRect/>
+          </a:stretch>
+        </p:blipFill>
+        <p:spPr>
+          <a:xfrm>
+            <a:off x="3355350" y="2317333"/>
+            <a:ext cx="5487650" cy="3658433"/>
+          </a:xfrm>
+        </p:spPr>
+      </p:pic>
     </p:spTree>
     <p:extLst>
       <p:ext uri="{BB962C8B-B14F-4D97-AF65-F5344CB8AC3E}">
-        <p14:creationId xmlns:p14="http://schemas.microsoft.com/office/powerpoint/2010/main" val="1550111879"/>
+        <p14:creationId xmlns:p14="http://schemas.microsoft.com/office/powerpoint/2010/main" val="4100387689"/>
       </p:ext>
     </p:extLst>
   </p:cSld>
@@ -5430,7 +7087,7 @@
           <p:cNvPr id="2" name="Title 1">
             <a:extLst>
               <a:ext uri="{FF2B5EF4-FFF2-40B4-BE49-F238E27FC236}">
-                <a16:creationId xmlns:a16="http://schemas.microsoft.com/office/drawing/2014/main" id="{20A45D17-BB2C-4862-862E-60A7600AC98C}"/>
+                <a16:creationId xmlns:a16="http://schemas.microsoft.com/office/drawing/2014/main" id="{B1ED3C61-97B0-4C8A-B793-410F0E7246BA}"/>
               </a:ext>
             </a:extLst>
           </p:cNvPr>
@@ -5443,31 +7100,35 @@
         </p:nvSpPr>
         <p:spPr/>
         <p:txBody>
-          <a:bodyPr/>
-          <a:lstStyle/>
-          <a:p>
-            <a:r>
-              <a:rPr lang="en-US" dirty="0"/>
-              <a:t>Basic Sentence structure – length &amp; variety </a:t>
-            </a:r>
+          <a:bodyPr>
+            <a:noAutofit/>
+          </a:bodyPr>
+          <a:lstStyle/>
+          <a:p>
+            <a:r>
+              <a:rPr lang="en-US" sz="4400" dirty="0"/>
+              <a:t>How does each author vary with respect to basic sentence structure &amp; vocabulary?</a:t>
+            </a:r>
+            <a:br>
+              <a:rPr lang="en-US" sz="4400" dirty="0"/>
+            </a:br>
+            <a:endParaRPr lang="en-US" sz="4400" dirty="0"/>
           </a:p>
         </p:txBody>
       </p:sp>
       <p:pic>
         <p:nvPicPr>
-          <p:cNvPr id="5" name="Content Placeholder 4">
+          <p:cNvPr id="12" name="Picture 11">
             <a:extLst>
               <a:ext uri="{FF2B5EF4-FFF2-40B4-BE49-F238E27FC236}">
-                <a16:creationId xmlns:a16="http://schemas.microsoft.com/office/drawing/2014/main" id="{E873A848-038C-4BC0-B325-00BF15E4A4DB}"/>
+                <a16:creationId xmlns:a16="http://schemas.microsoft.com/office/drawing/2014/main" id="{D54E74D8-C0CA-4328-9134-D25F7CA39747}"/>
               </a:ext>
             </a:extLst>
           </p:cNvPr>
           <p:cNvPicPr>
-            <a:picLocks noGrp="1" noChangeAspect="1"/>
+            <a:picLocks noChangeAspect="1"/>
           </p:cNvPicPr>
-          <p:nvPr>
-            <p:ph idx="1"/>
-          </p:nvPr>
+          <p:nvPr/>
         </p:nvPicPr>
         <p:blipFill>
           <a:blip r:embed="rId2">
@@ -5483,17 +7144,20 @@
         </p:blipFill>
         <p:spPr>
           <a:xfrm>
-            <a:off x="1238693" y="2598978"/>
-            <a:ext cx="4400112" cy="2933408"/>
+            <a:off x="797442" y="1959344"/>
+            <a:ext cx="2443721" cy="1629147"/>
           </a:xfrm>
+          <a:prstGeom prst="rect">
+            <a:avLst/>
+          </a:prstGeom>
         </p:spPr>
       </p:pic>
       <p:pic>
         <p:nvPicPr>
-          <p:cNvPr id="7" name="Picture 6">
+          <p:cNvPr id="14" name="Picture 13">
             <a:extLst>
               <a:ext uri="{FF2B5EF4-FFF2-40B4-BE49-F238E27FC236}">
-                <a16:creationId xmlns:a16="http://schemas.microsoft.com/office/drawing/2014/main" id="{036BA160-2FD2-4C78-AAD9-4A6FC5FB0A08}"/>
+                <a16:creationId xmlns:a16="http://schemas.microsoft.com/office/drawing/2014/main" id="{ABC3AFC9-1D7B-478D-8C3C-48147298BD71}"/>
               </a:ext>
             </a:extLst>
           </p:cNvPr>
@@ -5516,8 +7180,8 @@
         </p:blipFill>
         <p:spPr>
           <a:xfrm>
-            <a:off x="6096001" y="2752060"/>
-            <a:ext cx="4268978" cy="2845985"/>
+            <a:off x="3700130" y="1691165"/>
+            <a:ext cx="7471154" cy="4980769"/>
           </a:xfrm>
           <a:prstGeom prst="rect">
             <a:avLst/>
@@ -5527,7 +7191,7 @@
     </p:spTree>
     <p:extLst>
       <p:ext uri="{BB962C8B-B14F-4D97-AF65-F5344CB8AC3E}">
-        <p14:creationId xmlns:p14="http://schemas.microsoft.com/office/powerpoint/2010/main" val="2991486437"/>
+        <p14:creationId xmlns:p14="http://schemas.microsoft.com/office/powerpoint/2010/main" val="1544164290"/>
       </p:ext>
     </p:extLst>
   </p:cSld>
@@ -5556,10 +7220,10 @@
       </p:grpSpPr>
       <p:sp>
         <p:nvSpPr>
-          <p:cNvPr id="2" name="Title 1">
+          <p:cNvPr id="4" name="Title 1">
             <a:extLst>
               <a:ext uri="{FF2B5EF4-FFF2-40B4-BE49-F238E27FC236}">
-                <a16:creationId xmlns:a16="http://schemas.microsoft.com/office/drawing/2014/main" id="{F9B23B76-C5AD-4C5E-A790-33C3A2AB8202}"/>
+                <a16:creationId xmlns:a16="http://schemas.microsoft.com/office/drawing/2014/main" id="{99D4A6ED-0001-4721-9D85-4EA19BEC6117}"/>
               </a:ext>
             </a:extLst>
           </p:cNvPr>
@@ -5572,22 +7236,28 @@
         </p:nvSpPr>
         <p:spPr/>
         <p:txBody>
-          <a:bodyPr/>
-          <a:lstStyle/>
-          <a:p>
-            <a:r>
-              <a:rPr lang="en-US" dirty="0"/>
-              <a:t>Vocabulary &amp; Punctuation</a:t>
-            </a:r>
+          <a:bodyPr>
+            <a:noAutofit/>
+          </a:bodyPr>
+          <a:lstStyle/>
+          <a:p>
+            <a:r>
+              <a:rPr lang="en-US" sz="4400" dirty="0"/>
+              <a:t>How does each author vary with respect to basic sentence structure &amp; vocabulary?</a:t>
+            </a:r>
+            <a:br>
+              <a:rPr lang="en-US" sz="4400" dirty="0"/>
+            </a:br>
+            <a:endParaRPr lang="en-US" sz="4400" dirty="0"/>
           </a:p>
         </p:txBody>
       </p:sp>
       <p:pic>
         <p:nvPicPr>
-          <p:cNvPr id="5" name="Content Placeholder 4">
+          <p:cNvPr id="16" name="Content Placeholder 15">
             <a:extLst>
               <a:ext uri="{FF2B5EF4-FFF2-40B4-BE49-F238E27FC236}">
-                <a16:creationId xmlns:a16="http://schemas.microsoft.com/office/drawing/2014/main" id="{2C577C6A-39A1-4709-A026-EE3F44815A25}"/>
+                <a16:creationId xmlns:a16="http://schemas.microsoft.com/office/drawing/2014/main" id="{F59209F8-2AEE-4FDA-B97F-9AC5A9E2AF54}"/>
               </a:ext>
             </a:extLst>
           </p:cNvPr>
@@ -5612,87 +7282,15 @@
         </p:blipFill>
         <p:spPr>
           <a:xfrm>
-            <a:off x="738964" y="1393160"/>
-            <a:ext cx="4125432" cy="2750288"/>
+            <a:off x="3355969" y="2317746"/>
+            <a:ext cx="5486411" cy="3657607"/>
           </a:xfrm>
-        </p:spPr>
-      </p:pic>
-      <p:pic>
-        <p:nvPicPr>
-          <p:cNvPr id="7" name="Picture 6">
-            <a:extLst>
-              <a:ext uri="{FF2B5EF4-FFF2-40B4-BE49-F238E27FC236}">
-                <a16:creationId xmlns:a16="http://schemas.microsoft.com/office/drawing/2014/main" id="{0617A0DB-68C7-44C5-9DD4-5C8759BD18AC}"/>
-              </a:ext>
-            </a:extLst>
-          </p:cNvPr>
-          <p:cNvPicPr>
-            <a:picLocks noChangeAspect="1"/>
-          </p:cNvPicPr>
-          <p:nvPr/>
-        </p:nvPicPr>
-        <p:blipFill>
-          <a:blip r:embed="rId3">
-            <a:extLst>
-              <a:ext uri="{28A0092B-C50C-407E-A947-70E740481C1C}">
-                <a14:useLocalDpi xmlns:a14="http://schemas.microsoft.com/office/drawing/2010/main" val="0"/>
-              </a:ext>
-            </a:extLst>
-          </a:blip>
-          <a:stretch>
-            <a:fillRect/>
-          </a:stretch>
-        </p:blipFill>
-        <p:spPr>
-          <a:xfrm>
-            <a:off x="5523614" y="1336156"/>
-            <a:ext cx="5497033" cy="2748516"/>
-          </a:xfrm>
-          <a:prstGeom prst="rect">
-            <a:avLst/>
-          </a:prstGeom>
-        </p:spPr>
-      </p:pic>
-      <p:pic>
-        <p:nvPicPr>
-          <p:cNvPr id="9" name="Picture 8">
-            <a:extLst>
-              <a:ext uri="{FF2B5EF4-FFF2-40B4-BE49-F238E27FC236}">
-                <a16:creationId xmlns:a16="http://schemas.microsoft.com/office/drawing/2014/main" id="{BF9D8F32-BAFF-4B28-B967-0A326884625A}"/>
-              </a:ext>
-            </a:extLst>
-          </p:cNvPr>
-          <p:cNvPicPr>
-            <a:picLocks noChangeAspect="1"/>
-          </p:cNvPicPr>
-          <p:nvPr/>
-        </p:nvPicPr>
-        <p:blipFill>
-          <a:blip r:embed="rId4">
-            <a:extLst>
-              <a:ext uri="{28A0092B-C50C-407E-A947-70E740481C1C}">
-                <a14:useLocalDpi xmlns:a14="http://schemas.microsoft.com/office/drawing/2010/main" val="0"/>
-              </a:ext>
-            </a:extLst>
-          </a:blip>
-          <a:stretch>
-            <a:fillRect/>
-          </a:stretch>
-        </p:blipFill>
-        <p:spPr>
-          <a:xfrm>
-            <a:off x="3242930" y="3917504"/>
-            <a:ext cx="4410745" cy="2940496"/>
-          </a:xfrm>
-          <a:prstGeom prst="rect">
-            <a:avLst/>
-          </a:prstGeom>
         </p:spPr>
       </p:pic>
     </p:spTree>
     <p:extLst>
       <p:ext uri="{BB962C8B-B14F-4D97-AF65-F5344CB8AC3E}">
-        <p14:creationId xmlns:p14="http://schemas.microsoft.com/office/powerpoint/2010/main" val="2526381929"/>
+        <p14:creationId xmlns:p14="http://schemas.microsoft.com/office/powerpoint/2010/main" val="2666062564"/>
       </p:ext>
     </p:extLst>
   </p:cSld>
@@ -5721,10 +7319,10 @@
       </p:grpSpPr>
       <p:sp>
         <p:nvSpPr>
-          <p:cNvPr id="2" name="Title 1">
+          <p:cNvPr id="4" name="Title 1">
             <a:extLst>
               <a:ext uri="{FF2B5EF4-FFF2-40B4-BE49-F238E27FC236}">
-                <a16:creationId xmlns:a16="http://schemas.microsoft.com/office/drawing/2014/main" id="{E22FEA56-694A-457C-BC58-7B4F83F5D0E6}"/>
+                <a16:creationId xmlns:a16="http://schemas.microsoft.com/office/drawing/2014/main" id="{99D4A6ED-0001-4721-9D85-4EA19BEC6117}"/>
               </a:ext>
             </a:extLst>
           </p:cNvPr>
@@ -5737,31 +7335,35 @@
         </p:nvSpPr>
         <p:spPr/>
         <p:txBody>
-          <a:bodyPr/>
-          <a:lstStyle/>
-          <a:p>
-            <a:r>
-              <a:rPr lang="en-US" dirty="0"/>
-              <a:t>Point of View</a:t>
-            </a:r>
+          <a:bodyPr>
+            <a:noAutofit/>
+          </a:bodyPr>
+          <a:lstStyle/>
+          <a:p>
+            <a:r>
+              <a:rPr lang="en-US" sz="4400" dirty="0"/>
+              <a:t>How does each author vary with respect to basic sentence structure &amp; vocabulary?</a:t>
+            </a:r>
+            <a:br>
+              <a:rPr lang="en-US" sz="4400" dirty="0"/>
+            </a:br>
+            <a:endParaRPr lang="en-US" sz="4400" dirty="0"/>
           </a:p>
         </p:txBody>
       </p:sp>
       <p:pic>
         <p:nvPicPr>
-          <p:cNvPr id="5" name="Content Placeholder 4">
+          <p:cNvPr id="13" name="Picture 12">
             <a:extLst>
               <a:ext uri="{FF2B5EF4-FFF2-40B4-BE49-F238E27FC236}">
-                <a16:creationId xmlns:a16="http://schemas.microsoft.com/office/drawing/2014/main" id="{0887A0AC-EC22-485E-86AD-70C77DB3AA1C}"/>
+                <a16:creationId xmlns:a16="http://schemas.microsoft.com/office/drawing/2014/main" id="{3BBC16EE-40FC-422D-A41E-510CCFD5A9C8}"/>
               </a:ext>
             </a:extLst>
           </p:cNvPr>
           <p:cNvPicPr>
-            <a:picLocks noGrp="1" noChangeAspect="1"/>
+            <a:picLocks noChangeAspect="1"/>
           </p:cNvPicPr>
-          <p:nvPr>
-            <p:ph idx="1"/>
-          </p:nvPr>
+          <p:nvPr/>
         </p:nvPicPr>
         <p:blipFill>
           <a:blip r:embed="rId2">
@@ -5777,77 +7379,8 @@
         </p:blipFill>
         <p:spPr>
           <a:xfrm>
-            <a:off x="606054" y="1218518"/>
-            <a:ext cx="4022656" cy="2681770"/>
-          </a:xfrm>
-        </p:spPr>
-      </p:pic>
-      <p:pic>
-        <p:nvPicPr>
-          <p:cNvPr id="7" name="Picture 6">
-            <a:extLst>
-              <a:ext uri="{FF2B5EF4-FFF2-40B4-BE49-F238E27FC236}">
-                <a16:creationId xmlns:a16="http://schemas.microsoft.com/office/drawing/2014/main" id="{F430C3C2-324A-462D-B2B0-FC94392D3316}"/>
-              </a:ext>
-            </a:extLst>
-          </p:cNvPr>
-          <p:cNvPicPr>
-            <a:picLocks noChangeAspect="1"/>
-          </p:cNvPicPr>
-          <p:nvPr/>
-        </p:nvPicPr>
-        <p:blipFill>
-          <a:blip r:embed="rId3">
-            <a:extLst>
-              <a:ext uri="{28A0092B-C50C-407E-A947-70E740481C1C}">
-                <a14:useLocalDpi xmlns:a14="http://schemas.microsoft.com/office/drawing/2010/main" val="0"/>
-              </a:ext>
-            </a:extLst>
-          </a:blip>
-          <a:stretch>
-            <a:fillRect/>
-          </a:stretch>
-        </p:blipFill>
-        <p:spPr>
-          <a:xfrm>
-            <a:off x="5802275" y="1100083"/>
-            <a:ext cx="4377960" cy="2918640"/>
-          </a:xfrm>
-          <a:prstGeom prst="rect">
-            <a:avLst/>
-          </a:prstGeom>
-        </p:spPr>
-      </p:pic>
-      <p:pic>
-        <p:nvPicPr>
-          <p:cNvPr id="9" name="Picture 8">
-            <a:extLst>
-              <a:ext uri="{FF2B5EF4-FFF2-40B4-BE49-F238E27FC236}">
-                <a16:creationId xmlns:a16="http://schemas.microsoft.com/office/drawing/2014/main" id="{9E1183A9-4B37-458E-A34E-983EAC0B960E}"/>
-              </a:ext>
-            </a:extLst>
-          </p:cNvPr>
-          <p:cNvPicPr>
-            <a:picLocks noChangeAspect="1"/>
-          </p:cNvPicPr>
-          <p:nvPr/>
-        </p:nvPicPr>
-        <p:blipFill>
-          <a:blip r:embed="rId4">
-            <a:extLst>
-              <a:ext uri="{28A0092B-C50C-407E-A947-70E740481C1C}">
-                <a14:useLocalDpi xmlns:a14="http://schemas.microsoft.com/office/drawing/2010/main" val="0"/>
-              </a:ext>
-            </a:extLst>
-          </a:blip>
-          <a:stretch>
-            <a:fillRect/>
-          </a:stretch>
-        </p:blipFill>
-        <p:spPr>
-          <a:xfrm>
-            <a:off x="3143027" y="3900288"/>
-            <a:ext cx="4144931" cy="2763287"/>
+            <a:off x="3581394" y="2280680"/>
+            <a:ext cx="5486411" cy="3657607"/>
           </a:xfrm>
           <a:prstGeom prst="rect">
             <a:avLst/>
@@ -5857,7 +7390,7 @@
     </p:spTree>
     <p:extLst>
       <p:ext uri="{BB962C8B-B14F-4D97-AF65-F5344CB8AC3E}">
-        <p14:creationId xmlns:p14="http://schemas.microsoft.com/office/powerpoint/2010/main" val="158386359"/>
+        <p14:creationId xmlns:p14="http://schemas.microsoft.com/office/powerpoint/2010/main" val="2067117052"/>
       </p:ext>
     </p:extLst>
   </p:cSld>
@@ -5868,9 +7401,9 @@
 </file>
 
 <file path=ppt/theme/theme1.xml><?xml version="1.0" encoding="utf-8"?>
-<a:theme xmlns:a="http://schemas.openxmlformats.org/drawingml/2006/main" name="Office Theme">
+<a:theme xmlns:a="http://schemas.openxmlformats.org/drawingml/2006/main" name="Wood Type">
   <a:themeElements>
-    <a:clrScheme name="Office">
+    <a:clrScheme name="Wood Type">
       <a:dk1>
         <a:sysClr val="windowText" lastClr="000000"/>
       </a:dk1>
@@ -5878,48 +7411,86 @@
         <a:sysClr val="window" lastClr="FFFFFF"/>
       </a:lt1>
       <a:dk2>
-        <a:srgbClr val="44546A"/>
+        <a:srgbClr val="696464"/>
       </a:dk2>
       <a:lt2>
-        <a:srgbClr val="E7E6E6"/>
+        <a:srgbClr val="E9E5DC"/>
       </a:lt2>
       <a:accent1>
-        <a:srgbClr val="4472C4"/>
+        <a:srgbClr val="D34817"/>
       </a:accent1>
       <a:accent2>
-        <a:srgbClr val="ED7D31"/>
+        <a:srgbClr val="9B2D1F"/>
       </a:accent2>
       <a:accent3>
-        <a:srgbClr val="A5A5A5"/>
+        <a:srgbClr val="A28E6A"/>
       </a:accent3>
       <a:accent4>
-        <a:srgbClr val="FFC000"/>
+        <a:srgbClr val="956251"/>
       </a:accent4>
       <a:accent5>
-        <a:srgbClr val="5B9BD5"/>
+        <a:srgbClr val="918485"/>
       </a:accent5>
       <a:accent6>
-        <a:srgbClr val="70AD47"/>
+        <a:srgbClr val="855D5D"/>
       </a:accent6>
       <a:hlink>
-        <a:srgbClr val="0563C1"/>
+        <a:srgbClr val="CC9900"/>
       </a:hlink>
       <a:folHlink>
-        <a:srgbClr val="954F72"/>
+        <a:srgbClr val="96A9A9"/>
       </a:folHlink>
     </a:clrScheme>
-    <a:fontScheme name="Office">
+    <a:fontScheme name="Wood Type">
       <a:majorFont>
-        <a:latin typeface="Calibri Light" panose="020F0302020204030204"/>
+        <a:latin typeface="Rockwell Condensed" panose="02060603050405020104"/>
         <a:ea typeface=""/>
         <a:cs typeface=""/>
-        <a:font script="Jpan" typeface="游ゴシック Light"/>
-        <a:font script="Hang" typeface="맑은 고딕"/>
-        <a:font script="Hans" typeface="等线 Light"/>
-        <a:font script="Hant" typeface="新細明體"/>
+        <a:font script="Grek" typeface="Cambria"/>
+        <a:font script="Cyrl" typeface="Cambria"/>
+        <a:font script="Jpan" typeface="HG明朝B"/>
+        <a:font script="Hang" typeface="바탕"/>
+        <a:font script="Hans" typeface="方正姚体"/>
+        <a:font script="Hant" typeface="微軟正黑體"/>
         <a:font script="Arab" typeface="Times New Roman"/>
-        <a:font script="Hebr" typeface="Times New Roman"/>
-        <a:font script="Thai" typeface="Angsana New"/>
+        <a:font script="Hebr" typeface="David"/>
+        <a:font script="Thai" typeface="JasmineUPC"/>
+        <a:font script="Ethi" typeface="Nyala"/>
+        <a:font script="Beng" typeface="Vrinda"/>
+        <a:font script="Gujr" typeface="Shruti"/>
+        <a:font script="Khmr" typeface="MoolBoran"/>
+        <a:font script="Knda" typeface="Tunga"/>
+        <a:font script="Guru" typeface="Raavi"/>
+        <a:font script="Cans" typeface="Euphemia"/>
+        <a:font script="Cher" typeface="Plantagenet Cherokee"/>
+        <a:font script="Yiii" typeface="Microsoft Yi Baiti"/>
+        <a:font script="Tibt" typeface="Microsoft Himalaya"/>
+        <a:font script="Thaa" typeface="MV Boli"/>
+        <a:font script="Deva" typeface="Mangal"/>
+        <a:font script="Telu" typeface="Gautami"/>
+        <a:font script="Taml" typeface="Latha"/>
+        <a:font script="Syrc" typeface="Estrangelo Edessa"/>
+        <a:font script="Orya" typeface="Kalinga"/>
+        <a:font script="Mlym" typeface="Kartika"/>
+        <a:font script="Laoo" typeface="DokChampa"/>
+        <a:font script="Sinh" typeface="Iskoola Pota"/>
+        <a:font script="Mong" typeface="Mongolian Baiti"/>
+        <a:font script="Viet" typeface="Arial"/>
+        <a:font script="Uigh" typeface="Microsoft Uighur"/>
+      </a:majorFont>
+      <a:minorFont>
+        <a:latin typeface="Rockwell" panose="02060603020205020403"/>
+        <a:ea typeface=""/>
+        <a:cs typeface=""/>
+        <a:font script="Grek" typeface="Cambria"/>
+        <a:font script="Cyrl" typeface="Cambria"/>
+        <a:font script="Jpan" typeface="HG明朝B"/>
+        <a:font script="Hang" typeface="바탕"/>
+        <a:font script="Hans" typeface="方正姚体"/>
+        <a:font script="Hant" typeface="標楷體"/>
+        <a:font script="Arab" typeface="Times New Roman"/>
+        <a:font script="Hebr" typeface="David"/>
+        <a:font script="Thai" typeface="JasmineUPC"/>
         <a:font script="Ethi" typeface="Nyala"/>
         <a:font script="Beng" typeface="Vrinda"/>
         <a:font script="Gujr" typeface="Shruti"/>
@@ -5942,135 +7513,42 @@
         <a:font script="Mong" typeface="Mongolian Baiti"/>
         <a:font script="Viet" typeface="Times New Roman"/>
         <a:font script="Uigh" typeface="Microsoft Uighur"/>
-        <a:font script="Geor" typeface="Sylfaen"/>
-        <a:font script="Armn" typeface="Arial"/>
-        <a:font script="Bugi" typeface="Leelawadee UI"/>
-        <a:font script="Bopo" typeface="Microsoft JhengHei"/>
-        <a:font script="Java" typeface="Javanese Text"/>
-        <a:font script="Lisu" typeface="Segoe UI"/>
-        <a:font script="Mymr" typeface="Myanmar Text"/>
-        <a:font script="Nkoo" typeface="Ebrima"/>
-        <a:font script="Olck" typeface="Nirmala UI"/>
-        <a:font script="Osma" typeface="Ebrima"/>
-        <a:font script="Phag" typeface="Phagspa"/>
-        <a:font script="Syrn" typeface="Estrangelo Edessa"/>
-        <a:font script="Syrj" typeface="Estrangelo Edessa"/>
-        <a:font script="Syre" typeface="Estrangelo Edessa"/>
-        <a:font script="Sora" typeface="Nirmala UI"/>
-        <a:font script="Tale" typeface="Microsoft Tai Le"/>
-        <a:font script="Talu" typeface="Microsoft New Tai Lue"/>
-        <a:font script="Tfng" typeface="Ebrima"/>
-      </a:majorFont>
-      <a:minorFont>
-        <a:latin typeface="Calibri" panose="020F0502020204030204"/>
-        <a:ea typeface=""/>
-        <a:cs typeface=""/>
-        <a:font script="Jpan" typeface="游ゴシック"/>
-        <a:font script="Hang" typeface="맑은 고딕"/>
-        <a:font script="Hans" typeface="等线"/>
-        <a:font script="Hant" typeface="新細明體"/>
-        <a:font script="Arab" typeface="Arial"/>
-        <a:font script="Hebr" typeface="Arial"/>
-        <a:font script="Thai" typeface="Cordia New"/>
-        <a:font script="Ethi" typeface="Nyala"/>
-        <a:font script="Beng" typeface="Vrinda"/>
-        <a:font script="Gujr" typeface="Shruti"/>
-        <a:font script="Khmr" typeface="DaunPenh"/>
-        <a:font script="Knda" typeface="Tunga"/>
-        <a:font script="Guru" typeface="Raavi"/>
-        <a:font script="Cans" typeface="Euphemia"/>
-        <a:font script="Cher" typeface="Plantagenet Cherokee"/>
-        <a:font script="Yiii" typeface="Microsoft Yi Baiti"/>
-        <a:font script="Tibt" typeface="Microsoft Himalaya"/>
-        <a:font script="Thaa" typeface="MV Boli"/>
-        <a:font script="Deva" typeface="Mangal"/>
-        <a:font script="Telu" typeface="Gautami"/>
-        <a:font script="Taml" typeface="Latha"/>
-        <a:font script="Syrc" typeface="Estrangelo Edessa"/>
-        <a:font script="Orya" typeface="Kalinga"/>
-        <a:font script="Mlym" typeface="Kartika"/>
-        <a:font script="Laoo" typeface="DokChampa"/>
-        <a:font script="Sinh" typeface="Iskoola Pota"/>
-        <a:font script="Mong" typeface="Mongolian Baiti"/>
-        <a:font script="Viet" typeface="Arial"/>
-        <a:font script="Uigh" typeface="Microsoft Uighur"/>
-        <a:font script="Geor" typeface="Sylfaen"/>
-        <a:font script="Armn" typeface="Arial"/>
-        <a:font script="Bugi" typeface="Leelawadee UI"/>
-        <a:font script="Bopo" typeface="Microsoft JhengHei"/>
-        <a:font script="Java" typeface="Javanese Text"/>
-        <a:font script="Lisu" typeface="Segoe UI"/>
-        <a:font script="Mymr" typeface="Myanmar Text"/>
-        <a:font script="Nkoo" typeface="Ebrima"/>
-        <a:font script="Olck" typeface="Nirmala UI"/>
-        <a:font script="Osma" typeface="Ebrima"/>
-        <a:font script="Phag" typeface="Phagspa"/>
-        <a:font script="Syrn" typeface="Estrangelo Edessa"/>
-        <a:font script="Syrj" typeface="Estrangelo Edessa"/>
-        <a:font script="Syre" typeface="Estrangelo Edessa"/>
-        <a:font script="Sora" typeface="Nirmala UI"/>
-        <a:font script="Tale" typeface="Microsoft Tai Le"/>
-        <a:font script="Talu" typeface="Microsoft New Tai Lue"/>
-        <a:font script="Tfng" typeface="Ebrima"/>
       </a:minorFont>
     </a:fontScheme>
-    <a:fmtScheme name="Office">
+    <a:fmtScheme name="Wood Type">
       <a:fillStyleLst>
         <a:solidFill>
           <a:schemeClr val="phClr"/>
         </a:solidFill>
-        <a:gradFill rotWithShape="1">
-          <a:gsLst>
-            <a:gs pos="0">
+        <a:blipFill rotWithShape="1">
+          <a:blip xmlns:r="http://schemas.openxmlformats.org/officeDocument/2006/relationships" r:embed="rId1">
+            <a:duotone>
               <a:schemeClr val="phClr">
-                <a:lumMod val="110000"/>
-                <a:satMod val="105000"/>
-                <a:tint val="67000"/>
+                <a:tint val="70000"/>
+                <a:shade val="63000"/>
               </a:schemeClr>
-            </a:gs>
-            <a:gs pos="50000">
               <a:schemeClr val="phClr">
-                <a:lumMod val="105000"/>
-                <a:satMod val="103000"/>
-                <a:tint val="73000"/>
+                <a:tint val="10000"/>
+                <a:satMod val="150000"/>
               </a:schemeClr>
-            </a:gs>
-            <a:gs pos="100000">
+            </a:duotone>
+          </a:blip>
+          <a:tile tx="0" ty="0" sx="60000" sy="59000" flip="none" algn="tl"/>
+        </a:blipFill>
+        <a:blipFill rotWithShape="1">
+          <a:blip xmlns:r="http://schemas.openxmlformats.org/officeDocument/2006/relationships" r:embed="rId1">
+            <a:duotone>
               <a:schemeClr val="phClr">
-                <a:lumMod val="105000"/>
-                <a:satMod val="109000"/>
-                <a:tint val="81000"/>
+                <a:shade val="36000"/>
+                <a:satMod val="120000"/>
               </a:schemeClr>
-            </a:gs>
-          </a:gsLst>
-          <a:lin ang="5400000" scaled="0"/>
-        </a:gradFill>
-        <a:gradFill rotWithShape="1">
-          <a:gsLst>
-            <a:gs pos="0">
               <a:schemeClr val="phClr">
-                <a:satMod val="103000"/>
-                <a:lumMod val="102000"/>
-                <a:tint val="94000"/>
+                <a:tint val="40000"/>
               </a:schemeClr>
-            </a:gs>
-            <a:gs pos="50000">
-              <a:schemeClr val="phClr">
-                <a:satMod val="110000"/>
-                <a:lumMod val="100000"/>
-                <a:shade val="100000"/>
-              </a:schemeClr>
-            </a:gs>
-            <a:gs pos="100000">
-              <a:schemeClr val="phClr">
-                <a:lumMod val="99000"/>
-                <a:satMod val="120000"/>
-                <a:shade val="78000"/>
-              </a:schemeClr>
-            </a:gs>
-          </a:gsLst>
-          <a:lin ang="5400000" scaled="0"/>
-        </a:gradFill>
+            </a:duotone>
+          </a:blip>
+          <a:tile tx="0" ty="0" sx="60000" sy="59000" flip="none" algn="tl"/>
+        </a:blipFill>
       </a:fillStyleLst>
       <a:lnStyleLst>
         <a:ln w="6350" cap="flat" cmpd="sng" algn="ctr">
@@ -6078,21 +7556,18 @@
             <a:schemeClr val="phClr"/>
           </a:solidFill>
           <a:prstDash val="solid"/>
-          <a:miter lim="800000"/>
         </a:ln>
         <a:ln w="12700" cap="flat" cmpd="sng" algn="ctr">
           <a:solidFill>
             <a:schemeClr val="phClr"/>
           </a:solidFill>
           <a:prstDash val="solid"/>
-          <a:miter lim="800000"/>
         </a:ln>
         <a:ln w="19050" cap="flat" cmpd="sng" algn="ctr">
           <a:solidFill>
             <a:schemeClr val="phClr"/>
           </a:solidFill>
           <a:prstDash val="solid"/>
-          <a:miter lim="800000"/>
         </a:ln>
       </a:lnStyleLst>
       <a:effectStyleLst>
@@ -6100,15 +7575,18 @@
           <a:effectLst/>
         </a:effectStyle>
         <a:effectStyle>
-          <a:effectLst/>
+          <a:effectLst>
+            <a:softEdge rad="12700"/>
+          </a:effectLst>
         </a:effectStyle>
         <a:effectStyle>
           <a:effectLst>
-            <a:outerShdw blurRad="57150" dist="19050" dir="5400000" algn="ctr" rotWithShape="0">
+            <a:outerShdw blurRad="50800" dist="19050" dir="5400000" algn="tl" rotWithShape="0">
               <a:srgbClr val="000000">
-                <a:alpha val="63000"/>
+                <a:alpha val="60000"/>
               </a:srgbClr>
             </a:outerShdw>
+            <a:softEdge rad="12700"/>
           </a:effectLst>
         </a:effectStyle>
       </a:effectStyleLst>
@@ -6118,37 +7596,26 @@
         </a:solidFill>
         <a:solidFill>
           <a:schemeClr val="phClr">
-            <a:tint val="95000"/>
-            <a:satMod val="170000"/>
+            <a:shade val="97000"/>
+            <a:satMod val="150000"/>
           </a:schemeClr>
         </a:solidFill>
-        <a:gradFill rotWithShape="1">
-          <a:gsLst>
-            <a:gs pos="0">
+        <a:blipFill rotWithShape="1">
+          <a:blip xmlns:r="http://schemas.openxmlformats.org/officeDocument/2006/relationships" r:embed="rId1">
+            <a:duotone>
               <a:schemeClr val="phClr">
-                <a:tint val="93000"/>
-                <a:satMod val="150000"/>
-                <a:shade val="98000"/>
-                <a:lumMod val="102000"/>
-              </a:schemeClr>
-            </a:gs>
-            <a:gs pos="50000">
-              <a:schemeClr val="phClr">
-                <a:tint val="98000"/>
-                <a:satMod val="130000"/>
-                <a:shade val="90000"/>
-                <a:lumMod val="103000"/>
-              </a:schemeClr>
-            </a:gs>
-            <a:gs pos="100000">
-              <a:schemeClr val="phClr">
-                <a:shade val="63000"/>
+                <a:tint val="75000"/>
+                <a:shade val="58000"/>
                 <a:satMod val="120000"/>
               </a:schemeClr>
-            </a:gs>
-          </a:gsLst>
-          <a:lin ang="5400000" scaled="0"/>
-        </a:gradFill>
+              <a:schemeClr val="phClr">
+                <a:tint val="50000"/>
+                <a:shade val="96000"/>
+              </a:schemeClr>
+            </a:duotone>
+          </a:blip>
+          <a:tile tx="0" ty="0" sx="100000" sy="100000" flip="none" algn="tl"/>
+        </a:blipFill>
       </a:bgFillStyleLst>
     </a:fmtScheme>
   </a:themeElements>
@@ -6156,7 +7623,7 @@
   <a:extraClrSchemeLst/>
   <a:extLst>
     <a:ext uri="{05A4C25C-085E-4340-85A3-A5531E510DB2}">
-      <thm15:themeFamily xmlns:thm15="http://schemas.microsoft.com/office/thememl/2012/main" name="Office Theme" id="{62F939B6-93AF-4DB8-9C6B-D6C7DFDC589F}" vid="{4A3C46E8-61CC-4603-A589-7422A47A8E4A}"/>
+      <thm15:themeFamily xmlns:thm15="http://schemas.microsoft.com/office/thememl/2012/main" name="Wood Type" id="{7ACABC62-BF99-48CF-A9DC-4DB89C7B13DC}" vid="{142A1326-48AB-42A9-8428-CB14AA30176D}"/>
     </a:ext>
   </a:extLst>
 </a:theme>

--- a/Predictive_Author_Presentation.pptx
+++ b/Predictive_Author_Presentation.pptx
@@ -538,7 +538,7 @@
           <a:p>
             <a:fld id="{005806F1-D16A-4C27-A1BB-B8B7CB5A8967}" type="datetimeFigureOut">
               <a:rPr lang="en-US" smtClean="0"/>
-              <a:t>12/6/2017</a:t>
+              <a:t>12/8/2017</a:t>
             </a:fld>
             <a:endParaRPr lang="en-US"/>
           </a:p>
@@ -717,7 +717,7 @@
           <a:p>
             <a:fld id="{005806F1-D16A-4C27-A1BB-B8B7CB5A8967}" type="datetimeFigureOut">
               <a:rPr lang="en-US" smtClean="0"/>
-              <a:t>12/6/2017</a:t>
+              <a:t>12/8/2017</a:t>
             </a:fld>
             <a:endParaRPr lang="en-US"/>
           </a:p>
@@ -897,7 +897,7 @@
           <a:p>
             <a:fld id="{005806F1-D16A-4C27-A1BB-B8B7CB5A8967}" type="datetimeFigureOut">
               <a:rPr lang="en-US" smtClean="0"/>
-              <a:t>12/6/2017</a:t>
+              <a:t>12/8/2017</a:t>
             </a:fld>
             <a:endParaRPr lang="en-US"/>
           </a:p>
@@ -1067,7 +1067,7 @@
           <a:p>
             <a:fld id="{005806F1-D16A-4C27-A1BB-B8B7CB5A8967}" type="datetimeFigureOut">
               <a:rPr lang="en-US" smtClean="0"/>
-              <a:t>12/6/2017</a:t>
+              <a:t>12/8/2017</a:t>
             </a:fld>
             <a:endParaRPr lang="en-US"/>
           </a:p>
@@ -1380,7 +1380,7 @@
           <a:p>
             <a:fld id="{005806F1-D16A-4C27-A1BB-B8B7CB5A8967}" type="datetimeFigureOut">
               <a:rPr lang="en-US" smtClean="0"/>
-              <a:t>12/6/2017</a:t>
+              <a:t>12/8/2017</a:t>
             </a:fld>
             <a:endParaRPr lang="en-US"/>
           </a:p>
@@ -1766,7 +1766,7 @@
           <a:p>
             <a:fld id="{005806F1-D16A-4C27-A1BB-B8B7CB5A8967}" type="datetimeFigureOut">
               <a:rPr lang="en-US" smtClean="0"/>
-              <a:t>12/6/2017</a:t>
+              <a:t>12/8/2017</a:t>
             </a:fld>
             <a:endParaRPr lang="en-US"/>
           </a:p>
@@ -2200,7 +2200,7 @@
           <a:p>
             <a:fld id="{005806F1-D16A-4C27-A1BB-B8B7CB5A8967}" type="datetimeFigureOut">
               <a:rPr lang="en-US" smtClean="0"/>
-              <a:t>12/6/2017</a:t>
+              <a:t>12/8/2017</a:t>
             </a:fld>
             <a:endParaRPr lang="en-US"/>
           </a:p>
@@ -2318,7 +2318,7 @@
           <a:p>
             <a:fld id="{005806F1-D16A-4C27-A1BB-B8B7CB5A8967}" type="datetimeFigureOut">
               <a:rPr lang="en-US" smtClean="0"/>
-              <a:t>12/6/2017</a:t>
+              <a:t>12/8/2017</a:t>
             </a:fld>
             <a:endParaRPr lang="en-US"/>
           </a:p>
@@ -2413,7 +2413,7 @@
           <a:p>
             <a:fld id="{005806F1-D16A-4C27-A1BB-B8B7CB5A8967}" type="datetimeFigureOut">
               <a:rPr lang="en-US" smtClean="0"/>
-              <a:t>12/6/2017</a:t>
+              <a:t>12/8/2017</a:t>
             </a:fld>
             <a:endParaRPr lang="en-US"/>
           </a:p>
@@ -2763,7 +2763,7 @@
           <a:p>
             <a:fld id="{005806F1-D16A-4C27-A1BB-B8B7CB5A8967}" type="datetimeFigureOut">
               <a:rPr lang="en-US" smtClean="0"/>
-              <a:t>12/6/2017</a:t>
+              <a:t>12/8/2017</a:t>
             </a:fld>
             <a:endParaRPr lang="en-US"/>
           </a:p>
@@ -3188,7 +3188,7 @@
           <a:p>
             <a:fld id="{005806F1-D16A-4C27-A1BB-B8B7CB5A8967}" type="datetimeFigureOut">
               <a:rPr lang="en-US" smtClean="0"/>
-              <a:t>12/6/2017</a:t>
+              <a:t>12/8/2017</a:t>
             </a:fld>
             <a:endParaRPr lang="en-US"/>
           </a:p>
@@ -3469,7 +3469,7 @@
           <a:p>
             <a:fld id="{005806F1-D16A-4C27-A1BB-B8B7CB5A8967}" type="datetimeFigureOut">
               <a:rPr lang="en-US" smtClean="0"/>
-              <a:t>12/6/2017</a:t>
+              <a:t>12/8/2017</a:t>
             </a:fld>
             <a:endParaRPr lang="en-US"/>
           </a:p>
@@ -6096,10 +6096,10 @@
       </p:sp>
       <p:pic>
         <p:nvPicPr>
-          <p:cNvPr id="8" name="Picture 7">
+          <p:cNvPr id="9" name="Picture 8">
             <a:extLst>
               <a:ext uri="{FF2B5EF4-FFF2-40B4-BE49-F238E27FC236}">
-                <a16:creationId xmlns:a16="http://schemas.microsoft.com/office/drawing/2014/main" id="{68CEC9CD-B5E1-4BDC-9D16-4EC122E0F008}"/>
+                <a16:creationId xmlns:a16="http://schemas.microsoft.com/office/drawing/2014/main" id="{B0184E60-F980-4065-8D3C-CCD5068F61E7}"/>
               </a:ext>
             </a:extLst>
           </p:cNvPr>
@@ -6122,8 +6122,8 @@
         </p:blipFill>
         <p:spPr>
           <a:xfrm>
-            <a:off x="6019293" y="2669509"/>
-            <a:ext cx="5486411" cy="3657607"/>
+            <a:off x="404532" y="2942382"/>
+            <a:ext cx="5222137" cy="3291840"/>
           </a:xfrm>
           <a:prstGeom prst="rect">
             <a:avLst/>
@@ -6132,10 +6132,10 @@
       </p:pic>
       <p:pic>
         <p:nvPicPr>
-          <p:cNvPr id="12" name="Picture 11">
+          <p:cNvPr id="13" name="Picture 12">
             <a:extLst>
               <a:ext uri="{FF2B5EF4-FFF2-40B4-BE49-F238E27FC236}">
-                <a16:creationId xmlns:a16="http://schemas.microsoft.com/office/drawing/2014/main" id="{74932569-1DD7-40A9-A8D5-EC5F418D4136}"/>
+                <a16:creationId xmlns:a16="http://schemas.microsoft.com/office/drawing/2014/main" id="{8A733FEC-6315-426B-AB66-8B359721B109}"/>
               </a:ext>
             </a:extLst>
           </p:cNvPr>
@@ -6158,8 +6158,8 @@
         </p:blipFill>
         <p:spPr>
           <a:xfrm>
-            <a:off x="476688" y="2669509"/>
-            <a:ext cx="5309858" cy="3539905"/>
+            <a:off x="5895292" y="2875710"/>
+            <a:ext cx="5205557" cy="3383280"/>
           </a:xfrm>
           <a:prstGeom prst="rect">
             <a:avLst/>
@@ -7019,10 +7019,10 @@
       </p:sp>
       <p:pic>
         <p:nvPicPr>
-          <p:cNvPr id="10" name="Content Placeholder 9">
+          <p:cNvPr id="6" name="Content Placeholder 5">
             <a:extLst>
               <a:ext uri="{FF2B5EF4-FFF2-40B4-BE49-F238E27FC236}">
-                <a16:creationId xmlns:a16="http://schemas.microsoft.com/office/drawing/2014/main" id="{82929104-7175-46E2-9003-A7AEE9B87B95}"/>
+                <a16:creationId xmlns:a16="http://schemas.microsoft.com/office/drawing/2014/main" id="{57C68876-9234-4E01-AAB1-B2413D999BF5}"/>
               </a:ext>
             </a:extLst>
           </p:cNvPr>
@@ -7047,8 +7047,8 @@
         </p:blipFill>
         <p:spPr>
           <a:xfrm>
-            <a:off x="3355350" y="2317333"/>
-            <a:ext cx="5487650" cy="3658433"/>
+            <a:off x="2865474" y="1586168"/>
+            <a:ext cx="6536624" cy="5229299"/>
           </a:xfrm>
         </p:spPr>
       </p:pic>
@@ -7353,10 +7353,10 @@
       </p:sp>
       <p:pic>
         <p:nvPicPr>
-          <p:cNvPr id="13" name="Picture 12">
+          <p:cNvPr id="3" name="Picture 2">
             <a:extLst>
               <a:ext uri="{FF2B5EF4-FFF2-40B4-BE49-F238E27FC236}">
-                <a16:creationId xmlns:a16="http://schemas.microsoft.com/office/drawing/2014/main" id="{3BBC16EE-40FC-422D-A41E-510CCFD5A9C8}"/>
+                <a16:creationId xmlns:a16="http://schemas.microsoft.com/office/drawing/2014/main" id="{BC14D39E-557F-4393-8796-0BA5BB935394}"/>
               </a:ext>
             </a:extLst>
           </p:cNvPr>
@@ -7379,8 +7379,8 @@
         </p:blipFill>
         <p:spPr>
           <a:xfrm>
-            <a:off x="3581394" y="2280680"/>
-            <a:ext cx="5486411" cy="3657607"/>
+            <a:off x="2122819" y="1990768"/>
+            <a:ext cx="7409269" cy="4670530"/>
           </a:xfrm>
           <a:prstGeom prst="rect">
             <a:avLst/>

--- a/Predictive_Author_Presentation.pptx
+++ b/Predictive_Author_Presentation.pptx
@@ -125,7 +125,7 @@
   </p:defaultTextStyle>
   <p:extLst>
     <p:ext uri="{EFAFB233-063F-42B5-8137-9DF3F51BA10A}">
-      <p15:sldGuideLst xmlns:p15="http://schemas.microsoft.com/office/powerpoint/2012/main"/>
+      <p15:sldGuideLst xmlns:p15="http://schemas.microsoft.com/office/powerpoint/2012/main" xmlns=""/>
     </p:ext>
   </p:extLst>
 </p:presentation>
@@ -538,7 +538,7 @@
           <a:p>
             <a:fld id="{005806F1-D16A-4C27-A1BB-B8B7CB5A8967}" type="datetimeFigureOut">
               <a:rPr lang="en-US" smtClean="0"/>
-              <a:t>12/8/2017</a:t>
+              <a:t>12/8/17</a:t>
             </a:fld>
             <a:endParaRPr lang="en-US"/>
           </a:p>
@@ -717,7 +717,7 @@
           <a:p>
             <a:fld id="{005806F1-D16A-4C27-A1BB-B8B7CB5A8967}" type="datetimeFigureOut">
               <a:rPr lang="en-US" smtClean="0"/>
-              <a:t>12/8/2017</a:t>
+              <a:t>12/8/17</a:t>
             </a:fld>
             <a:endParaRPr lang="en-US"/>
           </a:p>
@@ -897,7 +897,7 @@
           <a:p>
             <a:fld id="{005806F1-D16A-4C27-A1BB-B8B7CB5A8967}" type="datetimeFigureOut">
               <a:rPr lang="en-US" smtClean="0"/>
-              <a:t>12/8/2017</a:t>
+              <a:t>12/8/17</a:t>
             </a:fld>
             <a:endParaRPr lang="en-US"/>
           </a:p>
@@ -1067,7 +1067,7 @@
           <a:p>
             <a:fld id="{005806F1-D16A-4C27-A1BB-B8B7CB5A8967}" type="datetimeFigureOut">
               <a:rPr lang="en-US" smtClean="0"/>
-              <a:t>12/8/2017</a:t>
+              <a:t>12/8/17</a:t>
             </a:fld>
             <a:endParaRPr lang="en-US"/>
           </a:p>
@@ -1380,7 +1380,7 @@
           <a:p>
             <a:fld id="{005806F1-D16A-4C27-A1BB-B8B7CB5A8967}" type="datetimeFigureOut">
               <a:rPr lang="en-US" smtClean="0"/>
-              <a:t>12/8/2017</a:t>
+              <a:t>12/8/17</a:t>
             </a:fld>
             <a:endParaRPr lang="en-US"/>
           </a:p>
@@ -1766,7 +1766,7 @@
           <a:p>
             <a:fld id="{005806F1-D16A-4C27-A1BB-B8B7CB5A8967}" type="datetimeFigureOut">
               <a:rPr lang="en-US" smtClean="0"/>
-              <a:t>12/8/2017</a:t>
+              <a:t>12/8/17</a:t>
             </a:fld>
             <a:endParaRPr lang="en-US"/>
           </a:p>
@@ -2200,7 +2200,7 @@
           <a:p>
             <a:fld id="{005806F1-D16A-4C27-A1BB-B8B7CB5A8967}" type="datetimeFigureOut">
               <a:rPr lang="en-US" smtClean="0"/>
-              <a:t>12/8/2017</a:t>
+              <a:t>12/8/17</a:t>
             </a:fld>
             <a:endParaRPr lang="en-US"/>
           </a:p>
@@ -2318,7 +2318,7 @@
           <a:p>
             <a:fld id="{005806F1-D16A-4C27-A1BB-B8B7CB5A8967}" type="datetimeFigureOut">
               <a:rPr lang="en-US" smtClean="0"/>
-              <a:t>12/8/2017</a:t>
+              <a:t>12/8/17</a:t>
             </a:fld>
             <a:endParaRPr lang="en-US"/>
           </a:p>
@@ -2413,7 +2413,7 @@
           <a:p>
             <a:fld id="{005806F1-D16A-4C27-A1BB-B8B7CB5A8967}" type="datetimeFigureOut">
               <a:rPr lang="en-US" smtClean="0"/>
-              <a:t>12/8/2017</a:t>
+              <a:t>12/8/17</a:t>
             </a:fld>
             <a:endParaRPr lang="en-US"/>
           </a:p>
@@ -2763,7 +2763,7 @@
           <a:p>
             <a:fld id="{005806F1-D16A-4C27-A1BB-B8B7CB5A8967}" type="datetimeFigureOut">
               <a:rPr lang="en-US" smtClean="0"/>
-              <a:t>12/8/2017</a:t>
+              <a:t>12/8/17</a:t>
             </a:fld>
             <a:endParaRPr lang="en-US"/>
           </a:p>
@@ -3188,7 +3188,7 @@
           <a:p>
             <a:fld id="{005806F1-D16A-4C27-A1BB-B8B7CB5A8967}" type="datetimeFigureOut">
               <a:rPr lang="en-US" smtClean="0"/>
-              <a:t>12/8/2017</a:t>
+              <a:t>12/8/17</a:t>
             </a:fld>
             <a:endParaRPr lang="en-US"/>
           </a:p>
@@ -3469,7 +3469,7 @@
           <a:p>
             <a:fld id="{005806F1-D16A-4C27-A1BB-B8B7CB5A8967}" type="datetimeFigureOut">
               <a:rPr lang="en-US" smtClean="0"/>
-              <a:t>12/8/2017</a:t>
+              <a:t>12/8/17</a:t>
             </a:fld>
             <a:endParaRPr lang="en-US"/>
           </a:p>
@@ -4050,7 +4050,7 @@
           <p:cNvPr id="2" name="Title 1">
             <a:extLst>
               <a:ext uri="{FF2B5EF4-FFF2-40B4-BE49-F238E27FC236}">
-                <a16:creationId xmlns:a16="http://schemas.microsoft.com/office/drawing/2014/main" id="{F6EAAF36-58B3-4CDD-837E-2F7C369D02DB}"/>
+                <a16:creationId xmlns:a16="http://schemas.microsoft.com/office/drawing/2014/main" xmlns="" id="{F6EAAF36-58B3-4CDD-837E-2F7C369D02DB}"/>
               </a:ext>
             </a:extLst>
           </p:cNvPr>
@@ -4087,7 +4087,7 @@
           <p:cNvPr id="5" name="Graphic 4" descr="Bats">
             <a:extLst>
               <a:ext uri="{FF2B5EF4-FFF2-40B4-BE49-F238E27FC236}">
-                <a16:creationId xmlns:a16="http://schemas.microsoft.com/office/drawing/2014/main" id="{AE7E083E-601C-4572-9E8A-9C1514BAF494}"/>
+                <a16:creationId xmlns:a16="http://schemas.microsoft.com/office/drawing/2014/main" xmlns="" id="{AE7E083E-601C-4572-9E8A-9C1514BAF494}"/>
               </a:ext>
             </a:extLst>
           </p:cNvPr>
@@ -4103,7 +4103,7 @@
                 <a14:useLocalDpi xmlns:a14="http://schemas.microsoft.com/office/drawing/2010/main" val="0"/>
               </a:ext>
               <a:ext uri="{96DAC541-7B7A-43D3-8B79-37D633B846F1}">
-                <asvg:svgBlip xmlns:asvg="http://schemas.microsoft.com/office/drawing/2016/SVG/main" r:embed="rId3"/>
+                <asvg:svgBlip xmlns:asvg="http://schemas.microsoft.com/office/drawing/2016/SVG/main" xmlns="" r:embed="rId3"/>
               </a:ext>
             </a:extLst>
           </a:blip>
@@ -4126,7 +4126,7 @@
           <p:cNvPr id="9" name="Picture 8">
             <a:extLst>
               <a:ext uri="{FF2B5EF4-FFF2-40B4-BE49-F238E27FC236}">
-                <a16:creationId xmlns:a16="http://schemas.microsoft.com/office/drawing/2014/main" id="{8C70DE9F-080D-4358-BB77-78CA810A1EED}"/>
+                <a16:creationId xmlns:a16="http://schemas.microsoft.com/office/drawing/2014/main" xmlns="" id="{8C70DE9F-080D-4358-BB77-78CA810A1EED}"/>
               </a:ext>
             </a:extLst>
           </p:cNvPr>
@@ -4142,7 +4142,7 @@
                 <a14:useLocalDpi xmlns:a14="http://schemas.microsoft.com/office/drawing/2010/main" val="0"/>
               </a:ext>
               <a:ext uri="{837473B0-CC2E-450A-ABE3-18F120FF3D39}">
-                <a1611:picAttrSrcUrl xmlns:a1611="http://schemas.microsoft.com/office/drawing/2016/11/main" r:id="rId5"/>
+                <a1611:picAttrSrcUrl xmlns:a1611="http://schemas.microsoft.com/office/drawing/2016/11/main" xmlns="" r:id="rId5"/>
               </a:ext>
             </a:extLst>
           </a:blip>
@@ -4165,7 +4165,7 @@
           <p:cNvPr id="3" name="Rectangle 2">
             <a:extLst>
               <a:ext uri="{FF2B5EF4-FFF2-40B4-BE49-F238E27FC236}">
-                <a16:creationId xmlns:a16="http://schemas.microsoft.com/office/drawing/2014/main" id="{946CEDEB-0BA8-4F70-8416-E180E7FCB9C8}"/>
+                <a16:creationId xmlns:a16="http://schemas.microsoft.com/office/drawing/2014/main" xmlns="" id="{946CEDEB-0BA8-4F70-8416-E180E7FCB9C8}"/>
               </a:ext>
             </a:extLst>
           </p:cNvPr>
@@ -4259,7 +4259,7 @@
           <p:cNvPr id="4" name="Title 1">
             <a:extLst>
               <a:ext uri="{FF2B5EF4-FFF2-40B4-BE49-F238E27FC236}">
-                <a16:creationId xmlns:a16="http://schemas.microsoft.com/office/drawing/2014/main" id="{99D4A6ED-0001-4721-9D85-4EA19BEC6117}"/>
+                <a16:creationId xmlns:a16="http://schemas.microsoft.com/office/drawing/2014/main" xmlns="" id="{99D4A6ED-0001-4721-9D85-4EA19BEC6117}"/>
               </a:ext>
             </a:extLst>
           </p:cNvPr>
@@ -4293,7 +4293,7 @@
           <p:cNvPr id="12" name="Picture 11">
             <a:extLst>
               <a:ext uri="{FF2B5EF4-FFF2-40B4-BE49-F238E27FC236}">
-                <a16:creationId xmlns:a16="http://schemas.microsoft.com/office/drawing/2014/main" id="{CB5AEBFB-1A16-4DEF-9B79-EE9825E62CF8}"/>
+                <a16:creationId xmlns:a16="http://schemas.microsoft.com/office/drawing/2014/main" xmlns="" id="{CB5AEBFB-1A16-4DEF-9B79-EE9825E62CF8}"/>
               </a:ext>
             </a:extLst>
           </p:cNvPr>
@@ -4329,7 +4329,7 @@
           <p:cNvPr id="14" name="Picture 13">
             <a:extLst>
               <a:ext uri="{FF2B5EF4-FFF2-40B4-BE49-F238E27FC236}">
-                <a16:creationId xmlns:a16="http://schemas.microsoft.com/office/drawing/2014/main" id="{6C94D315-2A8E-4D8D-8544-7F7E2EE5D20E}"/>
+                <a16:creationId xmlns:a16="http://schemas.microsoft.com/office/drawing/2014/main" xmlns="" id="{6C94D315-2A8E-4D8D-8544-7F7E2EE5D20E}"/>
               </a:ext>
             </a:extLst>
           </p:cNvPr>
@@ -4395,7 +4395,7 @@
           <p:cNvPr id="4" name="Title 1">
             <a:extLst>
               <a:ext uri="{FF2B5EF4-FFF2-40B4-BE49-F238E27FC236}">
-                <a16:creationId xmlns:a16="http://schemas.microsoft.com/office/drawing/2014/main" id="{99D4A6ED-0001-4721-9D85-4EA19BEC6117}"/>
+                <a16:creationId xmlns:a16="http://schemas.microsoft.com/office/drawing/2014/main" xmlns="" id="{99D4A6ED-0001-4721-9D85-4EA19BEC6117}"/>
               </a:ext>
             </a:extLst>
           </p:cNvPr>
@@ -4429,7 +4429,7 @@
           <p:cNvPr id="5" name="Picture 4">
             <a:extLst>
               <a:ext uri="{FF2B5EF4-FFF2-40B4-BE49-F238E27FC236}">
-                <a16:creationId xmlns:a16="http://schemas.microsoft.com/office/drawing/2014/main" id="{F2AD5FA3-6CFE-4E32-996C-3E7AEF163CAA}"/>
+                <a16:creationId xmlns:a16="http://schemas.microsoft.com/office/drawing/2014/main" xmlns="" id="{F2AD5FA3-6CFE-4E32-996C-3E7AEF163CAA}"/>
               </a:ext>
             </a:extLst>
           </p:cNvPr>
@@ -4495,7 +4495,7 @@
           <p:cNvPr id="2" name="Title 1">
             <a:extLst>
               <a:ext uri="{FF2B5EF4-FFF2-40B4-BE49-F238E27FC236}">
-                <a16:creationId xmlns:a16="http://schemas.microsoft.com/office/drawing/2014/main" id="{D9B50E4D-3F67-4D71-8B15-EFDDCEC9A036}"/>
+                <a16:creationId xmlns:a16="http://schemas.microsoft.com/office/drawing/2014/main" xmlns="" id="{D9B50E4D-3F67-4D71-8B15-EFDDCEC9A036}"/>
               </a:ext>
             </a:extLst>
           </p:cNvPr>
@@ -4509,7 +4509,7 @@
         <p:spPr/>
         <p:txBody>
           <a:bodyPr>
-            <a:normAutofit/>
+            <a:normAutofit fontScale="90000"/>
           </a:bodyPr>
           <a:lstStyle/>
           <a:p>
@@ -4525,7 +4525,7 @@
           <p:cNvPr id="9" name="Content Placeholder 8">
             <a:extLst>
               <a:ext uri="{FF2B5EF4-FFF2-40B4-BE49-F238E27FC236}">
-                <a16:creationId xmlns:a16="http://schemas.microsoft.com/office/drawing/2014/main" id="{6C5668C7-4353-4B89-8117-22FA47B385BD}"/>
+                <a16:creationId xmlns:a16="http://schemas.microsoft.com/office/drawing/2014/main" xmlns="" id="{6C5668C7-4353-4B89-8117-22FA47B385BD}"/>
               </a:ext>
             </a:extLst>
           </p:cNvPr>
@@ -4590,7 +4590,7 @@
           <p:cNvPr id="2" name="Title 1">
             <a:extLst>
               <a:ext uri="{FF2B5EF4-FFF2-40B4-BE49-F238E27FC236}">
-                <a16:creationId xmlns:a16="http://schemas.microsoft.com/office/drawing/2014/main" id="{7FC98960-DEB0-40AC-9720-EE0FA29001CE}"/>
+                <a16:creationId xmlns:a16="http://schemas.microsoft.com/office/drawing/2014/main" xmlns="" id="{7FC98960-DEB0-40AC-9720-EE0FA29001CE}"/>
               </a:ext>
             </a:extLst>
           </p:cNvPr>
@@ -4618,7 +4618,7 @@
           <p:cNvPr id="8" name="Content Placeholder 7">
             <a:extLst>
               <a:ext uri="{FF2B5EF4-FFF2-40B4-BE49-F238E27FC236}">
-                <a16:creationId xmlns:a16="http://schemas.microsoft.com/office/drawing/2014/main" id="{8B6B5A59-D975-4400-A3A5-01FB1CD1C860}"/>
+                <a16:creationId xmlns:a16="http://schemas.microsoft.com/office/drawing/2014/main" xmlns="" id="{8B6B5A59-D975-4400-A3A5-01FB1CD1C860}"/>
               </a:ext>
             </a:extLst>
           </p:cNvPr>
@@ -4648,56 +4648,56 @@
                 <a:gridCol w="334928">
                   <a:extLst>
                     <a:ext uri="{9D8B030D-6E8A-4147-A177-3AD203B41FA5}">
-                      <a16:colId xmlns:a16="http://schemas.microsoft.com/office/drawing/2014/main" val="3232635992"/>
+                      <a16:colId xmlns:a16="http://schemas.microsoft.com/office/drawing/2014/main" xmlns="" val="3232635992"/>
                     </a:ext>
                   </a:extLst>
                 </a:gridCol>
                 <a:gridCol w="1653363">
                   <a:extLst>
                     <a:ext uri="{9D8B030D-6E8A-4147-A177-3AD203B41FA5}">
-                      <a16:colId xmlns:a16="http://schemas.microsoft.com/office/drawing/2014/main" val="909031098"/>
+                      <a16:colId xmlns:a16="http://schemas.microsoft.com/office/drawing/2014/main" xmlns="" val="909031098"/>
                     </a:ext>
                   </a:extLst>
                 </a:gridCol>
                 <a:gridCol w="1780953">
                   <a:extLst>
                     <a:ext uri="{9D8B030D-6E8A-4147-A177-3AD203B41FA5}">
-                      <a16:colId xmlns:a16="http://schemas.microsoft.com/office/drawing/2014/main" val="3030997802"/>
+                      <a16:colId xmlns:a16="http://schemas.microsoft.com/office/drawing/2014/main" xmlns="" val="3030997802"/>
                     </a:ext>
                   </a:extLst>
                 </a:gridCol>
                 <a:gridCol w="1520456">
                   <a:extLst>
                     <a:ext uri="{9D8B030D-6E8A-4147-A177-3AD203B41FA5}">
-                      <a16:colId xmlns:a16="http://schemas.microsoft.com/office/drawing/2014/main" val="2939355599"/>
+                      <a16:colId xmlns:a16="http://schemas.microsoft.com/office/drawing/2014/main" xmlns="" val="2939355599"/>
                     </a:ext>
                   </a:extLst>
                 </a:gridCol>
                 <a:gridCol w="1661335">
                   <a:extLst>
                     <a:ext uri="{9D8B030D-6E8A-4147-A177-3AD203B41FA5}">
-                      <a16:colId xmlns:a16="http://schemas.microsoft.com/office/drawing/2014/main" val="934262141"/>
+                      <a16:colId xmlns:a16="http://schemas.microsoft.com/office/drawing/2014/main" xmlns="" val="934262141"/>
                     </a:ext>
                   </a:extLst>
                 </a:gridCol>
                 <a:gridCol w="1390207">
                   <a:extLst>
                     <a:ext uri="{9D8B030D-6E8A-4147-A177-3AD203B41FA5}">
-                      <a16:colId xmlns:a16="http://schemas.microsoft.com/office/drawing/2014/main" val="2864717468"/>
+                      <a16:colId xmlns:a16="http://schemas.microsoft.com/office/drawing/2014/main" xmlns="" val="2864717468"/>
                     </a:ext>
                   </a:extLst>
                 </a:gridCol>
                 <a:gridCol w="1390207">
                   <a:extLst>
                     <a:ext uri="{9D8B030D-6E8A-4147-A177-3AD203B41FA5}">
-                      <a16:colId xmlns:a16="http://schemas.microsoft.com/office/drawing/2014/main" val="2322435075"/>
+                      <a16:colId xmlns:a16="http://schemas.microsoft.com/office/drawing/2014/main" xmlns="" val="2322435075"/>
                     </a:ext>
                   </a:extLst>
                 </a:gridCol>
                 <a:gridCol w="1390207">
                   <a:extLst>
                     <a:ext uri="{9D8B030D-6E8A-4147-A177-3AD203B41FA5}">
-                      <a16:colId xmlns:a16="http://schemas.microsoft.com/office/drawing/2014/main" val="1875610806"/>
+                      <a16:colId xmlns:a16="http://schemas.microsoft.com/office/drawing/2014/main" xmlns="" val="1875610806"/>
                     </a:ext>
                   </a:extLst>
                 </a:gridCol>
@@ -4883,7 +4883,7 @@
                 </a:tc>
                 <a:extLst>
                   <a:ext uri="{0D108BD9-81ED-4DB2-BD59-A6C34878D82A}">
-                    <a16:rowId xmlns:a16="http://schemas.microsoft.com/office/drawing/2014/main" val="3535935731"/>
+                    <a16:rowId xmlns:a16="http://schemas.microsoft.com/office/drawing/2014/main" xmlns="" val="3535935731"/>
                   </a:ext>
                 </a:extLst>
               </a:tr>
@@ -5074,7 +5074,7 @@
                 </a:tc>
                 <a:extLst>
                   <a:ext uri="{0D108BD9-81ED-4DB2-BD59-A6C34878D82A}">
-                    <a16:rowId xmlns:a16="http://schemas.microsoft.com/office/drawing/2014/main" val="459183683"/>
+                    <a16:rowId xmlns:a16="http://schemas.microsoft.com/office/drawing/2014/main" xmlns="" val="459183683"/>
                   </a:ext>
                 </a:extLst>
               </a:tr>
@@ -5265,7 +5265,7 @@
                 </a:tc>
                 <a:extLst>
                   <a:ext uri="{0D108BD9-81ED-4DB2-BD59-A6C34878D82A}">
-                    <a16:rowId xmlns:a16="http://schemas.microsoft.com/office/drawing/2014/main" val="2333389338"/>
+                    <a16:rowId xmlns:a16="http://schemas.microsoft.com/office/drawing/2014/main" xmlns="" val="2333389338"/>
                   </a:ext>
                 </a:extLst>
               </a:tr>
@@ -5278,7 +5278,7 @@
           <p:cNvPr id="9" name="Rectangle 8">
             <a:extLst>
               <a:ext uri="{FF2B5EF4-FFF2-40B4-BE49-F238E27FC236}">
-                <a16:creationId xmlns:a16="http://schemas.microsoft.com/office/drawing/2014/main" id="{B3DE81D5-0EB8-4899-9A6C-1F7F74FC803A}"/>
+                <a16:creationId xmlns:a16="http://schemas.microsoft.com/office/drawing/2014/main" xmlns="" id="{B3DE81D5-0EB8-4899-9A6C-1F7F74FC803A}"/>
               </a:ext>
             </a:extLst>
           </p:cNvPr>
@@ -5326,7 +5326,7 @@
           <p:cNvPr id="10" name="Rectangle 9">
             <a:extLst>
               <a:ext uri="{FF2B5EF4-FFF2-40B4-BE49-F238E27FC236}">
-                <a16:creationId xmlns:a16="http://schemas.microsoft.com/office/drawing/2014/main" id="{E86217E2-5272-4E11-A840-0459ADC57961}"/>
+                <a16:creationId xmlns:a16="http://schemas.microsoft.com/office/drawing/2014/main" xmlns="" id="{E86217E2-5272-4E11-A840-0459ADC57961}"/>
               </a:ext>
             </a:extLst>
           </p:cNvPr>
@@ -5374,7 +5374,7 @@
           <p:cNvPr id="11" name="Rectangle 10">
             <a:extLst>
               <a:ext uri="{FF2B5EF4-FFF2-40B4-BE49-F238E27FC236}">
-                <a16:creationId xmlns:a16="http://schemas.microsoft.com/office/drawing/2014/main" id="{D5A4EEF2-9D44-40B8-A08A-C68EDAEB3B64}"/>
+                <a16:creationId xmlns:a16="http://schemas.microsoft.com/office/drawing/2014/main" xmlns="" id="{D5A4EEF2-9D44-40B8-A08A-C68EDAEB3B64}"/>
               </a:ext>
             </a:extLst>
           </p:cNvPr>
@@ -5452,7 +5452,7 @@
           <p:cNvPr id="2" name="Title 1">
             <a:extLst>
               <a:ext uri="{FF2B5EF4-FFF2-40B4-BE49-F238E27FC236}">
-                <a16:creationId xmlns:a16="http://schemas.microsoft.com/office/drawing/2014/main" id="{D9B50E4D-3F67-4D71-8B15-EFDDCEC9A036}"/>
+                <a16:creationId xmlns:a16="http://schemas.microsoft.com/office/drawing/2014/main" xmlns="" id="{D9B50E4D-3F67-4D71-8B15-EFDDCEC9A036}"/>
               </a:ext>
             </a:extLst>
           </p:cNvPr>
@@ -5466,7 +5466,7 @@
         <p:spPr/>
         <p:txBody>
           <a:bodyPr>
-            <a:normAutofit/>
+            <a:normAutofit fontScale="90000"/>
           </a:bodyPr>
           <a:lstStyle/>
           <a:p>
@@ -5482,7 +5482,7 @@
           <p:cNvPr id="3" name="Content Placeholder 2">
             <a:extLst>
               <a:ext uri="{FF2B5EF4-FFF2-40B4-BE49-F238E27FC236}">
-                <a16:creationId xmlns:a16="http://schemas.microsoft.com/office/drawing/2014/main" id="{F926E6F7-BFB4-4F2E-9F6F-5DFA85E529C2}"/>
+                <a16:creationId xmlns:a16="http://schemas.microsoft.com/office/drawing/2014/main" xmlns="" id="{F926E6F7-BFB4-4F2E-9F6F-5DFA85E529C2}"/>
               </a:ext>
             </a:extLst>
           </p:cNvPr>
@@ -5548,17 +5548,97 @@
             </a:r>
           </a:p>
           <a:p>
-            <a:pPr marL="457200" indent="-457200">
-              <a:buFont typeface="+mj-lt"/>
-              <a:buAutoNum type="arabicPeriod"/>
+            <a:pPr marL="0" indent="0">
+              <a:buNone/>
             </a:pPr>
+            <a:r>
+              <a:rPr lang="en-US" dirty="0"/>
+              <a:t>C</a:t>
+            </a:r>
+            <a:r>
+              <a:rPr lang="en-US" dirty="0" smtClean="0"/>
+              <a:t>an also use </a:t>
+            </a:r>
+            <a:r>
+              <a:rPr lang="en-US" dirty="0" err="1"/>
+              <a:t>f</a:t>
+            </a:r>
+            <a:r>
+              <a:rPr lang="en-US" dirty="0" err="1"/>
+              <a:t>astText</a:t>
+            </a:r>
+            <a:r>
+              <a:rPr lang="en-US" dirty="0"/>
+              <a:t>—Facebook’s library for fast text representation and </a:t>
+            </a:r>
+            <a:r>
+              <a:rPr lang="en-US" dirty="0" smtClean="0"/>
+              <a:t>classification. </a:t>
+            </a:r>
             <a:endParaRPr lang="en-US" dirty="0"/>
           </a:p>
-          <a:p>
-            <a:endParaRPr lang="en-US" dirty="0"/>
-          </a:p>
-        </p:txBody>
-      </p:sp>
+        </p:txBody>
+      </p:sp>
+      <p:pic>
+        <p:nvPicPr>
+          <p:cNvPr id="4" name="Picture 3" descr="Screen Shot 2017-12-08 at 5.48.18 PM.png"/>
+          <p:cNvPicPr>
+            <a:picLocks noChangeAspect="1"/>
+          </p:cNvPicPr>
+          <p:nvPr/>
+        </p:nvPicPr>
+        <p:blipFill>
+          <a:blip r:embed="rId2">
+            <a:extLst>
+              <a:ext uri="{28A0092B-C50C-407E-A947-70E740481C1C}">
+                <a14:useLocalDpi xmlns:a14="http://schemas.microsoft.com/office/drawing/2010/main" val="0"/>
+              </a:ext>
+            </a:extLst>
+          </a:blip>
+          <a:stretch>
+            <a:fillRect/>
+          </a:stretch>
+        </p:blipFill>
+        <p:spPr>
+          <a:xfrm>
+            <a:off x="3147343" y="4629081"/>
+            <a:ext cx="3414147" cy="1776208"/>
+          </a:xfrm>
+          <a:prstGeom prst="rect">
+            <a:avLst/>
+          </a:prstGeom>
+        </p:spPr>
+      </p:pic>
+      <p:pic>
+        <p:nvPicPr>
+          <p:cNvPr id="5" name="Picture 4" descr="Screen Shot 2017-12-08 at 5.45.50 PM.png"/>
+          <p:cNvPicPr>
+            <a:picLocks noChangeAspect="1"/>
+          </p:cNvPicPr>
+          <p:nvPr/>
+        </p:nvPicPr>
+        <p:blipFill>
+          <a:blip r:embed="rId3">
+            <a:extLst>
+              <a:ext uri="{28A0092B-C50C-407E-A947-70E740481C1C}">
+                <a14:useLocalDpi xmlns:a14="http://schemas.microsoft.com/office/drawing/2010/main" val="0"/>
+              </a:ext>
+            </a:extLst>
+          </a:blip>
+          <a:stretch>
+            <a:fillRect/>
+          </a:stretch>
+        </p:blipFill>
+        <p:spPr>
+          <a:xfrm>
+            <a:off x="7081608" y="4337236"/>
+            <a:ext cx="2271160" cy="2176528"/>
+          </a:xfrm>
+          <a:prstGeom prst="rect">
+            <a:avLst/>
+          </a:prstGeom>
+        </p:spPr>
+      </p:pic>
     </p:spTree>
     <p:extLst>
       <p:ext uri="{BB962C8B-B14F-4D97-AF65-F5344CB8AC3E}">
@@ -5594,7 +5674,7 @@
           <p:cNvPr id="2" name="Title 1">
             <a:extLst>
               <a:ext uri="{FF2B5EF4-FFF2-40B4-BE49-F238E27FC236}">
-                <a16:creationId xmlns:a16="http://schemas.microsoft.com/office/drawing/2014/main" id="{D9B50E4D-3F67-4D71-8B15-EFDDCEC9A036}"/>
+                <a16:creationId xmlns:a16="http://schemas.microsoft.com/office/drawing/2014/main" xmlns="" id="{D9B50E4D-3F67-4D71-8B15-EFDDCEC9A036}"/>
               </a:ext>
             </a:extLst>
           </p:cNvPr>
@@ -5625,7 +5705,7 @@
           <p:cNvPr id="5" name="Content Placeholder 4">
             <a:extLst>
               <a:ext uri="{FF2B5EF4-FFF2-40B4-BE49-F238E27FC236}">
-                <a16:creationId xmlns:a16="http://schemas.microsoft.com/office/drawing/2014/main" id="{9836064C-FD69-4A74-A7B3-36399FC896FD}"/>
+                <a16:creationId xmlns:a16="http://schemas.microsoft.com/office/drawing/2014/main" xmlns="" id="{9836064C-FD69-4A74-A7B3-36399FC896FD}"/>
               </a:ext>
             </a:extLst>
           </p:cNvPr>
@@ -5660,7 +5740,7 @@
           <p:cNvPr id="6" name="TextBox 5">
             <a:extLst>
               <a:ext uri="{FF2B5EF4-FFF2-40B4-BE49-F238E27FC236}">
-                <a16:creationId xmlns:a16="http://schemas.microsoft.com/office/drawing/2014/main" id="{C7932F6E-7800-481B-8662-A416637585E9}"/>
+                <a16:creationId xmlns:a16="http://schemas.microsoft.com/office/drawing/2014/main" xmlns="" id="{C7932F6E-7800-481B-8662-A416637585E9}"/>
               </a:ext>
             </a:extLst>
           </p:cNvPr>
@@ -5695,7 +5775,7 @@
           <p:cNvPr id="7" name="TextBox 6">
             <a:extLst>
               <a:ext uri="{FF2B5EF4-FFF2-40B4-BE49-F238E27FC236}">
-                <a16:creationId xmlns:a16="http://schemas.microsoft.com/office/drawing/2014/main" id="{EA165232-9DAB-4F26-B69C-33668A199AC3}"/>
+                <a16:creationId xmlns:a16="http://schemas.microsoft.com/office/drawing/2014/main" xmlns="" id="{EA165232-9DAB-4F26-B69C-33668A199AC3}"/>
               </a:ext>
             </a:extLst>
           </p:cNvPr>
@@ -5730,7 +5810,7 @@
           <p:cNvPr id="8" name="Picture 7">
             <a:extLst>
               <a:ext uri="{FF2B5EF4-FFF2-40B4-BE49-F238E27FC236}">
-                <a16:creationId xmlns:a16="http://schemas.microsoft.com/office/drawing/2014/main" id="{5D975098-4536-4F26-AEA6-87B2DBC75527}"/>
+                <a16:creationId xmlns:a16="http://schemas.microsoft.com/office/drawing/2014/main" xmlns="" id="{5D975098-4536-4F26-AEA6-87B2DBC75527}"/>
               </a:ext>
             </a:extLst>
           </p:cNvPr>
@@ -5796,7 +5876,7 @@
           <p:cNvPr id="2" name="Title 1">
             <a:extLst>
               <a:ext uri="{FF2B5EF4-FFF2-40B4-BE49-F238E27FC236}">
-                <a16:creationId xmlns:a16="http://schemas.microsoft.com/office/drawing/2014/main" id="{D9B50E4D-3F67-4D71-8B15-EFDDCEC9A036}"/>
+                <a16:creationId xmlns:a16="http://schemas.microsoft.com/office/drawing/2014/main" xmlns="" id="{D9B50E4D-3F67-4D71-8B15-EFDDCEC9A036}"/>
               </a:ext>
             </a:extLst>
           </p:cNvPr>
@@ -5827,7 +5907,7 @@
           <p:cNvPr id="6" name="TextBox 5">
             <a:extLst>
               <a:ext uri="{FF2B5EF4-FFF2-40B4-BE49-F238E27FC236}">
-                <a16:creationId xmlns:a16="http://schemas.microsoft.com/office/drawing/2014/main" id="{C7932F6E-7800-481B-8662-A416637585E9}"/>
+                <a16:creationId xmlns:a16="http://schemas.microsoft.com/office/drawing/2014/main" xmlns="" id="{C7932F6E-7800-481B-8662-A416637585E9}"/>
               </a:ext>
             </a:extLst>
           </p:cNvPr>
@@ -5862,7 +5942,7 @@
           <p:cNvPr id="7" name="TextBox 6">
             <a:extLst>
               <a:ext uri="{FF2B5EF4-FFF2-40B4-BE49-F238E27FC236}">
-                <a16:creationId xmlns:a16="http://schemas.microsoft.com/office/drawing/2014/main" id="{EA165232-9DAB-4F26-B69C-33668A199AC3}"/>
+                <a16:creationId xmlns:a16="http://schemas.microsoft.com/office/drawing/2014/main" xmlns="" id="{EA165232-9DAB-4F26-B69C-33668A199AC3}"/>
               </a:ext>
             </a:extLst>
           </p:cNvPr>
@@ -5897,7 +5977,7 @@
           <p:cNvPr id="10" name="Content Placeholder 9">
             <a:extLst>
               <a:ext uri="{FF2B5EF4-FFF2-40B4-BE49-F238E27FC236}">
-                <a16:creationId xmlns:a16="http://schemas.microsoft.com/office/drawing/2014/main" id="{111FD7F6-6EC0-473C-8C21-755A2F64A3CD}"/>
+                <a16:creationId xmlns:a16="http://schemas.microsoft.com/office/drawing/2014/main" xmlns="" id="{111FD7F6-6EC0-473C-8C21-755A2F64A3CD}"/>
               </a:ext>
             </a:extLst>
           </p:cNvPr>
@@ -5932,7 +6012,7 @@
           <p:cNvPr id="11" name="Content Placeholder 8">
             <a:extLst>
               <a:ext uri="{FF2B5EF4-FFF2-40B4-BE49-F238E27FC236}">
-                <a16:creationId xmlns:a16="http://schemas.microsoft.com/office/drawing/2014/main" id="{72AE1113-7AFD-4105-99B2-948FB4870D76}"/>
+                <a16:creationId xmlns:a16="http://schemas.microsoft.com/office/drawing/2014/main" xmlns="" id="{72AE1113-7AFD-4105-99B2-948FB4870D76}"/>
               </a:ext>
             </a:extLst>
           </p:cNvPr>
@@ -5998,7 +6078,7 @@
           <p:cNvPr id="2" name="Title 1">
             <a:extLst>
               <a:ext uri="{FF2B5EF4-FFF2-40B4-BE49-F238E27FC236}">
-                <a16:creationId xmlns:a16="http://schemas.microsoft.com/office/drawing/2014/main" id="{D9B50E4D-3F67-4D71-8B15-EFDDCEC9A036}"/>
+                <a16:creationId xmlns:a16="http://schemas.microsoft.com/office/drawing/2014/main" xmlns="" id="{D9B50E4D-3F67-4D71-8B15-EFDDCEC9A036}"/>
               </a:ext>
             </a:extLst>
           </p:cNvPr>
@@ -6029,7 +6109,7 @@
           <p:cNvPr id="6" name="TextBox 5">
             <a:extLst>
               <a:ext uri="{FF2B5EF4-FFF2-40B4-BE49-F238E27FC236}">
-                <a16:creationId xmlns:a16="http://schemas.microsoft.com/office/drawing/2014/main" id="{C7932F6E-7800-481B-8662-A416637585E9}"/>
+                <a16:creationId xmlns:a16="http://schemas.microsoft.com/office/drawing/2014/main" xmlns="" id="{C7932F6E-7800-481B-8662-A416637585E9}"/>
               </a:ext>
             </a:extLst>
           </p:cNvPr>
@@ -6064,7 +6144,7 @@
           <p:cNvPr id="7" name="TextBox 6">
             <a:extLst>
               <a:ext uri="{FF2B5EF4-FFF2-40B4-BE49-F238E27FC236}">
-                <a16:creationId xmlns:a16="http://schemas.microsoft.com/office/drawing/2014/main" id="{EA165232-9DAB-4F26-B69C-33668A199AC3}"/>
+                <a16:creationId xmlns:a16="http://schemas.microsoft.com/office/drawing/2014/main" xmlns="" id="{EA165232-9DAB-4F26-B69C-33668A199AC3}"/>
               </a:ext>
             </a:extLst>
           </p:cNvPr>
@@ -6096,10 +6176,10 @@
       </p:sp>
       <p:pic>
         <p:nvPicPr>
-          <p:cNvPr id="9" name="Picture 8">
+          <p:cNvPr id="8" name="Picture 7">
             <a:extLst>
               <a:ext uri="{FF2B5EF4-FFF2-40B4-BE49-F238E27FC236}">
-                <a16:creationId xmlns:a16="http://schemas.microsoft.com/office/drawing/2014/main" id="{B0184E60-F980-4065-8D3C-CCD5068F61E7}"/>
+                <a16:creationId xmlns:a16="http://schemas.microsoft.com/office/drawing/2014/main" xmlns="" id="{68CEC9CD-B5E1-4BDC-9D16-4EC122E0F008}"/>
               </a:ext>
             </a:extLst>
           </p:cNvPr>
@@ -6122,8 +6202,8 @@
         </p:blipFill>
         <p:spPr>
           <a:xfrm>
-            <a:off x="404532" y="2942382"/>
-            <a:ext cx="5222137" cy="3291840"/>
+            <a:off x="6019293" y="2669509"/>
+            <a:ext cx="5486411" cy="3657607"/>
           </a:xfrm>
           <a:prstGeom prst="rect">
             <a:avLst/>
@@ -6132,10 +6212,10 @@
       </p:pic>
       <p:pic>
         <p:nvPicPr>
-          <p:cNvPr id="13" name="Picture 12">
+          <p:cNvPr id="12" name="Picture 11">
             <a:extLst>
               <a:ext uri="{FF2B5EF4-FFF2-40B4-BE49-F238E27FC236}">
-                <a16:creationId xmlns:a16="http://schemas.microsoft.com/office/drawing/2014/main" id="{8A733FEC-6315-426B-AB66-8B359721B109}"/>
+                <a16:creationId xmlns:a16="http://schemas.microsoft.com/office/drawing/2014/main" xmlns="" id="{74932569-1DD7-40A9-A8D5-EC5F418D4136}"/>
               </a:ext>
             </a:extLst>
           </p:cNvPr>
@@ -6158,8 +6238,8 @@
         </p:blipFill>
         <p:spPr>
           <a:xfrm>
-            <a:off x="5895292" y="2875710"/>
-            <a:ext cx="5205557" cy="3383280"/>
+            <a:off x="476688" y="2669509"/>
+            <a:ext cx="5309858" cy="3539905"/>
           </a:xfrm>
           <a:prstGeom prst="rect">
             <a:avLst/>
@@ -6201,7 +6281,7 @@
           <p:cNvPr id="2" name="Title 1">
             <a:extLst>
               <a:ext uri="{FF2B5EF4-FFF2-40B4-BE49-F238E27FC236}">
-                <a16:creationId xmlns:a16="http://schemas.microsoft.com/office/drawing/2014/main" id="{D9B50E4D-3F67-4D71-8B15-EFDDCEC9A036}"/>
+                <a16:creationId xmlns:a16="http://schemas.microsoft.com/office/drawing/2014/main" xmlns="" id="{D9B50E4D-3F67-4D71-8B15-EFDDCEC9A036}"/>
               </a:ext>
             </a:extLst>
           </p:cNvPr>
@@ -6232,7 +6312,7 @@
           <p:cNvPr id="6" name="TextBox 5">
             <a:extLst>
               <a:ext uri="{FF2B5EF4-FFF2-40B4-BE49-F238E27FC236}">
-                <a16:creationId xmlns:a16="http://schemas.microsoft.com/office/drawing/2014/main" id="{C7932F6E-7800-481B-8662-A416637585E9}"/>
+                <a16:creationId xmlns:a16="http://schemas.microsoft.com/office/drawing/2014/main" xmlns="" id="{C7932F6E-7800-481B-8662-A416637585E9}"/>
               </a:ext>
             </a:extLst>
           </p:cNvPr>
@@ -6267,7 +6347,7 @@
           <p:cNvPr id="7" name="TextBox 6">
             <a:extLst>
               <a:ext uri="{FF2B5EF4-FFF2-40B4-BE49-F238E27FC236}">
-                <a16:creationId xmlns:a16="http://schemas.microsoft.com/office/drawing/2014/main" id="{EA165232-9DAB-4F26-B69C-33668A199AC3}"/>
+                <a16:creationId xmlns:a16="http://schemas.microsoft.com/office/drawing/2014/main" xmlns="" id="{EA165232-9DAB-4F26-B69C-33668A199AC3}"/>
               </a:ext>
             </a:extLst>
           </p:cNvPr>
@@ -6302,7 +6382,7 @@
           <p:cNvPr id="8" name="Content Placeholder 7">
             <a:extLst>
               <a:ext uri="{FF2B5EF4-FFF2-40B4-BE49-F238E27FC236}">
-                <a16:creationId xmlns:a16="http://schemas.microsoft.com/office/drawing/2014/main" id="{95FF04D1-899C-4A42-8F00-2599DDA3BDB1}"/>
+                <a16:creationId xmlns:a16="http://schemas.microsoft.com/office/drawing/2014/main" xmlns="" id="{95FF04D1-899C-4A42-8F00-2599DDA3BDB1}"/>
               </a:ext>
             </a:extLst>
           </p:cNvPr>
@@ -6337,7 +6417,7 @@
           <p:cNvPr id="12" name="Picture 11">
             <a:extLst>
               <a:ext uri="{FF2B5EF4-FFF2-40B4-BE49-F238E27FC236}">
-                <a16:creationId xmlns:a16="http://schemas.microsoft.com/office/drawing/2014/main" id="{456D95B1-5FC1-49ED-A1AB-E7E1673E3F95}"/>
+                <a16:creationId xmlns:a16="http://schemas.microsoft.com/office/drawing/2014/main" xmlns="" id="{456D95B1-5FC1-49ED-A1AB-E7E1673E3F95}"/>
               </a:ext>
             </a:extLst>
           </p:cNvPr>
@@ -6403,7 +6483,7 @@
           <p:cNvPr id="2" name="Title 1">
             <a:extLst>
               <a:ext uri="{FF2B5EF4-FFF2-40B4-BE49-F238E27FC236}">
-                <a16:creationId xmlns:a16="http://schemas.microsoft.com/office/drawing/2014/main" id="{48EAA617-34BE-4C6D-87CC-4DC4CCAD832D}"/>
+                <a16:creationId xmlns:a16="http://schemas.microsoft.com/office/drawing/2014/main" xmlns="" id="{48EAA617-34BE-4C6D-87CC-4DC4CCAD832D}"/>
               </a:ext>
             </a:extLst>
           </p:cNvPr>
@@ -6431,7 +6511,7 @@
           <p:cNvPr id="3" name="Content Placeholder 2">
             <a:extLst>
               <a:ext uri="{FF2B5EF4-FFF2-40B4-BE49-F238E27FC236}">
-                <a16:creationId xmlns:a16="http://schemas.microsoft.com/office/drawing/2014/main" id="{B4BC1620-51F4-4EE0-8A87-1AD9FD617215}"/>
+                <a16:creationId xmlns:a16="http://schemas.microsoft.com/office/drawing/2014/main" xmlns="" id="{B4BC1620-51F4-4EE0-8A87-1AD9FD617215}"/>
               </a:ext>
             </a:extLst>
           </p:cNvPr>
@@ -6489,7 +6569,7 @@
           <p:cNvPr id="2" name="Title 1">
             <a:extLst>
               <a:ext uri="{FF2B5EF4-FFF2-40B4-BE49-F238E27FC236}">
-                <a16:creationId xmlns:a16="http://schemas.microsoft.com/office/drawing/2014/main" id="{E0903E84-6EE2-40C7-AA07-D5BBC787576F}"/>
+                <a16:creationId xmlns:a16="http://schemas.microsoft.com/office/drawing/2014/main" xmlns="" id="{E0903E84-6EE2-40C7-AA07-D5BBC787576F}"/>
               </a:ext>
             </a:extLst>
           </p:cNvPr>
@@ -6517,7 +6597,7 @@
           <p:cNvPr id="3" name="Content Placeholder 2">
             <a:extLst>
               <a:ext uri="{FF2B5EF4-FFF2-40B4-BE49-F238E27FC236}">
-                <a16:creationId xmlns:a16="http://schemas.microsoft.com/office/drawing/2014/main" id="{A1B8FE37-412C-4D22-9830-556745A378A7}"/>
+                <a16:creationId xmlns:a16="http://schemas.microsoft.com/office/drawing/2014/main" xmlns="" id="{A1B8FE37-412C-4D22-9830-556745A378A7}"/>
               </a:ext>
             </a:extLst>
           </p:cNvPr>
@@ -6578,7 +6658,7 @@
           <p:cNvPr id="2" name="Title 1">
             <a:extLst>
               <a:ext uri="{FF2B5EF4-FFF2-40B4-BE49-F238E27FC236}">
-                <a16:creationId xmlns:a16="http://schemas.microsoft.com/office/drawing/2014/main" id="{16A25A02-312B-4A9B-9E73-6726DC3C6CA8}"/>
+                <a16:creationId xmlns:a16="http://schemas.microsoft.com/office/drawing/2014/main" xmlns="" id="{16A25A02-312B-4A9B-9E73-6726DC3C6CA8}"/>
               </a:ext>
             </a:extLst>
           </p:cNvPr>
@@ -6606,7 +6686,7 @@
           <p:cNvPr id="3" name="Content Placeholder 2">
             <a:extLst>
               <a:ext uri="{FF2B5EF4-FFF2-40B4-BE49-F238E27FC236}">
-                <a16:creationId xmlns:a16="http://schemas.microsoft.com/office/drawing/2014/main" id="{6679A484-50EE-4343-AB5B-42F06D65296E}"/>
+                <a16:creationId xmlns:a16="http://schemas.microsoft.com/office/drawing/2014/main" xmlns="" id="{6679A484-50EE-4343-AB5B-42F06D65296E}"/>
               </a:ext>
             </a:extLst>
           </p:cNvPr>
@@ -6661,7 +6741,7 @@
           <p:cNvPr id="2" name="Title 1">
             <a:extLst>
               <a:ext uri="{FF2B5EF4-FFF2-40B4-BE49-F238E27FC236}">
-                <a16:creationId xmlns:a16="http://schemas.microsoft.com/office/drawing/2014/main" id="{03AE5EC4-B8EA-4194-AB7F-2C9DD1A479EC}"/>
+                <a16:creationId xmlns:a16="http://schemas.microsoft.com/office/drawing/2014/main" xmlns="" id="{03AE5EC4-B8EA-4194-AB7F-2C9DD1A479EC}"/>
               </a:ext>
             </a:extLst>
           </p:cNvPr>
@@ -6689,7 +6769,7 @@
           <p:cNvPr id="3" name="Content Placeholder 2">
             <a:extLst>
               <a:ext uri="{FF2B5EF4-FFF2-40B4-BE49-F238E27FC236}">
-                <a16:creationId xmlns:a16="http://schemas.microsoft.com/office/drawing/2014/main" id="{F1E510FF-DE71-4F89-B0CA-5068CD71D543}"/>
+                <a16:creationId xmlns:a16="http://schemas.microsoft.com/office/drawing/2014/main" xmlns="" id="{F1E510FF-DE71-4F89-B0CA-5068CD71D543}"/>
               </a:ext>
             </a:extLst>
           </p:cNvPr>
@@ -6772,7 +6852,7 @@
           <p:cNvPr id="2" name="Title 1">
             <a:extLst>
               <a:ext uri="{FF2B5EF4-FFF2-40B4-BE49-F238E27FC236}">
-                <a16:creationId xmlns:a16="http://schemas.microsoft.com/office/drawing/2014/main" id="{8DCA91CB-CBB2-4E50-A4C6-A799D7E2A3E3}"/>
+                <a16:creationId xmlns:a16="http://schemas.microsoft.com/office/drawing/2014/main" xmlns="" id="{8DCA91CB-CBB2-4E50-A4C6-A799D7E2A3E3}"/>
               </a:ext>
             </a:extLst>
           </p:cNvPr>
@@ -6800,7 +6880,7 @@
           <p:cNvPr id="3" name="Content Placeholder 2">
             <a:extLst>
               <a:ext uri="{FF2B5EF4-FFF2-40B4-BE49-F238E27FC236}">
-                <a16:creationId xmlns:a16="http://schemas.microsoft.com/office/drawing/2014/main" id="{0AE87738-4D7D-4C1B-A10E-09B1EC98B34F}"/>
+                <a16:creationId xmlns:a16="http://schemas.microsoft.com/office/drawing/2014/main" xmlns="" id="{0AE87738-4D7D-4C1B-A10E-09B1EC98B34F}"/>
               </a:ext>
             </a:extLst>
           </p:cNvPr>
@@ -6876,7 +6956,7 @@
           <p:cNvPr id="2" name="Title 1">
             <a:extLst>
               <a:ext uri="{FF2B5EF4-FFF2-40B4-BE49-F238E27FC236}">
-                <a16:creationId xmlns:a16="http://schemas.microsoft.com/office/drawing/2014/main" id="{7B3C0553-68E9-4027-8CC8-416D25528855}"/>
+                <a16:creationId xmlns:a16="http://schemas.microsoft.com/office/drawing/2014/main" xmlns="" id="{7B3C0553-68E9-4027-8CC8-416D25528855}"/>
               </a:ext>
             </a:extLst>
           </p:cNvPr>
@@ -6904,7 +6984,7 @@
           <p:cNvPr id="3" name="Content Placeholder 2">
             <a:extLst>
               <a:ext uri="{FF2B5EF4-FFF2-40B4-BE49-F238E27FC236}">
-                <a16:creationId xmlns:a16="http://schemas.microsoft.com/office/drawing/2014/main" id="{92C100B2-887B-4E3A-B6C6-D3185619A466}"/>
+                <a16:creationId xmlns:a16="http://schemas.microsoft.com/office/drawing/2014/main" xmlns="" id="{92C100B2-887B-4E3A-B6C6-D3185619A466}"/>
               </a:ext>
             </a:extLst>
           </p:cNvPr>
@@ -6988,7 +7068,7 @@
           <p:cNvPr id="4" name="Title 1">
             <a:extLst>
               <a:ext uri="{FF2B5EF4-FFF2-40B4-BE49-F238E27FC236}">
-                <a16:creationId xmlns:a16="http://schemas.microsoft.com/office/drawing/2014/main" id="{99D4A6ED-0001-4721-9D85-4EA19BEC6117}"/>
+                <a16:creationId xmlns:a16="http://schemas.microsoft.com/office/drawing/2014/main" xmlns="" id="{99D4A6ED-0001-4721-9D85-4EA19BEC6117}"/>
               </a:ext>
             </a:extLst>
           </p:cNvPr>
@@ -7019,10 +7099,10 @@
       </p:sp>
       <p:pic>
         <p:nvPicPr>
-          <p:cNvPr id="6" name="Content Placeholder 5">
+          <p:cNvPr id="10" name="Content Placeholder 9">
             <a:extLst>
               <a:ext uri="{FF2B5EF4-FFF2-40B4-BE49-F238E27FC236}">
-                <a16:creationId xmlns:a16="http://schemas.microsoft.com/office/drawing/2014/main" id="{57C68876-9234-4E01-AAB1-B2413D999BF5}"/>
+                <a16:creationId xmlns:a16="http://schemas.microsoft.com/office/drawing/2014/main" xmlns="" id="{82929104-7175-46E2-9003-A7AEE9B87B95}"/>
               </a:ext>
             </a:extLst>
           </p:cNvPr>
@@ -7047,8 +7127,8 @@
         </p:blipFill>
         <p:spPr>
           <a:xfrm>
-            <a:off x="2865474" y="1586168"/>
-            <a:ext cx="6536624" cy="5229299"/>
+            <a:off x="3355350" y="2317333"/>
+            <a:ext cx="5487650" cy="3658433"/>
           </a:xfrm>
         </p:spPr>
       </p:pic>
@@ -7087,7 +7167,7 @@
           <p:cNvPr id="2" name="Title 1">
             <a:extLst>
               <a:ext uri="{FF2B5EF4-FFF2-40B4-BE49-F238E27FC236}">
-                <a16:creationId xmlns:a16="http://schemas.microsoft.com/office/drawing/2014/main" id="{B1ED3C61-97B0-4C8A-B793-410F0E7246BA}"/>
+                <a16:creationId xmlns:a16="http://schemas.microsoft.com/office/drawing/2014/main" xmlns="" id="{B1ED3C61-97B0-4C8A-B793-410F0E7246BA}"/>
               </a:ext>
             </a:extLst>
           </p:cNvPr>
@@ -7121,7 +7201,7 @@
           <p:cNvPr id="12" name="Picture 11">
             <a:extLst>
               <a:ext uri="{FF2B5EF4-FFF2-40B4-BE49-F238E27FC236}">
-                <a16:creationId xmlns:a16="http://schemas.microsoft.com/office/drawing/2014/main" id="{D54E74D8-C0CA-4328-9134-D25F7CA39747}"/>
+                <a16:creationId xmlns:a16="http://schemas.microsoft.com/office/drawing/2014/main" xmlns="" id="{D54E74D8-C0CA-4328-9134-D25F7CA39747}"/>
               </a:ext>
             </a:extLst>
           </p:cNvPr>
@@ -7157,7 +7237,7 @@
           <p:cNvPr id="14" name="Picture 13">
             <a:extLst>
               <a:ext uri="{FF2B5EF4-FFF2-40B4-BE49-F238E27FC236}">
-                <a16:creationId xmlns:a16="http://schemas.microsoft.com/office/drawing/2014/main" id="{ABC3AFC9-1D7B-478D-8C3C-48147298BD71}"/>
+                <a16:creationId xmlns:a16="http://schemas.microsoft.com/office/drawing/2014/main" xmlns="" id="{ABC3AFC9-1D7B-478D-8C3C-48147298BD71}"/>
               </a:ext>
             </a:extLst>
           </p:cNvPr>
@@ -7223,7 +7303,7 @@
           <p:cNvPr id="4" name="Title 1">
             <a:extLst>
               <a:ext uri="{FF2B5EF4-FFF2-40B4-BE49-F238E27FC236}">
-                <a16:creationId xmlns:a16="http://schemas.microsoft.com/office/drawing/2014/main" id="{99D4A6ED-0001-4721-9D85-4EA19BEC6117}"/>
+                <a16:creationId xmlns:a16="http://schemas.microsoft.com/office/drawing/2014/main" xmlns="" id="{99D4A6ED-0001-4721-9D85-4EA19BEC6117}"/>
               </a:ext>
             </a:extLst>
           </p:cNvPr>
@@ -7257,7 +7337,7 @@
           <p:cNvPr id="16" name="Content Placeholder 15">
             <a:extLst>
               <a:ext uri="{FF2B5EF4-FFF2-40B4-BE49-F238E27FC236}">
-                <a16:creationId xmlns:a16="http://schemas.microsoft.com/office/drawing/2014/main" id="{F59209F8-2AEE-4FDA-B97F-9AC5A9E2AF54}"/>
+                <a16:creationId xmlns:a16="http://schemas.microsoft.com/office/drawing/2014/main" xmlns="" id="{F59209F8-2AEE-4FDA-B97F-9AC5A9E2AF54}"/>
               </a:ext>
             </a:extLst>
           </p:cNvPr>
@@ -7322,7 +7402,7 @@
           <p:cNvPr id="4" name="Title 1">
             <a:extLst>
               <a:ext uri="{FF2B5EF4-FFF2-40B4-BE49-F238E27FC236}">
-                <a16:creationId xmlns:a16="http://schemas.microsoft.com/office/drawing/2014/main" id="{99D4A6ED-0001-4721-9D85-4EA19BEC6117}"/>
+                <a16:creationId xmlns:a16="http://schemas.microsoft.com/office/drawing/2014/main" xmlns="" id="{99D4A6ED-0001-4721-9D85-4EA19BEC6117}"/>
               </a:ext>
             </a:extLst>
           </p:cNvPr>
@@ -7353,10 +7433,10 @@
       </p:sp>
       <p:pic>
         <p:nvPicPr>
-          <p:cNvPr id="3" name="Picture 2">
+          <p:cNvPr id="13" name="Picture 12">
             <a:extLst>
               <a:ext uri="{FF2B5EF4-FFF2-40B4-BE49-F238E27FC236}">
-                <a16:creationId xmlns:a16="http://schemas.microsoft.com/office/drawing/2014/main" id="{BC14D39E-557F-4393-8796-0BA5BB935394}"/>
+                <a16:creationId xmlns:a16="http://schemas.microsoft.com/office/drawing/2014/main" xmlns="" id="{3BBC16EE-40FC-422D-A41E-510CCFD5A9C8}"/>
               </a:ext>
             </a:extLst>
           </p:cNvPr>
@@ -7379,8 +7459,8 @@
         </p:blipFill>
         <p:spPr>
           <a:xfrm>
-            <a:off x="2122819" y="1990768"/>
-            <a:ext cx="7409269" cy="4670530"/>
+            <a:off x="3581394" y="2280680"/>
+            <a:ext cx="5486411" cy="3657607"/>
           </a:xfrm>
           <a:prstGeom prst="rect">
             <a:avLst/>
@@ -7443,7 +7523,7 @@
     </a:clrScheme>
     <a:fontScheme name="Wood Type">
       <a:majorFont>
-        <a:latin typeface="Rockwell Condensed" panose="02060603050405020104"/>
+        <a:latin typeface="Rockwell Condensed"/>
         <a:ea typeface=""/>
         <a:cs typeface=""/>
         <a:font script="Grek" typeface="Cambria"/>
@@ -7479,7 +7559,7 @@
         <a:font script="Uigh" typeface="Microsoft Uighur"/>
       </a:majorFont>
       <a:minorFont>
-        <a:latin typeface="Rockwell" panose="02060603020205020403"/>
+        <a:latin typeface="Rockwell"/>
         <a:ea typeface=""/>
         <a:cs typeface=""/>
         <a:font script="Grek" typeface="Cambria"/>
@@ -7623,7 +7703,7 @@
   <a:extraClrSchemeLst/>
   <a:extLst>
     <a:ext uri="{05A4C25C-085E-4340-85A3-A5531E510DB2}">
-      <thm15:themeFamily xmlns:thm15="http://schemas.microsoft.com/office/thememl/2012/main" name="Wood Type" id="{7ACABC62-BF99-48CF-A9DC-4DB89C7B13DC}" vid="{142A1326-48AB-42A9-8428-CB14AA30176D}"/>
+      <thm15:themeFamily xmlns:thm15="http://schemas.microsoft.com/office/thememl/2012/main" xmlns="" name="Wood Type" id="{7ACABC62-BF99-48CF-A9DC-4DB89C7B13DC}" vid="{142A1326-48AB-42A9-8428-CB14AA30176D}"/>
     </a:ext>
   </a:extLst>
 </a:theme>

--- a/Predictive_Author_Presentation.pptx
+++ b/Predictive_Author_Presentation.pptx
@@ -8,17 +8,17 @@
     <p:sldId id="256" r:id="rId2"/>
     <p:sldId id="258" r:id="rId3"/>
     <p:sldId id="270" r:id="rId4"/>
-    <p:sldId id="259" r:id="rId5"/>
-    <p:sldId id="271" r:id="rId6"/>
-    <p:sldId id="273" r:id="rId7"/>
-    <p:sldId id="272" r:id="rId8"/>
-    <p:sldId id="274" r:id="rId9"/>
-    <p:sldId id="275" r:id="rId10"/>
-    <p:sldId id="279" r:id="rId11"/>
-    <p:sldId id="280" r:id="rId12"/>
-    <p:sldId id="276" r:id="rId13"/>
-    <p:sldId id="281" r:id="rId14"/>
-    <p:sldId id="277" r:id="rId15"/>
+    <p:sldId id="271" r:id="rId5"/>
+    <p:sldId id="272" r:id="rId6"/>
+    <p:sldId id="274" r:id="rId7"/>
+    <p:sldId id="275" r:id="rId8"/>
+    <p:sldId id="279" r:id="rId9"/>
+    <p:sldId id="280" r:id="rId10"/>
+    <p:sldId id="276" r:id="rId11"/>
+    <p:sldId id="273" r:id="rId12"/>
+    <p:sldId id="281" r:id="rId13"/>
+    <p:sldId id="259" r:id="rId14"/>
+    <p:sldId id="287" r:id="rId15"/>
     <p:sldId id="278" r:id="rId16"/>
     <p:sldId id="282" r:id="rId17"/>
     <p:sldId id="283" r:id="rId18"/>
@@ -4256,10 +4256,10 @@
       </p:grpSpPr>
       <p:sp>
         <p:nvSpPr>
-          <p:cNvPr id="4" name="Title 1">
+          <p:cNvPr id="2" name="Title 1">
             <a:extLst>
               <a:ext uri="{FF2B5EF4-FFF2-40B4-BE49-F238E27FC236}">
-                <a16:creationId xmlns:a16="http://schemas.microsoft.com/office/drawing/2014/main" id="{99D4A6ED-0001-4721-9D85-4EA19BEC6117}"/>
+                <a16:creationId xmlns:a16="http://schemas.microsoft.com/office/drawing/2014/main" id="{D9B50E4D-3F67-4D71-8B15-EFDDCEC9A036}"/>
               </a:ext>
             </a:extLst>
           </p:cNvPr>
@@ -4273,34 +4273,32 @@
         <p:spPr/>
         <p:txBody>
           <a:bodyPr>
-            <a:noAutofit/>
+            <a:normAutofit/>
           </a:bodyPr>
           <a:lstStyle/>
           <a:p>
             <a:r>
-              <a:rPr lang="en-US" sz="4400" dirty="0"/>
-              <a:t>How does each author vary with respect to basic sentence structure &amp; vocabulary?</a:t>
-            </a:r>
-            <a:br>
-              <a:rPr lang="en-US" sz="4400" dirty="0"/>
-            </a:br>
-            <a:endParaRPr lang="en-US" sz="4400" dirty="0"/>
+              <a:rPr lang="en-US" dirty="0"/>
+              <a:t>What are the sentiment scores for each author?</a:t>
+            </a:r>
           </a:p>
         </p:txBody>
       </p:sp>
       <p:pic>
         <p:nvPicPr>
-          <p:cNvPr id="12" name="Picture 11">
+          <p:cNvPr id="9" name="Content Placeholder 8">
             <a:extLst>
               <a:ext uri="{FF2B5EF4-FFF2-40B4-BE49-F238E27FC236}">
-                <a16:creationId xmlns:a16="http://schemas.microsoft.com/office/drawing/2014/main" id="{CB5AEBFB-1A16-4DEF-9B79-EE9825E62CF8}"/>
+                <a16:creationId xmlns:a16="http://schemas.microsoft.com/office/drawing/2014/main" id="{6C5668C7-4353-4B89-8117-22FA47B385BD}"/>
               </a:ext>
             </a:extLst>
           </p:cNvPr>
           <p:cNvPicPr>
-            <a:picLocks noChangeAspect="1"/>
+            <a:picLocks noGrp="1" noChangeAspect="1"/>
           </p:cNvPicPr>
-          <p:nvPr/>
+          <p:nvPr>
+            <p:ph idx="1"/>
+          </p:nvPr>
         </p:nvPicPr>
         <p:blipFill>
           <a:blip r:embed="rId2">
@@ -4316,54 +4314,15 @@
         </p:blipFill>
         <p:spPr>
           <a:xfrm>
-            <a:off x="5792966" y="2131823"/>
-            <a:ext cx="5486411" cy="3657607"/>
+            <a:off x="2047875" y="2120900"/>
+            <a:ext cx="8102600" cy="4051300"/>
           </a:xfrm>
-          <a:prstGeom prst="rect">
-            <a:avLst/>
-          </a:prstGeom>
-        </p:spPr>
-      </p:pic>
-      <p:pic>
-        <p:nvPicPr>
-          <p:cNvPr id="14" name="Picture 13">
-            <a:extLst>
-              <a:ext uri="{FF2B5EF4-FFF2-40B4-BE49-F238E27FC236}">
-                <a16:creationId xmlns:a16="http://schemas.microsoft.com/office/drawing/2014/main" id="{6C94D315-2A8E-4D8D-8544-7F7E2EE5D20E}"/>
-              </a:ext>
-            </a:extLst>
-          </p:cNvPr>
-          <p:cNvPicPr>
-            <a:picLocks noChangeAspect="1"/>
-          </p:cNvPicPr>
-          <p:nvPr/>
-        </p:nvPicPr>
-        <p:blipFill>
-          <a:blip r:embed="rId3">
-            <a:extLst>
-              <a:ext uri="{28A0092B-C50C-407E-A947-70E740481C1C}">
-                <a14:useLocalDpi xmlns:a14="http://schemas.microsoft.com/office/drawing/2010/main" val="0"/>
-              </a:ext>
-            </a:extLst>
-          </a:blip>
-          <a:stretch>
-            <a:fillRect/>
-          </a:stretch>
-        </p:blipFill>
-        <p:spPr>
-          <a:xfrm>
-            <a:off x="1063751" y="1972335"/>
-            <a:ext cx="5486411" cy="3657607"/>
-          </a:xfrm>
-          <a:prstGeom prst="rect">
-            <a:avLst/>
-          </a:prstGeom>
         </p:spPr>
       </p:pic>
     </p:spTree>
     <p:extLst>
       <p:ext uri="{BB962C8B-B14F-4D97-AF65-F5344CB8AC3E}">
-        <p14:creationId xmlns:p14="http://schemas.microsoft.com/office/powerpoint/2010/main" val="1248692691"/>
+        <p14:creationId xmlns:p14="http://schemas.microsoft.com/office/powerpoint/2010/main" val="3268404759"/>
       </p:ext>
     </p:extLst>
   </p:cSld>
@@ -4426,17 +4385,19 @@
       </p:sp>
       <p:pic>
         <p:nvPicPr>
-          <p:cNvPr id="5" name="Picture 4">
+          <p:cNvPr id="6" name="Content Placeholder 5">
             <a:extLst>
               <a:ext uri="{FF2B5EF4-FFF2-40B4-BE49-F238E27FC236}">
-                <a16:creationId xmlns:a16="http://schemas.microsoft.com/office/drawing/2014/main" id="{F2AD5FA3-6CFE-4E32-996C-3E7AEF163CAA}"/>
+                <a16:creationId xmlns:a16="http://schemas.microsoft.com/office/drawing/2014/main" id="{57C68876-9234-4E01-AAB1-B2413D999BF5}"/>
               </a:ext>
             </a:extLst>
           </p:cNvPr>
           <p:cNvPicPr>
-            <a:picLocks noChangeAspect="1"/>
+            <a:picLocks noGrp="1" noChangeAspect="1"/>
           </p:cNvPicPr>
-          <p:nvPr/>
+          <p:nvPr>
+            <p:ph idx="1"/>
+          </p:nvPr>
         </p:nvPicPr>
         <p:blipFill>
           <a:blip r:embed="rId2">
@@ -4452,18 +4413,15 @@
         </p:blipFill>
         <p:spPr>
           <a:xfrm>
-            <a:off x="3310264" y="2339159"/>
-            <a:ext cx="5486411" cy="3657607"/>
+            <a:off x="2865474" y="1586168"/>
+            <a:ext cx="6536624" cy="5229299"/>
           </a:xfrm>
-          <a:prstGeom prst="rect">
-            <a:avLst/>
-          </a:prstGeom>
         </p:spPr>
       </p:pic>
     </p:spTree>
     <p:extLst>
       <p:ext uri="{BB962C8B-B14F-4D97-AF65-F5344CB8AC3E}">
-        <p14:creationId xmlns:p14="http://schemas.microsoft.com/office/powerpoint/2010/main" val="1742898796"/>
+        <p14:creationId xmlns:p14="http://schemas.microsoft.com/office/powerpoint/2010/main" val="4100387689"/>
       </p:ext>
     </p:extLst>
   </p:cSld>
@@ -4474,101 +4432,6 @@
 </file>
 
 <file path=ppt/slides/slide12.xml><?xml version="1.0" encoding="utf-8"?>
-<p:sld xmlns:a="http://schemas.openxmlformats.org/drawingml/2006/main" xmlns:r="http://schemas.openxmlformats.org/officeDocument/2006/relationships" xmlns:p="http://schemas.openxmlformats.org/presentationml/2006/main">
-  <p:cSld>
-    <p:spTree>
-      <p:nvGrpSpPr>
-        <p:cNvPr id="1" name=""/>
-        <p:cNvGrpSpPr/>
-        <p:nvPr/>
-      </p:nvGrpSpPr>
-      <p:grpSpPr>
-        <a:xfrm>
-          <a:off x="0" y="0"/>
-          <a:ext cx="0" cy="0"/>
-          <a:chOff x="0" y="0"/>
-          <a:chExt cx="0" cy="0"/>
-        </a:xfrm>
-      </p:grpSpPr>
-      <p:sp>
-        <p:nvSpPr>
-          <p:cNvPr id="2" name="Title 1">
-            <a:extLst>
-              <a:ext uri="{FF2B5EF4-FFF2-40B4-BE49-F238E27FC236}">
-                <a16:creationId xmlns:a16="http://schemas.microsoft.com/office/drawing/2014/main" id="{D9B50E4D-3F67-4D71-8B15-EFDDCEC9A036}"/>
-              </a:ext>
-            </a:extLst>
-          </p:cNvPr>
-          <p:cNvSpPr>
-            <a:spLocks noGrp="1"/>
-          </p:cNvSpPr>
-          <p:nvPr>
-            <p:ph type="title"/>
-          </p:nvPr>
-        </p:nvSpPr>
-        <p:spPr/>
-        <p:txBody>
-          <a:bodyPr>
-            <a:normAutofit/>
-          </a:bodyPr>
-          <a:lstStyle/>
-          <a:p>
-            <a:r>
-              <a:rPr lang="en-US" dirty="0"/>
-              <a:t>What are the sentiment scores for each author?</a:t>
-            </a:r>
-          </a:p>
-        </p:txBody>
-      </p:sp>
-      <p:pic>
-        <p:nvPicPr>
-          <p:cNvPr id="9" name="Content Placeholder 8">
-            <a:extLst>
-              <a:ext uri="{FF2B5EF4-FFF2-40B4-BE49-F238E27FC236}">
-                <a16:creationId xmlns:a16="http://schemas.microsoft.com/office/drawing/2014/main" id="{6C5668C7-4353-4B89-8117-22FA47B385BD}"/>
-              </a:ext>
-            </a:extLst>
-          </p:cNvPr>
-          <p:cNvPicPr>
-            <a:picLocks noGrp="1" noChangeAspect="1"/>
-          </p:cNvPicPr>
-          <p:nvPr>
-            <p:ph idx="1"/>
-          </p:nvPr>
-        </p:nvPicPr>
-        <p:blipFill>
-          <a:blip r:embed="rId2">
-            <a:extLst>
-              <a:ext uri="{28A0092B-C50C-407E-A947-70E740481C1C}">
-                <a14:useLocalDpi xmlns:a14="http://schemas.microsoft.com/office/drawing/2010/main" val="0"/>
-              </a:ext>
-            </a:extLst>
-          </a:blip>
-          <a:stretch>
-            <a:fillRect/>
-          </a:stretch>
-        </p:blipFill>
-        <p:spPr>
-          <a:xfrm>
-            <a:off x="2047875" y="2120900"/>
-            <a:ext cx="8102600" cy="4051300"/>
-          </a:xfrm>
-        </p:spPr>
-      </p:pic>
-    </p:spTree>
-    <p:extLst>
-      <p:ext uri="{BB962C8B-B14F-4D97-AF65-F5344CB8AC3E}">
-        <p14:creationId xmlns:p14="http://schemas.microsoft.com/office/powerpoint/2010/main" val="3268404759"/>
-      </p:ext>
-    </p:extLst>
-  </p:cSld>
-  <p:clrMapOvr>
-    <a:masterClrMapping/>
-  </p:clrMapOvr>
-</p:sld>
-</file>
-
-<file path=ppt/slides/slide13.xml><?xml version="1.0" encoding="utf-8"?>
 <p:sld xmlns:a="http://schemas.openxmlformats.org/drawingml/2006/main" xmlns:r="http://schemas.openxmlformats.org/officeDocument/2006/relationships" xmlns:p="http://schemas.openxmlformats.org/presentationml/2006/main">
   <p:cSld>
     <p:spTree>
@@ -5430,6 +5293,110 @@
 </p:sld>
 </file>
 
+<file path=ppt/slides/slide13.xml><?xml version="1.0" encoding="utf-8"?>
+<p:sld xmlns:a="http://schemas.openxmlformats.org/drawingml/2006/main" xmlns:r="http://schemas.openxmlformats.org/officeDocument/2006/relationships" xmlns:p="http://schemas.openxmlformats.org/presentationml/2006/main">
+  <p:cSld>
+    <p:spTree>
+      <p:nvGrpSpPr>
+        <p:cNvPr id="1" name=""/>
+        <p:cNvGrpSpPr/>
+        <p:nvPr/>
+      </p:nvGrpSpPr>
+      <p:grpSpPr>
+        <a:xfrm>
+          <a:off x="0" y="0"/>
+          <a:ext cx="0" cy="0"/>
+          <a:chOff x="0" y="0"/>
+          <a:chExt cx="0" cy="0"/>
+        </a:xfrm>
+      </p:grpSpPr>
+      <p:sp>
+        <p:nvSpPr>
+          <p:cNvPr id="2" name="Title 1">
+            <a:extLst>
+              <a:ext uri="{FF2B5EF4-FFF2-40B4-BE49-F238E27FC236}">
+                <a16:creationId xmlns:a16="http://schemas.microsoft.com/office/drawing/2014/main" id="{8DCA91CB-CBB2-4E50-A4C6-A799D7E2A3E3}"/>
+              </a:ext>
+            </a:extLst>
+          </p:cNvPr>
+          <p:cNvSpPr>
+            <a:spLocks noGrp="1"/>
+          </p:cNvSpPr>
+          <p:nvPr>
+            <p:ph type="title"/>
+          </p:nvPr>
+        </p:nvSpPr>
+        <p:spPr/>
+        <p:txBody>
+          <a:bodyPr/>
+          <a:lstStyle/>
+          <a:p>
+            <a:r>
+              <a:rPr lang="en-US" dirty="0"/>
+              <a:t>NLTK (Natural Language Toolkit)</a:t>
+            </a:r>
+          </a:p>
+        </p:txBody>
+      </p:sp>
+      <p:sp>
+        <p:nvSpPr>
+          <p:cNvPr id="3" name="Content Placeholder 2">
+            <a:extLst>
+              <a:ext uri="{FF2B5EF4-FFF2-40B4-BE49-F238E27FC236}">
+                <a16:creationId xmlns:a16="http://schemas.microsoft.com/office/drawing/2014/main" id="{0AE87738-4D7D-4C1B-A10E-09B1EC98B34F}"/>
+              </a:ext>
+            </a:extLst>
+          </p:cNvPr>
+          <p:cNvSpPr>
+            <a:spLocks noGrp="1"/>
+          </p:cNvSpPr>
+          <p:nvPr>
+            <p:ph idx="1"/>
+          </p:nvPr>
+        </p:nvSpPr>
+        <p:spPr/>
+        <p:txBody>
+          <a:bodyPr/>
+          <a:lstStyle/>
+          <a:p>
+            <a:r>
+              <a:rPr lang="en-US" dirty="0"/>
+              <a:t>‘NLTK is a leading platform for building Python programs to work with human language data. It provides … text processing libraries for classification, tokenization, stemming, tagging, parsing, and semantic reasoning, [and] wrappers for industrial-strength NLP libraries...’</a:t>
+            </a:r>
+          </a:p>
+          <a:p>
+            <a:r>
+              <a:rPr lang="en-US" dirty="0"/>
+              <a:t>Free &amp; open source</a:t>
+            </a:r>
+          </a:p>
+          <a:p>
+            <a:r>
+              <a:rPr lang="en-US" dirty="0"/>
+              <a:t>http://www.nltk.org/</a:t>
+            </a:r>
+          </a:p>
+          <a:p>
+            <a:pPr marL="0" indent="0">
+              <a:buNone/>
+            </a:pPr>
+            <a:endParaRPr lang="en-US" dirty="0"/>
+          </a:p>
+        </p:txBody>
+      </p:sp>
+    </p:spTree>
+    <p:extLst>
+      <p:ext uri="{BB962C8B-B14F-4D97-AF65-F5344CB8AC3E}">
+        <p14:creationId xmlns:p14="http://schemas.microsoft.com/office/powerpoint/2010/main" val="1550111879"/>
+      </p:ext>
+    </p:extLst>
+  </p:cSld>
+  <p:clrMapOvr>
+    <a:masterClrMapping/>
+  </p:clrMapOvr>
+</p:sld>
+</file>
+
 <file path=ppt/slides/slide14.xml><?xml version="1.0" encoding="utf-8"?>
 <p:sld xmlns:a="http://schemas.openxmlformats.org/drawingml/2006/main" xmlns:r="http://schemas.openxmlformats.org/officeDocument/2006/relationships" xmlns:p="http://schemas.openxmlformats.org/presentationml/2006/main">
   <p:cSld>
@@ -5548,21 +5515,88 @@
             </a:r>
           </a:p>
           <a:p>
-            <a:pPr marL="457200" indent="-457200">
-              <a:buFont typeface="+mj-lt"/>
-              <a:buAutoNum type="arabicPeriod"/>
+            <a:pPr marL="0" indent="0">
+              <a:buNone/>
             </a:pPr>
-            <a:endParaRPr lang="en-US" dirty="0"/>
-          </a:p>
-          <a:p>
-            <a:endParaRPr lang="en-US" dirty="0"/>
-          </a:p>
-        </p:txBody>
-      </p:sp>
+            <a:r>
+              <a:rPr lang="en-US" dirty="0"/>
+              <a:t>Can also use </a:t>
+            </a:r>
+            <a:r>
+              <a:rPr lang="en-US" dirty="0" err="1"/>
+              <a:t>fastText</a:t>
+            </a:r>
+            <a:r>
+              <a:rPr lang="en-US" dirty="0"/>
+              <a:t>—Facebook’s library for fast text representation and classification. </a:t>
+            </a:r>
+          </a:p>
+        </p:txBody>
+      </p:sp>
+      <p:pic>
+        <p:nvPicPr>
+          <p:cNvPr id="4" name="Picture 3" descr="Screen Shot 2017-12-08 at 5.48.18 PM.png"/>
+          <p:cNvPicPr>
+            <a:picLocks noChangeAspect="1"/>
+          </p:cNvPicPr>
+          <p:nvPr/>
+        </p:nvPicPr>
+        <p:blipFill>
+          <a:blip r:embed="rId2">
+            <a:extLst>
+              <a:ext uri="{28A0092B-C50C-407E-A947-70E740481C1C}">
+                <a14:useLocalDpi xmlns:a14="http://schemas.microsoft.com/office/drawing/2010/main" val="0"/>
+              </a:ext>
+            </a:extLst>
+          </a:blip>
+          <a:stretch>
+            <a:fillRect/>
+          </a:stretch>
+        </p:blipFill>
+        <p:spPr>
+          <a:xfrm>
+            <a:off x="3147343" y="4629081"/>
+            <a:ext cx="3414147" cy="1776208"/>
+          </a:xfrm>
+          <a:prstGeom prst="rect">
+            <a:avLst/>
+          </a:prstGeom>
+        </p:spPr>
+      </p:pic>
+      <p:pic>
+        <p:nvPicPr>
+          <p:cNvPr id="5" name="Picture 4" descr="Screen Shot 2017-12-08 at 5.45.50 PM.png"/>
+          <p:cNvPicPr>
+            <a:picLocks noChangeAspect="1"/>
+          </p:cNvPicPr>
+          <p:nvPr/>
+        </p:nvPicPr>
+        <p:blipFill>
+          <a:blip r:embed="rId3">
+            <a:extLst>
+              <a:ext uri="{28A0092B-C50C-407E-A947-70E740481C1C}">
+                <a14:useLocalDpi xmlns:a14="http://schemas.microsoft.com/office/drawing/2010/main" val="0"/>
+              </a:ext>
+            </a:extLst>
+          </a:blip>
+          <a:stretch>
+            <a:fillRect/>
+          </a:stretch>
+        </p:blipFill>
+        <p:spPr>
+          <a:xfrm>
+            <a:off x="7081608" y="4337236"/>
+            <a:ext cx="2271160" cy="2176528"/>
+          </a:xfrm>
+          <a:prstGeom prst="rect">
+            <a:avLst/>
+          </a:prstGeom>
+        </p:spPr>
+      </p:pic>
     </p:spTree>
     <p:extLst>
       <p:ext uri="{BB962C8B-B14F-4D97-AF65-F5344CB8AC3E}">
-        <p14:creationId xmlns:p14="http://schemas.microsoft.com/office/powerpoint/2010/main" val="873388279"/>
+        <p14:creationId xmlns:p14="http://schemas.microsoft.com/office/powerpoint/2010/main" val="3375280714"/>
       </p:ext>
     </p:extLst>
   </p:cSld>
@@ -6726,6 +6760,20 @@
             </a:r>
           </a:p>
           <a:p>
+            <a:pPr lvl="1"/>
+            <a:r>
+              <a:rPr lang="en-US" dirty="0"/>
+              <a:t>Training dataset – already has author assigned</a:t>
+            </a:r>
+          </a:p>
+          <a:p>
+            <a:pPr lvl="1"/>
+            <a:r>
+              <a:rPr lang="en-US" dirty="0"/>
+              <a:t>Test dataset – needs authorship assigned</a:t>
+            </a:r>
+          </a:p>
+          <a:p>
             <a:pPr lvl="0"/>
             <a:r>
               <a:rPr lang="en-US" dirty="0"/>
@@ -6772,110 +6820,6 @@
           <p:cNvPr id="2" name="Title 1">
             <a:extLst>
               <a:ext uri="{FF2B5EF4-FFF2-40B4-BE49-F238E27FC236}">
-                <a16:creationId xmlns:a16="http://schemas.microsoft.com/office/drawing/2014/main" id="{8DCA91CB-CBB2-4E50-A4C6-A799D7E2A3E3}"/>
-              </a:ext>
-            </a:extLst>
-          </p:cNvPr>
-          <p:cNvSpPr>
-            <a:spLocks noGrp="1"/>
-          </p:cNvSpPr>
-          <p:nvPr>
-            <p:ph type="title"/>
-          </p:nvPr>
-        </p:nvSpPr>
-        <p:spPr/>
-        <p:txBody>
-          <a:bodyPr/>
-          <a:lstStyle/>
-          <a:p>
-            <a:r>
-              <a:rPr lang="en-US" dirty="0"/>
-              <a:t>NLTK (Natural Language Toolkit)</a:t>
-            </a:r>
-          </a:p>
-        </p:txBody>
-      </p:sp>
-      <p:sp>
-        <p:nvSpPr>
-          <p:cNvPr id="3" name="Content Placeholder 2">
-            <a:extLst>
-              <a:ext uri="{FF2B5EF4-FFF2-40B4-BE49-F238E27FC236}">
-                <a16:creationId xmlns:a16="http://schemas.microsoft.com/office/drawing/2014/main" id="{0AE87738-4D7D-4C1B-A10E-09B1EC98B34F}"/>
-              </a:ext>
-            </a:extLst>
-          </p:cNvPr>
-          <p:cNvSpPr>
-            <a:spLocks noGrp="1"/>
-          </p:cNvSpPr>
-          <p:nvPr>
-            <p:ph idx="1"/>
-          </p:nvPr>
-        </p:nvSpPr>
-        <p:spPr/>
-        <p:txBody>
-          <a:bodyPr/>
-          <a:lstStyle/>
-          <a:p>
-            <a:r>
-              <a:rPr lang="en-US" dirty="0"/>
-              <a:t>‘NLTK is a leading platform for building Python programs to work with human language data. It provides … text processing libraries for classification, tokenization, stemming, tagging, parsing, and semantic reasoning, [and] wrappers for industrial-strength NLP libraries...’</a:t>
-            </a:r>
-          </a:p>
-          <a:p>
-            <a:r>
-              <a:rPr lang="en-US" dirty="0"/>
-              <a:t>Free &amp; open source</a:t>
-            </a:r>
-          </a:p>
-          <a:p>
-            <a:r>
-              <a:rPr lang="en-US" dirty="0"/>
-              <a:t>http://www.nltk.org/</a:t>
-            </a:r>
-          </a:p>
-          <a:p>
-            <a:pPr marL="0" indent="0">
-              <a:buNone/>
-            </a:pPr>
-            <a:endParaRPr lang="en-US" dirty="0"/>
-          </a:p>
-        </p:txBody>
-      </p:sp>
-    </p:spTree>
-    <p:extLst>
-      <p:ext uri="{BB962C8B-B14F-4D97-AF65-F5344CB8AC3E}">
-        <p14:creationId xmlns:p14="http://schemas.microsoft.com/office/powerpoint/2010/main" val="1550111879"/>
-      </p:ext>
-    </p:extLst>
-  </p:cSld>
-  <p:clrMapOvr>
-    <a:masterClrMapping/>
-  </p:clrMapOvr>
-</p:sld>
-</file>
-
-<file path=ppt/slides/slide5.xml><?xml version="1.0" encoding="utf-8"?>
-<p:sld xmlns:a="http://schemas.openxmlformats.org/drawingml/2006/main" xmlns:r="http://schemas.openxmlformats.org/officeDocument/2006/relationships" xmlns:p="http://schemas.openxmlformats.org/presentationml/2006/main">
-  <p:cSld>
-    <p:spTree>
-      <p:nvGrpSpPr>
-        <p:cNvPr id="1" name=""/>
-        <p:cNvGrpSpPr/>
-        <p:nvPr/>
-      </p:nvGrpSpPr>
-      <p:grpSpPr>
-        <a:xfrm>
-          <a:off x="0" y="0"/>
-          <a:ext cx="0" cy="0"/>
-          <a:chOff x="0" y="0"/>
-          <a:chExt cx="0" cy="0"/>
-        </a:xfrm>
-      </p:grpSpPr>
-      <p:sp>
-        <p:nvSpPr>
-          <p:cNvPr id="2" name="Title 1">
-            <a:extLst>
-              <a:ext uri="{FF2B5EF4-FFF2-40B4-BE49-F238E27FC236}">
                 <a16:creationId xmlns:a16="http://schemas.microsoft.com/office/drawing/2014/main" id="{7B3C0553-68E9-4027-8CC8-416D25528855}"/>
               </a:ext>
             </a:extLst>
@@ -6966,106 +6910,7 @@
 </p:sld>
 </file>
 
-<file path=ppt/slides/slide6.xml><?xml version="1.0" encoding="utf-8"?>
-<p:sld xmlns:a="http://schemas.openxmlformats.org/drawingml/2006/main" xmlns:r="http://schemas.openxmlformats.org/officeDocument/2006/relationships" xmlns:p="http://schemas.openxmlformats.org/presentationml/2006/main">
-  <p:cSld>
-    <p:spTree>
-      <p:nvGrpSpPr>
-        <p:cNvPr id="1" name=""/>
-        <p:cNvGrpSpPr/>
-        <p:nvPr/>
-      </p:nvGrpSpPr>
-      <p:grpSpPr>
-        <a:xfrm>
-          <a:off x="0" y="0"/>
-          <a:ext cx="0" cy="0"/>
-          <a:chOff x="0" y="0"/>
-          <a:chExt cx="0" cy="0"/>
-        </a:xfrm>
-      </p:grpSpPr>
-      <p:sp>
-        <p:nvSpPr>
-          <p:cNvPr id="4" name="Title 1">
-            <a:extLst>
-              <a:ext uri="{FF2B5EF4-FFF2-40B4-BE49-F238E27FC236}">
-                <a16:creationId xmlns:a16="http://schemas.microsoft.com/office/drawing/2014/main" id="{99D4A6ED-0001-4721-9D85-4EA19BEC6117}"/>
-              </a:ext>
-            </a:extLst>
-          </p:cNvPr>
-          <p:cNvSpPr>
-            <a:spLocks noGrp="1"/>
-          </p:cNvSpPr>
-          <p:nvPr>
-            <p:ph type="title"/>
-          </p:nvPr>
-        </p:nvSpPr>
-        <p:spPr/>
-        <p:txBody>
-          <a:bodyPr>
-            <a:noAutofit/>
-          </a:bodyPr>
-          <a:lstStyle/>
-          <a:p>
-            <a:r>
-              <a:rPr lang="en-US" sz="4400" dirty="0"/>
-              <a:t>How does each author vary with respect to basic sentence structure &amp; vocabulary?</a:t>
-            </a:r>
-            <a:br>
-              <a:rPr lang="en-US" sz="4400" dirty="0"/>
-            </a:br>
-            <a:endParaRPr lang="en-US" sz="4400" dirty="0"/>
-          </a:p>
-        </p:txBody>
-      </p:sp>
-      <p:pic>
-        <p:nvPicPr>
-          <p:cNvPr id="6" name="Content Placeholder 5">
-            <a:extLst>
-              <a:ext uri="{FF2B5EF4-FFF2-40B4-BE49-F238E27FC236}">
-                <a16:creationId xmlns:a16="http://schemas.microsoft.com/office/drawing/2014/main" id="{57C68876-9234-4E01-AAB1-B2413D999BF5}"/>
-              </a:ext>
-            </a:extLst>
-          </p:cNvPr>
-          <p:cNvPicPr>
-            <a:picLocks noGrp="1" noChangeAspect="1"/>
-          </p:cNvPicPr>
-          <p:nvPr>
-            <p:ph idx="1"/>
-          </p:nvPr>
-        </p:nvPicPr>
-        <p:blipFill>
-          <a:blip r:embed="rId2">
-            <a:extLst>
-              <a:ext uri="{28A0092B-C50C-407E-A947-70E740481C1C}">
-                <a14:useLocalDpi xmlns:a14="http://schemas.microsoft.com/office/drawing/2010/main" val="0"/>
-              </a:ext>
-            </a:extLst>
-          </a:blip>
-          <a:stretch>
-            <a:fillRect/>
-          </a:stretch>
-        </p:blipFill>
-        <p:spPr>
-          <a:xfrm>
-            <a:off x="2865474" y="1586168"/>
-            <a:ext cx="6536624" cy="5229299"/>
-          </a:xfrm>
-        </p:spPr>
-      </p:pic>
-    </p:spTree>
-    <p:extLst>
-      <p:ext uri="{BB962C8B-B14F-4D97-AF65-F5344CB8AC3E}">
-        <p14:creationId xmlns:p14="http://schemas.microsoft.com/office/powerpoint/2010/main" val="4100387689"/>
-      </p:ext>
-    </p:extLst>
-  </p:cSld>
-  <p:clrMapOvr>
-    <a:masterClrMapping/>
-  </p:clrMapOvr>
-</p:sld>
-</file>
-
-<file path=ppt/slides/slide7.xml><?xml version="1.0" encoding="utf-8"?>
+<file path=ppt/slides/slide5.xml><?xml version="1.0" encoding="utf-8"?>
 <p:sld xmlns:a="http://schemas.openxmlformats.org/drawingml/2006/main" xmlns:r="http://schemas.openxmlformats.org/officeDocument/2006/relationships" xmlns:p="http://schemas.openxmlformats.org/presentationml/2006/main">
   <p:cSld>
     <p:spTree>
@@ -7201,6 +7046,205 @@
 </p:sld>
 </file>
 
+<file path=ppt/slides/slide6.xml><?xml version="1.0" encoding="utf-8"?>
+<p:sld xmlns:a="http://schemas.openxmlformats.org/drawingml/2006/main" xmlns:r="http://schemas.openxmlformats.org/officeDocument/2006/relationships" xmlns:p="http://schemas.openxmlformats.org/presentationml/2006/main">
+  <p:cSld>
+    <p:spTree>
+      <p:nvGrpSpPr>
+        <p:cNvPr id="1" name=""/>
+        <p:cNvGrpSpPr/>
+        <p:nvPr/>
+      </p:nvGrpSpPr>
+      <p:grpSpPr>
+        <a:xfrm>
+          <a:off x="0" y="0"/>
+          <a:ext cx="0" cy="0"/>
+          <a:chOff x="0" y="0"/>
+          <a:chExt cx="0" cy="0"/>
+        </a:xfrm>
+      </p:grpSpPr>
+      <p:sp>
+        <p:nvSpPr>
+          <p:cNvPr id="4" name="Title 1">
+            <a:extLst>
+              <a:ext uri="{FF2B5EF4-FFF2-40B4-BE49-F238E27FC236}">
+                <a16:creationId xmlns:a16="http://schemas.microsoft.com/office/drawing/2014/main" id="{99D4A6ED-0001-4721-9D85-4EA19BEC6117}"/>
+              </a:ext>
+            </a:extLst>
+          </p:cNvPr>
+          <p:cNvSpPr>
+            <a:spLocks noGrp="1"/>
+          </p:cNvSpPr>
+          <p:nvPr>
+            <p:ph type="title"/>
+          </p:nvPr>
+        </p:nvSpPr>
+        <p:spPr/>
+        <p:txBody>
+          <a:bodyPr>
+            <a:noAutofit/>
+          </a:bodyPr>
+          <a:lstStyle/>
+          <a:p>
+            <a:r>
+              <a:rPr lang="en-US" sz="4400" dirty="0"/>
+              <a:t>How does each author vary with respect to basic sentence structure &amp; vocabulary?</a:t>
+            </a:r>
+            <a:br>
+              <a:rPr lang="en-US" sz="4400" dirty="0"/>
+            </a:br>
+            <a:endParaRPr lang="en-US" sz="4400" dirty="0"/>
+          </a:p>
+        </p:txBody>
+      </p:sp>
+      <p:pic>
+        <p:nvPicPr>
+          <p:cNvPr id="16" name="Content Placeholder 15">
+            <a:extLst>
+              <a:ext uri="{FF2B5EF4-FFF2-40B4-BE49-F238E27FC236}">
+                <a16:creationId xmlns:a16="http://schemas.microsoft.com/office/drawing/2014/main" id="{F59209F8-2AEE-4FDA-B97F-9AC5A9E2AF54}"/>
+              </a:ext>
+            </a:extLst>
+          </p:cNvPr>
+          <p:cNvPicPr>
+            <a:picLocks noGrp="1" noChangeAspect="1"/>
+          </p:cNvPicPr>
+          <p:nvPr>
+            <p:ph idx="1"/>
+          </p:nvPr>
+        </p:nvPicPr>
+        <p:blipFill>
+          <a:blip r:embed="rId2">
+            <a:extLst>
+              <a:ext uri="{28A0092B-C50C-407E-A947-70E740481C1C}">
+                <a14:useLocalDpi xmlns:a14="http://schemas.microsoft.com/office/drawing/2010/main" val="0"/>
+              </a:ext>
+            </a:extLst>
+          </a:blip>
+          <a:stretch>
+            <a:fillRect/>
+          </a:stretch>
+        </p:blipFill>
+        <p:spPr>
+          <a:xfrm>
+            <a:off x="3355969" y="2317746"/>
+            <a:ext cx="5486411" cy="3657607"/>
+          </a:xfrm>
+        </p:spPr>
+      </p:pic>
+    </p:spTree>
+    <p:extLst>
+      <p:ext uri="{BB962C8B-B14F-4D97-AF65-F5344CB8AC3E}">
+        <p14:creationId xmlns:p14="http://schemas.microsoft.com/office/powerpoint/2010/main" val="2666062564"/>
+      </p:ext>
+    </p:extLst>
+  </p:cSld>
+  <p:clrMapOvr>
+    <a:masterClrMapping/>
+  </p:clrMapOvr>
+</p:sld>
+</file>
+
+<file path=ppt/slides/slide7.xml><?xml version="1.0" encoding="utf-8"?>
+<p:sld xmlns:a="http://schemas.openxmlformats.org/drawingml/2006/main" xmlns:r="http://schemas.openxmlformats.org/officeDocument/2006/relationships" xmlns:p="http://schemas.openxmlformats.org/presentationml/2006/main">
+  <p:cSld>
+    <p:spTree>
+      <p:nvGrpSpPr>
+        <p:cNvPr id="1" name=""/>
+        <p:cNvGrpSpPr/>
+        <p:nvPr/>
+      </p:nvGrpSpPr>
+      <p:grpSpPr>
+        <a:xfrm>
+          <a:off x="0" y="0"/>
+          <a:ext cx="0" cy="0"/>
+          <a:chOff x="0" y="0"/>
+          <a:chExt cx="0" cy="0"/>
+        </a:xfrm>
+      </p:grpSpPr>
+      <p:sp>
+        <p:nvSpPr>
+          <p:cNvPr id="4" name="Title 1">
+            <a:extLst>
+              <a:ext uri="{FF2B5EF4-FFF2-40B4-BE49-F238E27FC236}">
+                <a16:creationId xmlns:a16="http://schemas.microsoft.com/office/drawing/2014/main" id="{99D4A6ED-0001-4721-9D85-4EA19BEC6117}"/>
+              </a:ext>
+            </a:extLst>
+          </p:cNvPr>
+          <p:cNvSpPr>
+            <a:spLocks noGrp="1"/>
+          </p:cNvSpPr>
+          <p:nvPr>
+            <p:ph type="title"/>
+          </p:nvPr>
+        </p:nvSpPr>
+        <p:spPr/>
+        <p:txBody>
+          <a:bodyPr>
+            <a:noAutofit/>
+          </a:bodyPr>
+          <a:lstStyle/>
+          <a:p>
+            <a:r>
+              <a:rPr lang="en-US" sz="4400" dirty="0"/>
+              <a:t>How does each author vary with respect to basic sentence structure &amp; vocabulary?</a:t>
+            </a:r>
+            <a:br>
+              <a:rPr lang="en-US" sz="4400" dirty="0"/>
+            </a:br>
+            <a:endParaRPr lang="en-US" sz="4400" dirty="0"/>
+          </a:p>
+        </p:txBody>
+      </p:sp>
+      <p:pic>
+        <p:nvPicPr>
+          <p:cNvPr id="3" name="Picture 2">
+            <a:extLst>
+              <a:ext uri="{FF2B5EF4-FFF2-40B4-BE49-F238E27FC236}">
+                <a16:creationId xmlns:a16="http://schemas.microsoft.com/office/drawing/2014/main" id="{BC14D39E-557F-4393-8796-0BA5BB935394}"/>
+              </a:ext>
+            </a:extLst>
+          </p:cNvPr>
+          <p:cNvPicPr>
+            <a:picLocks noChangeAspect="1"/>
+          </p:cNvPicPr>
+          <p:nvPr/>
+        </p:nvPicPr>
+        <p:blipFill>
+          <a:blip r:embed="rId2">
+            <a:extLst>
+              <a:ext uri="{28A0092B-C50C-407E-A947-70E740481C1C}">
+                <a14:useLocalDpi xmlns:a14="http://schemas.microsoft.com/office/drawing/2010/main" val="0"/>
+              </a:ext>
+            </a:extLst>
+          </a:blip>
+          <a:stretch>
+            <a:fillRect/>
+          </a:stretch>
+        </p:blipFill>
+        <p:spPr>
+          <a:xfrm>
+            <a:off x="2122819" y="1990768"/>
+            <a:ext cx="7409269" cy="4670530"/>
+          </a:xfrm>
+          <a:prstGeom prst="rect">
+            <a:avLst/>
+          </a:prstGeom>
+        </p:spPr>
+      </p:pic>
+    </p:spTree>
+    <p:extLst>
+      <p:ext uri="{BB962C8B-B14F-4D97-AF65-F5344CB8AC3E}">
+        <p14:creationId xmlns:p14="http://schemas.microsoft.com/office/powerpoint/2010/main" val="2067117052"/>
+      </p:ext>
+    </p:extLst>
+  </p:cSld>
+  <p:clrMapOvr>
+    <a:masterClrMapping/>
+  </p:clrMapOvr>
+</p:sld>
+</file>
+
 <file path=ppt/slides/slide8.xml><?xml version="1.0" encoding="utf-8"?>
 <p:sld xmlns:a="http://schemas.openxmlformats.org/drawingml/2006/main" xmlns:r="http://schemas.openxmlformats.org/officeDocument/2006/relationships" xmlns:p="http://schemas.openxmlformats.org/presentationml/2006/main">
   <p:cSld>
@@ -7254,19 +7298,17 @@
       </p:sp>
       <p:pic>
         <p:nvPicPr>
-          <p:cNvPr id="16" name="Content Placeholder 15">
+          <p:cNvPr id="12" name="Picture 11">
             <a:extLst>
               <a:ext uri="{FF2B5EF4-FFF2-40B4-BE49-F238E27FC236}">
-                <a16:creationId xmlns:a16="http://schemas.microsoft.com/office/drawing/2014/main" id="{F59209F8-2AEE-4FDA-B97F-9AC5A9E2AF54}"/>
+                <a16:creationId xmlns:a16="http://schemas.microsoft.com/office/drawing/2014/main" id="{CB5AEBFB-1A16-4DEF-9B79-EE9825E62CF8}"/>
               </a:ext>
             </a:extLst>
           </p:cNvPr>
           <p:cNvPicPr>
-            <a:picLocks noGrp="1" noChangeAspect="1"/>
+            <a:picLocks noChangeAspect="1"/>
           </p:cNvPicPr>
-          <p:nvPr>
-            <p:ph idx="1"/>
-          </p:nvPr>
+          <p:nvPr/>
         </p:nvPicPr>
         <p:blipFill>
           <a:blip r:embed="rId2">
@@ -7282,15 +7324,54 @@
         </p:blipFill>
         <p:spPr>
           <a:xfrm>
-            <a:off x="3355969" y="2317746"/>
+            <a:off x="5792966" y="2131823"/>
             <a:ext cx="5486411" cy="3657607"/>
           </a:xfrm>
+          <a:prstGeom prst="rect">
+            <a:avLst/>
+          </a:prstGeom>
+        </p:spPr>
+      </p:pic>
+      <p:pic>
+        <p:nvPicPr>
+          <p:cNvPr id="14" name="Picture 13">
+            <a:extLst>
+              <a:ext uri="{FF2B5EF4-FFF2-40B4-BE49-F238E27FC236}">
+                <a16:creationId xmlns:a16="http://schemas.microsoft.com/office/drawing/2014/main" id="{6C94D315-2A8E-4D8D-8544-7F7E2EE5D20E}"/>
+              </a:ext>
+            </a:extLst>
+          </p:cNvPr>
+          <p:cNvPicPr>
+            <a:picLocks noChangeAspect="1"/>
+          </p:cNvPicPr>
+          <p:nvPr/>
+        </p:nvPicPr>
+        <p:blipFill>
+          <a:blip r:embed="rId3">
+            <a:extLst>
+              <a:ext uri="{28A0092B-C50C-407E-A947-70E740481C1C}">
+                <a14:useLocalDpi xmlns:a14="http://schemas.microsoft.com/office/drawing/2010/main" val="0"/>
+              </a:ext>
+            </a:extLst>
+          </a:blip>
+          <a:stretch>
+            <a:fillRect/>
+          </a:stretch>
+        </p:blipFill>
+        <p:spPr>
+          <a:xfrm>
+            <a:off x="1063751" y="1972335"/>
+            <a:ext cx="5486411" cy="3657607"/>
+          </a:xfrm>
+          <a:prstGeom prst="rect">
+            <a:avLst/>
+          </a:prstGeom>
         </p:spPr>
       </p:pic>
     </p:spTree>
     <p:extLst>
       <p:ext uri="{BB962C8B-B14F-4D97-AF65-F5344CB8AC3E}">
-        <p14:creationId xmlns:p14="http://schemas.microsoft.com/office/powerpoint/2010/main" val="2666062564"/>
+        <p14:creationId xmlns:p14="http://schemas.microsoft.com/office/powerpoint/2010/main" val="1248692691"/>
       </p:ext>
     </p:extLst>
   </p:cSld>
@@ -7353,10 +7434,10 @@
       </p:sp>
       <p:pic>
         <p:nvPicPr>
-          <p:cNvPr id="3" name="Picture 2">
+          <p:cNvPr id="5" name="Picture 4">
             <a:extLst>
               <a:ext uri="{FF2B5EF4-FFF2-40B4-BE49-F238E27FC236}">
-                <a16:creationId xmlns:a16="http://schemas.microsoft.com/office/drawing/2014/main" id="{BC14D39E-557F-4393-8796-0BA5BB935394}"/>
+                <a16:creationId xmlns:a16="http://schemas.microsoft.com/office/drawing/2014/main" id="{F2AD5FA3-6CFE-4E32-996C-3E7AEF163CAA}"/>
               </a:ext>
             </a:extLst>
           </p:cNvPr>
@@ -7379,8 +7460,8 @@
         </p:blipFill>
         <p:spPr>
           <a:xfrm>
-            <a:off x="2122819" y="1990768"/>
-            <a:ext cx="7409269" cy="4670530"/>
+            <a:off x="2636874" y="1890233"/>
+            <a:ext cx="6682563" cy="4455042"/>
           </a:xfrm>
           <a:prstGeom prst="rect">
             <a:avLst/>
@@ -7390,7 +7471,7 @@
     </p:spTree>
     <p:extLst>
       <p:ext uri="{BB962C8B-B14F-4D97-AF65-F5344CB8AC3E}">
-        <p14:creationId xmlns:p14="http://schemas.microsoft.com/office/powerpoint/2010/main" val="2067117052"/>
+        <p14:creationId xmlns:p14="http://schemas.microsoft.com/office/powerpoint/2010/main" val="1742898796"/>
       </p:ext>
     </p:extLst>
   </p:cSld>

--- a/Predictive_Author_Presentation.pptx
+++ b/Predictive_Author_Presentation.pptx
@@ -8,17 +8,17 @@
     <p:sldId id="256" r:id="rId2"/>
     <p:sldId id="258" r:id="rId3"/>
     <p:sldId id="270" r:id="rId4"/>
-    <p:sldId id="259" r:id="rId5"/>
-    <p:sldId id="271" r:id="rId6"/>
-    <p:sldId id="273" r:id="rId7"/>
-    <p:sldId id="272" r:id="rId8"/>
-    <p:sldId id="274" r:id="rId9"/>
-    <p:sldId id="275" r:id="rId10"/>
-    <p:sldId id="279" r:id="rId11"/>
-    <p:sldId id="280" r:id="rId12"/>
-    <p:sldId id="276" r:id="rId13"/>
-    <p:sldId id="281" r:id="rId14"/>
-    <p:sldId id="277" r:id="rId15"/>
+    <p:sldId id="271" r:id="rId5"/>
+    <p:sldId id="272" r:id="rId6"/>
+    <p:sldId id="274" r:id="rId7"/>
+    <p:sldId id="275" r:id="rId8"/>
+    <p:sldId id="279" r:id="rId9"/>
+    <p:sldId id="280" r:id="rId10"/>
+    <p:sldId id="276" r:id="rId11"/>
+    <p:sldId id="273" r:id="rId12"/>
+    <p:sldId id="281" r:id="rId13"/>
+    <p:sldId id="259" r:id="rId14"/>
+    <p:sldId id="287" r:id="rId15"/>
     <p:sldId id="278" r:id="rId16"/>
     <p:sldId id="282" r:id="rId17"/>
     <p:sldId id="283" r:id="rId18"/>
@@ -125,7 +125,7 @@
   </p:defaultTextStyle>
   <p:extLst>
     <p:ext uri="{EFAFB233-063F-42B5-8137-9DF3F51BA10A}">
-      <p15:sldGuideLst xmlns:p15="http://schemas.microsoft.com/office/powerpoint/2012/main" xmlns=""/>
+      <p15:sldGuideLst xmlns:p15="http://schemas.microsoft.com/office/powerpoint/2012/main"/>
     </p:ext>
   </p:extLst>
 </p:presentation>
@@ -538,7 +538,7 @@
           <a:p>
             <a:fld id="{005806F1-D16A-4C27-A1BB-B8B7CB5A8967}" type="datetimeFigureOut">
               <a:rPr lang="en-US" smtClean="0"/>
-              <a:t>12/8/17</a:t>
+              <a:t>12/8/2017</a:t>
             </a:fld>
             <a:endParaRPr lang="en-US"/>
           </a:p>
@@ -717,7 +717,7 @@
           <a:p>
             <a:fld id="{005806F1-D16A-4C27-A1BB-B8B7CB5A8967}" type="datetimeFigureOut">
               <a:rPr lang="en-US" smtClean="0"/>
-              <a:t>12/8/17</a:t>
+              <a:t>12/8/2017</a:t>
             </a:fld>
             <a:endParaRPr lang="en-US"/>
           </a:p>
@@ -897,7 +897,7 @@
           <a:p>
             <a:fld id="{005806F1-D16A-4C27-A1BB-B8B7CB5A8967}" type="datetimeFigureOut">
               <a:rPr lang="en-US" smtClean="0"/>
-              <a:t>12/8/17</a:t>
+              <a:t>12/8/2017</a:t>
             </a:fld>
             <a:endParaRPr lang="en-US"/>
           </a:p>
@@ -1067,7 +1067,7 @@
           <a:p>
             <a:fld id="{005806F1-D16A-4C27-A1BB-B8B7CB5A8967}" type="datetimeFigureOut">
               <a:rPr lang="en-US" smtClean="0"/>
-              <a:t>12/8/17</a:t>
+              <a:t>12/8/2017</a:t>
             </a:fld>
             <a:endParaRPr lang="en-US"/>
           </a:p>
@@ -1380,7 +1380,7 @@
           <a:p>
             <a:fld id="{005806F1-D16A-4C27-A1BB-B8B7CB5A8967}" type="datetimeFigureOut">
               <a:rPr lang="en-US" smtClean="0"/>
-              <a:t>12/8/17</a:t>
+              <a:t>12/8/2017</a:t>
             </a:fld>
             <a:endParaRPr lang="en-US"/>
           </a:p>
@@ -1766,7 +1766,7 @@
           <a:p>
             <a:fld id="{005806F1-D16A-4C27-A1BB-B8B7CB5A8967}" type="datetimeFigureOut">
               <a:rPr lang="en-US" smtClean="0"/>
-              <a:t>12/8/17</a:t>
+              <a:t>12/8/2017</a:t>
             </a:fld>
             <a:endParaRPr lang="en-US"/>
           </a:p>
@@ -2200,7 +2200,7 @@
           <a:p>
             <a:fld id="{005806F1-D16A-4C27-A1BB-B8B7CB5A8967}" type="datetimeFigureOut">
               <a:rPr lang="en-US" smtClean="0"/>
-              <a:t>12/8/17</a:t>
+              <a:t>12/8/2017</a:t>
             </a:fld>
             <a:endParaRPr lang="en-US"/>
           </a:p>
@@ -2318,7 +2318,7 @@
           <a:p>
             <a:fld id="{005806F1-D16A-4C27-A1BB-B8B7CB5A8967}" type="datetimeFigureOut">
               <a:rPr lang="en-US" smtClean="0"/>
-              <a:t>12/8/17</a:t>
+              <a:t>12/8/2017</a:t>
             </a:fld>
             <a:endParaRPr lang="en-US"/>
           </a:p>
@@ -2413,7 +2413,7 @@
           <a:p>
             <a:fld id="{005806F1-D16A-4C27-A1BB-B8B7CB5A8967}" type="datetimeFigureOut">
               <a:rPr lang="en-US" smtClean="0"/>
-              <a:t>12/8/17</a:t>
+              <a:t>12/8/2017</a:t>
             </a:fld>
             <a:endParaRPr lang="en-US"/>
           </a:p>
@@ -2763,7 +2763,7 @@
           <a:p>
             <a:fld id="{005806F1-D16A-4C27-A1BB-B8B7CB5A8967}" type="datetimeFigureOut">
               <a:rPr lang="en-US" smtClean="0"/>
-              <a:t>12/8/17</a:t>
+              <a:t>12/8/2017</a:t>
             </a:fld>
             <a:endParaRPr lang="en-US"/>
           </a:p>
@@ -3188,7 +3188,7 @@
           <a:p>
             <a:fld id="{005806F1-D16A-4C27-A1BB-B8B7CB5A8967}" type="datetimeFigureOut">
               <a:rPr lang="en-US" smtClean="0"/>
-              <a:t>12/8/17</a:t>
+              <a:t>12/8/2017</a:t>
             </a:fld>
             <a:endParaRPr lang="en-US"/>
           </a:p>
@@ -3469,7 +3469,7 @@
           <a:p>
             <a:fld id="{005806F1-D16A-4C27-A1BB-B8B7CB5A8967}" type="datetimeFigureOut">
               <a:rPr lang="en-US" smtClean="0"/>
-              <a:t>12/8/17</a:t>
+              <a:t>12/8/2017</a:t>
             </a:fld>
             <a:endParaRPr lang="en-US"/>
           </a:p>
@@ -4050,7 +4050,7 @@
           <p:cNvPr id="2" name="Title 1">
             <a:extLst>
               <a:ext uri="{FF2B5EF4-FFF2-40B4-BE49-F238E27FC236}">
-                <a16:creationId xmlns:a16="http://schemas.microsoft.com/office/drawing/2014/main" xmlns="" id="{F6EAAF36-58B3-4CDD-837E-2F7C369D02DB}"/>
+                <a16:creationId xmlns:a16="http://schemas.microsoft.com/office/drawing/2014/main" id="{F6EAAF36-58B3-4CDD-837E-2F7C369D02DB}"/>
               </a:ext>
             </a:extLst>
           </p:cNvPr>
@@ -4087,7 +4087,7 @@
           <p:cNvPr id="5" name="Graphic 4" descr="Bats">
             <a:extLst>
               <a:ext uri="{FF2B5EF4-FFF2-40B4-BE49-F238E27FC236}">
-                <a16:creationId xmlns:a16="http://schemas.microsoft.com/office/drawing/2014/main" xmlns="" id="{AE7E083E-601C-4572-9E8A-9C1514BAF494}"/>
+                <a16:creationId xmlns:a16="http://schemas.microsoft.com/office/drawing/2014/main" id="{AE7E083E-601C-4572-9E8A-9C1514BAF494}"/>
               </a:ext>
             </a:extLst>
           </p:cNvPr>
@@ -4103,7 +4103,7 @@
                 <a14:useLocalDpi xmlns:a14="http://schemas.microsoft.com/office/drawing/2010/main" val="0"/>
               </a:ext>
               <a:ext uri="{96DAC541-7B7A-43D3-8B79-37D633B846F1}">
-                <asvg:svgBlip xmlns:asvg="http://schemas.microsoft.com/office/drawing/2016/SVG/main" xmlns="" r:embed="rId3"/>
+                <asvg:svgBlip xmlns:asvg="http://schemas.microsoft.com/office/drawing/2016/SVG/main" r:embed="rId3"/>
               </a:ext>
             </a:extLst>
           </a:blip>
@@ -4126,7 +4126,7 @@
           <p:cNvPr id="9" name="Picture 8">
             <a:extLst>
               <a:ext uri="{FF2B5EF4-FFF2-40B4-BE49-F238E27FC236}">
-                <a16:creationId xmlns:a16="http://schemas.microsoft.com/office/drawing/2014/main" xmlns="" id="{8C70DE9F-080D-4358-BB77-78CA810A1EED}"/>
+                <a16:creationId xmlns:a16="http://schemas.microsoft.com/office/drawing/2014/main" id="{8C70DE9F-080D-4358-BB77-78CA810A1EED}"/>
               </a:ext>
             </a:extLst>
           </p:cNvPr>
@@ -4142,7 +4142,7 @@
                 <a14:useLocalDpi xmlns:a14="http://schemas.microsoft.com/office/drawing/2010/main" val="0"/>
               </a:ext>
               <a:ext uri="{837473B0-CC2E-450A-ABE3-18F120FF3D39}">
-                <a1611:picAttrSrcUrl xmlns:a1611="http://schemas.microsoft.com/office/drawing/2016/11/main" xmlns="" r:id="rId5"/>
+                <a1611:picAttrSrcUrl xmlns:a1611="http://schemas.microsoft.com/office/drawing/2016/11/main" r:id="rId5"/>
               </a:ext>
             </a:extLst>
           </a:blip>
@@ -4165,7 +4165,7 @@
           <p:cNvPr id="3" name="Rectangle 2">
             <a:extLst>
               <a:ext uri="{FF2B5EF4-FFF2-40B4-BE49-F238E27FC236}">
-                <a16:creationId xmlns:a16="http://schemas.microsoft.com/office/drawing/2014/main" xmlns="" id="{946CEDEB-0BA8-4F70-8416-E180E7FCB9C8}"/>
+                <a16:creationId xmlns:a16="http://schemas.microsoft.com/office/drawing/2014/main" id="{946CEDEB-0BA8-4F70-8416-E180E7FCB9C8}"/>
               </a:ext>
             </a:extLst>
           </p:cNvPr>
@@ -4256,10 +4256,10 @@
       </p:grpSpPr>
       <p:sp>
         <p:nvSpPr>
-          <p:cNvPr id="4" name="Title 1">
+          <p:cNvPr id="2" name="Title 1">
             <a:extLst>
               <a:ext uri="{FF2B5EF4-FFF2-40B4-BE49-F238E27FC236}">
-                <a16:creationId xmlns:a16="http://schemas.microsoft.com/office/drawing/2014/main" xmlns="" id="{99D4A6ED-0001-4721-9D85-4EA19BEC6117}"/>
+                <a16:creationId xmlns:a16="http://schemas.microsoft.com/office/drawing/2014/main" id="{D9B50E4D-3F67-4D71-8B15-EFDDCEC9A036}"/>
               </a:ext>
             </a:extLst>
           </p:cNvPr>
@@ -4273,34 +4273,32 @@
         <p:spPr/>
         <p:txBody>
           <a:bodyPr>
-            <a:noAutofit/>
+            <a:normAutofit/>
           </a:bodyPr>
           <a:lstStyle/>
           <a:p>
             <a:r>
-              <a:rPr lang="en-US" sz="4400" dirty="0"/>
-              <a:t>How does each author vary with respect to basic sentence structure &amp; vocabulary?</a:t>
-            </a:r>
-            <a:br>
-              <a:rPr lang="en-US" sz="4400" dirty="0"/>
-            </a:br>
-            <a:endParaRPr lang="en-US" sz="4400" dirty="0"/>
+              <a:rPr lang="en-US" dirty="0"/>
+              <a:t>What are the sentiment scores for each author?</a:t>
+            </a:r>
           </a:p>
         </p:txBody>
       </p:sp>
       <p:pic>
         <p:nvPicPr>
-          <p:cNvPr id="12" name="Picture 11">
+          <p:cNvPr id="9" name="Content Placeholder 8">
             <a:extLst>
               <a:ext uri="{FF2B5EF4-FFF2-40B4-BE49-F238E27FC236}">
-                <a16:creationId xmlns:a16="http://schemas.microsoft.com/office/drawing/2014/main" xmlns="" id="{CB5AEBFB-1A16-4DEF-9B79-EE9825E62CF8}"/>
+                <a16:creationId xmlns:a16="http://schemas.microsoft.com/office/drawing/2014/main" id="{6C5668C7-4353-4B89-8117-22FA47B385BD}"/>
               </a:ext>
             </a:extLst>
           </p:cNvPr>
           <p:cNvPicPr>
-            <a:picLocks noChangeAspect="1"/>
+            <a:picLocks noGrp="1" noChangeAspect="1"/>
           </p:cNvPicPr>
-          <p:nvPr/>
+          <p:nvPr>
+            <p:ph idx="1"/>
+          </p:nvPr>
         </p:nvPicPr>
         <p:blipFill>
           <a:blip r:embed="rId2">
@@ -4316,54 +4314,15 @@
         </p:blipFill>
         <p:spPr>
           <a:xfrm>
-            <a:off x="5792966" y="2131823"/>
-            <a:ext cx="5486411" cy="3657607"/>
+            <a:off x="2047875" y="2120900"/>
+            <a:ext cx="8102600" cy="4051300"/>
           </a:xfrm>
-          <a:prstGeom prst="rect">
-            <a:avLst/>
-          </a:prstGeom>
-        </p:spPr>
-      </p:pic>
-      <p:pic>
-        <p:nvPicPr>
-          <p:cNvPr id="14" name="Picture 13">
-            <a:extLst>
-              <a:ext uri="{FF2B5EF4-FFF2-40B4-BE49-F238E27FC236}">
-                <a16:creationId xmlns:a16="http://schemas.microsoft.com/office/drawing/2014/main" xmlns="" id="{6C94D315-2A8E-4D8D-8544-7F7E2EE5D20E}"/>
-              </a:ext>
-            </a:extLst>
-          </p:cNvPr>
-          <p:cNvPicPr>
-            <a:picLocks noChangeAspect="1"/>
-          </p:cNvPicPr>
-          <p:nvPr/>
-        </p:nvPicPr>
-        <p:blipFill>
-          <a:blip r:embed="rId3">
-            <a:extLst>
-              <a:ext uri="{28A0092B-C50C-407E-A947-70E740481C1C}">
-                <a14:useLocalDpi xmlns:a14="http://schemas.microsoft.com/office/drawing/2010/main" val="0"/>
-              </a:ext>
-            </a:extLst>
-          </a:blip>
-          <a:stretch>
-            <a:fillRect/>
-          </a:stretch>
-        </p:blipFill>
-        <p:spPr>
-          <a:xfrm>
-            <a:off x="1063751" y="1972335"/>
-            <a:ext cx="5486411" cy="3657607"/>
-          </a:xfrm>
-          <a:prstGeom prst="rect">
-            <a:avLst/>
-          </a:prstGeom>
         </p:spPr>
       </p:pic>
     </p:spTree>
     <p:extLst>
       <p:ext uri="{BB962C8B-B14F-4D97-AF65-F5344CB8AC3E}">
-        <p14:creationId xmlns:p14="http://schemas.microsoft.com/office/powerpoint/2010/main" val="1248692691"/>
+        <p14:creationId xmlns:p14="http://schemas.microsoft.com/office/powerpoint/2010/main" val="3268404759"/>
       </p:ext>
     </p:extLst>
   </p:cSld>
@@ -4395,7 +4354,7 @@
           <p:cNvPr id="4" name="Title 1">
             <a:extLst>
               <a:ext uri="{FF2B5EF4-FFF2-40B4-BE49-F238E27FC236}">
-                <a16:creationId xmlns:a16="http://schemas.microsoft.com/office/drawing/2014/main" xmlns="" id="{99D4A6ED-0001-4721-9D85-4EA19BEC6117}"/>
+                <a16:creationId xmlns:a16="http://schemas.microsoft.com/office/drawing/2014/main" id="{99D4A6ED-0001-4721-9D85-4EA19BEC6117}"/>
               </a:ext>
             </a:extLst>
           </p:cNvPr>
@@ -4426,17 +4385,19 @@
       </p:sp>
       <p:pic>
         <p:nvPicPr>
-          <p:cNvPr id="5" name="Picture 4">
+          <p:cNvPr id="6" name="Content Placeholder 5">
             <a:extLst>
               <a:ext uri="{FF2B5EF4-FFF2-40B4-BE49-F238E27FC236}">
-                <a16:creationId xmlns:a16="http://schemas.microsoft.com/office/drawing/2014/main" xmlns="" id="{F2AD5FA3-6CFE-4E32-996C-3E7AEF163CAA}"/>
+                <a16:creationId xmlns:a16="http://schemas.microsoft.com/office/drawing/2014/main" id="{57C68876-9234-4E01-AAB1-B2413D999BF5}"/>
               </a:ext>
             </a:extLst>
           </p:cNvPr>
           <p:cNvPicPr>
-            <a:picLocks noChangeAspect="1"/>
+            <a:picLocks noGrp="1" noChangeAspect="1"/>
           </p:cNvPicPr>
-          <p:nvPr/>
+          <p:nvPr>
+            <p:ph idx="1"/>
+          </p:nvPr>
         </p:nvPicPr>
         <p:blipFill>
           <a:blip r:embed="rId2">
@@ -4452,18 +4413,15 @@
         </p:blipFill>
         <p:spPr>
           <a:xfrm>
-            <a:off x="3310264" y="2339159"/>
-            <a:ext cx="5486411" cy="3657607"/>
+            <a:off x="2865474" y="1586168"/>
+            <a:ext cx="6536624" cy="5229299"/>
           </a:xfrm>
-          <a:prstGeom prst="rect">
-            <a:avLst/>
-          </a:prstGeom>
         </p:spPr>
       </p:pic>
     </p:spTree>
     <p:extLst>
       <p:ext uri="{BB962C8B-B14F-4D97-AF65-F5344CB8AC3E}">
-        <p14:creationId xmlns:p14="http://schemas.microsoft.com/office/powerpoint/2010/main" val="1742898796"/>
+        <p14:creationId xmlns:p14="http://schemas.microsoft.com/office/powerpoint/2010/main" val="4100387689"/>
       </p:ext>
     </p:extLst>
   </p:cSld>
@@ -4495,102 +4453,7 @@
           <p:cNvPr id="2" name="Title 1">
             <a:extLst>
               <a:ext uri="{FF2B5EF4-FFF2-40B4-BE49-F238E27FC236}">
-                <a16:creationId xmlns:a16="http://schemas.microsoft.com/office/drawing/2014/main" xmlns="" id="{D9B50E4D-3F67-4D71-8B15-EFDDCEC9A036}"/>
-              </a:ext>
-            </a:extLst>
-          </p:cNvPr>
-          <p:cNvSpPr>
-            <a:spLocks noGrp="1"/>
-          </p:cNvSpPr>
-          <p:nvPr>
-            <p:ph type="title"/>
-          </p:nvPr>
-        </p:nvSpPr>
-        <p:spPr/>
-        <p:txBody>
-          <a:bodyPr>
-            <a:normAutofit fontScale="90000"/>
-          </a:bodyPr>
-          <a:lstStyle/>
-          <a:p>
-            <a:r>
-              <a:rPr lang="en-US" dirty="0"/>
-              <a:t>What are the sentiment scores for each author?</a:t>
-            </a:r>
-          </a:p>
-        </p:txBody>
-      </p:sp>
-      <p:pic>
-        <p:nvPicPr>
-          <p:cNvPr id="9" name="Content Placeholder 8">
-            <a:extLst>
-              <a:ext uri="{FF2B5EF4-FFF2-40B4-BE49-F238E27FC236}">
-                <a16:creationId xmlns:a16="http://schemas.microsoft.com/office/drawing/2014/main" xmlns="" id="{6C5668C7-4353-4B89-8117-22FA47B385BD}"/>
-              </a:ext>
-            </a:extLst>
-          </p:cNvPr>
-          <p:cNvPicPr>
-            <a:picLocks noGrp="1" noChangeAspect="1"/>
-          </p:cNvPicPr>
-          <p:nvPr>
-            <p:ph idx="1"/>
-          </p:nvPr>
-        </p:nvPicPr>
-        <p:blipFill>
-          <a:blip r:embed="rId2">
-            <a:extLst>
-              <a:ext uri="{28A0092B-C50C-407E-A947-70E740481C1C}">
-                <a14:useLocalDpi xmlns:a14="http://schemas.microsoft.com/office/drawing/2010/main" val="0"/>
-              </a:ext>
-            </a:extLst>
-          </a:blip>
-          <a:stretch>
-            <a:fillRect/>
-          </a:stretch>
-        </p:blipFill>
-        <p:spPr>
-          <a:xfrm>
-            <a:off x="2047875" y="2120900"/>
-            <a:ext cx="8102600" cy="4051300"/>
-          </a:xfrm>
-        </p:spPr>
-      </p:pic>
-    </p:spTree>
-    <p:extLst>
-      <p:ext uri="{BB962C8B-B14F-4D97-AF65-F5344CB8AC3E}">
-        <p14:creationId xmlns:p14="http://schemas.microsoft.com/office/powerpoint/2010/main" val="3268404759"/>
-      </p:ext>
-    </p:extLst>
-  </p:cSld>
-  <p:clrMapOvr>
-    <a:masterClrMapping/>
-  </p:clrMapOvr>
-</p:sld>
-</file>
-
-<file path=ppt/slides/slide13.xml><?xml version="1.0" encoding="utf-8"?>
-<p:sld xmlns:a="http://schemas.openxmlformats.org/drawingml/2006/main" xmlns:r="http://schemas.openxmlformats.org/officeDocument/2006/relationships" xmlns:p="http://schemas.openxmlformats.org/presentationml/2006/main">
-  <p:cSld>
-    <p:spTree>
-      <p:nvGrpSpPr>
-        <p:cNvPr id="1" name=""/>
-        <p:cNvGrpSpPr/>
-        <p:nvPr/>
-      </p:nvGrpSpPr>
-      <p:grpSpPr>
-        <a:xfrm>
-          <a:off x="0" y="0"/>
-          <a:ext cx="0" cy="0"/>
-          <a:chOff x="0" y="0"/>
-          <a:chExt cx="0" cy="0"/>
-        </a:xfrm>
-      </p:grpSpPr>
-      <p:sp>
-        <p:nvSpPr>
-          <p:cNvPr id="2" name="Title 1">
-            <a:extLst>
-              <a:ext uri="{FF2B5EF4-FFF2-40B4-BE49-F238E27FC236}">
-                <a16:creationId xmlns:a16="http://schemas.microsoft.com/office/drawing/2014/main" xmlns="" id="{7FC98960-DEB0-40AC-9720-EE0FA29001CE}"/>
+                <a16:creationId xmlns:a16="http://schemas.microsoft.com/office/drawing/2014/main" id="{7FC98960-DEB0-40AC-9720-EE0FA29001CE}"/>
               </a:ext>
             </a:extLst>
           </p:cNvPr>
@@ -4618,7 +4481,7 @@
           <p:cNvPr id="8" name="Content Placeholder 7">
             <a:extLst>
               <a:ext uri="{FF2B5EF4-FFF2-40B4-BE49-F238E27FC236}">
-                <a16:creationId xmlns:a16="http://schemas.microsoft.com/office/drawing/2014/main" xmlns="" id="{8B6B5A59-D975-4400-A3A5-01FB1CD1C860}"/>
+                <a16:creationId xmlns:a16="http://schemas.microsoft.com/office/drawing/2014/main" id="{8B6B5A59-D975-4400-A3A5-01FB1CD1C860}"/>
               </a:ext>
             </a:extLst>
           </p:cNvPr>
@@ -4648,56 +4511,56 @@
                 <a:gridCol w="334928">
                   <a:extLst>
                     <a:ext uri="{9D8B030D-6E8A-4147-A177-3AD203B41FA5}">
-                      <a16:colId xmlns:a16="http://schemas.microsoft.com/office/drawing/2014/main" xmlns="" val="3232635992"/>
+                      <a16:colId xmlns:a16="http://schemas.microsoft.com/office/drawing/2014/main" val="3232635992"/>
                     </a:ext>
                   </a:extLst>
                 </a:gridCol>
                 <a:gridCol w="1653363">
                   <a:extLst>
                     <a:ext uri="{9D8B030D-6E8A-4147-A177-3AD203B41FA5}">
-                      <a16:colId xmlns:a16="http://schemas.microsoft.com/office/drawing/2014/main" xmlns="" val="909031098"/>
+                      <a16:colId xmlns:a16="http://schemas.microsoft.com/office/drawing/2014/main" val="909031098"/>
                     </a:ext>
                   </a:extLst>
                 </a:gridCol>
                 <a:gridCol w="1780953">
                   <a:extLst>
                     <a:ext uri="{9D8B030D-6E8A-4147-A177-3AD203B41FA5}">
-                      <a16:colId xmlns:a16="http://schemas.microsoft.com/office/drawing/2014/main" xmlns="" val="3030997802"/>
+                      <a16:colId xmlns:a16="http://schemas.microsoft.com/office/drawing/2014/main" val="3030997802"/>
                     </a:ext>
                   </a:extLst>
                 </a:gridCol>
                 <a:gridCol w="1520456">
                   <a:extLst>
                     <a:ext uri="{9D8B030D-6E8A-4147-A177-3AD203B41FA5}">
-                      <a16:colId xmlns:a16="http://schemas.microsoft.com/office/drawing/2014/main" xmlns="" val="2939355599"/>
+                      <a16:colId xmlns:a16="http://schemas.microsoft.com/office/drawing/2014/main" val="2939355599"/>
                     </a:ext>
                   </a:extLst>
                 </a:gridCol>
                 <a:gridCol w="1661335">
                   <a:extLst>
                     <a:ext uri="{9D8B030D-6E8A-4147-A177-3AD203B41FA5}">
-                      <a16:colId xmlns:a16="http://schemas.microsoft.com/office/drawing/2014/main" xmlns="" val="934262141"/>
+                      <a16:colId xmlns:a16="http://schemas.microsoft.com/office/drawing/2014/main" val="934262141"/>
                     </a:ext>
                   </a:extLst>
                 </a:gridCol>
                 <a:gridCol w="1390207">
                   <a:extLst>
                     <a:ext uri="{9D8B030D-6E8A-4147-A177-3AD203B41FA5}">
-                      <a16:colId xmlns:a16="http://schemas.microsoft.com/office/drawing/2014/main" xmlns="" val="2864717468"/>
+                      <a16:colId xmlns:a16="http://schemas.microsoft.com/office/drawing/2014/main" val="2864717468"/>
                     </a:ext>
                   </a:extLst>
                 </a:gridCol>
                 <a:gridCol w="1390207">
                   <a:extLst>
                     <a:ext uri="{9D8B030D-6E8A-4147-A177-3AD203B41FA5}">
-                      <a16:colId xmlns:a16="http://schemas.microsoft.com/office/drawing/2014/main" xmlns="" val="2322435075"/>
+                      <a16:colId xmlns:a16="http://schemas.microsoft.com/office/drawing/2014/main" val="2322435075"/>
                     </a:ext>
                   </a:extLst>
                 </a:gridCol>
                 <a:gridCol w="1390207">
                   <a:extLst>
                     <a:ext uri="{9D8B030D-6E8A-4147-A177-3AD203B41FA5}">
-                      <a16:colId xmlns:a16="http://schemas.microsoft.com/office/drawing/2014/main" xmlns="" val="1875610806"/>
+                      <a16:colId xmlns:a16="http://schemas.microsoft.com/office/drawing/2014/main" val="1875610806"/>
                     </a:ext>
                   </a:extLst>
                 </a:gridCol>
@@ -4883,7 +4746,7 @@
                 </a:tc>
                 <a:extLst>
                   <a:ext uri="{0D108BD9-81ED-4DB2-BD59-A6C34878D82A}">
-                    <a16:rowId xmlns:a16="http://schemas.microsoft.com/office/drawing/2014/main" xmlns="" val="3535935731"/>
+                    <a16:rowId xmlns:a16="http://schemas.microsoft.com/office/drawing/2014/main" val="3535935731"/>
                   </a:ext>
                 </a:extLst>
               </a:tr>
@@ -5074,7 +4937,7 @@
                 </a:tc>
                 <a:extLst>
                   <a:ext uri="{0D108BD9-81ED-4DB2-BD59-A6C34878D82A}">
-                    <a16:rowId xmlns:a16="http://schemas.microsoft.com/office/drawing/2014/main" xmlns="" val="459183683"/>
+                    <a16:rowId xmlns:a16="http://schemas.microsoft.com/office/drawing/2014/main" val="459183683"/>
                   </a:ext>
                 </a:extLst>
               </a:tr>
@@ -5265,7 +5128,7 @@
                 </a:tc>
                 <a:extLst>
                   <a:ext uri="{0D108BD9-81ED-4DB2-BD59-A6C34878D82A}">
-                    <a16:rowId xmlns:a16="http://schemas.microsoft.com/office/drawing/2014/main" xmlns="" val="2333389338"/>
+                    <a16:rowId xmlns:a16="http://schemas.microsoft.com/office/drawing/2014/main" val="2333389338"/>
                   </a:ext>
                 </a:extLst>
               </a:tr>
@@ -5278,7 +5141,7 @@
           <p:cNvPr id="9" name="Rectangle 8">
             <a:extLst>
               <a:ext uri="{FF2B5EF4-FFF2-40B4-BE49-F238E27FC236}">
-                <a16:creationId xmlns:a16="http://schemas.microsoft.com/office/drawing/2014/main" xmlns="" id="{B3DE81D5-0EB8-4899-9A6C-1F7F74FC803A}"/>
+                <a16:creationId xmlns:a16="http://schemas.microsoft.com/office/drawing/2014/main" id="{B3DE81D5-0EB8-4899-9A6C-1F7F74FC803A}"/>
               </a:ext>
             </a:extLst>
           </p:cNvPr>
@@ -5326,7 +5189,7 @@
           <p:cNvPr id="10" name="Rectangle 9">
             <a:extLst>
               <a:ext uri="{FF2B5EF4-FFF2-40B4-BE49-F238E27FC236}">
-                <a16:creationId xmlns:a16="http://schemas.microsoft.com/office/drawing/2014/main" xmlns="" id="{E86217E2-5272-4E11-A840-0459ADC57961}"/>
+                <a16:creationId xmlns:a16="http://schemas.microsoft.com/office/drawing/2014/main" id="{E86217E2-5272-4E11-A840-0459ADC57961}"/>
               </a:ext>
             </a:extLst>
           </p:cNvPr>
@@ -5374,7 +5237,7 @@
           <p:cNvPr id="11" name="Rectangle 10">
             <a:extLst>
               <a:ext uri="{FF2B5EF4-FFF2-40B4-BE49-F238E27FC236}">
-                <a16:creationId xmlns:a16="http://schemas.microsoft.com/office/drawing/2014/main" xmlns="" id="{D5A4EEF2-9D44-40B8-A08A-C68EDAEB3B64}"/>
+                <a16:creationId xmlns:a16="http://schemas.microsoft.com/office/drawing/2014/main" id="{D5A4EEF2-9D44-40B8-A08A-C68EDAEB3B64}"/>
               </a:ext>
             </a:extLst>
           </p:cNvPr>
@@ -5430,6 +5293,110 @@
 </p:sld>
 </file>
 
+<file path=ppt/slides/slide13.xml><?xml version="1.0" encoding="utf-8"?>
+<p:sld xmlns:a="http://schemas.openxmlformats.org/drawingml/2006/main" xmlns:r="http://schemas.openxmlformats.org/officeDocument/2006/relationships" xmlns:p="http://schemas.openxmlformats.org/presentationml/2006/main">
+  <p:cSld>
+    <p:spTree>
+      <p:nvGrpSpPr>
+        <p:cNvPr id="1" name=""/>
+        <p:cNvGrpSpPr/>
+        <p:nvPr/>
+      </p:nvGrpSpPr>
+      <p:grpSpPr>
+        <a:xfrm>
+          <a:off x="0" y="0"/>
+          <a:ext cx="0" cy="0"/>
+          <a:chOff x="0" y="0"/>
+          <a:chExt cx="0" cy="0"/>
+        </a:xfrm>
+      </p:grpSpPr>
+      <p:sp>
+        <p:nvSpPr>
+          <p:cNvPr id="2" name="Title 1">
+            <a:extLst>
+              <a:ext uri="{FF2B5EF4-FFF2-40B4-BE49-F238E27FC236}">
+                <a16:creationId xmlns:a16="http://schemas.microsoft.com/office/drawing/2014/main" id="{8DCA91CB-CBB2-4E50-A4C6-A799D7E2A3E3}"/>
+              </a:ext>
+            </a:extLst>
+          </p:cNvPr>
+          <p:cNvSpPr>
+            <a:spLocks noGrp="1"/>
+          </p:cNvSpPr>
+          <p:nvPr>
+            <p:ph type="title"/>
+          </p:nvPr>
+        </p:nvSpPr>
+        <p:spPr/>
+        <p:txBody>
+          <a:bodyPr/>
+          <a:lstStyle/>
+          <a:p>
+            <a:r>
+              <a:rPr lang="en-US" dirty="0"/>
+              <a:t>NLTK (Natural Language Toolkit)</a:t>
+            </a:r>
+          </a:p>
+        </p:txBody>
+      </p:sp>
+      <p:sp>
+        <p:nvSpPr>
+          <p:cNvPr id="3" name="Content Placeholder 2">
+            <a:extLst>
+              <a:ext uri="{FF2B5EF4-FFF2-40B4-BE49-F238E27FC236}">
+                <a16:creationId xmlns:a16="http://schemas.microsoft.com/office/drawing/2014/main" id="{0AE87738-4D7D-4C1B-A10E-09B1EC98B34F}"/>
+              </a:ext>
+            </a:extLst>
+          </p:cNvPr>
+          <p:cNvSpPr>
+            <a:spLocks noGrp="1"/>
+          </p:cNvSpPr>
+          <p:nvPr>
+            <p:ph idx="1"/>
+          </p:nvPr>
+        </p:nvSpPr>
+        <p:spPr/>
+        <p:txBody>
+          <a:bodyPr/>
+          <a:lstStyle/>
+          <a:p>
+            <a:r>
+              <a:rPr lang="en-US" dirty="0"/>
+              <a:t>‘NLTK is a leading platform for building Python programs to work with human language data. It provides … text processing libraries for classification, tokenization, stemming, tagging, parsing, and semantic reasoning, [and] wrappers for industrial-strength NLP libraries...’</a:t>
+            </a:r>
+          </a:p>
+          <a:p>
+            <a:r>
+              <a:rPr lang="en-US" dirty="0"/>
+              <a:t>Free &amp; open source</a:t>
+            </a:r>
+          </a:p>
+          <a:p>
+            <a:r>
+              <a:rPr lang="en-US" dirty="0"/>
+              <a:t>http://www.nltk.org/</a:t>
+            </a:r>
+          </a:p>
+          <a:p>
+            <a:pPr marL="0" indent="0">
+              <a:buNone/>
+            </a:pPr>
+            <a:endParaRPr lang="en-US" dirty="0"/>
+          </a:p>
+        </p:txBody>
+      </p:sp>
+    </p:spTree>
+    <p:extLst>
+      <p:ext uri="{BB962C8B-B14F-4D97-AF65-F5344CB8AC3E}">
+        <p14:creationId xmlns:p14="http://schemas.microsoft.com/office/powerpoint/2010/main" val="1550111879"/>
+      </p:ext>
+    </p:extLst>
+  </p:cSld>
+  <p:clrMapOvr>
+    <a:masterClrMapping/>
+  </p:clrMapOvr>
+</p:sld>
+</file>
+
 <file path=ppt/slides/slide14.xml><?xml version="1.0" encoding="utf-8"?>
 <p:sld xmlns:a="http://schemas.openxmlformats.org/drawingml/2006/main" xmlns:r="http://schemas.openxmlformats.org/officeDocument/2006/relationships" xmlns:p="http://schemas.openxmlformats.org/presentationml/2006/main">
   <p:cSld>
@@ -5452,7 +5419,7 @@
           <p:cNvPr id="2" name="Title 1">
             <a:extLst>
               <a:ext uri="{FF2B5EF4-FFF2-40B4-BE49-F238E27FC236}">
-                <a16:creationId xmlns:a16="http://schemas.microsoft.com/office/drawing/2014/main" xmlns="" id="{D9B50E4D-3F67-4D71-8B15-EFDDCEC9A036}"/>
+                <a16:creationId xmlns:a16="http://schemas.microsoft.com/office/drawing/2014/main" id="{D9B50E4D-3F67-4D71-8B15-EFDDCEC9A036}"/>
               </a:ext>
             </a:extLst>
           </p:cNvPr>
@@ -5466,7 +5433,7 @@
         <p:spPr/>
         <p:txBody>
           <a:bodyPr>
-            <a:normAutofit fontScale="90000"/>
+            <a:normAutofit/>
           </a:bodyPr>
           <a:lstStyle/>
           <a:p>
@@ -5482,7 +5449,7 @@
           <p:cNvPr id="3" name="Content Placeholder 2">
             <a:extLst>
               <a:ext uri="{FF2B5EF4-FFF2-40B4-BE49-F238E27FC236}">
-                <a16:creationId xmlns:a16="http://schemas.microsoft.com/office/drawing/2014/main" xmlns="" id="{F926E6F7-BFB4-4F2E-9F6F-5DFA85E529C2}"/>
+                <a16:creationId xmlns:a16="http://schemas.microsoft.com/office/drawing/2014/main" id="{F926E6F7-BFB4-4F2E-9F6F-5DFA85E529C2}"/>
               </a:ext>
             </a:extLst>
           </p:cNvPr>
@@ -5553,29 +5520,16 @@
             </a:pPr>
             <a:r>
               <a:rPr lang="en-US" dirty="0"/>
-              <a:t>C</a:t>
-            </a:r>
-            <a:r>
-              <a:rPr lang="en-US" dirty="0" smtClean="0"/>
-              <a:t>an also use </a:t>
+              <a:t>Can also use </a:t>
             </a:r>
             <a:r>
               <a:rPr lang="en-US" dirty="0" err="1"/>
-              <a:t>f</a:t>
-            </a:r>
-            <a:r>
-              <a:rPr lang="en-US" dirty="0" err="1"/>
-              <a:t>astText</a:t>
+              <a:t>fastText</a:t>
             </a:r>
             <a:r>
               <a:rPr lang="en-US" dirty="0"/>
-              <a:t>—Facebook’s library for fast text representation and </a:t>
-            </a:r>
-            <a:r>
-              <a:rPr lang="en-US" dirty="0" smtClean="0"/>
-              <a:t>classification. </a:t>
-            </a:r>
-            <a:endParaRPr lang="en-US" dirty="0"/>
+              <a:t>—Facebook’s library for fast text representation and classification. </a:t>
+            </a:r>
           </a:p>
         </p:txBody>
       </p:sp>
@@ -5642,7 +5596,7 @@
     </p:spTree>
     <p:extLst>
       <p:ext uri="{BB962C8B-B14F-4D97-AF65-F5344CB8AC3E}">
-        <p14:creationId xmlns:p14="http://schemas.microsoft.com/office/powerpoint/2010/main" val="873388279"/>
+        <p14:creationId xmlns:p14="http://schemas.microsoft.com/office/powerpoint/2010/main" val="3375280714"/>
       </p:ext>
     </p:extLst>
   </p:cSld>
@@ -5674,7 +5628,7 @@
           <p:cNvPr id="2" name="Title 1">
             <a:extLst>
               <a:ext uri="{FF2B5EF4-FFF2-40B4-BE49-F238E27FC236}">
-                <a16:creationId xmlns:a16="http://schemas.microsoft.com/office/drawing/2014/main" xmlns="" id="{D9B50E4D-3F67-4D71-8B15-EFDDCEC9A036}"/>
+                <a16:creationId xmlns:a16="http://schemas.microsoft.com/office/drawing/2014/main" id="{D9B50E4D-3F67-4D71-8B15-EFDDCEC9A036}"/>
               </a:ext>
             </a:extLst>
           </p:cNvPr>
@@ -5705,7 +5659,7 @@
           <p:cNvPr id="5" name="Content Placeholder 4">
             <a:extLst>
               <a:ext uri="{FF2B5EF4-FFF2-40B4-BE49-F238E27FC236}">
-                <a16:creationId xmlns:a16="http://schemas.microsoft.com/office/drawing/2014/main" xmlns="" id="{9836064C-FD69-4A74-A7B3-36399FC896FD}"/>
+                <a16:creationId xmlns:a16="http://schemas.microsoft.com/office/drawing/2014/main" id="{9836064C-FD69-4A74-A7B3-36399FC896FD}"/>
               </a:ext>
             </a:extLst>
           </p:cNvPr>
@@ -5740,7 +5694,7 @@
           <p:cNvPr id="6" name="TextBox 5">
             <a:extLst>
               <a:ext uri="{FF2B5EF4-FFF2-40B4-BE49-F238E27FC236}">
-                <a16:creationId xmlns:a16="http://schemas.microsoft.com/office/drawing/2014/main" xmlns="" id="{C7932F6E-7800-481B-8662-A416637585E9}"/>
+                <a16:creationId xmlns:a16="http://schemas.microsoft.com/office/drawing/2014/main" id="{C7932F6E-7800-481B-8662-A416637585E9}"/>
               </a:ext>
             </a:extLst>
           </p:cNvPr>
@@ -5775,7 +5729,7 @@
           <p:cNvPr id="7" name="TextBox 6">
             <a:extLst>
               <a:ext uri="{FF2B5EF4-FFF2-40B4-BE49-F238E27FC236}">
-                <a16:creationId xmlns:a16="http://schemas.microsoft.com/office/drawing/2014/main" xmlns="" id="{EA165232-9DAB-4F26-B69C-33668A199AC3}"/>
+                <a16:creationId xmlns:a16="http://schemas.microsoft.com/office/drawing/2014/main" id="{EA165232-9DAB-4F26-B69C-33668A199AC3}"/>
               </a:ext>
             </a:extLst>
           </p:cNvPr>
@@ -5810,7 +5764,7 @@
           <p:cNvPr id="8" name="Picture 7">
             <a:extLst>
               <a:ext uri="{FF2B5EF4-FFF2-40B4-BE49-F238E27FC236}">
-                <a16:creationId xmlns:a16="http://schemas.microsoft.com/office/drawing/2014/main" xmlns="" id="{5D975098-4536-4F26-AEA6-87B2DBC75527}"/>
+                <a16:creationId xmlns:a16="http://schemas.microsoft.com/office/drawing/2014/main" id="{5D975098-4536-4F26-AEA6-87B2DBC75527}"/>
               </a:ext>
             </a:extLst>
           </p:cNvPr>
@@ -5876,7 +5830,7 @@
           <p:cNvPr id="2" name="Title 1">
             <a:extLst>
               <a:ext uri="{FF2B5EF4-FFF2-40B4-BE49-F238E27FC236}">
-                <a16:creationId xmlns:a16="http://schemas.microsoft.com/office/drawing/2014/main" xmlns="" id="{D9B50E4D-3F67-4D71-8B15-EFDDCEC9A036}"/>
+                <a16:creationId xmlns:a16="http://schemas.microsoft.com/office/drawing/2014/main" id="{D9B50E4D-3F67-4D71-8B15-EFDDCEC9A036}"/>
               </a:ext>
             </a:extLst>
           </p:cNvPr>
@@ -5907,7 +5861,7 @@
           <p:cNvPr id="6" name="TextBox 5">
             <a:extLst>
               <a:ext uri="{FF2B5EF4-FFF2-40B4-BE49-F238E27FC236}">
-                <a16:creationId xmlns:a16="http://schemas.microsoft.com/office/drawing/2014/main" xmlns="" id="{C7932F6E-7800-481B-8662-A416637585E9}"/>
+                <a16:creationId xmlns:a16="http://schemas.microsoft.com/office/drawing/2014/main" id="{C7932F6E-7800-481B-8662-A416637585E9}"/>
               </a:ext>
             </a:extLst>
           </p:cNvPr>
@@ -5942,7 +5896,7 @@
           <p:cNvPr id="7" name="TextBox 6">
             <a:extLst>
               <a:ext uri="{FF2B5EF4-FFF2-40B4-BE49-F238E27FC236}">
-                <a16:creationId xmlns:a16="http://schemas.microsoft.com/office/drawing/2014/main" xmlns="" id="{EA165232-9DAB-4F26-B69C-33668A199AC3}"/>
+                <a16:creationId xmlns:a16="http://schemas.microsoft.com/office/drawing/2014/main" id="{EA165232-9DAB-4F26-B69C-33668A199AC3}"/>
               </a:ext>
             </a:extLst>
           </p:cNvPr>
@@ -5977,7 +5931,7 @@
           <p:cNvPr id="10" name="Content Placeholder 9">
             <a:extLst>
               <a:ext uri="{FF2B5EF4-FFF2-40B4-BE49-F238E27FC236}">
-                <a16:creationId xmlns:a16="http://schemas.microsoft.com/office/drawing/2014/main" xmlns="" id="{111FD7F6-6EC0-473C-8C21-755A2F64A3CD}"/>
+                <a16:creationId xmlns:a16="http://schemas.microsoft.com/office/drawing/2014/main" id="{111FD7F6-6EC0-473C-8C21-755A2F64A3CD}"/>
               </a:ext>
             </a:extLst>
           </p:cNvPr>
@@ -6012,7 +5966,7 @@
           <p:cNvPr id="11" name="Content Placeholder 8">
             <a:extLst>
               <a:ext uri="{FF2B5EF4-FFF2-40B4-BE49-F238E27FC236}">
-                <a16:creationId xmlns:a16="http://schemas.microsoft.com/office/drawing/2014/main" xmlns="" id="{72AE1113-7AFD-4105-99B2-948FB4870D76}"/>
+                <a16:creationId xmlns:a16="http://schemas.microsoft.com/office/drawing/2014/main" id="{72AE1113-7AFD-4105-99B2-948FB4870D76}"/>
               </a:ext>
             </a:extLst>
           </p:cNvPr>
@@ -6078,7 +6032,7 @@
           <p:cNvPr id="2" name="Title 1">
             <a:extLst>
               <a:ext uri="{FF2B5EF4-FFF2-40B4-BE49-F238E27FC236}">
-                <a16:creationId xmlns:a16="http://schemas.microsoft.com/office/drawing/2014/main" xmlns="" id="{D9B50E4D-3F67-4D71-8B15-EFDDCEC9A036}"/>
+                <a16:creationId xmlns:a16="http://schemas.microsoft.com/office/drawing/2014/main" id="{D9B50E4D-3F67-4D71-8B15-EFDDCEC9A036}"/>
               </a:ext>
             </a:extLst>
           </p:cNvPr>
@@ -6109,7 +6063,7 @@
           <p:cNvPr id="6" name="TextBox 5">
             <a:extLst>
               <a:ext uri="{FF2B5EF4-FFF2-40B4-BE49-F238E27FC236}">
-                <a16:creationId xmlns:a16="http://schemas.microsoft.com/office/drawing/2014/main" xmlns="" id="{C7932F6E-7800-481B-8662-A416637585E9}"/>
+                <a16:creationId xmlns:a16="http://schemas.microsoft.com/office/drawing/2014/main" id="{C7932F6E-7800-481B-8662-A416637585E9}"/>
               </a:ext>
             </a:extLst>
           </p:cNvPr>
@@ -6144,7 +6098,7 @@
           <p:cNvPr id="7" name="TextBox 6">
             <a:extLst>
               <a:ext uri="{FF2B5EF4-FFF2-40B4-BE49-F238E27FC236}">
-                <a16:creationId xmlns:a16="http://schemas.microsoft.com/office/drawing/2014/main" xmlns="" id="{EA165232-9DAB-4F26-B69C-33668A199AC3}"/>
+                <a16:creationId xmlns:a16="http://schemas.microsoft.com/office/drawing/2014/main" id="{EA165232-9DAB-4F26-B69C-33668A199AC3}"/>
               </a:ext>
             </a:extLst>
           </p:cNvPr>
@@ -6176,10 +6130,10 @@
       </p:sp>
       <p:pic>
         <p:nvPicPr>
-          <p:cNvPr id="8" name="Picture 7">
+          <p:cNvPr id="9" name="Picture 8">
             <a:extLst>
               <a:ext uri="{FF2B5EF4-FFF2-40B4-BE49-F238E27FC236}">
-                <a16:creationId xmlns:a16="http://schemas.microsoft.com/office/drawing/2014/main" xmlns="" id="{68CEC9CD-B5E1-4BDC-9D16-4EC122E0F008}"/>
+                <a16:creationId xmlns:a16="http://schemas.microsoft.com/office/drawing/2014/main" id="{B0184E60-F980-4065-8D3C-CCD5068F61E7}"/>
               </a:ext>
             </a:extLst>
           </p:cNvPr>
@@ -6202,8 +6156,8 @@
         </p:blipFill>
         <p:spPr>
           <a:xfrm>
-            <a:off x="6019293" y="2669509"/>
-            <a:ext cx="5486411" cy="3657607"/>
+            <a:off x="404532" y="2942382"/>
+            <a:ext cx="5222137" cy="3291840"/>
           </a:xfrm>
           <a:prstGeom prst="rect">
             <a:avLst/>
@@ -6212,10 +6166,10 @@
       </p:pic>
       <p:pic>
         <p:nvPicPr>
-          <p:cNvPr id="12" name="Picture 11">
+          <p:cNvPr id="13" name="Picture 12">
             <a:extLst>
               <a:ext uri="{FF2B5EF4-FFF2-40B4-BE49-F238E27FC236}">
-                <a16:creationId xmlns:a16="http://schemas.microsoft.com/office/drawing/2014/main" xmlns="" id="{74932569-1DD7-40A9-A8D5-EC5F418D4136}"/>
+                <a16:creationId xmlns:a16="http://schemas.microsoft.com/office/drawing/2014/main" id="{8A733FEC-6315-426B-AB66-8B359721B109}"/>
               </a:ext>
             </a:extLst>
           </p:cNvPr>
@@ -6238,8 +6192,8 @@
         </p:blipFill>
         <p:spPr>
           <a:xfrm>
-            <a:off x="476688" y="2669509"/>
-            <a:ext cx="5309858" cy="3539905"/>
+            <a:off x="5895292" y="2875710"/>
+            <a:ext cx="5205557" cy="3383280"/>
           </a:xfrm>
           <a:prstGeom prst="rect">
             <a:avLst/>
@@ -6281,7 +6235,7 @@
           <p:cNvPr id="2" name="Title 1">
             <a:extLst>
               <a:ext uri="{FF2B5EF4-FFF2-40B4-BE49-F238E27FC236}">
-                <a16:creationId xmlns:a16="http://schemas.microsoft.com/office/drawing/2014/main" xmlns="" id="{D9B50E4D-3F67-4D71-8B15-EFDDCEC9A036}"/>
+                <a16:creationId xmlns:a16="http://schemas.microsoft.com/office/drawing/2014/main" id="{D9B50E4D-3F67-4D71-8B15-EFDDCEC9A036}"/>
               </a:ext>
             </a:extLst>
           </p:cNvPr>
@@ -6312,7 +6266,7 @@
           <p:cNvPr id="6" name="TextBox 5">
             <a:extLst>
               <a:ext uri="{FF2B5EF4-FFF2-40B4-BE49-F238E27FC236}">
-                <a16:creationId xmlns:a16="http://schemas.microsoft.com/office/drawing/2014/main" xmlns="" id="{C7932F6E-7800-481B-8662-A416637585E9}"/>
+                <a16:creationId xmlns:a16="http://schemas.microsoft.com/office/drawing/2014/main" id="{C7932F6E-7800-481B-8662-A416637585E9}"/>
               </a:ext>
             </a:extLst>
           </p:cNvPr>
@@ -6347,7 +6301,7 @@
           <p:cNvPr id="7" name="TextBox 6">
             <a:extLst>
               <a:ext uri="{FF2B5EF4-FFF2-40B4-BE49-F238E27FC236}">
-                <a16:creationId xmlns:a16="http://schemas.microsoft.com/office/drawing/2014/main" xmlns="" id="{EA165232-9DAB-4F26-B69C-33668A199AC3}"/>
+                <a16:creationId xmlns:a16="http://schemas.microsoft.com/office/drawing/2014/main" id="{EA165232-9DAB-4F26-B69C-33668A199AC3}"/>
               </a:ext>
             </a:extLst>
           </p:cNvPr>
@@ -6382,7 +6336,7 @@
           <p:cNvPr id="8" name="Content Placeholder 7">
             <a:extLst>
               <a:ext uri="{FF2B5EF4-FFF2-40B4-BE49-F238E27FC236}">
-                <a16:creationId xmlns:a16="http://schemas.microsoft.com/office/drawing/2014/main" xmlns="" id="{95FF04D1-899C-4A42-8F00-2599DDA3BDB1}"/>
+                <a16:creationId xmlns:a16="http://schemas.microsoft.com/office/drawing/2014/main" id="{95FF04D1-899C-4A42-8F00-2599DDA3BDB1}"/>
               </a:ext>
             </a:extLst>
           </p:cNvPr>
@@ -6417,7 +6371,7 @@
           <p:cNvPr id="12" name="Picture 11">
             <a:extLst>
               <a:ext uri="{FF2B5EF4-FFF2-40B4-BE49-F238E27FC236}">
-                <a16:creationId xmlns:a16="http://schemas.microsoft.com/office/drawing/2014/main" xmlns="" id="{456D95B1-5FC1-49ED-A1AB-E7E1673E3F95}"/>
+                <a16:creationId xmlns:a16="http://schemas.microsoft.com/office/drawing/2014/main" id="{456D95B1-5FC1-49ED-A1AB-E7E1673E3F95}"/>
               </a:ext>
             </a:extLst>
           </p:cNvPr>
@@ -6483,7 +6437,7 @@
           <p:cNvPr id="2" name="Title 1">
             <a:extLst>
               <a:ext uri="{FF2B5EF4-FFF2-40B4-BE49-F238E27FC236}">
-                <a16:creationId xmlns:a16="http://schemas.microsoft.com/office/drawing/2014/main" xmlns="" id="{48EAA617-34BE-4C6D-87CC-4DC4CCAD832D}"/>
+                <a16:creationId xmlns:a16="http://schemas.microsoft.com/office/drawing/2014/main" id="{48EAA617-34BE-4C6D-87CC-4DC4CCAD832D}"/>
               </a:ext>
             </a:extLst>
           </p:cNvPr>
@@ -6511,7 +6465,7 @@
           <p:cNvPr id="3" name="Content Placeholder 2">
             <a:extLst>
               <a:ext uri="{FF2B5EF4-FFF2-40B4-BE49-F238E27FC236}">
-                <a16:creationId xmlns:a16="http://schemas.microsoft.com/office/drawing/2014/main" xmlns="" id="{B4BC1620-51F4-4EE0-8A87-1AD9FD617215}"/>
+                <a16:creationId xmlns:a16="http://schemas.microsoft.com/office/drawing/2014/main" id="{B4BC1620-51F4-4EE0-8A87-1AD9FD617215}"/>
               </a:ext>
             </a:extLst>
           </p:cNvPr>
@@ -6569,7 +6523,7 @@
           <p:cNvPr id="2" name="Title 1">
             <a:extLst>
               <a:ext uri="{FF2B5EF4-FFF2-40B4-BE49-F238E27FC236}">
-                <a16:creationId xmlns:a16="http://schemas.microsoft.com/office/drawing/2014/main" xmlns="" id="{E0903E84-6EE2-40C7-AA07-D5BBC787576F}"/>
+                <a16:creationId xmlns:a16="http://schemas.microsoft.com/office/drawing/2014/main" id="{E0903E84-6EE2-40C7-AA07-D5BBC787576F}"/>
               </a:ext>
             </a:extLst>
           </p:cNvPr>
@@ -6597,7 +6551,7 @@
           <p:cNvPr id="3" name="Content Placeholder 2">
             <a:extLst>
               <a:ext uri="{FF2B5EF4-FFF2-40B4-BE49-F238E27FC236}">
-                <a16:creationId xmlns:a16="http://schemas.microsoft.com/office/drawing/2014/main" xmlns="" id="{A1B8FE37-412C-4D22-9830-556745A378A7}"/>
+                <a16:creationId xmlns:a16="http://schemas.microsoft.com/office/drawing/2014/main" id="{A1B8FE37-412C-4D22-9830-556745A378A7}"/>
               </a:ext>
             </a:extLst>
           </p:cNvPr>
@@ -6658,7 +6612,7 @@
           <p:cNvPr id="2" name="Title 1">
             <a:extLst>
               <a:ext uri="{FF2B5EF4-FFF2-40B4-BE49-F238E27FC236}">
-                <a16:creationId xmlns:a16="http://schemas.microsoft.com/office/drawing/2014/main" xmlns="" id="{16A25A02-312B-4A9B-9E73-6726DC3C6CA8}"/>
+                <a16:creationId xmlns:a16="http://schemas.microsoft.com/office/drawing/2014/main" id="{16A25A02-312B-4A9B-9E73-6726DC3C6CA8}"/>
               </a:ext>
             </a:extLst>
           </p:cNvPr>
@@ -6686,7 +6640,7 @@
           <p:cNvPr id="3" name="Content Placeholder 2">
             <a:extLst>
               <a:ext uri="{FF2B5EF4-FFF2-40B4-BE49-F238E27FC236}">
-                <a16:creationId xmlns:a16="http://schemas.microsoft.com/office/drawing/2014/main" xmlns="" id="{6679A484-50EE-4343-AB5B-42F06D65296E}"/>
+                <a16:creationId xmlns:a16="http://schemas.microsoft.com/office/drawing/2014/main" id="{6679A484-50EE-4343-AB5B-42F06D65296E}"/>
               </a:ext>
             </a:extLst>
           </p:cNvPr>
@@ -6741,7 +6695,7 @@
           <p:cNvPr id="2" name="Title 1">
             <a:extLst>
               <a:ext uri="{FF2B5EF4-FFF2-40B4-BE49-F238E27FC236}">
-                <a16:creationId xmlns:a16="http://schemas.microsoft.com/office/drawing/2014/main" xmlns="" id="{03AE5EC4-B8EA-4194-AB7F-2C9DD1A479EC}"/>
+                <a16:creationId xmlns:a16="http://schemas.microsoft.com/office/drawing/2014/main" id="{03AE5EC4-B8EA-4194-AB7F-2C9DD1A479EC}"/>
               </a:ext>
             </a:extLst>
           </p:cNvPr>
@@ -6769,7 +6723,7 @@
           <p:cNvPr id="3" name="Content Placeholder 2">
             <a:extLst>
               <a:ext uri="{FF2B5EF4-FFF2-40B4-BE49-F238E27FC236}">
-                <a16:creationId xmlns:a16="http://schemas.microsoft.com/office/drawing/2014/main" xmlns="" id="{F1E510FF-DE71-4F89-B0CA-5068CD71D543}"/>
+                <a16:creationId xmlns:a16="http://schemas.microsoft.com/office/drawing/2014/main" id="{F1E510FF-DE71-4F89-B0CA-5068CD71D543}"/>
               </a:ext>
             </a:extLst>
           </p:cNvPr>
@@ -6803,6 +6757,20 @@
             <a:r>
               <a:rPr lang="en-US" dirty="0"/>
               <a:t>How do we assign authorship to sentences?</a:t>
+            </a:r>
+          </a:p>
+          <a:p>
+            <a:pPr lvl="1"/>
+            <a:r>
+              <a:rPr lang="en-US" dirty="0"/>
+              <a:t>Training dataset – already has author assigned</a:t>
+            </a:r>
+          </a:p>
+          <a:p>
+            <a:pPr lvl="1"/>
+            <a:r>
+              <a:rPr lang="en-US" dirty="0"/>
+              <a:t>Test dataset – needs authorship assigned</a:t>
             </a:r>
           </a:p>
           <a:p>
@@ -6852,7 +6820,7 @@
           <p:cNvPr id="2" name="Title 1">
             <a:extLst>
               <a:ext uri="{FF2B5EF4-FFF2-40B4-BE49-F238E27FC236}">
-                <a16:creationId xmlns:a16="http://schemas.microsoft.com/office/drawing/2014/main" xmlns="" id="{8DCA91CB-CBB2-4E50-A4C6-A799D7E2A3E3}"/>
+                <a16:creationId xmlns:a16="http://schemas.microsoft.com/office/drawing/2014/main" id="{7B3C0553-68E9-4027-8CC8-416D25528855}"/>
               </a:ext>
             </a:extLst>
           </p:cNvPr>
@@ -6870,7 +6838,7 @@
           <a:p>
             <a:r>
               <a:rPr lang="en-US" dirty="0"/>
-              <a:t>NLTK (Natural Language Toolkit)</a:t>
+              <a:t>Data Exploration &amp; Cleanup</a:t>
             </a:r>
           </a:p>
         </p:txBody>
@@ -6880,7 +6848,7 @@
           <p:cNvPr id="3" name="Content Placeholder 2">
             <a:extLst>
               <a:ext uri="{FF2B5EF4-FFF2-40B4-BE49-F238E27FC236}">
-                <a16:creationId xmlns:a16="http://schemas.microsoft.com/office/drawing/2014/main" xmlns="" id="{0AE87738-4D7D-4C1B-A10E-09B1EC98B34F}"/>
+                <a16:creationId xmlns:a16="http://schemas.microsoft.com/office/drawing/2014/main" id="{92C100B2-887B-4E3A-B6C6-D3185619A466}"/>
               </a:ext>
             </a:extLst>
           </p:cNvPr>
@@ -6898,33 +6866,41 @@
           <a:p>
             <a:r>
               <a:rPr lang="en-US" dirty="0"/>
-              <a:t>‘NLTK is a leading platform for building Python programs to work with human language data. It provides … text processing libraries for classification, tokenization, stemming, tagging, parsing, and semantic reasoning, [and] wrappers for industrial-strength NLP libraries...’</a:t>
+              <a:t>Group dataset by author</a:t>
             </a:r>
           </a:p>
           <a:p>
             <a:r>
               <a:rPr lang="en-US" dirty="0"/>
-              <a:t>Free &amp; open source</a:t>
-            </a:r>
-          </a:p>
-          <a:p>
+              <a:t>Create equal length datasets for each author in the training data</a:t>
+            </a:r>
+          </a:p>
+          <a:p>
+            <a:pPr lvl="1"/>
             <a:r>
               <a:rPr lang="en-US" dirty="0"/>
-              <a:t>http://www.nltk.org/</a:t>
-            </a:r>
-          </a:p>
-          <a:p>
-            <a:pPr marL="0" indent="0">
-              <a:buNone/>
-            </a:pPr>
-            <a:endParaRPr lang="en-US" dirty="0"/>
+              <a:t>Count length of each author dataset</a:t>
+            </a:r>
+          </a:p>
+          <a:p>
+            <a:pPr lvl="1"/>
+            <a:r>
+              <a:rPr lang="en-US" dirty="0"/>
+              <a:t>Randomly sample the datasets for the authors with longer datasets to subset for equal lengths</a:t>
+            </a:r>
+          </a:p>
+          <a:p>
+            <a:r>
+              <a:rPr lang="en-US" dirty="0"/>
+              <a:t>Remove outliers for really long passages</a:t>
+            </a:r>
           </a:p>
         </p:txBody>
       </p:sp>
     </p:spTree>
     <p:extLst>
       <p:ext uri="{BB962C8B-B14F-4D97-AF65-F5344CB8AC3E}">
-        <p14:creationId xmlns:p14="http://schemas.microsoft.com/office/powerpoint/2010/main" val="1550111879"/>
+        <p14:creationId xmlns:p14="http://schemas.microsoft.com/office/powerpoint/2010/main" val="2988834693"/>
       </p:ext>
     </p:extLst>
   </p:cSld>
@@ -6956,119 +6932,7 @@
           <p:cNvPr id="2" name="Title 1">
             <a:extLst>
               <a:ext uri="{FF2B5EF4-FFF2-40B4-BE49-F238E27FC236}">
-                <a16:creationId xmlns:a16="http://schemas.microsoft.com/office/drawing/2014/main" xmlns="" id="{7B3C0553-68E9-4027-8CC8-416D25528855}"/>
-              </a:ext>
-            </a:extLst>
-          </p:cNvPr>
-          <p:cNvSpPr>
-            <a:spLocks noGrp="1"/>
-          </p:cNvSpPr>
-          <p:nvPr>
-            <p:ph type="title"/>
-          </p:nvPr>
-        </p:nvSpPr>
-        <p:spPr/>
-        <p:txBody>
-          <a:bodyPr/>
-          <a:lstStyle/>
-          <a:p>
-            <a:r>
-              <a:rPr lang="en-US" dirty="0"/>
-              <a:t>Data Exploration &amp; Cleanup</a:t>
-            </a:r>
-          </a:p>
-        </p:txBody>
-      </p:sp>
-      <p:sp>
-        <p:nvSpPr>
-          <p:cNvPr id="3" name="Content Placeholder 2">
-            <a:extLst>
-              <a:ext uri="{FF2B5EF4-FFF2-40B4-BE49-F238E27FC236}">
-                <a16:creationId xmlns:a16="http://schemas.microsoft.com/office/drawing/2014/main" xmlns="" id="{92C100B2-887B-4E3A-B6C6-D3185619A466}"/>
-              </a:ext>
-            </a:extLst>
-          </p:cNvPr>
-          <p:cNvSpPr>
-            <a:spLocks noGrp="1"/>
-          </p:cNvSpPr>
-          <p:nvPr>
-            <p:ph idx="1"/>
-          </p:nvPr>
-        </p:nvSpPr>
-        <p:spPr/>
-        <p:txBody>
-          <a:bodyPr/>
-          <a:lstStyle/>
-          <a:p>
-            <a:r>
-              <a:rPr lang="en-US" dirty="0"/>
-              <a:t>Group dataset by author</a:t>
-            </a:r>
-          </a:p>
-          <a:p>
-            <a:r>
-              <a:rPr lang="en-US" dirty="0"/>
-              <a:t>Create equal length datasets for each author in the training data</a:t>
-            </a:r>
-          </a:p>
-          <a:p>
-            <a:pPr lvl="1"/>
-            <a:r>
-              <a:rPr lang="en-US" dirty="0"/>
-              <a:t>Count length of each author dataset</a:t>
-            </a:r>
-          </a:p>
-          <a:p>
-            <a:pPr lvl="1"/>
-            <a:r>
-              <a:rPr lang="en-US" dirty="0"/>
-              <a:t>Randomly sample the datasets for the authors with longer datasets to subset for equal lengths</a:t>
-            </a:r>
-          </a:p>
-          <a:p>
-            <a:r>
-              <a:rPr lang="en-US" dirty="0"/>
-              <a:t>Remove outliers for really long passages</a:t>
-            </a:r>
-          </a:p>
-        </p:txBody>
-      </p:sp>
-    </p:spTree>
-    <p:extLst>
-      <p:ext uri="{BB962C8B-B14F-4D97-AF65-F5344CB8AC3E}">
-        <p14:creationId xmlns:p14="http://schemas.microsoft.com/office/powerpoint/2010/main" val="2988834693"/>
-      </p:ext>
-    </p:extLst>
-  </p:cSld>
-  <p:clrMapOvr>
-    <a:masterClrMapping/>
-  </p:clrMapOvr>
-</p:sld>
-</file>
-
-<file path=ppt/slides/slide6.xml><?xml version="1.0" encoding="utf-8"?>
-<p:sld xmlns:a="http://schemas.openxmlformats.org/drawingml/2006/main" xmlns:r="http://schemas.openxmlformats.org/officeDocument/2006/relationships" xmlns:p="http://schemas.openxmlformats.org/presentationml/2006/main">
-  <p:cSld>
-    <p:spTree>
-      <p:nvGrpSpPr>
-        <p:cNvPr id="1" name=""/>
-        <p:cNvGrpSpPr/>
-        <p:nvPr/>
-      </p:nvGrpSpPr>
-      <p:grpSpPr>
-        <a:xfrm>
-          <a:off x="0" y="0"/>
-          <a:ext cx="0" cy="0"/>
-          <a:chOff x="0" y="0"/>
-          <a:chExt cx="0" cy="0"/>
-        </a:xfrm>
-      </p:grpSpPr>
-      <p:sp>
-        <p:nvSpPr>
-          <p:cNvPr id="4" name="Title 1">
-            <a:extLst>
-              <a:ext uri="{FF2B5EF4-FFF2-40B4-BE49-F238E27FC236}">
-                <a16:creationId xmlns:a16="http://schemas.microsoft.com/office/drawing/2014/main" xmlns="" id="{99D4A6ED-0001-4721-9D85-4EA19BEC6117}"/>
+                <a16:creationId xmlns:a16="http://schemas.microsoft.com/office/drawing/2014/main" id="{B1ED3C61-97B0-4C8A-B793-410F0E7246BA}"/>
               </a:ext>
             </a:extLst>
           </p:cNvPr>
@@ -7099,109 +6963,10 @@
       </p:sp>
       <p:pic>
         <p:nvPicPr>
-          <p:cNvPr id="10" name="Content Placeholder 9">
+          <p:cNvPr id="12" name="Picture 11">
             <a:extLst>
               <a:ext uri="{FF2B5EF4-FFF2-40B4-BE49-F238E27FC236}">
-                <a16:creationId xmlns:a16="http://schemas.microsoft.com/office/drawing/2014/main" xmlns="" id="{82929104-7175-46E2-9003-A7AEE9B87B95}"/>
-              </a:ext>
-            </a:extLst>
-          </p:cNvPr>
-          <p:cNvPicPr>
-            <a:picLocks noGrp="1" noChangeAspect="1"/>
-          </p:cNvPicPr>
-          <p:nvPr>
-            <p:ph idx="1"/>
-          </p:nvPr>
-        </p:nvPicPr>
-        <p:blipFill>
-          <a:blip r:embed="rId2">
-            <a:extLst>
-              <a:ext uri="{28A0092B-C50C-407E-A947-70E740481C1C}">
-                <a14:useLocalDpi xmlns:a14="http://schemas.microsoft.com/office/drawing/2010/main" val="0"/>
-              </a:ext>
-            </a:extLst>
-          </a:blip>
-          <a:stretch>
-            <a:fillRect/>
-          </a:stretch>
-        </p:blipFill>
-        <p:spPr>
-          <a:xfrm>
-            <a:off x="3355350" y="2317333"/>
-            <a:ext cx="5487650" cy="3658433"/>
-          </a:xfrm>
-        </p:spPr>
-      </p:pic>
-    </p:spTree>
-    <p:extLst>
-      <p:ext uri="{BB962C8B-B14F-4D97-AF65-F5344CB8AC3E}">
-        <p14:creationId xmlns:p14="http://schemas.microsoft.com/office/powerpoint/2010/main" val="4100387689"/>
-      </p:ext>
-    </p:extLst>
-  </p:cSld>
-  <p:clrMapOvr>
-    <a:masterClrMapping/>
-  </p:clrMapOvr>
-</p:sld>
-</file>
-
-<file path=ppt/slides/slide7.xml><?xml version="1.0" encoding="utf-8"?>
-<p:sld xmlns:a="http://schemas.openxmlformats.org/drawingml/2006/main" xmlns:r="http://schemas.openxmlformats.org/officeDocument/2006/relationships" xmlns:p="http://schemas.openxmlformats.org/presentationml/2006/main">
-  <p:cSld>
-    <p:spTree>
-      <p:nvGrpSpPr>
-        <p:cNvPr id="1" name=""/>
-        <p:cNvGrpSpPr/>
-        <p:nvPr/>
-      </p:nvGrpSpPr>
-      <p:grpSpPr>
-        <a:xfrm>
-          <a:off x="0" y="0"/>
-          <a:ext cx="0" cy="0"/>
-          <a:chOff x="0" y="0"/>
-          <a:chExt cx="0" cy="0"/>
-        </a:xfrm>
-      </p:grpSpPr>
-      <p:sp>
-        <p:nvSpPr>
-          <p:cNvPr id="2" name="Title 1">
-            <a:extLst>
-              <a:ext uri="{FF2B5EF4-FFF2-40B4-BE49-F238E27FC236}">
-                <a16:creationId xmlns:a16="http://schemas.microsoft.com/office/drawing/2014/main" xmlns="" id="{B1ED3C61-97B0-4C8A-B793-410F0E7246BA}"/>
-              </a:ext>
-            </a:extLst>
-          </p:cNvPr>
-          <p:cNvSpPr>
-            <a:spLocks noGrp="1"/>
-          </p:cNvSpPr>
-          <p:nvPr>
-            <p:ph type="title"/>
-          </p:nvPr>
-        </p:nvSpPr>
-        <p:spPr/>
-        <p:txBody>
-          <a:bodyPr>
-            <a:noAutofit/>
-          </a:bodyPr>
-          <a:lstStyle/>
-          <a:p>
-            <a:r>
-              <a:rPr lang="en-US" sz="4400" dirty="0"/>
-              <a:t>How does each author vary with respect to basic sentence structure &amp; vocabulary?</a:t>
-            </a:r>
-            <a:br>
-              <a:rPr lang="en-US" sz="4400" dirty="0"/>
-            </a:br>
-            <a:endParaRPr lang="en-US" sz="4400" dirty="0"/>
-          </a:p>
-        </p:txBody>
-      </p:sp>
-      <p:pic>
-        <p:nvPicPr>
-          <p:cNvPr id="12" name="Picture 11">
-            <a:extLst>
-              <a:ext uri="{FF2B5EF4-FFF2-40B4-BE49-F238E27FC236}">
-                <a16:creationId xmlns:a16="http://schemas.microsoft.com/office/drawing/2014/main" xmlns="" id="{D54E74D8-C0CA-4328-9134-D25F7CA39747}"/>
+                <a16:creationId xmlns:a16="http://schemas.microsoft.com/office/drawing/2014/main" id="{D54E74D8-C0CA-4328-9134-D25F7CA39747}"/>
               </a:ext>
             </a:extLst>
           </p:cNvPr>
@@ -7237,7 +7002,7 @@
           <p:cNvPr id="14" name="Picture 13">
             <a:extLst>
               <a:ext uri="{FF2B5EF4-FFF2-40B4-BE49-F238E27FC236}">
-                <a16:creationId xmlns:a16="http://schemas.microsoft.com/office/drawing/2014/main" xmlns="" id="{ABC3AFC9-1D7B-478D-8C3C-48147298BD71}"/>
+                <a16:creationId xmlns:a16="http://schemas.microsoft.com/office/drawing/2014/main" id="{ABC3AFC9-1D7B-478D-8C3C-48147298BD71}"/>
               </a:ext>
             </a:extLst>
           </p:cNvPr>
@@ -7281,6 +7046,205 @@
 </p:sld>
 </file>
 
+<file path=ppt/slides/slide6.xml><?xml version="1.0" encoding="utf-8"?>
+<p:sld xmlns:a="http://schemas.openxmlformats.org/drawingml/2006/main" xmlns:r="http://schemas.openxmlformats.org/officeDocument/2006/relationships" xmlns:p="http://schemas.openxmlformats.org/presentationml/2006/main">
+  <p:cSld>
+    <p:spTree>
+      <p:nvGrpSpPr>
+        <p:cNvPr id="1" name=""/>
+        <p:cNvGrpSpPr/>
+        <p:nvPr/>
+      </p:nvGrpSpPr>
+      <p:grpSpPr>
+        <a:xfrm>
+          <a:off x="0" y="0"/>
+          <a:ext cx="0" cy="0"/>
+          <a:chOff x="0" y="0"/>
+          <a:chExt cx="0" cy="0"/>
+        </a:xfrm>
+      </p:grpSpPr>
+      <p:sp>
+        <p:nvSpPr>
+          <p:cNvPr id="4" name="Title 1">
+            <a:extLst>
+              <a:ext uri="{FF2B5EF4-FFF2-40B4-BE49-F238E27FC236}">
+                <a16:creationId xmlns:a16="http://schemas.microsoft.com/office/drawing/2014/main" id="{99D4A6ED-0001-4721-9D85-4EA19BEC6117}"/>
+              </a:ext>
+            </a:extLst>
+          </p:cNvPr>
+          <p:cNvSpPr>
+            <a:spLocks noGrp="1"/>
+          </p:cNvSpPr>
+          <p:nvPr>
+            <p:ph type="title"/>
+          </p:nvPr>
+        </p:nvSpPr>
+        <p:spPr/>
+        <p:txBody>
+          <a:bodyPr>
+            <a:noAutofit/>
+          </a:bodyPr>
+          <a:lstStyle/>
+          <a:p>
+            <a:r>
+              <a:rPr lang="en-US" sz="4400" dirty="0"/>
+              <a:t>How does each author vary with respect to basic sentence structure &amp; vocabulary?</a:t>
+            </a:r>
+            <a:br>
+              <a:rPr lang="en-US" sz="4400" dirty="0"/>
+            </a:br>
+            <a:endParaRPr lang="en-US" sz="4400" dirty="0"/>
+          </a:p>
+        </p:txBody>
+      </p:sp>
+      <p:pic>
+        <p:nvPicPr>
+          <p:cNvPr id="16" name="Content Placeholder 15">
+            <a:extLst>
+              <a:ext uri="{FF2B5EF4-FFF2-40B4-BE49-F238E27FC236}">
+                <a16:creationId xmlns:a16="http://schemas.microsoft.com/office/drawing/2014/main" id="{F59209F8-2AEE-4FDA-B97F-9AC5A9E2AF54}"/>
+              </a:ext>
+            </a:extLst>
+          </p:cNvPr>
+          <p:cNvPicPr>
+            <a:picLocks noGrp="1" noChangeAspect="1"/>
+          </p:cNvPicPr>
+          <p:nvPr>
+            <p:ph idx="1"/>
+          </p:nvPr>
+        </p:nvPicPr>
+        <p:blipFill>
+          <a:blip r:embed="rId2">
+            <a:extLst>
+              <a:ext uri="{28A0092B-C50C-407E-A947-70E740481C1C}">
+                <a14:useLocalDpi xmlns:a14="http://schemas.microsoft.com/office/drawing/2010/main" val="0"/>
+              </a:ext>
+            </a:extLst>
+          </a:blip>
+          <a:stretch>
+            <a:fillRect/>
+          </a:stretch>
+        </p:blipFill>
+        <p:spPr>
+          <a:xfrm>
+            <a:off x="3355969" y="2317746"/>
+            <a:ext cx="5486411" cy="3657607"/>
+          </a:xfrm>
+        </p:spPr>
+      </p:pic>
+    </p:spTree>
+    <p:extLst>
+      <p:ext uri="{BB962C8B-B14F-4D97-AF65-F5344CB8AC3E}">
+        <p14:creationId xmlns:p14="http://schemas.microsoft.com/office/powerpoint/2010/main" val="2666062564"/>
+      </p:ext>
+    </p:extLst>
+  </p:cSld>
+  <p:clrMapOvr>
+    <a:masterClrMapping/>
+  </p:clrMapOvr>
+</p:sld>
+</file>
+
+<file path=ppt/slides/slide7.xml><?xml version="1.0" encoding="utf-8"?>
+<p:sld xmlns:a="http://schemas.openxmlformats.org/drawingml/2006/main" xmlns:r="http://schemas.openxmlformats.org/officeDocument/2006/relationships" xmlns:p="http://schemas.openxmlformats.org/presentationml/2006/main">
+  <p:cSld>
+    <p:spTree>
+      <p:nvGrpSpPr>
+        <p:cNvPr id="1" name=""/>
+        <p:cNvGrpSpPr/>
+        <p:nvPr/>
+      </p:nvGrpSpPr>
+      <p:grpSpPr>
+        <a:xfrm>
+          <a:off x="0" y="0"/>
+          <a:ext cx="0" cy="0"/>
+          <a:chOff x="0" y="0"/>
+          <a:chExt cx="0" cy="0"/>
+        </a:xfrm>
+      </p:grpSpPr>
+      <p:sp>
+        <p:nvSpPr>
+          <p:cNvPr id="4" name="Title 1">
+            <a:extLst>
+              <a:ext uri="{FF2B5EF4-FFF2-40B4-BE49-F238E27FC236}">
+                <a16:creationId xmlns:a16="http://schemas.microsoft.com/office/drawing/2014/main" id="{99D4A6ED-0001-4721-9D85-4EA19BEC6117}"/>
+              </a:ext>
+            </a:extLst>
+          </p:cNvPr>
+          <p:cNvSpPr>
+            <a:spLocks noGrp="1"/>
+          </p:cNvSpPr>
+          <p:nvPr>
+            <p:ph type="title"/>
+          </p:nvPr>
+        </p:nvSpPr>
+        <p:spPr/>
+        <p:txBody>
+          <a:bodyPr>
+            <a:noAutofit/>
+          </a:bodyPr>
+          <a:lstStyle/>
+          <a:p>
+            <a:r>
+              <a:rPr lang="en-US" sz="4400" dirty="0"/>
+              <a:t>How does each author vary with respect to basic sentence structure &amp; vocabulary?</a:t>
+            </a:r>
+            <a:br>
+              <a:rPr lang="en-US" sz="4400" dirty="0"/>
+            </a:br>
+            <a:endParaRPr lang="en-US" sz="4400" dirty="0"/>
+          </a:p>
+        </p:txBody>
+      </p:sp>
+      <p:pic>
+        <p:nvPicPr>
+          <p:cNvPr id="3" name="Picture 2">
+            <a:extLst>
+              <a:ext uri="{FF2B5EF4-FFF2-40B4-BE49-F238E27FC236}">
+                <a16:creationId xmlns:a16="http://schemas.microsoft.com/office/drawing/2014/main" id="{BC14D39E-557F-4393-8796-0BA5BB935394}"/>
+              </a:ext>
+            </a:extLst>
+          </p:cNvPr>
+          <p:cNvPicPr>
+            <a:picLocks noChangeAspect="1"/>
+          </p:cNvPicPr>
+          <p:nvPr/>
+        </p:nvPicPr>
+        <p:blipFill>
+          <a:blip r:embed="rId2">
+            <a:extLst>
+              <a:ext uri="{28A0092B-C50C-407E-A947-70E740481C1C}">
+                <a14:useLocalDpi xmlns:a14="http://schemas.microsoft.com/office/drawing/2010/main" val="0"/>
+              </a:ext>
+            </a:extLst>
+          </a:blip>
+          <a:stretch>
+            <a:fillRect/>
+          </a:stretch>
+        </p:blipFill>
+        <p:spPr>
+          <a:xfrm>
+            <a:off x="2122819" y="1990768"/>
+            <a:ext cx="7409269" cy="4670530"/>
+          </a:xfrm>
+          <a:prstGeom prst="rect">
+            <a:avLst/>
+          </a:prstGeom>
+        </p:spPr>
+      </p:pic>
+    </p:spTree>
+    <p:extLst>
+      <p:ext uri="{BB962C8B-B14F-4D97-AF65-F5344CB8AC3E}">
+        <p14:creationId xmlns:p14="http://schemas.microsoft.com/office/powerpoint/2010/main" val="2067117052"/>
+      </p:ext>
+    </p:extLst>
+  </p:cSld>
+  <p:clrMapOvr>
+    <a:masterClrMapping/>
+  </p:clrMapOvr>
+</p:sld>
+</file>
+
 <file path=ppt/slides/slide8.xml><?xml version="1.0" encoding="utf-8"?>
 <p:sld xmlns:a="http://schemas.openxmlformats.org/drawingml/2006/main" xmlns:r="http://schemas.openxmlformats.org/officeDocument/2006/relationships" xmlns:p="http://schemas.openxmlformats.org/presentationml/2006/main">
   <p:cSld>
@@ -7303,7 +7267,7 @@
           <p:cNvPr id="4" name="Title 1">
             <a:extLst>
               <a:ext uri="{FF2B5EF4-FFF2-40B4-BE49-F238E27FC236}">
-                <a16:creationId xmlns:a16="http://schemas.microsoft.com/office/drawing/2014/main" xmlns="" id="{99D4A6ED-0001-4721-9D85-4EA19BEC6117}"/>
+                <a16:creationId xmlns:a16="http://schemas.microsoft.com/office/drawing/2014/main" id="{99D4A6ED-0001-4721-9D85-4EA19BEC6117}"/>
               </a:ext>
             </a:extLst>
           </p:cNvPr>
@@ -7334,19 +7298,17 @@
       </p:sp>
       <p:pic>
         <p:nvPicPr>
-          <p:cNvPr id="16" name="Content Placeholder 15">
+          <p:cNvPr id="12" name="Picture 11">
             <a:extLst>
               <a:ext uri="{FF2B5EF4-FFF2-40B4-BE49-F238E27FC236}">
-                <a16:creationId xmlns:a16="http://schemas.microsoft.com/office/drawing/2014/main" xmlns="" id="{F59209F8-2AEE-4FDA-B97F-9AC5A9E2AF54}"/>
+                <a16:creationId xmlns:a16="http://schemas.microsoft.com/office/drawing/2014/main" id="{CB5AEBFB-1A16-4DEF-9B79-EE9825E62CF8}"/>
               </a:ext>
             </a:extLst>
           </p:cNvPr>
           <p:cNvPicPr>
-            <a:picLocks noGrp="1" noChangeAspect="1"/>
+            <a:picLocks noChangeAspect="1"/>
           </p:cNvPicPr>
-          <p:nvPr>
-            <p:ph idx="1"/>
-          </p:nvPr>
+          <p:nvPr/>
         </p:nvPicPr>
         <p:blipFill>
           <a:blip r:embed="rId2">
@@ -7362,15 +7324,54 @@
         </p:blipFill>
         <p:spPr>
           <a:xfrm>
-            <a:off x="3355969" y="2317746"/>
+            <a:off x="5792966" y="2131823"/>
             <a:ext cx="5486411" cy="3657607"/>
           </a:xfrm>
+          <a:prstGeom prst="rect">
+            <a:avLst/>
+          </a:prstGeom>
+        </p:spPr>
+      </p:pic>
+      <p:pic>
+        <p:nvPicPr>
+          <p:cNvPr id="14" name="Picture 13">
+            <a:extLst>
+              <a:ext uri="{FF2B5EF4-FFF2-40B4-BE49-F238E27FC236}">
+                <a16:creationId xmlns:a16="http://schemas.microsoft.com/office/drawing/2014/main" id="{6C94D315-2A8E-4D8D-8544-7F7E2EE5D20E}"/>
+              </a:ext>
+            </a:extLst>
+          </p:cNvPr>
+          <p:cNvPicPr>
+            <a:picLocks noChangeAspect="1"/>
+          </p:cNvPicPr>
+          <p:nvPr/>
+        </p:nvPicPr>
+        <p:blipFill>
+          <a:blip r:embed="rId3">
+            <a:extLst>
+              <a:ext uri="{28A0092B-C50C-407E-A947-70E740481C1C}">
+                <a14:useLocalDpi xmlns:a14="http://schemas.microsoft.com/office/drawing/2010/main" val="0"/>
+              </a:ext>
+            </a:extLst>
+          </a:blip>
+          <a:stretch>
+            <a:fillRect/>
+          </a:stretch>
+        </p:blipFill>
+        <p:spPr>
+          <a:xfrm>
+            <a:off x="1063751" y="1972335"/>
+            <a:ext cx="5486411" cy="3657607"/>
+          </a:xfrm>
+          <a:prstGeom prst="rect">
+            <a:avLst/>
+          </a:prstGeom>
         </p:spPr>
       </p:pic>
     </p:spTree>
     <p:extLst>
       <p:ext uri="{BB962C8B-B14F-4D97-AF65-F5344CB8AC3E}">
-        <p14:creationId xmlns:p14="http://schemas.microsoft.com/office/powerpoint/2010/main" val="2666062564"/>
+        <p14:creationId xmlns:p14="http://schemas.microsoft.com/office/powerpoint/2010/main" val="1248692691"/>
       </p:ext>
     </p:extLst>
   </p:cSld>
@@ -7402,7 +7403,7 @@
           <p:cNvPr id="4" name="Title 1">
             <a:extLst>
               <a:ext uri="{FF2B5EF4-FFF2-40B4-BE49-F238E27FC236}">
-                <a16:creationId xmlns:a16="http://schemas.microsoft.com/office/drawing/2014/main" xmlns="" id="{99D4A6ED-0001-4721-9D85-4EA19BEC6117}"/>
+                <a16:creationId xmlns:a16="http://schemas.microsoft.com/office/drawing/2014/main" id="{99D4A6ED-0001-4721-9D85-4EA19BEC6117}"/>
               </a:ext>
             </a:extLst>
           </p:cNvPr>
@@ -7433,10 +7434,10 @@
       </p:sp>
       <p:pic>
         <p:nvPicPr>
-          <p:cNvPr id="13" name="Picture 12">
+          <p:cNvPr id="5" name="Picture 4">
             <a:extLst>
               <a:ext uri="{FF2B5EF4-FFF2-40B4-BE49-F238E27FC236}">
-                <a16:creationId xmlns:a16="http://schemas.microsoft.com/office/drawing/2014/main" xmlns="" id="{3BBC16EE-40FC-422D-A41E-510CCFD5A9C8}"/>
+                <a16:creationId xmlns:a16="http://schemas.microsoft.com/office/drawing/2014/main" id="{F2AD5FA3-6CFE-4E32-996C-3E7AEF163CAA}"/>
               </a:ext>
             </a:extLst>
           </p:cNvPr>
@@ -7459,8 +7460,8 @@
         </p:blipFill>
         <p:spPr>
           <a:xfrm>
-            <a:off x="3581394" y="2280680"/>
-            <a:ext cx="5486411" cy="3657607"/>
+            <a:off x="2636874" y="1890233"/>
+            <a:ext cx="6682563" cy="4455042"/>
           </a:xfrm>
           <a:prstGeom prst="rect">
             <a:avLst/>
@@ -7470,7 +7471,7 @@
     </p:spTree>
     <p:extLst>
       <p:ext uri="{BB962C8B-B14F-4D97-AF65-F5344CB8AC3E}">
-        <p14:creationId xmlns:p14="http://schemas.microsoft.com/office/powerpoint/2010/main" val="2067117052"/>
+        <p14:creationId xmlns:p14="http://schemas.microsoft.com/office/powerpoint/2010/main" val="1742898796"/>
       </p:ext>
     </p:extLst>
   </p:cSld>
@@ -7523,7 +7524,7 @@
     </a:clrScheme>
     <a:fontScheme name="Wood Type">
       <a:majorFont>
-        <a:latin typeface="Rockwell Condensed"/>
+        <a:latin typeface="Rockwell Condensed" panose="02060603050405020104"/>
         <a:ea typeface=""/>
         <a:cs typeface=""/>
         <a:font script="Grek" typeface="Cambria"/>
@@ -7559,7 +7560,7 @@
         <a:font script="Uigh" typeface="Microsoft Uighur"/>
       </a:majorFont>
       <a:minorFont>
-        <a:latin typeface="Rockwell"/>
+        <a:latin typeface="Rockwell" panose="02060603020205020403"/>
         <a:ea typeface=""/>
         <a:cs typeface=""/>
         <a:font script="Grek" typeface="Cambria"/>
@@ -7703,7 +7704,7 @@
   <a:extraClrSchemeLst/>
   <a:extLst>
     <a:ext uri="{05A4C25C-085E-4340-85A3-A5531E510DB2}">
-      <thm15:themeFamily xmlns:thm15="http://schemas.microsoft.com/office/thememl/2012/main" xmlns="" name="Wood Type" id="{7ACABC62-BF99-48CF-A9DC-4DB89C7B13DC}" vid="{142A1326-48AB-42A9-8428-CB14AA30176D}"/>
+      <thm15:themeFamily xmlns:thm15="http://schemas.microsoft.com/office/thememl/2012/main" name="Wood Type" id="{7ACABC62-BF99-48CF-A9DC-4DB89C7B13DC}" vid="{142A1326-48AB-42A9-8428-CB14AA30176D}"/>
     </a:ext>
   </a:extLst>
 </a:theme>

--- a/Predictive_Author_Presentation.pptx
+++ b/Predictive_Author_Presentation.pptx
@@ -19,12 +19,13 @@
     <p:sldId id="281" r:id="rId13"/>
     <p:sldId id="259" r:id="rId14"/>
     <p:sldId id="287" r:id="rId15"/>
-    <p:sldId id="278" r:id="rId16"/>
-    <p:sldId id="282" r:id="rId17"/>
-    <p:sldId id="283" r:id="rId18"/>
-    <p:sldId id="284" r:id="rId19"/>
-    <p:sldId id="285" r:id="rId20"/>
-    <p:sldId id="286" r:id="rId21"/>
+    <p:sldId id="288" r:id="rId16"/>
+    <p:sldId id="278" r:id="rId17"/>
+    <p:sldId id="282" r:id="rId18"/>
+    <p:sldId id="283" r:id="rId19"/>
+    <p:sldId id="284" r:id="rId20"/>
+    <p:sldId id="285" r:id="rId21"/>
+    <p:sldId id="286" r:id="rId22"/>
   </p:sldIdLst>
   <p:sldSz cx="12192000" cy="6858000"/>
   <p:notesSz cx="6858000" cy="9144000"/>
@@ -5535,7 +5536,7 @@
       </p:sp>
       <p:pic>
         <p:nvPicPr>
-          <p:cNvPr id="4" name="Picture 3" descr="Screen Shot 2017-12-08 at 5.48.18 PM.png"/>
+          <p:cNvPr id="5" name="Picture 4" descr="Screen Shot 2017-12-08 at 5.45.50 PM.png"/>
           <p:cNvPicPr>
             <a:picLocks noChangeAspect="1"/>
           </p:cNvPicPr>
@@ -5543,36 +5544,6 @@
         </p:nvPicPr>
         <p:blipFill>
           <a:blip r:embed="rId2">
-            <a:extLst>
-              <a:ext uri="{28A0092B-C50C-407E-A947-70E740481C1C}">
-                <a14:useLocalDpi xmlns:a14="http://schemas.microsoft.com/office/drawing/2010/main" val="0"/>
-              </a:ext>
-            </a:extLst>
-          </a:blip>
-          <a:stretch>
-            <a:fillRect/>
-          </a:stretch>
-        </p:blipFill>
-        <p:spPr>
-          <a:xfrm>
-            <a:off x="3147343" y="4629081"/>
-            <a:ext cx="3414147" cy="1776208"/>
-          </a:xfrm>
-          <a:prstGeom prst="rect">
-            <a:avLst/>
-          </a:prstGeom>
-        </p:spPr>
-      </p:pic>
-      <p:pic>
-        <p:nvPicPr>
-          <p:cNvPr id="5" name="Picture 4" descr="Screen Shot 2017-12-08 at 5.45.50 PM.png"/>
-          <p:cNvPicPr>
-            <a:picLocks noChangeAspect="1"/>
-          </p:cNvPicPr>
-          <p:nvPr/>
-        </p:nvPicPr>
-        <p:blipFill>
-          <a:blip r:embed="rId3">
             <a:extLst>
               <a:ext uri="{28A0092B-C50C-407E-A947-70E740481C1C}">
                 <a14:useLocalDpi xmlns:a14="http://schemas.microsoft.com/office/drawing/2010/main" val="0"/>
@@ -5593,6 +5564,1076 @@
           </a:prstGeom>
         </p:spPr>
       </p:pic>
+      <p:graphicFrame>
+        <p:nvGraphicFramePr>
+          <p:cNvPr id="6" name="Table 5">
+            <a:extLst>
+              <a:ext uri="{FF2B5EF4-FFF2-40B4-BE49-F238E27FC236}">
+                <a16:creationId xmlns:a16="http://schemas.microsoft.com/office/drawing/2014/main" id="{47E389B1-651E-4DFE-BF70-FCB968604DB5}"/>
+              </a:ext>
+            </a:extLst>
+          </p:cNvPr>
+          <p:cNvGraphicFramePr>
+            <a:graphicFrameLocks noGrp="1"/>
+          </p:cNvGraphicFramePr>
+          <p:nvPr>
+            <p:extLst>
+              <p:ext uri="{D42A27DB-BD31-4B8C-83A1-F6EECF244321}">
+                <p14:modId xmlns:p14="http://schemas.microsoft.com/office/powerpoint/2010/main" val="1944585155"/>
+              </p:ext>
+            </p:extLst>
+          </p:nvPr>
+        </p:nvGraphicFramePr>
+        <p:xfrm>
+          <a:off x="3471530" y="4899910"/>
+          <a:ext cx="2719796" cy="1473458"/>
+        </p:xfrm>
+        <a:graphic>
+          <a:graphicData uri="http://schemas.openxmlformats.org/drawingml/2006/table">
+            <a:tbl>
+              <a:tblPr/>
+              <a:tblGrid>
+                <a:gridCol w="679949">
+                  <a:extLst>
+                    <a:ext uri="{9D8B030D-6E8A-4147-A177-3AD203B41FA5}">
+                      <a16:colId xmlns:a16="http://schemas.microsoft.com/office/drawing/2014/main" val="153112976"/>
+                    </a:ext>
+                  </a:extLst>
+                </a:gridCol>
+                <a:gridCol w="679949">
+                  <a:extLst>
+                    <a:ext uri="{9D8B030D-6E8A-4147-A177-3AD203B41FA5}">
+                      <a16:colId xmlns:a16="http://schemas.microsoft.com/office/drawing/2014/main" val="85215118"/>
+                    </a:ext>
+                  </a:extLst>
+                </a:gridCol>
+                <a:gridCol w="679949">
+                  <a:extLst>
+                    <a:ext uri="{9D8B030D-6E8A-4147-A177-3AD203B41FA5}">
+                      <a16:colId xmlns:a16="http://schemas.microsoft.com/office/drawing/2014/main" val="1926686101"/>
+                    </a:ext>
+                  </a:extLst>
+                </a:gridCol>
+                <a:gridCol w="679949">
+                  <a:extLst>
+                    <a:ext uri="{9D8B030D-6E8A-4147-A177-3AD203B41FA5}">
+                      <a16:colId xmlns:a16="http://schemas.microsoft.com/office/drawing/2014/main" val="2932287004"/>
+                    </a:ext>
+                  </a:extLst>
+                </a:gridCol>
+              </a:tblGrid>
+              <a:tr h="210494">
+                <a:tc>
+                  <a:txBody>
+                    <a:bodyPr/>
+                    <a:lstStyle/>
+                    <a:p>
+                      <a:pPr algn="l" fontAlgn="b"/>
+                      <a:r>
+                        <a:rPr lang="en-US" sz="1100" b="1" i="0" u="none" strike="noStrike">
+                          <a:solidFill>
+                            <a:srgbClr val="000000"/>
+                          </a:solidFill>
+                          <a:effectLst/>
+                          <a:latin typeface="Calibri" panose="020F0502020204030204" pitchFamily="34" charset="0"/>
+                        </a:rPr>
+                        <a:t>id</a:t>
+                      </a:r>
+                    </a:p>
+                  </a:txBody>
+                  <a:tcPr marL="3175" marR="3175" marT="3175" marB="0" anchor="b">
+                    <a:lnL>
+                      <a:noFill/>
+                    </a:lnL>
+                    <a:lnR>
+                      <a:noFill/>
+                    </a:lnR>
+                    <a:lnT>
+                      <a:noFill/>
+                    </a:lnT>
+                    <a:lnB>
+                      <a:noFill/>
+                    </a:lnB>
+                  </a:tcPr>
+                </a:tc>
+                <a:tc>
+                  <a:txBody>
+                    <a:bodyPr/>
+                    <a:lstStyle/>
+                    <a:p>
+                      <a:pPr algn="l" fontAlgn="b"/>
+                      <a:r>
+                        <a:rPr lang="en-US" sz="1100" b="1" i="0" u="none" strike="noStrike">
+                          <a:solidFill>
+                            <a:srgbClr val="000000"/>
+                          </a:solidFill>
+                          <a:effectLst/>
+                          <a:latin typeface="Calibri" panose="020F0502020204030204" pitchFamily="34" charset="0"/>
+                        </a:rPr>
+                        <a:t>EAP</a:t>
+                      </a:r>
+                    </a:p>
+                  </a:txBody>
+                  <a:tcPr marL="3175" marR="3175" marT="3175" marB="0" anchor="b">
+                    <a:lnL>
+                      <a:noFill/>
+                    </a:lnL>
+                    <a:lnR>
+                      <a:noFill/>
+                    </a:lnR>
+                    <a:lnT>
+                      <a:noFill/>
+                    </a:lnT>
+                    <a:lnB>
+                      <a:noFill/>
+                    </a:lnB>
+                  </a:tcPr>
+                </a:tc>
+                <a:tc>
+                  <a:txBody>
+                    <a:bodyPr/>
+                    <a:lstStyle/>
+                    <a:p>
+                      <a:pPr algn="l" fontAlgn="b"/>
+                      <a:r>
+                        <a:rPr lang="en-US" sz="1100" b="1" i="0" u="none" strike="noStrike">
+                          <a:solidFill>
+                            <a:srgbClr val="000000"/>
+                          </a:solidFill>
+                          <a:effectLst/>
+                          <a:latin typeface="Calibri" panose="020F0502020204030204" pitchFamily="34" charset="0"/>
+                        </a:rPr>
+                        <a:t>HPL</a:t>
+                      </a:r>
+                    </a:p>
+                  </a:txBody>
+                  <a:tcPr marL="3175" marR="3175" marT="3175" marB="0" anchor="b">
+                    <a:lnL>
+                      <a:noFill/>
+                    </a:lnL>
+                    <a:lnR>
+                      <a:noFill/>
+                    </a:lnR>
+                    <a:lnT>
+                      <a:noFill/>
+                    </a:lnT>
+                    <a:lnB>
+                      <a:noFill/>
+                    </a:lnB>
+                  </a:tcPr>
+                </a:tc>
+                <a:tc>
+                  <a:txBody>
+                    <a:bodyPr/>
+                    <a:lstStyle/>
+                    <a:p>
+                      <a:pPr algn="l" fontAlgn="b"/>
+                      <a:r>
+                        <a:rPr lang="en-US" sz="1100" b="1" i="0" u="none" strike="noStrike">
+                          <a:solidFill>
+                            <a:srgbClr val="000000"/>
+                          </a:solidFill>
+                          <a:effectLst/>
+                          <a:latin typeface="Calibri" panose="020F0502020204030204" pitchFamily="34" charset="0"/>
+                        </a:rPr>
+                        <a:t>MWS</a:t>
+                      </a:r>
+                    </a:p>
+                  </a:txBody>
+                  <a:tcPr marL="3175" marR="3175" marT="3175" marB="0" anchor="b">
+                    <a:lnL>
+                      <a:noFill/>
+                    </a:lnL>
+                    <a:lnR>
+                      <a:noFill/>
+                    </a:lnR>
+                    <a:lnT>
+                      <a:noFill/>
+                    </a:lnT>
+                    <a:lnB>
+                      <a:noFill/>
+                    </a:lnB>
+                  </a:tcPr>
+                </a:tc>
+                <a:extLst>
+                  <a:ext uri="{0D108BD9-81ED-4DB2-BD59-A6C34878D82A}">
+                    <a16:rowId xmlns:a16="http://schemas.microsoft.com/office/drawing/2014/main" val="3031462215"/>
+                  </a:ext>
+                </a:extLst>
+              </a:tr>
+              <a:tr h="210494">
+                <a:tc>
+                  <a:txBody>
+                    <a:bodyPr/>
+                    <a:lstStyle/>
+                    <a:p>
+                      <a:pPr algn="l" fontAlgn="b"/>
+                      <a:r>
+                        <a:rPr lang="en-US" sz="1100" b="1" i="0" u="none" strike="noStrike">
+                          <a:solidFill>
+                            <a:srgbClr val="000000"/>
+                          </a:solidFill>
+                          <a:effectLst/>
+                          <a:latin typeface="Calibri" panose="020F0502020204030204" pitchFamily="34" charset="0"/>
+                        </a:rPr>
+                        <a:t>id02310</a:t>
+                      </a:r>
+                    </a:p>
+                  </a:txBody>
+                  <a:tcPr marL="3175" marR="3175" marT="3175" marB="0" anchor="b">
+                    <a:lnL>
+                      <a:noFill/>
+                    </a:lnL>
+                    <a:lnR>
+                      <a:noFill/>
+                    </a:lnR>
+                    <a:lnT>
+                      <a:noFill/>
+                    </a:lnT>
+                    <a:lnB>
+                      <a:noFill/>
+                    </a:lnB>
+                  </a:tcPr>
+                </a:tc>
+                <a:tc>
+                  <a:txBody>
+                    <a:bodyPr/>
+                    <a:lstStyle/>
+                    <a:p>
+                      <a:pPr algn="r" fontAlgn="b"/>
+                      <a:r>
+                        <a:rPr lang="en-US" sz="1100" b="1" i="0" u="none" strike="noStrike">
+                          <a:solidFill>
+                            <a:srgbClr val="000000"/>
+                          </a:solidFill>
+                          <a:effectLst/>
+                          <a:latin typeface="Calibri" panose="020F0502020204030204" pitchFamily="34" charset="0"/>
+                        </a:rPr>
+                        <a:t>0.000157</a:t>
+                      </a:r>
+                    </a:p>
+                  </a:txBody>
+                  <a:tcPr marL="3175" marR="3175" marT="3175" marB="0" anchor="b">
+                    <a:lnL>
+                      <a:noFill/>
+                    </a:lnL>
+                    <a:lnR>
+                      <a:noFill/>
+                    </a:lnR>
+                    <a:lnT>
+                      <a:noFill/>
+                    </a:lnT>
+                    <a:lnB>
+                      <a:noFill/>
+                    </a:lnB>
+                  </a:tcPr>
+                </a:tc>
+                <a:tc>
+                  <a:txBody>
+                    <a:bodyPr/>
+                    <a:lstStyle/>
+                    <a:p>
+                      <a:pPr algn="r" fontAlgn="b"/>
+                      <a:r>
+                        <a:rPr lang="en-US" sz="1100" b="1" i="0" u="none" strike="noStrike">
+                          <a:solidFill>
+                            <a:srgbClr val="000000"/>
+                          </a:solidFill>
+                          <a:effectLst/>
+                          <a:latin typeface="Calibri" panose="020F0502020204030204" pitchFamily="34" charset="0"/>
+                        </a:rPr>
+                        <a:t>1.25E-05</a:t>
+                      </a:r>
+                    </a:p>
+                  </a:txBody>
+                  <a:tcPr marL="3175" marR="3175" marT="3175" marB="0" anchor="b">
+                    <a:lnL>
+                      <a:noFill/>
+                    </a:lnL>
+                    <a:lnR>
+                      <a:noFill/>
+                    </a:lnR>
+                    <a:lnT>
+                      <a:noFill/>
+                    </a:lnT>
+                    <a:lnB>
+                      <a:noFill/>
+                    </a:lnB>
+                  </a:tcPr>
+                </a:tc>
+                <a:tc>
+                  <a:txBody>
+                    <a:bodyPr/>
+                    <a:lstStyle/>
+                    <a:p>
+                      <a:pPr algn="r" fontAlgn="b"/>
+                      <a:r>
+                        <a:rPr lang="en-US" sz="1100" b="1" i="0" u="none" strike="noStrike">
+                          <a:solidFill>
+                            <a:srgbClr val="000000"/>
+                          </a:solidFill>
+                          <a:effectLst/>
+                          <a:latin typeface="Calibri" panose="020F0502020204030204" pitchFamily="34" charset="0"/>
+                        </a:rPr>
+                        <a:t>0.99983</a:t>
+                      </a:r>
+                    </a:p>
+                  </a:txBody>
+                  <a:tcPr marL="3175" marR="3175" marT="3175" marB="0" anchor="b">
+                    <a:lnL>
+                      <a:noFill/>
+                    </a:lnL>
+                    <a:lnR>
+                      <a:noFill/>
+                    </a:lnR>
+                    <a:lnT>
+                      <a:noFill/>
+                    </a:lnT>
+                    <a:lnB>
+                      <a:noFill/>
+                    </a:lnB>
+                  </a:tcPr>
+                </a:tc>
+                <a:extLst>
+                  <a:ext uri="{0D108BD9-81ED-4DB2-BD59-A6C34878D82A}">
+                    <a16:rowId xmlns:a16="http://schemas.microsoft.com/office/drawing/2014/main" val="3273377316"/>
+                  </a:ext>
+                </a:extLst>
+              </a:tr>
+              <a:tr h="210494">
+                <a:tc>
+                  <a:txBody>
+                    <a:bodyPr/>
+                    <a:lstStyle/>
+                    <a:p>
+                      <a:pPr algn="l" fontAlgn="b"/>
+                      <a:r>
+                        <a:rPr lang="en-US" sz="1100" b="1" i="0" u="none" strike="noStrike">
+                          <a:solidFill>
+                            <a:srgbClr val="000000"/>
+                          </a:solidFill>
+                          <a:effectLst/>
+                          <a:latin typeface="Calibri" panose="020F0502020204030204" pitchFamily="34" charset="0"/>
+                        </a:rPr>
+                        <a:t>id24541</a:t>
+                      </a:r>
+                    </a:p>
+                  </a:txBody>
+                  <a:tcPr marL="3175" marR="3175" marT="3175" marB="0" anchor="b">
+                    <a:lnL>
+                      <a:noFill/>
+                    </a:lnL>
+                    <a:lnR>
+                      <a:noFill/>
+                    </a:lnR>
+                    <a:lnT>
+                      <a:noFill/>
+                    </a:lnT>
+                    <a:lnB>
+                      <a:noFill/>
+                    </a:lnB>
+                  </a:tcPr>
+                </a:tc>
+                <a:tc>
+                  <a:txBody>
+                    <a:bodyPr/>
+                    <a:lstStyle/>
+                    <a:p>
+                      <a:pPr algn="r" fontAlgn="b"/>
+                      <a:r>
+                        <a:rPr lang="en-US" sz="1100" b="1" i="0" u="none" strike="noStrike">
+                          <a:solidFill>
+                            <a:srgbClr val="000000"/>
+                          </a:solidFill>
+                          <a:effectLst/>
+                          <a:latin typeface="Calibri" panose="020F0502020204030204" pitchFamily="34" charset="0"/>
+                        </a:rPr>
+                        <a:t>1</a:t>
+                      </a:r>
+                    </a:p>
+                  </a:txBody>
+                  <a:tcPr marL="3175" marR="3175" marT="3175" marB="0" anchor="b">
+                    <a:lnL>
+                      <a:noFill/>
+                    </a:lnL>
+                    <a:lnR>
+                      <a:noFill/>
+                    </a:lnR>
+                    <a:lnT>
+                      <a:noFill/>
+                    </a:lnT>
+                    <a:lnB>
+                      <a:noFill/>
+                    </a:lnB>
+                  </a:tcPr>
+                </a:tc>
+                <a:tc>
+                  <a:txBody>
+                    <a:bodyPr/>
+                    <a:lstStyle/>
+                    <a:p>
+                      <a:pPr algn="r" fontAlgn="b"/>
+                      <a:r>
+                        <a:rPr lang="en-US" sz="1100" b="1" i="0" u="none" strike="noStrike">
+                          <a:solidFill>
+                            <a:srgbClr val="000000"/>
+                          </a:solidFill>
+                          <a:effectLst/>
+                          <a:latin typeface="Calibri" panose="020F0502020204030204" pitchFamily="34" charset="0"/>
+                        </a:rPr>
+                        <a:t>3.34E-08</a:t>
+                      </a:r>
+                    </a:p>
+                  </a:txBody>
+                  <a:tcPr marL="3175" marR="3175" marT="3175" marB="0" anchor="b">
+                    <a:lnL>
+                      <a:noFill/>
+                    </a:lnL>
+                    <a:lnR>
+                      <a:noFill/>
+                    </a:lnR>
+                    <a:lnT>
+                      <a:noFill/>
+                    </a:lnT>
+                    <a:lnB>
+                      <a:noFill/>
+                    </a:lnB>
+                  </a:tcPr>
+                </a:tc>
+                <a:tc>
+                  <a:txBody>
+                    <a:bodyPr/>
+                    <a:lstStyle/>
+                    <a:p>
+                      <a:pPr algn="r" fontAlgn="b"/>
+                      <a:r>
+                        <a:rPr lang="en-US" sz="1100" b="1" i="0" u="none" strike="noStrike">
+                          <a:solidFill>
+                            <a:srgbClr val="000000"/>
+                          </a:solidFill>
+                          <a:effectLst/>
+                          <a:latin typeface="Calibri" panose="020F0502020204030204" pitchFamily="34" charset="0"/>
+                        </a:rPr>
+                        <a:t>2.29E-10</a:t>
+                      </a:r>
+                    </a:p>
+                  </a:txBody>
+                  <a:tcPr marL="3175" marR="3175" marT="3175" marB="0" anchor="b">
+                    <a:lnL>
+                      <a:noFill/>
+                    </a:lnL>
+                    <a:lnR>
+                      <a:noFill/>
+                    </a:lnR>
+                    <a:lnT>
+                      <a:noFill/>
+                    </a:lnT>
+                    <a:lnB>
+                      <a:noFill/>
+                    </a:lnB>
+                  </a:tcPr>
+                </a:tc>
+                <a:extLst>
+                  <a:ext uri="{0D108BD9-81ED-4DB2-BD59-A6C34878D82A}">
+                    <a16:rowId xmlns:a16="http://schemas.microsoft.com/office/drawing/2014/main" val="2716137747"/>
+                  </a:ext>
+                </a:extLst>
+              </a:tr>
+              <a:tr h="210494">
+                <a:tc>
+                  <a:txBody>
+                    <a:bodyPr/>
+                    <a:lstStyle/>
+                    <a:p>
+                      <a:pPr algn="l" fontAlgn="b"/>
+                      <a:r>
+                        <a:rPr lang="en-US" sz="1100" b="1" i="0" u="none" strike="noStrike">
+                          <a:solidFill>
+                            <a:srgbClr val="000000"/>
+                          </a:solidFill>
+                          <a:effectLst/>
+                          <a:latin typeface="Calibri" panose="020F0502020204030204" pitchFamily="34" charset="0"/>
+                        </a:rPr>
+                        <a:t>id00134</a:t>
+                      </a:r>
+                    </a:p>
+                  </a:txBody>
+                  <a:tcPr marL="3175" marR="3175" marT="3175" marB="0" anchor="b">
+                    <a:lnL>
+                      <a:noFill/>
+                    </a:lnL>
+                    <a:lnR>
+                      <a:noFill/>
+                    </a:lnR>
+                    <a:lnT>
+                      <a:noFill/>
+                    </a:lnT>
+                    <a:lnB>
+                      <a:noFill/>
+                    </a:lnB>
+                  </a:tcPr>
+                </a:tc>
+                <a:tc>
+                  <a:txBody>
+                    <a:bodyPr/>
+                    <a:lstStyle/>
+                    <a:p>
+                      <a:pPr algn="r" fontAlgn="b"/>
+                      <a:r>
+                        <a:rPr lang="en-US" sz="1100" b="1" i="0" u="none" strike="noStrike">
+                          <a:solidFill>
+                            <a:srgbClr val="000000"/>
+                          </a:solidFill>
+                          <a:effectLst/>
+                          <a:latin typeface="Calibri" panose="020F0502020204030204" pitchFamily="34" charset="0"/>
+                        </a:rPr>
+                        <a:t>0.002127</a:t>
+                      </a:r>
+                    </a:p>
+                  </a:txBody>
+                  <a:tcPr marL="3175" marR="3175" marT="3175" marB="0" anchor="b">
+                    <a:lnL>
+                      <a:noFill/>
+                    </a:lnL>
+                    <a:lnR>
+                      <a:noFill/>
+                    </a:lnR>
+                    <a:lnT>
+                      <a:noFill/>
+                    </a:lnT>
+                    <a:lnB>
+                      <a:noFill/>
+                    </a:lnB>
+                  </a:tcPr>
+                </a:tc>
+                <a:tc>
+                  <a:txBody>
+                    <a:bodyPr/>
+                    <a:lstStyle/>
+                    <a:p>
+                      <a:pPr algn="r" fontAlgn="b"/>
+                      <a:r>
+                        <a:rPr lang="en-US" sz="1100" b="1" i="0" u="none" strike="noStrike">
+                          <a:solidFill>
+                            <a:srgbClr val="000000"/>
+                          </a:solidFill>
+                          <a:effectLst/>
+                          <a:latin typeface="Calibri" panose="020F0502020204030204" pitchFamily="34" charset="0"/>
+                        </a:rPr>
+                        <a:t>0.997873</a:t>
+                      </a:r>
+                    </a:p>
+                  </a:txBody>
+                  <a:tcPr marL="3175" marR="3175" marT="3175" marB="0" anchor="b">
+                    <a:lnL>
+                      <a:noFill/>
+                    </a:lnL>
+                    <a:lnR>
+                      <a:noFill/>
+                    </a:lnR>
+                    <a:lnT>
+                      <a:noFill/>
+                    </a:lnT>
+                    <a:lnB>
+                      <a:noFill/>
+                    </a:lnB>
+                  </a:tcPr>
+                </a:tc>
+                <a:tc>
+                  <a:txBody>
+                    <a:bodyPr/>
+                    <a:lstStyle/>
+                    <a:p>
+                      <a:pPr algn="r" fontAlgn="b"/>
+                      <a:r>
+                        <a:rPr lang="en-US" sz="1100" b="1" i="0" u="none" strike="noStrike">
+                          <a:solidFill>
+                            <a:srgbClr val="000000"/>
+                          </a:solidFill>
+                          <a:effectLst/>
+                          <a:latin typeface="Calibri" panose="020F0502020204030204" pitchFamily="34" charset="0"/>
+                        </a:rPr>
+                        <a:t>2.41E-08</a:t>
+                      </a:r>
+                    </a:p>
+                  </a:txBody>
+                  <a:tcPr marL="3175" marR="3175" marT="3175" marB="0" anchor="b">
+                    <a:lnL>
+                      <a:noFill/>
+                    </a:lnL>
+                    <a:lnR>
+                      <a:noFill/>
+                    </a:lnR>
+                    <a:lnT>
+                      <a:noFill/>
+                    </a:lnT>
+                    <a:lnB>
+                      <a:noFill/>
+                    </a:lnB>
+                  </a:tcPr>
+                </a:tc>
+                <a:extLst>
+                  <a:ext uri="{0D108BD9-81ED-4DB2-BD59-A6C34878D82A}">
+                    <a16:rowId xmlns:a16="http://schemas.microsoft.com/office/drawing/2014/main" val="2276550534"/>
+                  </a:ext>
+                </a:extLst>
+              </a:tr>
+              <a:tr h="210494">
+                <a:tc>
+                  <a:txBody>
+                    <a:bodyPr/>
+                    <a:lstStyle/>
+                    <a:p>
+                      <a:pPr algn="l" fontAlgn="b"/>
+                      <a:r>
+                        <a:rPr lang="en-US" sz="1100" b="1" i="0" u="none" strike="noStrike">
+                          <a:solidFill>
+                            <a:srgbClr val="000000"/>
+                          </a:solidFill>
+                          <a:effectLst/>
+                          <a:latin typeface="Calibri" panose="020F0502020204030204" pitchFamily="34" charset="0"/>
+                        </a:rPr>
+                        <a:t>id27757</a:t>
+                      </a:r>
+                    </a:p>
+                  </a:txBody>
+                  <a:tcPr marL="3175" marR="3175" marT="3175" marB="0" anchor="b">
+                    <a:lnL>
+                      <a:noFill/>
+                    </a:lnL>
+                    <a:lnR>
+                      <a:noFill/>
+                    </a:lnR>
+                    <a:lnT>
+                      <a:noFill/>
+                    </a:lnT>
+                    <a:lnB>
+                      <a:noFill/>
+                    </a:lnB>
+                  </a:tcPr>
+                </a:tc>
+                <a:tc>
+                  <a:txBody>
+                    <a:bodyPr/>
+                    <a:lstStyle/>
+                    <a:p>
+                      <a:pPr algn="r" fontAlgn="b"/>
+                      <a:r>
+                        <a:rPr lang="en-US" sz="1100" b="1" i="0" u="none" strike="noStrike">
+                          <a:solidFill>
+                            <a:srgbClr val="000000"/>
+                          </a:solidFill>
+                          <a:effectLst/>
+                          <a:latin typeface="Calibri" panose="020F0502020204030204" pitchFamily="34" charset="0"/>
+                        </a:rPr>
+                        <a:t>0.198285</a:t>
+                      </a:r>
+                    </a:p>
+                  </a:txBody>
+                  <a:tcPr marL="3175" marR="3175" marT="3175" marB="0" anchor="b">
+                    <a:lnL>
+                      <a:noFill/>
+                    </a:lnL>
+                    <a:lnR>
+                      <a:noFill/>
+                    </a:lnR>
+                    <a:lnT>
+                      <a:noFill/>
+                    </a:lnT>
+                    <a:lnB>
+                      <a:noFill/>
+                    </a:lnB>
+                  </a:tcPr>
+                </a:tc>
+                <a:tc>
+                  <a:txBody>
+                    <a:bodyPr/>
+                    <a:lstStyle/>
+                    <a:p>
+                      <a:pPr algn="r" fontAlgn="b"/>
+                      <a:r>
+                        <a:rPr lang="en-US" sz="1100" b="1" i="0" u="none" strike="noStrike">
+                          <a:solidFill>
+                            <a:srgbClr val="000000"/>
+                          </a:solidFill>
+                          <a:effectLst/>
+                          <a:latin typeface="Calibri" panose="020F0502020204030204" pitchFamily="34" charset="0"/>
+                        </a:rPr>
+                        <a:t>0.801715</a:t>
+                      </a:r>
+                    </a:p>
+                  </a:txBody>
+                  <a:tcPr marL="3175" marR="3175" marT="3175" marB="0" anchor="b">
+                    <a:lnL>
+                      <a:noFill/>
+                    </a:lnL>
+                    <a:lnR>
+                      <a:noFill/>
+                    </a:lnR>
+                    <a:lnT>
+                      <a:noFill/>
+                    </a:lnT>
+                    <a:lnB>
+                      <a:noFill/>
+                    </a:lnB>
+                  </a:tcPr>
+                </a:tc>
+                <a:tc>
+                  <a:txBody>
+                    <a:bodyPr/>
+                    <a:lstStyle/>
+                    <a:p>
+                      <a:pPr algn="r" fontAlgn="b"/>
+                      <a:r>
+                        <a:rPr lang="en-US" sz="1100" b="1" i="0" u="none" strike="noStrike">
+                          <a:solidFill>
+                            <a:srgbClr val="000000"/>
+                          </a:solidFill>
+                          <a:effectLst/>
+                          <a:latin typeface="Calibri" panose="020F0502020204030204" pitchFamily="34" charset="0"/>
+                        </a:rPr>
+                        <a:t>8.94E-10</a:t>
+                      </a:r>
+                    </a:p>
+                  </a:txBody>
+                  <a:tcPr marL="3175" marR="3175" marT="3175" marB="0" anchor="b">
+                    <a:lnL>
+                      <a:noFill/>
+                    </a:lnL>
+                    <a:lnR>
+                      <a:noFill/>
+                    </a:lnR>
+                    <a:lnT>
+                      <a:noFill/>
+                    </a:lnT>
+                    <a:lnB>
+                      <a:noFill/>
+                    </a:lnB>
+                  </a:tcPr>
+                </a:tc>
+                <a:extLst>
+                  <a:ext uri="{0D108BD9-81ED-4DB2-BD59-A6C34878D82A}">
+                    <a16:rowId xmlns:a16="http://schemas.microsoft.com/office/drawing/2014/main" val="3776964931"/>
+                  </a:ext>
+                </a:extLst>
+              </a:tr>
+              <a:tr h="210494">
+                <a:tc>
+                  <a:txBody>
+                    <a:bodyPr/>
+                    <a:lstStyle/>
+                    <a:p>
+                      <a:pPr algn="l" fontAlgn="b"/>
+                      <a:r>
+                        <a:rPr lang="en-US" sz="1100" b="1" i="0" u="none" strike="noStrike">
+                          <a:solidFill>
+                            <a:srgbClr val="000000"/>
+                          </a:solidFill>
+                          <a:effectLst/>
+                          <a:latin typeface="Calibri" panose="020F0502020204030204" pitchFamily="34" charset="0"/>
+                        </a:rPr>
+                        <a:t>id04081</a:t>
+                      </a:r>
+                    </a:p>
+                  </a:txBody>
+                  <a:tcPr marL="3175" marR="3175" marT="3175" marB="0" anchor="b">
+                    <a:lnL>
+                      <a:noFill/>
+                    </a:lnL>
+                    <a:lnR>
+                      <a:noFill/>
+                    </a:lnR>
+                    <a:lnT>
+                      <a:noFill/>
+                    </a:lnT>
+                    <a:lnB>
+                      <a:noFill/>
+                    </a:lnB>
+                  </a:tcPr>
+                </a:tc>
+                <a:tc>
+                  <a:txBody>
+                    <a:bodyPr/>
+                    <a:lstStyle/>
+                    <a:p>
+                      <a:pPr algn="r" fontAlgn="b"/>
+                      <a:r>
+                        <a:rPr lang="en-US" sz="1100" b="1" i="0" u="none" strike="noStrike">
+                          <a:solidFill>
+                            <a:srgbClr val="000000"/>
+                          </a:solidFill>
+                          <a:effectLst/>
+                          <a:latin typeface="Calibri" panose="020F0502020204030204" pitchFamily="34" charset="0"/>
+                        </a:rPr>
+                        <a:t>0.965762</a:t>
+                      </a:r>
+                    </a:p>
+                  </a:txBody>
+                  <a:tcPr marL="3175" marR="3175" marT="3175" marB="0" anchor="b">
+                    <a:lnL>
+                      <a:noFill/>
+                    </a:lnL>
+                    <a:lnR>
+                      <a:noFill/>
+                    </a:lnR>
+                    <a:lnT>
+                      <a:noFill/>
+                    </a:lnT>
+                    <a:lnB>
+                      <a:noFill/>
+                    </a:lnB>
+                  </a:tcPr>
+                </a:tc>
+                <a:tc>
+                  <a:txBody>
+                    <a:bodyPr/>
+                    <a:lstStyle/>
+                    <a:p>
+                      <a:pPr algn="r" fontAlgn="b"/>
+                      <a:r>
+                        <a:rPr lang="en-US" sz="1100" b="1" i="0" u="none" strike="noStrike">
+                          <a:solidFill>
+                            <a:srgbClr val="000000"/>
+                          </a:solidFill>
+                          <a:effectLst/>
+                          <a:latin typeface="Calibri" panose="020F0502020204030204" pitchFamily="34" charset="0"/>
+                        </a:rPr>
+                        <a:t>0.00947</a:t>
+                      </a:r>
+                    </a:p>
+                  </a:txBody>
+                  <a:tcPr marL="3175" marR="3175" marT="3175" marB="0" anchor="b">
+                    <a:lnL>
+                      <a:noFill/>
+                    </a:lnL>
+                    <a:lnR>
+                      <a:noFill/>
+                    </a:lnR>
+                    <a:lnT>
+                      <a:noFill/>
+                    </a:lnT>
+                    <a:lnB>
+                      <a:noFill/>
+                    </a:lnB>
+                  </a:tcPr>
+                </a:tc>
+                <a:tc>
+                  <a:txBody>
+                    <a:bodyPr/>
+                    <a:lstStyle/>
+                    <a:p>
+                      <a:pPr algn="r" fontAlgn="b"/>
+                      <a:r>
+                        <a:rPr lang="en-US" sz="1100" b="1" i="0" u="none" strike="noStrike">
+                          <a:solidFill>
+                            <a:srgbClr val="000000"/>
+                          </a:solidFill>
+                          <a:effectLst/>
+                          <a:latin typeface="Calibri" panose="020F0502020204030204" pitchFamily="34" charset="0"/>
+                        </a:rPr>
+                        <a:t>0.024767</a:t>
+                      </a:r>
+                    </a:p>
+                  </a:txBody>
+                  <a:tcPr marL="3175" marR="3175" marT="3175" marB="0" anchor="b">
+                    <a:lnL>
+                      <a:noFill/>
+                    </a:lnL>
+                    <a:lnR>
+                      <a:noFill/>
+                    </a:lnR>
+                    <a:lnT>
+                      <a:noFill/>
+                    </a:lnT>
+                    <a:lnB>
+                      <a:noFill/>
+                    </a:lnB>
+                  </a:tcPr>
+                </a:tc>
+                <a:extLst>
+                  <a:ext uri="{0D108BD9-81ED-4DB2-BD59-A6C34878D82A}">
+                    <a16:rowId xmlns:a16="http://schemas.microsoft.com/office/drawing/2014/main" val="2868936791"/>
+                  </a:ext>
+                </a:extLst>
+              </a:tr>
+              <a:tr h="210494">
+                <a:tc>
+                  <a:txBody>
+                    <a:bodyPr/>
+                    <a:lstStyle/>
+                    <a:p>
+                      <a:pPr algn="l" fontAlgn="b"/>
+                      <a:r>
+                        <a:rPr lang="en-US" sz="1100" b="1" i="0" u="none" strike="noStrike">
+                          <a:solidFill>
+                            <a:srgbClr val="000000"/>
+                          </a:solidFill>
+                          <a:effectLst/>
+                          <a:latin typeface="Calibri" panose="020F0502020204030204" pitchFamily="34" charset="0"/>
+                        </a:rPr>
+                        <a:t>id27337</a:t>
+                      </a:r>
+                    </a:p>
+                  </a:txBody>
+                  <a:tcPr marL="3175" marR="3175" marT="3175" marB="0" anchor="b">
+                    <a:lnL>
+                      <a:noFill/>
+                    </a:lnL>
+                    <a:lnR>
+                      <a:noFill/>
+                    </a:lnR>
+                    <a:lnT>
+                      <a:noFill/>
+                    </a:lnT>
+                    <a:lnB>
+                      <a:noFill/>
+                    </a:lnB>
+                  </a:tcPr>
+                </a:tc>
+                <a:tc>
+                  <a:txBody>
+                    <a:bodyPr/>
+                    <a:lstStyle/>
+                    <a:p>
+                      <a:pPr algn="r" fontAlgn="b"/>
+                      <a:r>
+                        <a:rPr lang="en-US" sz="1100" b="1" i="0" u="none" strike="noStrike">
+                          <a:solidFill>
+                            <a:srgbClr val="000000"/>
+                          </a:solidFill>
+                          <a:effectLst/>
+                          <a:latin typeface="Calibri" panose="020F0502020204030204" pitchFamily="34" charset="0"/>
+                        </a:rPr>
+                        <a:t>0.993074</a:t>
+                      </a:r>
+                    </a:p>
+                  </a:txBody>
+                  <a:tcPr marL="3175" marR="3175" marT="3175" marB="0" anchor="b">
+                    <a:lnL>
+                      <a:noFill/>
+                    </a:lnL>
+                    <a:lnR>
+                      <a:noFill/>
+                    </a:lnR>
+                    <a:lnT>
+                      <a:noFill/>
+                    </a:lnT>
+                    <a:lnB>
+                      <a:noFill/>
+                    </a:lnB>
+                  </a:tcPr>
+                </a:tc>
+                <a:tc>
+                  <a:txBody>
+                    <a:bodyPr/>
+                    <a:lstStyle/>
+                    <a:p>
+                      <a:pPr algn="r" fontAlgn="b"/>
+                      <a:r>
+                        <a:rPr lang="en-US" sz="1100" b="1" i="0" u="none" strike="noStrike">
+                          <a:solidFill>
+                            <a:srgbClr val="000000"/>
+                          </a:solidFill>
+                          <a:effectLst/>
+                          <a:latin typeface="Calibri" panose="020F0502020204030204" pitchFamily="34" charset="0"/>
+                        </a:rPr>
+                        <a:t>0.006916</a:t>
+                      </a:r>
+                    </a:p>
+                  </a:txBody>
+                  <a:tcPr marL="3175" marR="3175" marT="3175" marB="0" anchor="b">
+                    <a:lnL>
+                      <a:noFill/>
+                    </a:lnL>
+                    <a:lnR>
+                      <a:noFill/>
+                    </a:lnR>
+                    <a:lnT>
+                      <a:noFill/>
+                    </a:lnT>
+                    <a:lnB>
+                      <a:noFill/>
+                    </a:lnB>
+                  </a:tcPr>
+                </a:tc>
+                <a:tc>
+                  <a:txBody>
+                    <a:bodyPr/>
+                    <a:lstStyle/>
+                    <a:p>
+                      <a:pPr algn="r" fontAlgn="b"/>
+                      <a:r>
+                        <a:rPr lang="en-US" sz="1100" b="1" i="0" u="none" strike="noStrike" dirty="0">
+                          <a:solidFill>
+                            <a:srgbClr val="000000"/>
+                          </a:solidFill>
+                          <a:effectLst/>
+                          <a:latin typeface="Calibri" panose="020F0502020204030204" pitchFamily="34" charset="0"/>
+                        </a:rPr>
+                        <a:t>9.55E-06</a:t>
+                      </a:r>
+                    </a:p>
+                  </a:txBody>
+                  <a:tcPr marL="3175" marR="3175" marT="3175" marB="0" anchor="b">
+                    <a:lnL>
+                      <a:noFill/>
+                    </a:lnL>
+                    <a:lnR>
+                      <a:noFill/>
+                    </a:lnR>
+                    <a:lnT>
+                      <a:noFill/>
+                    </a:lnT>
+                    <a:lnB>
+                      <a:noFill/>
+                    </a:lnB>
+                  </a:tcPr>
+                </a:tc>
+                <a:extLst>
+                  <a:ext uri="{0D108BD9-81ED-4DB2-BD59-A6C34878D82A}">
+                    <a16:rowId xmlns:a16="http://schemas.microsoft.com/office/drawing/2014/main" val="1799795519"/>
+                  </a:ext>
+                </a:extLst>
+              </a:tr>
+            </a:tbl>
+          </a:graphicData>
+        </a:graphic>
+      </p:graphicFrame>
+      <p:sp>
+        <p:nvSpPr>
+          <p:cNvPr id="7" name="TextBox 6">
+            <a:extLst>
+              <a:ext uri="{FF2B5EF4-FFF2-40B4-BE49-F238E27FC236}">
+                <a16:creationId xmlns:a16="http://schemas.microsoft.com/office/drawing/2014/main" id="{5272152D-7F04-4A20-9ACB-46B2C40FB2B1}"/>
+              </a:ext>
+            </a:extLst>
+          </p:cNvPr>
+          <p:cNvSpPr txBox="1"/>
+          <p:nvPr/>
+        </p:nvSpPr>
+        <p:spPr>
+          <a:xfrm>
+            <a:off x="3347117" y="4460358"/>
+            <a:ext cx="2844209" cy="369332"/>
+          </a:xfrm>
+          <a:prstGeom prst="rect">
+            <a:avLst/>
+          </a:prstGeom>
+          <a:noFill/>
+        </p:spPr>
+        <p:txBody>
+          <a:bodyPr wrap="square" rtlCol="0">
+            <a:spAutoFit/>
+          </a:bodyPr>
+          <a:lstStyle/>
+          <a:p>
+            <a:r>
+              <a:rPr lang="en-US" dirty="0"/>
+              <a:t>Frequency Predictions</a:t>
+            </a:r>
+          </a:p>
+        </p:txBody>
+      </p:sp>
     </p:spTree>
     <p:extLst>
       <p:ext uri="{BB962C8B-B14F-4D97-AF65-F5344CB8AC3E}">
@@ -5607,6 +6648,724 @@
 </file>
 
 <file path=ppt/slides/slide15.xml><?xml version="1.0" encoding="utf-8"?>
+<p:sld xmlns:a="http://schemas.openxmlformats.org/drawingml/2006/main" xmlns:r="http://schemas.openxmlformats.org/officeDocument/2006/relationships" xmlns:p="http://schemas.openxmlformats.org/presentationml/2006/main">
+  <p:cSld>
+    <p:spTree>
+      <p:nvGrpSpPr>
+        <p:cNvPr id="1" name=""/>
+        <p:cNvGrpSpPr/>
+        <p:nvPr/>
+      </p:nvGrpSpPr>
+      <p:grpSpPr>
+        <a:xfrm>
+          <a:off x="0" y="0"/>
+          <a:ext cx="0" cy="0"/>
+          <a:chOff x="0" y="0"/>
+          <a:chExt cx="0" cy="0"/>
+        </a:xfrm>
+      </p:grpSpPr>
+      <p:sp>
+        <p:nvSpPr>
+          <p:cNvPr id="2" name="Title 1">
+            <a:extLst>
+              <a:ext uri="{FF2B5EF4-FFF2-40B4-BE49-F238E27FC236}">
+                <a16:creationId xmlns:a16="http://schemas.microsoft.com/office/drawing/2014/main" id="{222C270D-D247-49B4-A453-78E2B6BDDEB8}"/>
+              </a:ext>
+            </a:extLst>
+          </p:cNvPr>
+          <p:cNvSpPr>
+            <a:spLocks noGrp="1"/>
+          </p:cNvSpPr>
+          <p:nvPr>
+            <p:ph type="title"/>
+          </p:nvPr>
+        </p:nvSpPr>
+        <p:spPr/>
+        <p:txBody>
+          <a:bodyPr/>
+          <a:lstStyle/>
+          <a:p>
+            <a:r>
+              <a:rPr lang="en-US" dirty="0"/>
+              <a:t>Success rate with frequency method</a:t>
+            </a:r>
+          </a:p>
+        </p:txBody>
+      </p:sp>
+      <p:graphicFrame>
+        <p:nvGraphicFramePr>
+          <p:cNvPr id="5" name="Content Placeholder 4">
+            <a:extLst>
+              <a:ext uri="{FF2B5EF4-FFF2-40B4-BE49-F238E27FC236}">
+                <a16:creationId xmlns:a16="http://schemas.microsoft.com/office/drawing/2014/main" id="{98540E1D-8346-4750-8D2C-93ADFB981083}"/>
+              </a:ext>
+            </a:extLst>
+          </p:cNvPr>
+          <p:cNvGraphicFramePr>
+            <a:graphicFrameLocks noGrp="1"/>
+          </p:cNvGraphicFramePr>
+          <p:nvPr>
+            <p:ph idx="1"/>
+            <p:extLst>
+              <p:ext uri="{D42A27DB-BD31-4B8C-83A1-F6EECF244321}">
+                <p14:modId xmlns:p14="http://schemas.microsoft.com/office/powerpoint/2010/main" val="4035436385"/>
+              </p:ext>
+            </p:extLst>
+          </p:nvPr>
+        </p:nvGraphicFramePr>
+        <p:xfrm>
+          <a:off x="2546129" y="3697473"/>
+          <a:ext cx="4694643" cy="2011680"/>
+        </p:xfrm>
+        <a:graphic>
+          <a:graphicData uri="http://schemas.openxmlformats.org/drawingml/2006/table">
+            <a:tbl>
+              <a:tblPr/>
+              <a:tblGrid>
+                <a:gridCol w="1636623">
+                  <a:extLst>
+                    <a:ext uri="{9D8B030D-6E8A-4147-A177-3AD203B41FA5}">
+                      <a16:colId xmlns:a16="http://schemas.microsoft.com/office/drawing/2014/main" val="2256644222"/>
+                    </a:ext>
+                  </a:extLst>
+                </a:gridCol>
+                <a:gridCol w="1170741">
+                  <a:extLst>
+                    <a:ext uri="{9D8B030D-6E8A-4147-A177-3AD203B41FA5}">
+                      <a16:colId xmlns:a16="http://schemas.microsoft.com/office/drawing/2014/main" val="2415659039"/>
+                    </a:ext>
+                  </a:extLst>
+                </a:gridCol>
+                <a:gridCol w="994144">
+                  <a:extLst>
+                    <a:ext uri="{9D8B030D-6E8A-4147-A177-3AD203B41FA5}">
+                      <a16:colId xmlns:a16="http://schemas.microsoft.com/office/drawing/2014/main" val="2506562419"/>
+                    </a:ext>
+                  </a:extLst>
+                </a:gridCol>
+                <a:gridCol w="893135">
+                  <a:extLst>
+                    <a:ext uri="{9D8B030D-6E8A-4147-A177-3AD203B41FA5}">
+                      <a16:colId xmlns:a16="http://schemas.microsoft.com/office/drawing/2014/main" val="2456036701"/>
+                    </a:ext>
+                  </a:extLst>
+                </a:gridCol>
+              </a:tblGrid>
+              <a:tr h="502920">
+                <a:tc>
+                  <a:txBody>
+                    <a:bodyPr/>
+                    <a:lstStyle/>
+                    <a:p>
+                      <a:pPr algn="l" fontAlgn="b"/>
+                      <a:endParaRPr lang="en-US" sz="2500" b="0" i="0" u="none" strike="noStrike">
+                        <a:solidFill>
+                          <a:srgbClr val="000000"/>
+                        </a:solidFill>
+                        <a:effectLst/>
+                        <a:latin typeface="Calibri" panose="020F0502020204030204" pitchFamily="34" charset="0"/>
+                      </a:endParaRPr>
+                    </a:p>
+                  </a:txBody>
+                  <a:tcPr marL="8518" marR="8518" marT="8518" marB="0" anchor="b">
+                    <a:lnL>
+                      <a:noFill/>
+                    </a:lnL>
+                    <a:lnR>
+                      <a:noFill/>
+                    </a:lnR>
+                    <a:lnT>
+                      <a:noFill/>
+                    </a:lnT>
+                    <a:lnB>
+                      <a:noFill/>
+                    </a:lnB>
+                  </a:tcPr>
+                </a:tc>
+                <a:tc>
+                  <a:txBody>
+                    <a:bodyPr/>
+                    <a:lstStyle/>
+                    <a:p>
+                      <a:pPr algn="ctr" fontAlgn="b"/>
+                      <a:r>
+                        <a:rPr lang="en-US" sz="2500" b="0" i="0" u="none" strike="noStrike" dirty="0">
+                          <a:solidFill>
+                            <a:srgbClr val="000000"/>
+                          </a:solidFill>
+                          <a:effectLst/>
+                          <a:latin typeface="Calibri" panose="020F0502020204030204" pitchFamily="34" charset="0"/>
+                        </a:rPr>
+                        <a:t>EAP</a:t>
+                      </a:r>
+                    </a:p>
+                  </a:txBody>
+                  <a:tcPr marL="8518" marR="8518" marT="8518" marB="0" anchor="b">
+                    <a:lnL>
+                      <a:noFill/>
+                    </a:lnL>
+                    <a:lnR>
+                      <a:noFill/>
+                    </a:lnR>
+                    <a:lnT>
+                      <a:noFill/>
+                    </a:lnT>
+                    <a:lnB>
+                      <a:noFill/>
+                    </a:lnB>
+                  </a:tcPr>
+                </a:tc>
+                <a:tc>
+                  <a:txBody>
+                    <a:bodyPr/>
+                    <a:lstStyle/>
+                    <a:p>
+                      <a:pPr algn="ctr" fontAlgn="b"/>
+                      <a:r>
+                        <a:rPr lang="en-US" sz="2500" b="0" i="0" u="none" strike="noStrike" dirty="0">
+                          <a:solidFill>
+                            <a:srgbClr val="000000"/>
+                          </a:solidFill>
+                          <a:effectLst/>
+                          <a:latin typeface="Calibri" panose="020F0502020204030204" pitchFamily="34" charset="0"/>
+                        </a:rPr>
+                        <a:t>HPL</a:t>
+                      </a:r>
+                    </a:p>
+                  </a:txBody>
+                  <a:tcPr marL="8518" marR="8518" marT="8518" marB="0" anchor="b">
+                    <a:lnL>
+                      <a:noFill/>
+                    </a:lnL>
+                    <a:lnR>
+                      <a:noFill/>
+                    </a:lnR>
+                    <a:lnT>
+                      <a:noFill/>
+                    </a:lnT>
+                    <a:lnB>
+                      <a:noFill/>
+                    </a:lnB>
+                  </a:tcPr>
+                </a:tc>
+                <a:tc>
+                  <a:txBody>
+                    <a:bodyPr/>
+                    <a:lstStyle/>
+                    <a:p>
+                      <a:pPr algn="ctr" fontAlgn="b"/>
+                      <a:r>
+                        <a:rPr lang="en-US" sz="2500" b="0" i="0" u="none" strike="noStrike">
+                          <a:solidFill>
+                            <a:srgbClr val="000000"/>
+                          </a:solidFill>
+                          <a:effectLst/>
+                          <a:latin typeface="Calibri" panose="020F0502020204030204" pitchFamily="34" charset="0"/>
+                        </a:rPr>
+                        <a:t>MWS</a:t>
+                      </a:r>
+                    </a:p>
+                  </a:txBody>
+                  <a:tcPr marL="8518" marR="8518" marT="8518" marB="0" anchor="b">
+                    <a:lnL>
+                      <a:noFill/>
+                    </a:lnL>
+                    <a:lnR>
+                      <a:noFill/>
+                    </a:lnR>
+                    <a:lnT>
+                      <a:noFill/>
+                    </a:lnT>
+                    <a:lnB>
+                      <a:noFill/>
+                    </a:lnB>
+                  </a:tcPr>
+                </a:tc>
+                <a:extLst>
+                  <a:ext uri="{0D108BD9-81ED-4DB2-BD59-A6C34878D82A}">
+                    <a16:rowId xmlns:a16="http://schemas.microsoft.com/office/drawing/2014/main" val="2259494873"/>
+                  </a:ext>
+                </a:extLst>
+              </a:tr>
+              <a:tr h="502920">
+                <a:tc>
+                  <a:txBody>
+                    <a:bodyPr/>
+                    <a:lstStyle/>
+                    <a:p>
+                      <a:pPr algn="r" fontAlgn="b"/>
+                      <a:r>
+                        <a:rPr lang="en-US" sz="2500" b="0" i="0" u="none" strike="noStrike" dirty="0">
+                          <a:solidFill>
+                            <a:srgbClr val="000000"/>
+                          </a:solidFill>
+                          <a:effectLst/>
+                          <a:latin typeface="Calibri" panose="020F0502020204030204" pitchFamily="34" charset="0"/>
+                        </a:rPr>
+                        <a:t>EAP</a:t>
+                      </a:r>
+                    </a:p>
+                  </a:txBody>
+                  <a:tcPr marL="8518" marR="8518" marT="8518" marB="0" anchor="b">
+                    <a:lnL>
+                      <a:noFill/>
+                    </a:lnL>
+                    <a:lnR>
+                      <a:noFill/>
+                    </a:lnR>
+                    <a:lnT>
+                      <a:noFill/>
+                    </a:lnT>
+                    <a:lnB>
+                      <a:noFill/>
+                    </a:lnB>
+                  </a:tcPr>
+                </a:tc>
+                <a:tc>
+                  <a:txBody>
+                    <a:bodyPr/>
+                    <a:lstStyle/>
+                    <a:p>
+                      <a:pPr algn="ctr" fontAlgn="b"/>
+                      <a:r>
+                        <a:rPr lang="en-US" sz="2500" b="0" i="0" u="none" strike="noStrike" dirty="0">
+                          <a:solidFill>
+                            <a:srgbClr val="000000"/>
+                          </a:solidFill>
+                          <a:effectLst/>
+                          <a:latin typeface="Calibri" panose="020F0502020204030204" pitchFamily="34" charset="0"/>
+                        </a:rPr>
+                        <a:t>80%</a:t>
+                      </a:r>
+                    </a:p>
+                  </a:txBody>
+                  <a:tcPr marL="8518" marR="8518" marT="8518" marB="0" anchor="b">
+                    <a:lnL>
+                      <a:noFill/>
+                    </a:lnL>
+                    <a:lnR>
+                      <a:noFill/>
+                    </a:lnR>
+                    <a:lnT>
+                      <a:noFill/>
+                    </a:lnT>
+                    <a:lnB>
+                      <a:noFill/>
+                    </a:lnB>
+                    <a:solidFill>
+                      <a:srgbClr val="FFC000"/>
+                    </a:solidFill>
+                  </a:tcPr>
+                </a:tc>
+                <a:tc>
+                  <a:txBody>
+                    <a:bodyPr/>
+                    <a:lstStyle/>
+                    <a:p>
+                      <a:pPr algn="ctr" fontAlgn="b"/>
+                      <a:r>
+                        <a:rPr lang="en-US" sz="2500" b="0" i="0" u="none" strike="noStrike" dirty="0">
+                          <a:solidFill>
+                            <a:srgbClr val="000000"/>
+                          </a:solidFill>
+                          <a:effectLst/>
+                          <a:latin typeface="Calibri" panose="020F0502020204030204" pitchFamily="34" charset="0"/>
+                        </a:rPr>
+                        <a:t>8%</a:t>
+                      </a:r>
+                    </a:p>
+                  </a:txBody>
+                  <a:tcPr marL="8518" marR="8518" marT="8518" marB="0" anchor="b">
+                    <a:lnL>
+                      <a:noFill/>
+                    </a:lnL>
+                    <a:lnR>
+                      <a:noFill/>
+                    </a:lnR>
+                    <a:lnT>
+                      <a:noFill/>
+                    </a:lnT>
+                    <a:lnB>
+                      <a:noFill/>
+                    </a:lnB>
+                  </a:tcPr>
+                </a:tc>
+                <a:tc>
+                  <a:txBody>
+                    <a:bodyPr/>
+                    <a:lstStyle/>
+                    <a:p>
+                      <a:pPr algn="ctr" fontAlgn="b"/>
+                      <a:r>
+                        <a:rPr lang="en-US" sz="2500" b="0" i="0" u="none" strike="noStrike" dirty="0">
+                          <a:solidFill>
+                            <a:srgbClr val="000000"/>
+                          </a:solidFill>
+                          <a:effectLst/>
+                          <a:latin typeface="Calibri" panose="020F0502020204030204" pitchFamily="34" charset="0"/>
+                        </a:rPr>
+                        <a:t>12%</a:t>
+                      </a:r>
+                    </a:p>
+                  </a:txBody>
+                  <a:tcPr marL="8518" marR="8518" marT="8518" marB="0" anchor="b">
+                    <a:lnL>
+                      <a:noFill/>
+                    </a:lnL>
+                    <a:lnR>
+                      <a:noFill/>
+                    </a:lnR>
+                    <a:lnT>
+                      <a:noFill/>
+                    </a:lnT>
+                    <a:lnB>
+                      <a:noFill/>
+                    </a:lnB>
+                  </a:tcPr>
+                </a:tc>
+                <a:extLst>
+                  <a:ext uri="{0D108BD9-81ED-4DB2-BD59-A6C34878D82A}">
+                    <a16:rowId xmlns:a16="http://schemas.microsoft.com/office/drawing/2014/main" val="3883608820"/>
+                  </a:ext>
+                </a:extLst>
+              </a:tr>
+              <a:tr h="502920">
+                <a:tc>
+                  <a:txBody>
+                    <a:bodyPr/>
+                    <a:lstStyle/>
+                    <a:p>
+                      <a:pPr algn="r" fontAlgn="b"/>
+                      <a:r>
+                        <a:rPr lang="en-US" sz="2500" b="0" i="0" u="none" strike="noStrike">
+                          <a:solidFill>
+                            <a:srgbClr val="000000"/>
+                          </a:solidFill>
+                          <a:effectLst/>
+                          <a:latin typeface="Calibri" panose="020F0502020204030204" pitchFamily="34" charset="0"/>
+                        </a:rPr>
+                        <a:t>HPL</a:t>
+                      </a:r>
+                    </a:p>
+                  </a:txBody>
+                  <a:tcPr marL="8518" marR="8518" marT="8518" marB="0" anchor="b">
+                    <a:lnL>
+                      <a:noFill/>
+                    </a:lnL>
+                    <a:lnR>
+                      <a:noFill/>
+                    </a:lnR>
+                    <a:lnT>
+                      <a:noFill/>
+                    </a:lnT>
+                    <a:lnB>
+                      <a:noFill/>
+                    </a:lnB>
+                  </a:tcPr>
+                </a:tc>
+                <a:tc>
+                  <a:txBody>
+                    <a:bodyPr/>
+                    <a:lstStyle/>
+                    <a:p>
+                      <a:pPr algn="ctr" fontAlgn="b"/>
+                      <a:r>
+                        <a:rPr lang="en-US" sz="2500" b="0" i="0" u="none" strike="noStrike">
+                          <a:solidFill>
+                            <a:srgbClr val="000000"/>
+                          </a:solidFill>
+                          <a:effectLst/>
+                          <a:latin typeface="Calibri" panose="020F0502020204030204" pitchFamily="34" charset="0"/>
+                        </a:rPr>
+                        <a:t>8%</a:t>
+                      </a:r>
+                    </a:p>
+                  </a:txBody>
+                  <a:tcPr marL="8518" marR="8518" marT="8518" marB="0" anchor="b">
+                    <a:lnL>
+                      <a:noFill/>
+                    </a:lnL>
+                    <a:lnR>
+                      <a:noFill/>
+                    </a:lnR>
+                    <a:lnT>
+                      <a:noFill/>
+                    </a:lnT>
+                    <a:lnB>
+                      <a:noFill/>
+                    </a:lnB>
+                  </a:tcPr>
+                </a:tc>
+                <a:tc>
+                  <a:txBody>
+                    <a:bodyPr/>
+                    <a:lstStyle/>
+                    <a:p>
+                      <a:pPr algn="ctr" fontAlgn="b"/>
+                      <a:r>
+                        <a:rPr lang="en-US" sz="2500" b="0" i="0" u="none" strike="noStrike" dirty="0">
+                          <a:solidFill>
+                            <a:srgbClr val="000000"/>
+                          </a:solidFill>
+                          <a:effectLst/>
+                          <a:latin typeface="Calibri" panose="020F0502020204030204" pitchFamily="34" charset="0"/>
+                        </a:rPr>
+                        <a:t>88%</a:t>
+                      </a:r>
+                    </a:p>
+                  </a:txBody>
+                  <a:tcPr marL="8518" marR="8518" marT="8518" marB="0" anchor="b">
+                    <a:lnL>
+                      <a:noFill/>
+                    </a:lnL>
+                    <a:lnR>
+                      <a:noFill/>
+                    </a:lnR>
+                    <a:lnT>
+                      <a:noFill/>
+                    </a:lnT>
+                    <a:lnB>
+                      <a:noFill/>
+                    </a:lnB>
+                    <a:solidFill>
+                      <a:srgbClr val="FFC000"/>
+                    </a:solidFill>
+                  </a:tcPr>
+                </a:tc>
+                <a:tc>
+                  <a:txBody>
+                    <a:bodyPr/>
+                    <a:lstStyle/>
+                    <a:p>
+                      <a:pPr algn="ctr" fontAlgn="b"/>
+                      <a:r>
+                        <a:rPr lang="en-US" sz="2500" b="0" i="0" u="none" strike="noStrike" dirty="0">
+                          <a:solidFill>
+                            <a:srgbClr val="000000"/>
+                          </a:solidFill>
+                          <a:effectLst/>
+                          <a:latin typeface="Calibri" panose="020F0502020204030204" pitchFamily="34" charset="0"/>
+                        </a:rPr>
+                        <a:t>5%</a:t>
+                      </a:r>
+                    </a:p>
+                  </a:txBody>
+                  <a:tcPr marL="8518" marR="8518" marT="8518" marB="0" anchor="b">
+                    <a:lnL>
+                      <a:noFill/>
+                    </a:lnL>
+                    <a:lnR>
+                      <a:noFill/>
+                    </a:lnR>
+                    <a:lnT>
+                      <a:noFill/>
+                    </a:lnT>
+                    <a:lnB>
+                      <a:noFill/>
+                    </a:lnB>
+                  </a:tcPr>
+                </a:tc>
+                <a:extLst>
+                  <a:ext uri="{0D108BD9-81ED-4DB2-BD59-A6C34878D82A}">
+                    <a16:rowId xmlns:a16="http://schemas.microsoft.com/office/drawing/2014/main" val="1955924349"/>
+                  </a:ext>
+                </a:extLst>
+              </a:tr>
+              <a:tr h="502920">
+                <a:tc>
+                  <a:txBody>
+                    <a:bodyPr/>
+                    <a:lstStyle/>
+                    <a:p>
+                      <a:pPr algn="r" fontAlgn="b"/>
+                      <a:r>
+                        <a:rPr lang="en-US" sz="2500" b="0" i="0" u="none" strike="noStrike" dirty="0">
+                          <a:solidFill>
+                            <a:srgbClr val="000000"/>
+                          </a:solidFill>
+                          <a:effectLst/>
+                          <a:latin typeface="Calibri" panose="020F0502020204030204" pitchFamily="34" charset="0"/>
+                        </a:rPr>
+                        <a:t>MWS</a:t>
+                      </a:r>
+                    </a:p>
+                  </a:txBody>
+                  <a:tcPr marL="8518" marR="8518" marT="8518" marB="0" anchor="b">
+                    <a:lnL>
+                      <a:noFill/>
+                    </a:lnL>
+                    <a:lnR>
+                      <a:noFill/>
+                    </a:lnR>
+                    <a:lnT>
+                      <a:noFill/>
+                    </a:lnT>
+                    <a:lnB>
+                      <a:noFill/>
+                    </a:lnB>
+                  </a:tcPr>
+                </a:tc>
+                <a:tc>
+                  <a:txBody>
+                    <a:bodyPr/>
+                    <a:lstStyle/>
+                    <a:p>
+                      <a:pPr algn="ctr" fontAlgn="b"/>
+                      <a:r>
+                        <a:rPr lang="en-US" sz="2500" b="0" i="0" u="none" strike="noStrike">
+                          <a:solidFill>
+                            <a:srgbClr val="000000"/>
+                          </a:solidFill>
+                          <a:effectLst/>
+                          <a:latin typeface="Calibri" panose="020F0502020204030204" pitchFamily="34" charset="0"/>
+                        </a:rPr>
+                        <a:t>7%</a:t>
+                      </a:r>
+                    </a:p>
+                  </a:txBody>
+                  <a:tcPr marL="8518" marR="8518" marT="8518" marB="0" anchor="b">
+                    <a:lnL>
+                      <a:noFill/>
+                    </a:lnL>
+                    <a:lnR>
+                      <a:noFill/>
+                    </a:lnR>
+                    <a:lnT>
+                      <a:noFill/>
+                    </a:lnT>
+                    <a:lnB>
+                      <a:noFill/>
+                    </a:lnB>
+                  </a:tcPr>
+                </a:tc>
+                <a:tc>
+                  <a:txBody>
+                    <a:bodyPr/>
+                    <a:lstStyle/>
+                    <a:p>
+                      <a:pPr algn="ctr" fontAlgn="b"/>
+                      <a:r>
+                        <a:rPr lang="en-US" sz="2500" b="0" i="0" u="none" strike="noStrike">
+                          <a:solidFill>
+                            <a:srgbClr val="000000"/>
+                          </a:solidFill>
+                          <a:effectLst/>
+                          <a:latin typeface="Calibri" panose="020F0502020204030204" pitchFamily="34" charset="0"/>
+                        </a:rPr>
+                        <a:t>3%</a:t>
+                      </a:r>
+                    </a:p>
+                  </a:txBody>
+                  <a:tcPr marL="8518" marR="8518" marT="8518" marB="0" anchor="b">
+                    <a:lnL>
+                      <a:noFill/>
+                    </a:lnL>
+                    <a:lnR>
+                      <a:noFill/>
+                    </a:lnR>
+                    <a:lnT>
+                      <a:noFill/>
+                    </a:lnT>
+                    <a:lnB>
+                      <a:noFill/>
+                    </a:lnB>
+                  </a:tcPr>
+                </a:tc>
+                <a:tc>
+                  <a:txBody>
+                    <a:bodyPr/>
+                    <a:lstStyle/>
+                    <a:p>
+                      <a:pPr algn="ctr" fontAlgn="b"/>
+                      <a:r>
+                        <a:rPr lang="en-US" sz="2500" b="0" i="0" u="none" strike="noStrike" dirty="0">
+                          <a:solidFill>
+                            <a:srgbClr val="000000"/>
+                          </a:solidFill>
+                          <a:effectLst/>
+                          <a:latin typeface="Calibri" panose="020F0502020204030204" pitchFamily="34" charset="0"/>
+                        </a:rPr>
+                        <a:t>90%</a:t>
+                      </a:r>
+                    </a:p>
+                  </a:txBody>
+                  <a:tcPr marL="8518" marR="8518" marT="8518" marB="0" anchor="b">
+                    <a:lnL>
+                      <a:noFill/>
+                    </a:lnL>
+                    <a:lnR>
+                      <a:noFill/>
+                    </a:lnR>
+                    <a:lnT>
+                      <a:noFill/>
+                    </a:lnT>
+                    <a:lnB>
+                      <a:noFill/>
+                    </a:lnB>
+                    <a:solidFill>
+                      <a:srgbClr val="FFC000"/>
+                    </a:solidFill>
+                  </a:tcPr>
+                </a:tc>
+                <a:extLst>
+                  <a:ext uri="{0D108BD9-81ED-4DB2-BD59-A6C34878D82A}">
+                    <a16:rowId xmlns:a16="http://schemas.microsoft.com/office/drawing/2014/main" val="967727266"/>
+                  </a:ext>
+                </a:extLst>
+              </a:tr>
+            </a:tbl>
+          </a:graphicData>
+        </a:graphic>
+      </p:graphicFrame>
+      <p:sp>
+        <p:nvSpPr>
+          <p:cNvPr id="6" name="TextBox 5">
+            <a:extLst>
+              <a:ext uri="{FF2B5EF4-FFF2-40B4-BE49-F238E27FC236}">
+                <a16:creationId xmlns:a16="http://schemas.microsoft.com/office/drawing/2014/main" id="{58D1F243-9E7C-43A4-9E67-A19EB50E9E38}"/>
+              </a:ext>
+            </a:extLst>
+          </p:cNvPr>
+          <p:cNvSpPr txBox="1"/>
+          <p:nvPr/>
+        </p:nvSpPr>
+        <p:spPr>
+          <a:xfrm>
+            <a:off x="4630479" y="2131829"/>
+            <a:ext cx="3009014" cy="954107"/>
+          </a:xfrm>
+          <a:prstGeom prst="rect">
+            <a:avLst/>
+          </a:prstGeom>
+          <a:noFill/>
+        </p:spPr>
+        <p:txBody>
+          <a:bodyPr wrap="square" rtlCol="0">
+            <a:spAutoFit/>
+          </a:bodyPr>
+          <a:lstStyle/>
+          <a:p>
+            <a:r>
+              <a:rPr lang="en-US" sz="2800" dirty="0"/>
+              <a:t>Overall: 85% accurate</a:t>
+            </a:r>
+          </a:p>
+        </p:txBody>
+      </p:sp>
+    </p:spTree>
+    <p:extLst>
+      <p:ext uri="{BB962C8B-B14F-4D97-AF65-F5344CB8AC3E}">
+        <p14:creationId xmlns:p14="http://schemas.microsoft.com/office/powerpoint/2010/main" val="35687086"/>
+      </p:ext>
+    </p:extLst>
+  </p:cSld>
+  <p:clrMapOvr>
+    <a:masterClrMapping/>
+  </p:clrMapOvr>
+</p:sld>
+</file>
+
+<file path=ppt/slides/slide16.xml><?xml version="1.0" encoding="utf-8"?>
 <p:sld xmlns:a="http://schemas.openxmlformats.org/drawingml/2006/main" xmlns:r="http://schemas.openxmlformats.org/officeDocument/2006/relationships" xmlns:p="http://schemas.openxmlformats.org/presentationml/2006/main">
   <p:cSld>
     <p:spTree>
@@ -5808,7 +7567,7 @@
 </p:sld>
 </file>
 
-<file path=ppt/slides/slide16.xml><?xml version="1.0" encoding="utf-8"?>
+<file path=ppt/slides/slide17.xml><?xml version="1.0" encoding="utf-8"?>
 <p:sld xmlns:a="http://schemas.openxmlformats.org/drawingml/2006/main" xmlns:r="http://schemas.openxmlformats.org/officeDocument/2006/relationships" xmlns:p="http://schemas.openxmlformats.org/presentationml/2006/main">
   <p:cSld>
     <p:spTree>
@@ -6010,7 +7769,7 @@
 </p:sld>
 </file>
 
-<file path=ppt/slides/slide17.xml><?xml version="1.0" encoding="utf-8"?>
+<file path=ppt/slides/slide18.xml><?xml version="1.0" encoding="utf-8"?>
 <p:sld xmlns:a="http://schemas.openxmlformats.org/drawingml/2006/main" xmlns:r="http://schemas.openxmlformats.org/officeDocument/2006/relationships" xmlns:p="http://schemas.openxmlformats.org/presentationml/2006/main">
   <p:cSld>
     <p:spTree>
@@ -6213,7 +7972,7 @@
 </p:sld>
 </file>
 
-<file path=ppt/slides/slide18.xml><?xml version="1.0" encoding="utf-8"?>
+<file path=ppt/slides/slide19.xml><?xml version="1.0" encoding="utf-8"?>
 <p:sld xmlns:a="http://schemas.openxmlformats.org/drawingml/2006/main" xmlns:r="http://schemas.openxmlformats.org/officeDocument/2006/relationships" xmlns:p="http://schemas.openxmlformats.org/presentationml/2006/main">
   <p:cSld>
     <p:spTree>
@@ -6415,92 +8174,6 @@
 </p:sld>
 </file>
 
-<file path=ppt/slides/slide19.xml><?xml version="1.0" encoding="utf-8"?>
-<p:sld xmlns:a="http://schemas.openxmlformats.org/drawingml/2006/main" xmlns:r="http://schemas.openxmlformats.org/officeDocument/2006/relationships" xmlns:p="http://schemas.openxmlformats.org/presentationml/2006/main">
-  <p:cSld>
-    <p:spTree>
-      <p:nvGrpSpPr>
-        <p:cNvPr id="1" name=""/>
-        <p:cNvGrpSpPr/>
-        <p:nvPr/>
-      </p:nvGrpSpPr>
-      <p:grpSpPr>
-        <a:xfrm>
-          <a:off x="0" y="0"/>
-          <a:ext cx="0" cy="0"/>
-          <a:chOff x="0" y="0"/>
-          <a:chExt cx="0" cy="0"/>
-        </a:xfrm>
-      </p:grpSpPr>
-      <p:sp>
-        <p:nvSpPr>
-          <p:cNvPr id="2" name="Title 1">
-            <a:extLst>
-              <a:ext uri="{FF2B5EF4-FFF2-40B4-BE49-F238E27FC236}">
-                <a16:creationId xmlns:a16="http://schemas.microsoft.com/office/drawing/2014/main" id="{48EAA617-34BE-4C6D-87CC-4DC4CCAD832D}"/>
-              </a:ext>
-            </a:extLst>
-          </p:cNvPr>
-          <p:cNvSpPr>
-            <a:spLocks noGrp="1"/>
-          </p:cNvSpPr>
-          <p:nvPr>
-            <p:ph type="title"/>
-          </p:nvPr>
-        </p:nvSpPr>
-        <p:spPr/>
-        <p:txBody>
-          <a:bodyPr/>
-          <a:lstStyle/>
-          <a:p>
-            <a:r>
-              <a:rPr lang="en-US" dirty="0"/>
-              <a:t>If we had all the time in the world…</a:t>
-            </a:r>
-          </a:p>
-        </p:txBody>
-      </p:sp>
-      <p:sp>
-        <p:nvSpPr>
-          <p:cNvPr id="3" name="Content Placeholder 2">
-            <a:extLst>
-              <a:ext uri="{FF2B5EF4-FFF2-40B4-BE49-F238E27FC236}">
-                <a16:creationId xmlns:a16="http://schemas.microsoft.com/office/drawing/2014/main" id="{B4BC1620-51F4-4EE0-8A87-1AD9FD617215}"/>
-              </a:ext>
-            </a:extLst>
-          </p:cNvPr>
-          <p:cNvSpPr>
-            <a:spLocks noGrp="1"/>
-          </p:cNvSpPr>
-          <p:nvPr>
-            <p:ph idx="1"/>
-          </p:nvPr>
-        </p:nvSpPr>
-        <p:spPr/>
-        <p:txBody>
-          <a:bodyPr/>
-          <a:lstStyle/>
-          <a:p>
-            <a:r>
-              <a:rPr lang="en-US" dirty="0"/>
-              <a:t>We would use machine learning!</a:t>
-            </a:r>
-          </a:p>
-        </p:txBody>
-      </p:sp>
-    </p:spTree>
-    <p:extLst>
-      <p:ext uri="{BB962C8B-B14F-4D97-AF65-F5344CB8AC3E}">
-        <p14:creationId xmlns:p14="http://schemas.microsoft.com/office/powerpoint/2010/main" val="970933788"/>
-      </p:ext>
-    </p:extLst>
-  </p:cSld>
-  <p:clrMapOvr>
-    <a:masterClrMapping/>
-  </p:clrMapOvr>
-</p:sld>
-</file>
-
 <file path=ppt/slides/slide2.xml><?xml version="1.0" encoding="utf-8"?>
 <p:sld xmlns:a="http://schemas.openxmlformats.org/drawingml/2006/main" xmlns:r="http://schemas.openxmlformats.org/officeDocument/2006/relationships" xmlns:p="http://schemas.openxmlformats.org/presentationml/2006/main">
   <p:cSld>
@@ -6591,6 +8264,97 @@
 </file>
 
 <file path=ppt/slides/slide20.xml><?xml version="1.0" encoding="utf-8"?>
+<p:sld xmlns:a="http://schemas.openxmlformats.org/drawingml/2006/main" xmlns:r="http://schemas.openxmlformats.org/officeDocument/2006/relationships" xmlns:p="http://schemas.openxmlformats.org/presentationml/2006/main">
+  <p:cSld>
+    <p:spTree>
+      <p:nvGrpSpPr>
+        <p:cNvPr id="1" name=""/>
+        <p:cNvGrpSpPr/>
+        <p:nvPr/>
+      </p:nvGrpSpPr>
+      <p:grpSpPr>
+        <a:xfrm>
+          <a:off x="0" y="0"/>
+          <a:ext cx="0" cy="0"/>
+          <a:chOff x="0" y="0"/>
+          <a:chExt cx="0" cy="0"/>
+        </a:xfrm>
+      </p:grpSpPr>
+      <p:sp>
+        <p:nvSpPr>
+          <p:cNvPr id="2" name="Title 1">
+            <a:extLst>
+              <a:ext uri="{FF2B5EF4-FFF2-40B4-BE49-F238E27FC236}">
+                <a16:creationId xmlns:a16="http://schemas.microsoft.com/office/drawing/2014/main" id="{48EAA617-34BE-4C6D-87CC-4DC4CCAD832D}"/>
+              </a:ext>
+            </a:extLst>
+          </p:cNvPr>
+          <p:cNvSpPr>
+            <a:spLocks noGrp="1"/>
+          </p:cNvSpPr>
+          <p:nvPr>
+            <p:ph type="title"/>
+          </p:nvPr>
+        </p:nvSpPr>
+        <p:spPr/>
+        <p:txBody>
+          <a:bodyPr/>
+          <a:lstStyle/>
+          <a:p>
+            <a:r>
+              <a:rPr lang="en-US" dirty="0"/>
+              <a:t>If we had all the time in the world…</a:t>
+            </a:r>
+          </a:p>
+        </p:txBody>
+      </p:sp>
+      <p:sp>
+        <p:nvSpPr>
+          <p:cNvPr id="3" name="Content Placeholder 2">
+            <a:extLst>
+              <a:ext uri="{FF2B5EF4-FFF2-40B4-BE49-F238E27FC236}">
+                <a16:creationId xmlns:a16="http://schemas.microsoft.com/office/drawing/2014/main" id="{B4BC1620-51F4-4EE0-8A87-1AD9FD617215}"/>
+              </a:ext>
+            </a:extLst>
+          </p:cNvPr>
+          <p:cNvSpPr>
+            <a:spLocks noGrp="1"/>
+          </p:cNvSpPr>
+          <p:nvPr>
+            <p:ph idx="1"/>
+          </p:nvPr>
+        </p:nvSpPr>
+        <p:spPr/>
+        <p:txBody>
+          <a:bodyPr/>
+          <a:lstStyle/>
+          <a:p>
+            <a:r>
+              <a:rPr lang="en-US" dirty="0"/>
+              <a:t>Test more machine </a:t>
+            </a:r>
+            <a:r>
+              <a:rPr lang="en-US"/>
+              <a:t>learning techniques</a:t>
+            </a:r>
+            <a:endParaRPr lang="en-US" dirty="0"/>
+          </a:p>
+        </p:txBody>
+      </p:sp>
+    </p:spTree>
+    <p:extLst>
+      <p:ext uri="{BB962C8B-B14F-4D97-AF65-F5344CB8AC3E}">
+        <p14:creationId xmlns:p14="http://schemas.microsoft.com/office/powerpoint/2010/main" val="970933788"/>
+      </p:ext>
+    </p:extLst>
+  </p:cSld>
+  <p:clrMapOvr>
+    <a:masterClrMapping/>
+  </p:clrMapOvr>
+</p:sld>
+</file>
+
+<file path=ppt/slides/slide21.xml><?xml version="1.0" encoding="utf-8"?>
 <p:sld xmlns:a="http://schemas.openxmlformats.org/drawingml/2006/main" xmlns:r="http://schemas.openxmlformats.org/officeDocument/2006/relationships" xmlns:p="http://schemas.openxmlformats.org/presentationml/2006/main">
   <p:cSld>
     <p:spTree>
